--- a/trunk/Tracking.pptx
+++ b/trunk/Tracking.pptx
@@ -3243,6 +3243,2352 @@
 </dgm:colorsDef>
 </file>
 
+<file path=ppt/diagrams/colors5.xml><?xml version="1.0" encoding="utf-8"?>
+<dgm:colorsDef xmlns:dgm="http://schemas.openxmlformats.org/drawingml/2006/diagram" xmlns:a="http://schemas.openxmlformats.org/drawingml/2006/main" uniqueId="urn:microsoft.com/office/officeart/2005/8/colors/colorful5">
+  <dgm:title val=""/>
+  <dgm:desc val=""/>
+  <dgm:catLst>
+    <dgm:cat type="colorful" pri="10500"/>
+  </dgm:catLst>
+  <dgm:styleLbl name="node0">
+    <dgm:fillClrLst meth="repeat">
+      <a:schemeClr val="accent4"/>
+    </dgm:fillClrLst>
+    <dgm:linClrLst meth="repeat">
+      <a:schemeClr val="lt1"/>
+    </dgm:linClrLst>
+    <dgm:effectClrLst/>
+    <dgm:txLinClrLst/>
+    <dgm:txFillClrLst/>
+    <dgm:txEffectClrLst/>
+  </dgm:styleLbl>
+  <dgm:styleLbl name="node1">
+    <dgm:fillClrLst>
+      <a:schemeClr val="accent5"/>
+      <a:schemeClr val="accent6"/>
+    </dgm:fillClrLst>
+    <dgm:linClrLst meth="repeat">
+      <a:schemeClr val="lt1"/>
+    </dgm:linClrLst>
+    <dgm:effectClrLst/>
+    <dgm:txLinClrLst/>
+    <dgm:txFillClrLst/>
+    <dgm:txEffectClrLst/>
+  </dgm:styleLbl>
+  <dgm:styleLbl name="alignNode1">
+    <dgm:fillClrLst>
+      <a:schemeClr val="accent5"/>
+      <a:schemeClr val="accent6"/>
+    </dgm:fillClrLst>
+    <dgm:linClrLst>
+      <a:schemeClr val="accent5"/>
+      <a:schemeClr val="accent6"/>
+    </dgm:linClrLst>
+    <dgm:effectClrLst/>
+    <dgm:txLinClrLst/>
+    <dgm:txFillClrLst/>
+    <dgm:txEffectClrLst/>
+  </dgm:styleLbl>
+  <dgm:styleLbl name="lnNode1">
+    <dgm:fillClrLst>
+      <a:schemeClr val="accent5"/>
+      <a:schemeClr val="accent6"/>
+    </dgm:fillClrLst>
+    <dgm:linClrLst meth="repeat">
+      <a:schemeClr val="lt1"/>
+    </dgm:linClrLst>
+    <dgm:effectClrLst/>
+    <dgm:txLinClrLst/>
+    <dgm:txFillClrLst/>
+    <dgm:txEffectClrLst/>
+  </dgm:styleLbl>
+  <dgm:styleLbl name="vennNode1">
+    <dgm:fillClrLst>
+      <a:schemeClr val="accent5">
+        <a:alpha val="50000"/>
+      </a:schemeClr>
+      <a:schemeClr val="accent6">
+        <a:alpha val="50000"/>
+      </a:schemeClr>
+    </dgm:fillClrLst>
+    <dgm:linClrLst meth="repeat">
+      <a:schemeClr val="lt1"/>
+    </dgm:linClrLst>
+    <dgm:effectClrLst/>
+    <dgm:txLinClrLst/>
+    <dgm:txFillClrLst/>
+    <dgm:txEffectClrLst/>
+  </dgm:styleLbl>
+  <dgm:styleLbl name="node2">
+    <dgm:fillClrLst>
+      <a:schemeClr val="accent6"/>
+    </dgm:fillClrLst>
+    <dgm:linClrLst meth="repeat">
+      <a:schemeClr val="lt1"/>
+    </dgm:linClrLst>
+    <dgm:effectClrLst/>
+    <dgm:txLinClrLst/>
+    <dgm:txFillClrLst/>
+    <dgm:txEffectClrLst/>
+  </dgm:styleLbl>
+  <dgm:styleLbl name="node3">
+    <dgm:fillClrLst>
+      <a:schemeClr val="accent1"/>
+    </dgm:fillClrLst>
+    <dgm:linClrLst meth="repeat">
+      <a:schemeClr val="lt1"/>
+    </dgm:linClrLst>
+    <dgm:effectClrLst/>
+    <dgm:txLinClrLst/>
+    <dgm:txFillClrLst/>
+    <dgm:txEffectClrLst/>
+  </dgm:styleLbl>
+  <dgm:styleLbl name="node4">
+    <dgm:fillClrLst>
+      <a:schemeClr val="accent2"/>
+    </dgm:fillClrLst>
+    <dgm:linClrLst meth="repeat">
+      <a:schemeClr val="lt1"/>
+    </dgm:linClrLst>
+    <dgm:effectClrLst/>
+    <dgm:txLinClrLst/>
+    <dgm:txFillClrLst/>
+    <dgm:txEffectClrLst/>
+  </dgm:styleLbl>
+  <dgm:styleLbl name="fgImgPlace1">
+    <dgm:fillClrLst>
+      <a:schemeClr val="accent5">
+        <a:tint val="50000"/>
+      </a:schemeClr>
+      <a:schemeClr val="accent6">
+        <a:tint val="50000"/>
+      </a:schemeClr>
+    </dgm:fillClrLst>
+    <dgm:linClrLst meth="repeat">
+      <a:schemeClr val="lt1"/>
+    </dgm:linClrLst>
+    <dgm:effectClrLst/>
+    <dgm:txLinClrLst/>
+    <dgm:txFillClrLst meth="repeat">
+      <a:schemeClr val="lt1"/>
+    </dgm:txFillClrLst>
+    <dgm:txEffectClrLst/>
+  </dgm:styleLbl>
+  <dgm:styleLbl name="alignImgPlace1">
+    <dgm:fillClrLst>
+      <a:schemeClr val="accent5">
+        <a:tint val="50000"/>
+      </a:schemeClr>
+      <a:schemeClr val="accent6">
+        <a:tint val="20000"/>
+      </a:schemeClr>
+    </dgm:fillClrLst>
+    <dgm:linClrLst meth="repeat">
+      <a:schemeClr val="lt1"/>
+    </dgm:linClrLst>
+    <dgm:effectClrLst/>
+    <dgm:txLinClrLst/>
+    <dgm:txFillClrLst meth="repeat">
+      <a:schemeClr val="lt1"/>
+    </dgm:txFillClrLst>
+    <dgm:txEffectClrLst/>
+  </dgm:styleLbl>
+  <dgm:styleLbl name="bgImgPlace1">
+    <dgm:fillClrLst>
+      <a:schemeClr val="accent5">
+        <a:tint val="50000"/>
+      </a:schemeClr>
+      <a:schemeClr val="accent6">
+        <a:tint val="20000"/>
+      </a:schemeClr>
+    </dgm:fillClrLst>
+    <dgm:linClrLst meth="repeat">
+      <a:schemeClr val="lt1"/>
+    </dgm:linClrLst>
+    <dgm:effectClrLst/>
+    <dgm:txLinClrLst/>
+    <dgm:txFillClrLst meth="repeat">
+      <a:schemeClr val="lt1"/>
+    </dgm:txFillClrLst>
+    <dgm:txEffectClrLst/>
+  </dgm:styleLbl>
+  <dgm:styleLbl name="sibTrans2D1">
+    <dgm:fillClrLst>
+      <a:schemeClr val="accent5"/>
+      <a:schemeClr val="accent6"/>
+    </dgm:fillClrLst>
+    <dgm:linClrLst meth="repeat">
+      <a:schemeClr val="lt1"/>
+    </dgm:linClrLst>
+    <dgm:effectClrLst/>
+    <dgm:txLinClrLst/>
+    <dgm:txFillClrLst/>
+    <dgm:txEffectClrLst/>
+  </dgm:styleLbl>
+  <dgm:styleLbl name="fgSibTrans2D1">
+    <dgm:fillClrLst>
+      <a:schemeClr val="accent5"/>
+      <a:schemeClr val="accent6"/>
+    </dgm:fillClrLst>
+    <dgm:linClrLst meth="repeat">
+      <a:schemeClr val="lt1"/>
+    </dgm:linClrLst>
+    <dgm:effectClrLst/>
+    <dgm:txLinClrLst/>
+    <dgm:txFillClrLst meth="repeat">
+      <a:schemeClr val="lt1"/>
+    </dgm:txFillClrLst>
+    <dgm:txEffectClrLst/>
+  </dgm:styleLbl>
+  <dgm:styleLbl name="bgSibTrans2D1">
+    <dgm:fillClrLst>
+      <a:schemeClr val="accent5"/>
+      <a:schemeClr val="accent6"/>
+    </dgm:fillClrLst>
+    <dgm:linClrLst meth="repeat">
+      <a:schemeClr val="lt1"/>
+    </dgm:linClrLst>
+    <dgm:effectClrLst/>
+    <dgm:txLinClrLst/>
+    <dgm:txFillClrLst meth="repeat">
+      <a:schemeClr val="lt1"/>
+    </dgm:txFillClrLst>
+    <dgm:txEffectClrLst/>
+  </dgm:styleLbl>
+  <dgm:styleLbl name="sibTrans1D1">
+    <dgm:fillClrLst/>
+    <dgm:linClrLst>
+      <a:schemeClr val="accent5"/>
+      <a:schemeClr val="accent6"/>
+    </dgm:linClrLst>
+    <dgm:effectClrLst/>
+    <dgm:txLinClrLst/>
+    <dgm:txFillClrLst meth="repeat">
+      <a:schemeClr val="tx1"/>
+    </dgm:txFillClrLst>
+    <dgm:txEffectClrLst/>
+  </dgm:styleLbl>
+  <dgm:styleLbl name="callout">
+    <dgm:fillClrLst meth="repeat">
+      <a:schemeClr val="accent5"/>
+    </dgm:fillClrLst>
+    <dgm:linClrLst meth="repeat">
+      <a:schemeClr val="accent5">
+        <a:tint val="50000"/>
+      </a:schemeClr>
+    </dgm:linClrLst>
+    <dgm:effectClrLst/>
+    <dgm:txLinClrLst/>
+    <dgm:txFillClrLst meth="repeat">
+      <a:schemeClr val="tx1"/>
+    </dgm:txFillClrLst>
+    <dgm:txEffectClrLst/>
+  </dgm:styleLbl>
+  <dgm:styleLbl name="asst0">
+    <dgm:fillClrLst meth="repeat">
+      <a:schemeClr val="accent5"/>
+    </dgm:fillClrLst>
+    <dgm:linClrLst meth="repeat">
+      <a:schemeClr val="lt1">
+        <a:shade val="80000"/>
+      </a:schemeClr>
+    </dgm:linClrLst>
+    <dgm:effectClrLst/>
+    <dgm:txLinClrLst/>
+    <dgm:txFillClrLst/>
+    <dgm:txEffectClrLst/>
+  </dgm:styleLbl>
+  <dgm:styleLbl name="asst1">
+    <dgm:fillClrLst meth="repeat">
+      <a:schemeClr val="accent6"/>
+    </dgm:fillClrLst>
+    <dgm:linClrLst meth="repeat">
+      <a:schemeClr val="lt1">
+        <a:shade val="80000"/>
+      </a:schemeClr>
+    </dgm:linClrLst>
+    <dgm:effectClrLst/>
+    <dgm:txLinClrLst/>
+    <dgm:txFillClrLst/>
+    <dgm:txEffectClrLst/>
+  </dgm:styleLbl>
+  <dgm:styleLbl name="asst2">
+    <dgm:fillClrLst>
+      <a:schemeClr val="accent1"/>
+    </dgm:fillClrLst>
+    <dgm:linClrLst meth="repeat">
+      <a:schemeClr val="lt1"/>
+    </dgm:linClrLst>
+    <dgm:effectClrLst/>
+    <dgm:txLinClrLst/>
+    <dgm:txFillClrLst/>
+    <dgm:txEffectClrLst/>
+  </dgm:styleLbl>
+  <dgm:styleLbl name="asst3">
+    <dgm:fillClrLst>
+      <a:schemeClr val="accent2"/>
+    </dgm:fillClrLst>
+    <dgm:linClrLst meth="repeat">
+      <a:schemeClr val="lt1"/>
+    </dgm:linClrLst>
+    <dgm:effectClrLst/>
+    <dgm:txLinClrLst/>
+    <dgm:txFillClrLst/>
+    <dgm:txEffectClrLst/>
+  </dgm:styleLbl>
+  <dgm:styleLbl name="asst4">
+    <dgm:fillClrLst>
+      <a:schemeClr val="accent3"/>
+    </dgm:fillClrLst>
+    <dgm:linClrLst meth="repeat">
+      <a:schemeClr val="lt1"/>
+    </dgm:linClrLst>
+    <dgm:effectClrLst/>
+    <dgm:txLinClrLst/>
+    <dgm:txFillClrLst/>
+    <dgm:txEffectClrLst/>
+  </dgm:styleLbl>
+  <dgm:styleLbl name="parChTrans2D1">
+    <dgm:fillClrLst meth="repeat">
+      <a:schemeClr val="accent5"/>
+    </dgm:fillClrLst>
+    <dgm:linClrLst meth="repeat">
+      <a:schemeClr val="lt1"/>
+    </dgm:linClrLst>
+    <dgm:effectClrLst/>
+    <dgm:txLinClrLst/>
+    <dgm:txFillClrLst meth="repeat">
+      <a:schemeClr val="lt1"/>
+    </dgm:txFillClrLst>
+    <dgm:txEffectClrLst/>
+  </dgm:styleLbl>
+  <dgm:styleLbl name="parChTrans2D2">
+    <dgm:fillClrLst meth="repeat">
+      <a:schemeClr val="accent6"/>
+    </dgm:fillClrLst>
+    <dgm:linClrLst meth="repeat">
+      <a:schemeClr val="lt1"/>
+    </dgm:linClrLst>
+    <dgm:effectClrLst/>
+    <dgm:txLinClrLst/>
+    <dgm:txFillClrLst/>
+    <dgm:txEffectClrLst/>
+  </dgm:styleLbl>
+  <dgm:styleLbl name="parChTrans2D3">
+    <dgm:fillClrLst meth="repeat">
+      <a:schemeClr val="accent6"/>
+    </dgm:fillClrLst>
+    <dgm:linClrLst meth="repeat">
+      <a:schemeClr val="lt1"/>
+    </dgm:linClrLst>
+    <dgm:effectClrLst/>
+    <dgm:txLinClrLst/>
+    <dgm:txFillClrLst/>
+    <dgm:txEffectClrLst/>
+  </dgm:styleLbl>
+  <dgm:styleLbl name="parChTrans2D4">
+    <dgm:fillClrLst meth="repeat">
+      <a:schemeClr val="accent1"/>
+    </dgm:fillClrLst>
+    <dgm:linClrLst meth="repeat">
+      <a:schemeClr val="lt1"/>
+    </dgm:linClrLst>
+    <dgm:effectClrLst/>
+    <dgm:txLinClrLst/>
+    <dgm:txFillClrLst meth="repeat">
+      <a:schemeClr val="lt1"/>
+    </dgm:txFillClrLst>
+    <dgm:txEffectClrLst/>
+  </dgm:styleLbl>
+  <dgm:styleLbl name="parChTrans1D1">
+    <dgm:fillClrLst meth="repeat">
+      <a:schemeClr val="accent5"/>
+    </dgm:fillClrLst>
+    <dgm:linClrLst meth="repeat">
+      <a:schemeClr val="accent5"/>
+    </dgm:linClrLst>
+    <dgm:effectClrLst/>
+    <dgm:txLinClrLst/>
+    <dgm:txFillClrLst meth="repeat">
+      <a:schemeClr val="tx1"/>
+    </dgm:txFillClrLst>
+    <dgm:txEffectClrLst/>
+  </dgm:styleLbl>
+  <dgm:styleLbl name="parChTrans1D2">
+    <dgm:fillClrLst meth="repeat">
+      <a:schemeClr val="accent6">
+        <a:tint val="90000"/>
+      </a:schemeClr>
+    </dgm:fillClrLst>
+    <dgm:linClrLst meth="repeat">
+      <a:schemeClr val="accent6"/>
+    </dgm:linClrLst>
+    <dgm:effectClrLst/>
+    <dgm:txLinClrLst/>
+    <dgm:txFillClrLst meth="repeat">
+      <a:schemeClr val="tx1"/>
+    </dgm:txFillClrLst>
+    <dgm:txEffectClrLst/>
+  </dgm:styleLbl>
+  <dgm:styleLbl name="parChTrans1D3">
+    <dgm:fillClrLst meth="repeat">
+      <a:schemeClr val="accent6">
+        <a:tint val="70000"/>
+      </a:schemeClr>
+    </dgm:fillClrLst>
+    <dgm:linClrLst meth="repeat">
+      <a:schemeClr val="accent1"/>
+    </dgm:linClrLst>
+    <dgm:effectClrLst/>
+    <dgm:txLinClrLst/>
+    <dgm:txFillClrLst meth="repeat">
+      <a:schemeClr val="tx1"/>
+    </dgm:txFillClrLst>
+    <dgm:txEffectClrLst/>
+  </dgm:styleLbl>
+  <dgm:styleLbl name="parChTrans1D4">
+    <dgm:fillClrLst meth="repeat">
+      <a:schemeClr val="accent6">
+        <a:tint val="50000"/>
+      </a:schemeClr>
+    </dgm:fillClrLst>
+    <dgm:linClrLst meth="repeat">
+      <a:schemeClr val="accent2"/>
+    </dgm:linClrLst>
+    <dgm:effectClrLst/>
+    <dgm:txLinClrLst/>
+    <dgm:txFillClrLst meth="repeat">
+      <a:schemeClr val="tx1"/>
+    </dgm:txFillClrLst>
+    <dgm:txEffectClrLst/>
+  </dgm:styleLbl>
+  <dgm:styleLbl name="fgAcc1">
+    <dgm:fillClrLst meth="repeat">
+      <a:schemeClr val="lt1">
+        <a:alpha val="90000"/>
+      </a:schemeClr>
+    </dgm:fillClrLst>
+    <dgm:linClrLst>
+      <a:schemeClr val="accent5"/>
+      <a:schemeClr val="accent6"/>
+    </dgm:linClrLst>
+    <dgm:effectClrLst/>
+    <dgm:txLinClrLst/>
+    <dgm:txFillClrLst meth="repeat">
+      <a:schemeClr val="dk1"/>
+    </dgm:txFillClrLst>
+    <dgm:txEffectClrLst/>
+  </dgm:styleLbl>
+  <dgm:styleLbl name="conFgAcc1">
+    <dgm:fillClrLst meth="repeat">
+      <a:schemeClr val="lt1">
+        <a:alpha val="90000"/>
+      </a:schemeClr>
+    </dgm:fillClrLst>
+    <dgm:linClrLst>
+      <a:schemeClr val="accent5"/>
+      <a:schemeClr val="accent6"/>
+    </dgm:linClrLst>
+    <dgm:effectClrLst/>
+    <dgm:txLinClrLst/>
+    <dgm:txFillClrLst meth="repeat">
+      <a:schemeClr val="dk1"/>
+    </dgm:txFillClrLst>
+    <dgm:txEffectClrLst/>
+  </dgm:styleLbl>
+  <dgm:styleLbl name="alignAcc1">
+    <dgm:fillClrLst meth="repeat">
+      <a:schemeClr val="lt1">
+        <a:alpha val="90000"/>
+      </a:schemeClr>
+    </dgm:fillClrLst>
+    <dgm:linClrLst>
+      <a:schemeClr val="accent5"/>
+      <a:schemeClr val="accent6"/>
+    </dgm:linClrLst>
+    <dgm:effectClrLst/>
+    <dgm:txLinClrLst/>
+    <dgm:txFillClrLst meth="repeat">
+      <a:schemeClr val="dk1"/>
+    </dgm:txFillClrLst>
+    <dgm:txEffectClrLst/>
+  </dgm:styleLbl>
+  <dgm:styleLbl name="trAlignAcc1">
+    <dgm:fillClrLst meth="repeat">
+      <a:schemeClr val="lt1">
+        <a:alpha val="40000"/>
+      </a:schemeClr>
+    </dgm:fillClrLst>
+    <dgm:linClrLst meth="repeat">
+      <a:schemeClr val="accent5"/>
+    </dgm:linClrLst>
+    <dgm:effectClrLst/>
+    <dgm:txLinClrLst/>
+    <dgm:txFillClrLst meth="repeat">
+      <a:schemeClr val="dk1"/>
+    </dgm:txFillClrLst>
+    <dgm:txEffectClrLst/>
+  </dgm:styleLbl>
+  <dgm:styleLbl name="bgAcc1">
+    <dgm:fillClrLst meth="repeat">
+      <a:schemeClr val="lt1">
+        <a:alpha val="90000"/>
+      </a:schemeClr>
+    </dgm:fillClrLst>
+    <dgm:linClrLst>
+      <a:schemeClr val="accent5"/>
+      <a:schemeClr val="accent6"/>
+    </dgm:linClrLst>
+    <dgm:effectClrLst/>
+    <dgm:txLinClrLst/>
+    <dgm:txFillClrLst meth="repeat">
+      <a:schemeClr val="dk1"/>
+    </dgm:txFillClrLst>
+    <dgm:txEffectClrLst/>
+  </dgm:styleLbl>
+  <dgm:styleLbl name="solidFgAcc1">
+    <dgm:fillClrLst meth="repeat">
+      <a:schemeClr val="lt1"/>
+    </dgm:fillClrLst>
+    <dgm:linClrLst>
+      <a:schemeClr val="accent5"/>
+      <a:schemeClr val="accent6"/>
+    </dgm:linClrLst>
+    <dgm:effectClrLst/>
+    <dgm:txLinClrLst/>
+    <dgm:txFillClrLst meth="repeat">
+      <a:schemeClr val="dk1"/>
+    </dgm:txFillClrLst>
+    <dgm:txEffectClrLst/>
+  </dgm:styleLbl>
+  <dgm:styleLbl name="solidAlignAcc1">
+    <dgm:fillClrLst meth="repeat">
+      <a:schemeClr val="lt1"/>
+    </dgm:fillClrLst>
+    <dgm:linClrLst>
+      <a:schemeClr val="accent5"/>
+      <a:schemeClr val="accent6"/>
+    </dgm:linClrLst>
+    <dgm:effectClrLst/>
+    <dgm:txLinClrLst/>
+    <dgm:txFillClrLst meth="repeat">
+      <a:schemeClr val="dk1"/>
+    </dgm:txFillClrLst>
+    <dgm:txEffectClrLst/>
+  </dgm:styleLbl>
+  <dgm:styleLbl name="solidBgAcc1">
+    <dgm:fillClrLst meth="repeat">
+      <a:schemeClr val="lt1"/>
+    </dgm:fillClrLst>
+    <dgm:linClrLst>
+      <a:schemeClr val="accent5"/>
+      <a:schemeClr val="accent6"/>
+    </dgm:linClrLst>
+    <dgm:effectClrLst/>
+    <dgm:txLinClrLst/>
+    <dgm:txFillClrLst meth="repeat">
+      <a:schemeClr val="dk1"/>
+    </dgm:txFillClrLst>
+    <dgm:txEffectClrLst/>
+  </dgm:styleLbl>
+  <dgm:styleLbl name="fgAccFollowNode1">
+    <dgm:fillClrLst>
+      <a:schemeClr val="accent5">
+        <a:tint val="40000"/>
+        <a:alpha val="90000"/>
+      </a:schemeClr>
+      <a:schemeClr val="accent6">
+        <a:tint val="40000"/>
+        <a:alpha val="90000"/>
+      </a:schemeClr>
+    </dgm:fillClrLst>
+    <dgm:linClrLst>
+      <a:schemeClr val="accent5">
+        <a:tint val="40000"/>
+        <a:alpha val="90000"/>
+      </a:schemeClr>
+      <a:schemeClr val="accent5">
+        <a:tint val="40000"/>
+        <a:alpha val="90000"/>
+      </a:schemeClr>
+    </dgm:linClrLst>
+    <dgm:effectClrLst/>
+    <dgm:txLinClrLst/>
+    <dgm:txFillClrLst meth="repeat">
+      <a:schemeClr val="dk1"/>
+    </dgm:txFillClrLst>
+    <dgm:txEffectClrLst/>
+  </dgm:styleLbl>
+  <dgm:styleLbl name="alignAccFollowNode1">
+    <dgm:fillClrLst>
+      <a:schemeClr val="accent5">
+        <a:tint val="40000"/>
+        <a:alpha val="90000"/>
+      </a:schemeClr>
+      <a:schemeClr val="accent6">
+        <a:tint val="40000"/>
+        <a:alpha val="90000"/>
+      </a:schemeClr>
+    </dgm:fillClrLst>
+    <dgm:linClrLst>
+      <a:schemeClr val="accent5">
+        <a:tint val="40000"/>
+        <a:alpha val="90000"/>
+      </a:schemeClr>
+      <a:schemeClr val="accent6">
+        <a:tint val="40000"/>
+        <a:alpha val="90000"/>
+      </a:schemeClr>
+    </dgm:linClrLst>
+    <dgm:effectClrLst/>
+    <dgm:txLinClrLst/>
+    <dgm:txFillClrLst meth="repeat">
+      <a:schemeClr val="dk1"/>
+    </dgm:txFillClrLst>
+    <dgm:txEffectClrLst/>
+  </dgm:styleLbl>
+  <dgm:styleLbl name="bgAccFollowNode1">
+    <dgm:fillClrLst>
+      <a:schemeClr val="accent5">
+        <a:tint val="40000"/>
+        <a:alpha val="90000"/>
+      </a:schemeClr>
+      <a:schemeClr val="accent6">
+        <a:tint val="40000"/>
+        <a:alpha val="90000"/>
+      </a:schemeClr>
+    </dgm:fillClrLst>
+    <dgm:linClrLst>
+      <a:schemeClr val="accent5">
+        <a:tint val="40000"/>
+        <a:alpha val="90000"/>
+      </a:schemeClr>
+      <a:schemeClr val="accent6">
+        <a:tint val="40000"/>
+        <a:alpha val="90000"/>
+      </a:schemeClr>
+    </dgm:linClrLst>
+    <dgm:effectClrLst/>
+    <dgm:txLinClrLst/>
+    <dgm:txFillClrLst meth="repeat">
+      <a:schemeClr val="dk1"/>
+    </dgm:txFillClrLst>
+    <dgm:txEffectClrLst/>
+  </dgm:styleLbl>
+  <dgm:styleLbl name="fgAcc0">
+    <dgm:fillClrLst meth="repeat">
+      <a:schemeClr val="lt1">
+        <a:alpha val="90000"/>
+      </a:schemeClr>
+    </dgm:fillClrLst>
+    <dgm:linClrLst>
+      <a:schemeClr val="accent4"/>
+    </dgm:linClrLst>
+    <dgm:effectClrLst/>
+    <dgm:txLinClrLst/>
+    <dgm:txFillClrLst meth="repeat">
+      <a:schemeClr val="dk1"/>
+    </dgm:txFillClrLst>
+    <dgm:txEffectClrLst/>
+  </dgm:styleLbl>
+  <dgm:styleLbl name="fgAcc2">
+    <dgm:fillClrLst meth="repeat">
+      <a:schemeClr val="lt1">
+        <a:alpha val="90000"/>
+      </a:schemeClr>
+    </dgm:fillClrLst>
+    <dgm:linClrLst>
+      <a:schemeClr val="accent6"/>
+    </dgm:linClrLst>
+    <dgm:effectClrLst/>
+    <dgm:txLinClrLst/>
+    <dgm:txFillClrLst meth="repeat">
+      <a:schemeClr val="dk1"/>
+    </dgm:txFillClrLst>
+    <dgm:txEffectClrLst/>
+  </dgm:styleLbl>
+  <dgm:styleLbl name="fgAcc3">
+    <dgm:fillClrLst meth="repeat">
+      <a:schemeClr val="lt1">
+        <a:alpha val="90000"/>
+      </a:schemeClr>
+    </dgm:fillClrLst>
+    <dgm:linClrLst>
+      <a:schemeClr val="accent1"/>
+    </dgm:linClrLst>
+    <dgm:effectClrLst/>
+    <dgm:txLinClrLst/>
+    <dgm:txFillClrLst meth="repeat">
+      <a:schemeClr val="dk1"/>
+    </dgm:txFillClrLst>
+    <dgm:txEffectClrLst/>
+  </dgm:styleLbl>
+  <dgm:styleLbl name="fgAcc4">
+    <dgm:fillClrLst meth="repeat">
+      <a:schemeClr val="lt1">
+        <a:alpha val="90000"/>
+      </a:schemeClr>
+    </dgm:fillClrLst>
+    <dgm:linClrLst>
+      <a:schemeClr val="accent2"/>
+    </dgm:linClrLst>
+    <dgm:effectClrLst/>
+    <dgm:txLinClrLst/>
+    <dgm:txFillClrLst meth="repeat">
+      <a:schemeClr val="dk1"/>
+    </dgm:txFillClrLst>
+    <dgm:txEffectClrLst/>
+  </dgm:styleLbl>
+  <dgm:styleLbl name="bgShp">
+    <dgm:fillClrLst meth="repeat">
+      <a:schemeClr val="accent5">
+        <a:tint val="40000"/>
+      </a:schemeClr>
+    </dgm:fillClrLst>
+    <dgm:linClrLst meth="repeat">
+      <a:schemeClr val="dk1"/>
+    </dgm:linClrLst>
+    <dgm:effectClrLst/>
+    <dgm:txLinClrLst/>
+    <dgm:txFillClrLst meth="repeat">
+      <a:schemeClr val="dk1"/>
+    </dgm:txFillClrLst>
+    <dgm:txEffectClrLst/>
+  </dgm:styleLbl>
+  <dgm:styleLbl name="dkBgShp">
+    <dgm:fillClrLst meth="repeat">
+      <a:schemeClr val="accent5">
+        <a:shade val="90000"/>
+      </a:schemeClr>
+    </dgm:fillClrLst>
+    <dgm:linClrLst meth="repeat">
+      <a:schemeClr val="dk1"/>
+    </dgm:linClrLst>
+    <dgm:effectClrLst/>
+    <dgm:txLinClrLst/>
+    <dgm:txFillClrLst meth="repeat">
+      <a:schemeClr val="lt1"/>
+    </dgm:txFillClrLst>
+    <dgm:txEffectClrLst/>
+  </dgm:styleLbl>
+  <dgm:styleLbl name="trBgShp">
+    <dgm:fillClrLst meth="repeat">
+      <a:schemeClr val="accent5">
+        <a:tint val="50000"/>
+        <a:alpha val="40000"/>
+      </a:schemeClr>
+    </dgm:fillClrLst>
+    <dgm:linClrLst meth="repeat">
+      <a:schemeClr val="accent5"/>
+    </dgm:linClrLst>
+    <dgm:effectClrLst/>
+    <dgm:txLinClrLst/>
+    <dgm:txFillClrLst meth="repeat">
+      <a:schemeClr val="lt1"/>
+    </dgm:txFillClrLst>
+    <dgm:txEffectClrLst/>
+  </dgm:styleLbl>
+  <dgm:styleLbl name="fgShp">
+    <dgm:fillClrLst meth="repeat">
+      <a:schemeClr val="accent5">
+        <a:tint val="40000"/>
+      </a:schemeClr>
+    </dgm:fillClrLst>
+    <dgm:linClrLst meth="repeat">
+      <a:schemeClr val="lt1"/>
+    </dgm:linClrLst>
+    <dgm:effectClrLst/>
+    <dgm:txLinClrLst/>
+    <dgm:txFillClrLst meth="repeat">
+      <a:schemeClr val="dk1"/>
+    </dgm:txFillClrLst>
+    <dgm:txEffectClrLst/>
+  </dgm:styleLbl>
+  <dgm:styleLbl name="revTx">
+    <dgm:fillClrLst meth="repeat">
+      <a:schemeClr val="lt1">
+        <a:alpha val="0"/>
+      </a:schemeClr>
+    </dgm:fillClrLst>
+    <dgm:linClrLst meth="repeat">
+      <a:schemeClr val="dk1">
+        <a:alpha val="0"/>
+      </a:schemeClr>
+    </dgm:linClrLst>
+    <dgm:effectClrLst/>
+    <dgm:txLinClrLst/>
+    <dgm:txFillClrLst meth="repeat">
+      <a:schemeClr val="tx1"/>
+    </dgm:txFillClrLst>
+    <dgm:txEffectClrLst/>
+  </dgm:styleLbl>
+</dgm:colorsDef>
+</file>
+
+<file path=ppt/diagrams/colors6.xml><?xml version="1.0" encoding="utf-8"?>
+<dgm:colorsDef xmlns:dgm="http://schemas.openxmlformats.org/drawingml/2006/diagram" xmlns:a="http://schemas.openxmlformats.org/drawingml/2006/main" uniqueId="urn:microsoft.com/office/officeart/2005/8/colors/colorful5">
+  <dgm:title val=""/>
+  <dgm:desc val=""/>
+  <dgm:catLst>
+    <dgm:cat type="colorful" pri="10500"/>
+  </dgm:catLst>
+  <dgm:styleLbl name="node0">
+    <dgm:fillClrLst meth="repeat">
+      <a:schemeClr val="accent4"/>
+    </dgm:fillClrLst>
+    <dgm:linClrLst meth="repeat">
+      <a:schemeClr val="lt1"/>
+    </dgm:linClrLst>
+    <dgm:effectClrLst/>
+    <dgm:txLinClrLst/>
+    <dgm:txFillClrLst/>
+    <dgm:txEffectClrLst/>
+  </dgm:styleLbl>
+  <dgm:styleLbl name="node1">
+    <dgm:fillClrLst>
+      <a:schemeClr val="accent5"/>
+      <a:schemeClr val="accent6"/>
+    </dgm:fillClrLst>
+    <dgm:linClrLst meth="repeat">
+      <a:schemeClr val="lt1"/>
+    </dgm:linClrLst>
+    <dgm:effectClrLst/>
+    <dgm:txLinClrLst/>
+    <dgm:txFillClrLst/>
+    <dgm:txEffectClrLst/>
+  </dgm:styleLbl>
+  <dgm:styleLbl name="alignNode1">
+    <dgm:fillClrLst>
+      <a:schemeClr val="accent5"/>
+      <a:schemeClr val="accent6"/>
+    </dgm:fillClrLst>
+    <dgm:linClrLst>
+      <a:schemeClr val="accent5"/>
+      <a:schemeClr val="accent6"/>
+    </dgm:linClrLst>
+    <dgm:effectClrLst/>
+    <dgm:txLinClrLst/>
+    <dgm:txFillClrLst/>
+    <dgm:txEffectClrLst/>
+  </dgm:styleLbl>
+  <dgm:styleLbl name="lnNode1">
+    <dgm:fillClrLst>
+      <a:schemeClr val="accent5"/>
+      <a:schemeClr val="accent6"/>
+    </dgm:fillClrLst>
+    <dgm:linClrLst meth="repeat">
+      <a:schemeClr val="lt1"/>
+    </dgm:linClrLst>
+    <dgm:effectClrLst/>
+    <dgm:txLinClrLst/>
+    <dgm:txFillClrLst/>
+    <dgm:txEffectClrLst/>
+  </dgm:styleLbl>
+  <dgm:styleLbl name="vennNode1">
+    <dgm:fillClrLst>
+      <a:schemeClr val="accent5">
+        <a:alpha val="50000"/>
+      </a:schemeClr>
+      <a:schemeClr val="accent6">
+        <a:alpha val="50000"/>
+      </a:schemeClr>
+    </dgm:fillClrLst>
+    <dgm:linClrLst meth="repeat">
+      <a:schemeClr val="lt1"/>
+    </dgm:linClrLst>
+    <dgm:effectClrLst/>
+    <dgm:txLinClrLst/>
+    <dgm:txFillClrLst/>
+    <dgm:txEffectClrLst/>
+  </dgm:styleLbl>
+  <dgm:styleLbl name="node2">
+    <dgm:fillClrLst>
+      <a:schemeClr val="accent6"/>
+    </dgm:fillClrLst>
+    <dgm:linClrLst meth="repeat">
+      <a:schemeClr val="lt1"/>
+    </dgm:linClrLst>
+    <dgm:effectClrLst/>
+    <dgm:txLinClrLst/>
+    <dgm:txFillClrLst/>
+    <dgm:txEffectClrLst/>
+  </dgm:styleLbl>
+  <dgm:styleLbl name="node3">
+    <dgm:fillClrLst>
+      <a:schemeClr val="accent1"/>
+    </dgm:fillClrLst>
+    <dgm:linClrLst meth="repeat">
+      <a:schemeClr val="lt1"/>
+    </dgm:linClrLst>
+    <dgm:effectClrLst/>
+    <dgm:txLinClrLst/>
+    <dgm:txFillClrLst/>
+    <dgm:txEffectClrLst/>
+  </dgm:styleLbl>
+  <dgm:styleLbl name="node4">
+    <dgm:fillClrLst>
+      <a:schemeClr val="accent2"/>
+    </dgm:fillClrLst>
+    <dgm:linClrLst meth="repeat">
+      <a:schemeClr val="lt1"/>
+    </dgm:linClrLst>
+    <dgm:effectClrLst/>
+    <dgm:txLinClrLst/>
+    <dgm:txFillClrLst/>
+    <dgm:txEffectClrLst/>
+  </dgm:styleLbl>
+  <dgm:styleLbl name="fgImgPlace1">
+    <dgm:fillClrLst>
+      <a:schemeClr val="accent5">
+        <a:tint val="50000"/>
+      </a:schemeClr>
+      <a:schemeClr val="accent6">
+        <a:tint val="50000"/>
+      </a:schemeClr>
+    </dgm:fillClrLst>
+    <dgm:linClrLst meth="repeat">
+      <a:schemeClr val="lt1"/>
+    </dgm:linClrLst>
+    <dgm:effectClrLst/>
+    <dgm:txLinClrLst/>
+    <dgm:txFillClrLst meth="repeat">
+      <a:schemeClr val="lt1"/>
+    </dgm:txFillClrLst>
+    <dgm:txEffectClrLst/>
+  </dgm:styleLbl>
+  <dgm:styleLbl name="alignImgPlace1">
+    <dgm:fillClrLst>
+      <a:schemeClr val="accent5">
+        <a:tint val="50000"/>
+      </a:schemeClr>
+      <a:schemeClr val="accent6">
+        <a:tint val="20000"/>
+      </a:schemeClr>
+    </dgm:fillClrLst>
+    <dgm:linClrLst meth="repeat">
+      <a:schemeClr val="lt1"/>
+    </dgm:linClrLst>
+    <dgm:effectClrLst/>
+    <dgm:txLinClrLst/>
+    <dgm:txFillClrLst meth="repeat">
+      <a:schemeClr val="lt1"/>
+    </dgm:txFillClrLst>
+    <dgm:txEffectClrLst/>
+  </dgm:styleLbl>
+  <dgm:styleLbl name="bgImgPlace1">
+    <dgm:fillClrLst>
+      <a:schemeClr val="accent5">
+        <a:tint val="50000"/>
+      </a:schemeClr>
+      <a:schemeClr val="accent6">
+        <a:tint val="20000"/>
+      </a:schemeClr>
+    </dgm:fillClrLst>
+    <dgm:linClrLst meth="repeat">
+      <a:schemeClr val="lt1"/>
+    </dgm:linClrLst>
+    <dgm:effectClrLst/>
+    <dgm:txLinClrLst/>
+    <dgm:txFillClrLst meth="repeat">
+      <a:schemeClr val="lt1"/>
+    </dgm:txFillClrLst>
+    <dgm:txEffectClrLst/>
+  </dgm:styleLbl>
+  <dgm:styleLbl name="sibTrans2D1">
+    <dgm:fillClrLst>
+      <a:schemeClr val="accent5"/>
+      <a:schemeClr val="accent6"/>
+    </dgm:fillClrLst>
+    <dgm:linClrLst meth="repeat">
+      <a:schemeClr val="lt1"/>
+    </dgm:linClrLst>
+    <dgm:effectClrLst/>
+    <dgm:txLinClrLst/>
+    <dgm:txFillClrLst/>
+    <dgm:txEffectClrLst/>
+  </dgm:styleLbl>
+  <dgm:styleLbl name="fgSibTrans2D1">
+    <dgm:fillClrLst>
+      <a:schemeClr val="accent5"/>
+      <a:schemeClr val="accent6"/>
+    </dgm:fillClrLst>
+    <dgm:linClrLst meth="repeat">
+      <a:schemeClr val="lt1"/>
+    </dgm:linClrLst>
+    <dgm:effectClrLst/>
+    <dgm:txLinClrLst/>
+    <dgm:txFillClrLst meth="repeat">
+      <a:schemeClr val="lt1"/>
+    </dgm:txFillClrLst>
+    <dgm:txEffectClrLst/>
+  </dgm:styleLbl>
+  <dgm:styleLbl name="bgSibTrans2D1">
+    <dgm:fillClrLst>
+      <a:schemeClr val="accent5"/>
+      <a:schemeClr val="accent6"/>
+    </dgm:fillClrLst>
+    <dgm:linClrLst meth="repeat">
+      <a:schemeClr val="lt1"/>
+    </dgm:linClrLst>
+    <dgm:effectClrLst/>
+    <dgm:txLinClrLst/>
+    <dgm:txFillClrLst meth="repeat">
+      <a:schemeClr val="lt1"/>
+    </dgm:txFillClrLst>
+    <dgm:txEffectClrLst/>
+  </dgm:styleLbl>
+  <dgm:styleLbl name="sibTrans1D1">
+    <dgm:fillClrLst/>
+    <dgm:linClrLst>
+      <a:schemeClr val="accent5"/>
+      <a:schemeClr val="accent6"/>
+    </dgm:linClrLst>
+    <dgm:effectClrLst/>
+    <dgm:txLinClrLst/>
+    <dgm:txFillClrLst meth="repeat">
+      <a:schemeClr val="tx1"/>
+    </dgm:txFillClrLst>
+    <dgm:txEffectClrLst/>
+  </dgm:styleLbl>
+  <dgm:styleLbl name="callout">
+    <dgm:fillClrLst meth="repeat">
+      <a:schemeClr val="accent5"/>
+    </dgm:fillClrLst>
+    <dgm:linClrLst meth="repeat">
+      <a:schemeClr val="accent5">
+        <a:tint val="50000"/>
+      </a:schemeClr>
+    </dgm:linClrLst>
+    <dgm:effectClrLst/>
+    <dgm:txLinClrLst/>
+    <dgm:txFillClrLst meth="repeat">
+      <a:schemeClr val="tx1"/>
+    </dgm:txFillClrLst>
+    <dgm:txEffectClrLst/>
+  </dgm:styleLbl>
+  <dgm:styleLbl name="asst0">
+    <dgm:fillClrLst meth="repeat">
+      <a:schemeClr val="accent5"/>
+    </dgm:fillClrLst>
+    <dgm:linClrLst meth="repeat">
+      <a:schemeClr val="lt1">
+        <a:shade val="80000"/>
+      </a:schemeClr>
+    </dgm:linClrLst>
+    <dgm:effectClrLst/>
+    <dgm:txLinClrLst/>
+    <dgm:txFillClrLst/>
+    <dgm:txEffectClrLst/>
+  </dgm:styleLbl>
+  <dgm:styleLbl name="asst1">
+    <dgm:fillClrLst meth="repeat">
+      <a:schemeClr val="accent6"/>
+    </dgm:fillClrLst>
+    <dgm:linClrLst meth="repeat">
+      <a:schemeClr val="lt1">
+        <a:shade val="80000"/>
+      </a:schemeClr>
+    </dgm:linClrLst>
+    <dgm:effectClrLst/>
+    <dgm:txLinClrLst/>
+    <dgm:txFillClrLst/>
+    <dgm:txEffectClrLst/>
+  </dgm:styleLbl>
+  <dgm:styleLbl name="asst2">
+    <dgm:fillClrLst>
+      <a:schemeClr val="accent1"/>
+    </dgm:fillClrLst>
+    <dgm:linClrLst meth="repeat">
+      <a:schemeClr val="lt1"/>
+    </dgm:linClrLst>
+    <dgm:effectClrLst/>
+    <dgm:txLinClrLst/>
+    <dgm:txFillClrLst/>
+    <dgm:txEffectClrLst/>
+  </dgm:styleLbl>
+  <dgm:styleLbl name="asst3">
+    <dgm:fillClrLst>
+      <a:schemeClr val="accent2"/>
+    </dgm:fillClrLst>
+    <dgm:linClrLst meth="repeat">
+      <a:schemeClr val="lt1"/>
+    </dgm:linClrLst>
+    <dgm:effectClrLst/>
+    <dgm:txLinClrLst/>
+    <dgm:txFillClrLst/>
+    <dgm:txEffectClrLst/>
+  </dgm:styleLbl>
+  <dgm:styleLbl name="asst4">
+    <dgm:fillClrLst>
+      <a:schemeClr val="accent3"/>
+    </dgm:fillClrLst>
+    <dgm:linClrLst meth="repeat">
+      <a:schemeClr val="lt1"/>
+    </dgm:linClrLst>
+    <dgm:effectClrLst/>
+    <dgm:txLinClrLst/>
+    <dgm:txFillClrLst/>
+    <dgm:txEffectClrLst/>
+  </dgm:styleLbl>
+  <dgm:styleLbl name="parChTrans2D1">
+    <dgm:fillClrLst meth="repeat">
+      <a:schemeClr val="accent5"/>
+    </dgm:fillClrLst>
+    <dgm:linClrLst meth="repeat">
+      <a:schemeClr val="lt1"/>
+    </dgm:linClrLst>
+    <dgm:effectClrLst/>
+    <dgm:txLinClrLst/>
+    <dgm:txFillClrLst meth="repeat">
+      <a:schemeClr val="lt1"/>
+    </dgm:txFillClrLst>
+    <dgm:txEffectClrLst/>
+  </dgm:styleLbl>
+  <dgm:styleLbl name="parChTrans2D2">
+    <dgm:fillClrLst meth="repeat">
+      <a:schemeClr val="accent6"/>
+    </dgm:fillClrLst>
+    <dgm:linClrLst meth="repeat">
+      <a:schemeClr val="lt1"/>
+    </dgm:linClrLst>
+    <dgm:effectClrLst/>
+    <dgm:txLinClrLst/>
+    <dgm:txFillClrLst/>
+    <dgm:txEffectClrLst/>
+  </dgm:styleLbl>
+  <dgm:styleLbl name="parChTrans2D3">
+    <dgm:fillClrLst meth="repeat">
+      <a:schemeClr val="accent6"/>
+    </dgm:fillClrLst>
+    <dgm:linClrLst meth="repeat">
+      <a:schemeClr val="lt1"/>
+    </dgm:linClrLst>
+    <dgm:effectClrLst/>
+    <dgm:txLinClrLst/>
+    <dgm:txFillClrLst/>
+    <dgm:txEffectClrLst/>
+  </dgm:styleLbl>
+  <dgm:styleLbl name="parChTrans2D4">
+    <dgm:fillClrLst meth="repeat">
+      <a:schemeClr val="accent1"/>
+    </dgm:fillClrLst>
+    <dgm:linClrLst meth="repeat">
+      <a:schemeClr val="lt1"/>
+    </dgm:linClrLst>
+    <dgm:effectClrLst/>
+    <dgm:txLinClrLst/>
+    <dgm:txFillClrLst meth="repeat">
+      <a:schemeClr val="lt1"/>
+    </dgm:txFillClrLst>
+    <dgm:txEffectClrLst/>
+  </dgm:styleLbl>
+  <dgm:styleLbl name="parChTrans1D1">
+    <dgm:fillClrLst meth="repeat">
+      <a:schemeClr val="accent5"/>
+    </dgm:fillClrLst>
+    <dgm:linClrLst meth="repeat">
+      <a:schemeClr val="accent5"/>
+    </dgm:linClrLst>
+    <dgm:effectClrLst/>
+    <dgm:txLinClrLst/>
+    <dgm:txFillClrLst meth="repeat">
+      <a:schemeClr val="tx1"/>
+    </dgm:txFillClrLst>
+    <dgm:txEffectClrLst/>
+  </dgm:styleLbl>
+  <dgm:styleLbl name="parChTrans1D2">
+    <dgm:fillClrLst meth="repeat">
+      <a:schemeClr val="accent6">
+        <a:tint val="90000"/>
+      </a:schemeClr>
+    </dgm:fillClrLst>
+    <dgm:linClrLst meth="repeat">
+      <a:schemeClr val="accent6"/>
+    </dgm:linClrLst>
+    <dgm:effectClrLst/>
+    <dgm:txLinClrLst/>
+    <dgm:txFillClrLst meth="repeat">
+      <a:schemeClr val="tx1"/>
+    </dgm:txFillClrLst>
+    <dgm:txEffectClrLst/>
+  </dgm:styleLbl>
+  <dgm:styleLbl name="parChTrans1D3">
+    <dgm:fillClrLst meth="repeat">
+      <a:schemeClr val="accent6">
+        <a:tint val="70000"/>
+      </a:schemeClr>
+    </dgm:fillClrLst>
+    <dgm:linClrLst meth="repeat">
+      <a:schemeClr val="accent1"/>
+    </dgm:linClrLst>
+    <dgm:effectClrLst/>
+    <dgm:txLinClrLst/>
+    <dgm:txFillClrLst meth="repeat">
+      <a:schemeClr val="tx1"/>
+    </dgm:txFillClrLst>
+    <dgm:txEffectClrLst/>
+  </dgm:styleLbl>
+  <dgm:styleLbl name="parChTrans1D4">
+    <dgm:fillClrLst meth="repeat">
+      <a:schemeClr val="accent6">
+        <a:tint val="50000"/>
+      </a:schemeClr>
+    </dgm:fillClrLst>
+    <dgm:linClrLst meth="repeat">
+      <a:schemeClr val="accent2"/>
+    </dgm:linClrLst>
+    <dgm:effectClrLst/>
+    <dgm:txLinClrLst/>
+    <dgm:txFillClrLst meth="repeat">
+      <a:schemeClr val="tx1"/>
+    </dgm:txFillClrLst>
+    <dgm:txEffectClrLst/>
+  </dgm:styleLbl>
+  <dgm:styleLbl name="fgAcc1">
+    <dgm:fillClrLst meth="repeat">
+      <a:schemeClr val="lt1">
+        <a:alpha val="90000"/>
+      </a:schemeClr>
+    </dgm:fillClrLst>
+    <dgm:linClrLst>
+      <a:schemeClr val="accent5"/>
+      <a:schemeClr val="accent6"/>
+    </dgm:linClrLst>
+    <dgm:effectClrLst/>
+    <dgm:txLinClrLst/>
+    <dgm:txFillClrLst meth="repeat">
+      <a:schemeClr val="dk1"/>
+    </dgm:txFillClrLst>
+    <dgm:txEffectClrLst/>
+  </dgm:styleLbl>
+  <dgm:styleLbl name="conFgAcc1">
+    <dgm:fillClrLst meth="repeat">
+      <a:schemeClr val="lt1">
+        <a:alpha val="90000"/>
+      </a:schemeClr>
+    </dgm:fillClrLst>
+    <dgm:linClrLst>
+      <a:schemeClr val="accent5"/>
+      <a:schemeClr val="accent6"/>
+    </dgm:linClrLst>
+    <dgm:effectClrLst/>
+    <dgm:txLinClrLst/>
+    <dgm:txFillClrLst meth="repeat">
+      <a:schemeClr val="dk1"/>
+    </dgm:txFillClrLst>
+    <dgm:txEffectClrLst/>
+  </dgm:styleLbl>
+  <dgm:styleLbl name="alignAcc1">
+    <dgm:fillClrLst meth="repeat">
+      <a:schemeClr val="lt1">
+        <a:alpha val="90000"/>
+      </a:schemeClr>
+    </dgm:fillClrLst>
+    <dgm:linClrLst>
+      <a:schemeClr val="accent5"/>
+      <a:schemeClr val="accent6"/>
+    </dgm:linClrLst>
+    <dgm:effectClrLst/>
+    <dgm:txLinClrLst/>
+    <dgm:txFillClrLst meth="repeat">
+      <a:schemeClr val="dk1"/>
+    </dgm:txFillClrLst>
+    <dgm:txEffectClrLst/>
+  </dgm:styleLbl>
+  <dgm:styleLbl name="trAlignAcc1">
+    <dgm:fillClrLst meth="repeat">
+      <a:schemeClr val="lt1">
+        <a:alpha val="40000"/>
+      </a:schemeClr>
+    </dgm:fillClrLst>
+    <dgm:linClrLst meth="repeat">
+      <a:schemeClr val="accent5"/>
+    </dgm:linClrLst>
+    <dgm:effectClrLst/>
+    <dgm:txLinClrLst/>
+    <dgm:txFillClrLst meth="repeat">
+      <a:schemeClr val="dk1"/>
+    </dgm:txFillClrLst>
+    <dgm:txEffectClrLst/>
+  </dgm:styleLbl>
+  <dgm:styleLbl name="bgAcc1">
+    <dgm:fillClrLst meth="repeat">
+      <a:schemeClr val="lt1">
+        <a:alpha val="90000"/>
+      </a:schemeClr>
+    </dgm:fillClrLst>
+    <dgm:linClrLst>
+      <a:schemeClr val="accent5"/>
+      <a:schemeClr val="accent6"/>
+    </dgm:linClrLst>
+    <dgm:effectClrLst/>
+    <dgm:txLinClrLst/>
+    <dgm:txFillClrLst meth="repeat">
+      <a:schemeClr val="dk1"/>
+    </dgm:txFillClrLst>
+    <dgm:txEffectClrLst/>
+  </dgm:styleLbl>
+  <dgm:styleLbl name="solidFgAcc1">
+    <dgm:fillClrLst meth="repeat">
+      <a:schemeClr val="lt1"/>
+    </dgm:fillClrLst>
+    <dgm:linClrLst>
+      <a:schemeClr val="accent5"/>
+      <a:schemeClr val="accent6"/>
+    </dgm:linClrLst>
+    <dgm:effectClrLst/>
+    <dgm:txLinClrLst/>
+    <dgm:txFillClrLst meth="repeat">
+      <a:schemeClr val="dk1"/>
+    </dgm:txFillClrLst>
+    <dgm:txEffectClrLst/>
+  </dgm:styleLbl>
+  <dgm:styleLbl name="solidAlignAcc1">
+    <dgm:fillClrLst meth="repeat">
+      <a:schemeClr val="lt1"/>
+    </dgm:fillClrLst>
+    <dgm:linClrLst>
+      <a:schemeClr val="accent5"/>
+      <a:schemeClr val="accent6"/>
+    </dgm:linClrLst>
+    <dgm:effectClrLst/>
+    <dgm:txLinClrLst/>
+    <dgm:txFillClrLst meth="repeat">
+      <a:schemeClr val="dk1"/>
+    </dgm:txFillClrLst>
+    <dgm:txEffectClrLst/>
+  </dgm:styleLbl>
+  <dgm:styleLbl name="solidBgAcc1">
+    <dgm:fillClrLst meth="repeat">
+      <a:schemeClr val="lt1"/>
+    </dgm:fillClrLst>
+    <dgm:linClrLst>
+      <a:schemeClr val="accent5"/>
+      <a:schemeClr val="accent6"/>
+    </dgm:linClrLst>
+    <dgm:effectClrLst/>
+    <dgm:txLinClrLst/>
+    <dgm:txFillClrLst meth="repeat">
+      <a:schemeClr val="dk1"/>
+    </dgm:txFillClrLst>
+    <dgm:txEffectClrLst/>
+  </dgm:styleLbl>
+  <dgm:styleLbl name="fgAccFollowNode1">
+    <dgm:fillClrLst>
+      <a:schemeClr val="accent5">
+        <a:tint val="40000"/>
+        <a:alpha val="90000"/>
+      </a:schemeClr>
+      <a:schemeClr val="accent6">
+        <a:tint val="40000"/>
+        <a:alpha val="90000"/>
+      </a:schemeClr>
+    </dgm:fillClrLst>
+    <dgm:linClrLst>
+      <a:schemeClr val="accent5">
+        <a:tint val="40000"/>
+        <a:alpha val="90000"/>
+      </a:schemeClr>
+      <a:schemeClr val="accent5">
+        <a:tint val="40000"/>
+        <a:alpha val="90000"/>
+      </a:schemeClr>
+    </dgm:linClrLst>
+    <dgm:effectClrLst/>
+    <dgm:txLinClrLst/>
+    <dgm:txFillClrLst meth="repeat">
+      <a:schemeClr val="dk1"/>
+    </dgm:txFillClrLst>
+    <dgm:txEffectClrLst/>
+  </dgm:styleLbl>
+  <dgm:styleLbl name="alignAccFollowNode1">
+    <dgm:fillClrLst>
+      <a:schemeClr val="accent5">
+        <a:tint val="40000"/>
+        <a:alpha val="90000"/>
+      </a:schemeClr>
+      <a:schemeClr val="accent6">
+        <a:tint val="40000"/>
+        <a:alpha val="90000"/>
+      </a:schemeClr>
+    </dgm:fillClrLst>
+    <dgm:linClrLst>
+      <a:schemeClr val="accent5">
+        <a:tint val="40000"/>
+        <a:alpha val="90000"/>
+      </a:schemeClr>
+      <a:schemeClr val="accent6">
+        <a:tint val="40000"/>
+        <a:alpha val="90000"/>
+      </a:schemeClr>
+    </dgm:linClrLst>
+    <dgm:effectClrLst/>
+    <dgm:txLinClrLst/>
+    <dgm:txFillClrLst meth="repeat">
+      <a:schemeClr val="dk1"/>
+    </dgm:txFillClrLst>
+    <dgm:txEffectClrLst/>
+  </dgm:styleLbl>
+  <dgm:styleLbl name="bgAccFollowNode1">
+    <dgm:fillClrLst>
+      <a:schemeClr val="accent5">
+        <a:tint val="40000"/>
+        <a:alpha val="90000"/>
+      </a:schemeClr>
+      <a:schemeClr val="accent6">
+        <a:tint val="40000"/>
+        <a:alpha val="90000"/>
+      </a:schemeClr>
+    </dgm:fillClrLst>
+    <dgm:linClrLst>
+      <a:schemeClr val="accent5">
+        <a:tint val="40000"/>
+        <a:alpha val="90000"/>
+      </a:schemeClr>
+      <a:schemeClr val="accent6">
+        <a:tint val="40000"/>
+        <a:alpha val="90000"/>
+      </a:schemeClr>
+    </dgm:linClrLst>
+    <dgm:effectClrLst/>
+    <dgm:txLinClrLst/>
+    <dgm:txFillClrLst meth="repeat">
+      <a:schemeClr val="dk1"/>
+    </dgm:txFillClrLst>
+    <dgm:txEffectClrLst/>
+  </dgm:styleLbl>
+  <dgm:styleLbl name="fgAcc0">
+    <dgm:fillClrLst meth="repeat">
+      <a:schemeClr val="lt1">
+        <a:alpha val="90000"/>
+      </a:schemeClr>
+    </dgm:fillClrLst>
+    <dgm:linClrLst>
+      <a:schemeClr val="accent4"/>
+    </dgm:linClrLst>
+    <dgm:effectClrLst/>
+    <dgm:txLinClrLst/>
+    <dgm:txFillClrLst meth="repeat">
+      <a:schemeClr val="dk1"/>
+    </dgm:txFillClrLst>
+    <dgm:txEffectClrLst/>
+  </dgm:styleLbl>
+  <dgm:styleLbl name="fgAcc2">
+    <dgm:fillClrLst meth="repeat">
+      <a:schemeClr val="lt1">
+        <a:alpha val="90000"/>
+      </a:schemeClr>
+    </dgm:fillClrLst>
+    <dgm:linClrLst>
+      <a:schemeClr val="accent6"/>
+    </dgm:linClrLst>
+    <dgm:effectClrLst/>
+    <dgm:txLinClrLst/>
+    <dgm:txFillClrLst meth="repeat">
+      <a:schemeClr val="dk1"/>
+    </dgm:txFillClrLst>
+    <dgm:txEffectClrLst/>
+  </dgm:styleLbl>
+  <dgm:styleLbl name="fgAcc3">
+    <dgm:fillClrLst meth="repeat">
+      <a:schemeClr val="lt1">
+        <a:alpha val="90000"/>
+      </a:schemeClr>
+    </dgm:fillClrLst>
+    <dgm:linClrLst>
+      <a:schemeClr val="accent1"/>
+    </dgm:linClrLst>
+    <dgm:effectClrLst/>
+    <dgm:txLinClrLst/>
+    <dgm:txFillClrLst meth="repeat">
+      <a:schemeClr val="dk1"/>
+    </dgm:txFillClrLst>
+    <dgm:txEffectClrLst/>
+  </dgm:styleLbl>
+  <dgm:styleLbl name="fgAcc4">
+    <dgm:fillClrLst meth="repeat">
+      <a:schemeClr val="lt1">
+        <a:alpha val="90000"/>
+      </a:schemeClr>
+    </dgm:fillClrLst>
+    <dgm:linClrLst>
+      <a:schemeClr val="accent2"/>
+    </dgm:linClrLst>
+    <dgm:effectClrLst/>
+    <dgm:txLinClrLst/>
+    <dgm:txFillClrLst meth="repeat">
+      <a:schemeClr val="dk1"/>
+    </dgm:txFillClrLst>
+    <dgm:txEffectClrLst/>
+  </dgm:styleLbl>
+  <dgm:styleLbl name="bgShp">
+    <dgm:fillClrLst meth="repeat">
+      <a:schemeClr val="accent5">
+        <a:tint val="40000"/>
+      </a:schemeClr>
+    </dgm:fillClrLst>
+    <dgm:linClrLst meth="repeat">
+      <a:schemeClr val="dk1"/>
+    </dgm:linClrLst>
+    <dgm:effectClrLst/>
+    <dgm:txLinClrLst/>
+    <dgm:txFillClrLst meth="repeat">
+      <a:schemeClr val="dk1"/>
+    </dgm:txFillClrLst>
+    <dgm:txEffectClrLst/>
+  </dgm:styleLbl>
+  <dgm:styleLbl name="dkBgShp">
+    <dgm:fillClrLst meth="repeat">
+      <a:schemeClr val="accent5">
+        <a:shade val="90000"/>
+      </a:schemeClr>
+    </dgm:fillClrLst>
+    <dgm:linClrLst meth="repeat">
+      <a:schemeClr val="dk1"/>
+    </dgm:linClrLst>
+    <dgm:effectClrLst/>
+    <dgm:txLinClrLst/>
+    <dgm:txFillClrLst meth="repeat">
+      <a:schemeClr val="lt1"/>
+    </dgm:txFillClrLst>
+    <dgm:txEffectClrLst/>
+  </dgm:styleLbl>
+  <dgm:styleLbl name="trBgShp">
+    <dgm:fillClrLst meth="repeat">
+      <a:schemeClr val="accent5">
+        <a:tint val="50000"/>
+        <a:alpha val="40000"/>
+      </a:schemeClr>
+    </dgm:fillClrLst>
+    <dgm:linClrLst meth="repeat">
+      <a:schemeClr val="accent5"/>
+    </dgm:linClrLst>
+    <dgm:effectClrLst/>
+    <dgm:txLinClrLst/>
+    <dgm:txFillClrLst meth="repeat">
+      <a:schemeClr val="lt1"/>
+    </dgm:txFillClrLst>
+    <dgm:txEffectClrLst/>
+  </dgm:styleLbl>
+  <dgm:styleLbl name="fgShp">
+    <dgm:fillClrLst meth="repeat">
+      <a:schemeClr val="accent5">
+        <a:tint val="40000"/>
+      </a:schemeClr>
+    </dgm:fillClrLst>
+    <dgm:linClrLst meth="repeat">
+      <a:schemeClr val="lt1"/>
+    </dgm:linClrLst>
+    <dgm:effectClrLst/>
+    <dgm:txLinClrLst/>
+    <dgm:txFillClrLst meth="repeat">
+      <a:schemeClr val="dk1"/>
+    </dgm:txFillClrLst>
+    <dgm:txEffectClrLst/>
+  </dgm:styleLbl>
+  <dgm:styleLbl name="revTx">
+    <dgm:fillClrLst meth="repeat">
+      <a:schemeClr val="lt1">
+        <a:alpha val="0"/>
+      </a:schemeClr>
+    </dgm:fillClrLst>
+    <dgm:linClrLst meth="repeat">
+      <a:schemeClr val="dk1">
+        <a:alpha val="0"/>
+      </a:schemeClr>
+    </dgm:linClrLst>
+    <dgm:effectClrLst/>
+    <dgm:txLinClrLst/>
+    <dgm:txFillClrLst meth="repeat">
+      <a:schemeClr val="tx1"/>
+    </dgm:txFillClrLst>
+    <dgm:txEffectClrLst/>
+  </dgm:styleLbl>
+</dgm:colorsDef>
+</file>
+
+<file path=ppt/diagrams/colors7.xml><?xml version="1.0" encoding="utf-8"?>
+<dgm:colorsDef xmlns:dgm="http://schemas.openxmlformats.org/drawingml/2006/diagram" xmlns:a="http://schemas.openxmlformats.org/drawingml/2006/main" uniqueId="urn:microsoft.com/office/officeart/2005/8/colors/colorful5">
+  <dgm:title val=""/>
+  <dgm:desc val=""/>
+  <dgm:catLst>
+    <dgm:cat type="colorful" pri="10500"/>
+  </dgm:catLst>
+  <dgm:styleLbl name="node0">
+    <dgm:fillClrLst meth="repeat">
+      <a:schemeClr val="accent4"/>
+    </dgm:fillClrLst>
+    <dgm:linClrLst meth="repeat">
+      <a:schemeClr val="lt1"/>
+    </dgm:linClrLst>
+    <dgm:effectClrLst/>
+    <dgm:txLinClrLst/>
+    <dgm:txFillClrLst/>
+    <dgm:txEffectClrLst/>
+  </dgm:styleLbl>
+  <dgm:styleLbl name="node1">
+    <dgm:fillClrLst>
+      <a:schemeClr val="accent5"/>
+      <a:schemeClr val="accent6"/>
+    </dgm:fillClrLst>
+    <dgm:linClrLst meth="repeat">
+      <a:schemeClr val="lt1"/>
+    </dgm:linClrLst>
+    <dgm:effectClrLst/>
+    <dgm:txLinClrLst/>
+    <dgm:txFillClrLst/>
+    <dgm:txEffectClrLst/>
+  </dgm:styleLbl>
+  <dgm:styleLbl name="alignNode1">
+    <dgm:fillClrLst>
+      <a:schemeClr val="accent5"/>
+      <a:schemeClr val="accent6"/>
+    </dgm:fillClrLst>
+    <dgm:linClrLst>
+      <a:schemeClr val="accent5"/>
+      <a:schemeClr val="accent6"/>
+    </dgm:linClrLst>
+    <dgm:effectClrLst/>
+    <dgm:txLinClrLst/>
+    <dgm:txFillClrLst/>
+    <dgm:txEffectClrLst/>
+  </dgm:styleLbl>
+  <dgm:styleLbl name="lnNode1">
+    <dgm:fillClrLst>
+      <a:schemeClr val="accent5"/>
+      <a:schemeClr val="accent6"/>
+    </dgm:fillClrLst>
+    <dgm:linClrLst meth="repeat">
+      <a:schemeClr val="lt1"/>
+    </dgm:linClrLst>
+    <dgm:effectClrLst/>
+    <dgm:txLinClrLst/>
+    <dgm:txFillClrLst/>
+    <dgm:txEffectClrLst/>
+  </dgm:styleLbl>
+  <dgm:styleLbl name="vennNode1">
+    <dgm:fillClrLst>
+      <a:schemeClr val="accent5">
+        <a:alpha val="50000"/>
+      </a:schemeClr>
+      <a:schemeClr val="accent6">
+        <a:alpha val="50000"/>
+      </a:schemeClr>
+    </dgm:fillClrLst>
+    <dgm:linClrLst meth="repeat">
+      <a:schemeClr val="lt1"/>
+    </dgm:linClrLst>
+    <dgm:effectClrLst/>
+    <dgm:txLinClrLst/>
+    <dgm:txFillClrLst/>
+    <dgm:txEffectClrLst/>
+  </dgm:styleLbl>
+  <dgm:styleLbl name="node2">
+    <dgm:fillClrLst>
+      <a:schemeClr val="accent6"/>
+    </dgm:fillClrLst>
+    <dgm:linClrLst meth="repeat">
+      <a:schemeClr val="lt1"/>
+    </dgm:linClrLst>
+    <dgm:effectClrLst/>
+    <dgm:txLinClrLst/>
+    <dgm:txFillClrLst/>
+    <dgm:txEffectClrLst/>
+  </dgm:styleLbl>
+  <dgm:styleLbl name="node3">
+    <dgm:fillClrLst>
+      <a:schemeClr val="accent1"/>
+    </dgm:fillClrLst>
+    <dgm:linClrLst meth="repeat">
+      <a:schemeClr val="lt1"/>
+    </dgm:linClrLst>
+    <dgm:effectClrLst/>
+    <dgm:txLinClrLst/>
+    <dgm:txFillClrLst/>
+    <dgm:txEffectClrLst/>
+  </dgm:styleLbl>
+  <dgm:styleLbl name="node4">
+    <dgm:fillClrLst>
+      <a:schemeClr val="accent2"/>
+    </dgm:fillClrLst>
+    <dgm:linClrLst meth="repeat">
+      <a:schemeClr val="lt1"/>
+    </dgm:linClrLst>
+    <dgm:effectClrLst/>
+    <dgm:txLinClrLst/>
+    <dgm:txFillClrLst/>
+    <dgm:txEffectClrLst/>
+  </dgm:styleLbl>
+  <dgm:styleLbl name="fgImgPlace1">
+    <dgm:fillClrLst>
+      <a:schemeClr val="accent5">
+        <a:tint val="50000"/>
+      </a:schemeClr>
+      <a:schemeClr val="accent6">
+        <a:tint val="50000"/>
+      </a:schemeClr>
+    </dgm:fillClrLst>
+    <dgm:linClrLst meth="repeat">
+      <a:schemeClr val="lt1"/>
+    </dgm:linClrLst>
+    <dgm:effectClrLst/>
+    <dgm:txLinClrLst/>
+    <dgm:txFillClrLst meth="repeat">
+      <a:schemeClr val="lt1"/>
+    </dgm:txFillClrLst>
+    <dgm:txEffectClrLst/>
+  </dgm:styleLbl>
+  <dgm:styleLbl name="alignImgPlace1">
+    <dgm:fillClrLst>
+      <a:schemeClr val="accent5">
+        <a:tint val="50000"/>
+      </a:schemeClr>
+      <a:schemeClr val="accent6">
+        <a:tint val="20000"/>
+      </a:schemeClr>
+    </dgm:fillClrLst>
+    <dgm:linClrLst meth="repeat">
+      <a:schemeClr val="lt1"/>
+    </dgm:linClrLst>
+    <dgm:effectClrLst/>
+    <dgm:txLinClrLst/>
+    <dgm:txFillClrLst meth="repeat">
+      <a:schemeClr val="lt1"/>
+    </dgm:txFillClrLst>
+    <dgm:txEffectClrLst/>
+  </dgm:styleLbl>
+  <dgm:styleLbl name="bgImgPlace1">
+    <dgm:fillClrLst>
+      <a:schemeClr val="accent5">
+        <a:tint val="50000"/>
+      </a:schemeClr>
+      <a:schemeClr val="accent6">
+        <a:tint val="20000"/>
+      </a:schemeClr>
+    </dgm:fillClrLst>
+    <dgm:linClrLst meth="repeat">
+      <a:schemeClr val="lt1"/>
+    </dgm:linClrLst>
+    <dgm:effectClrLst/>
+    <dgm:txLinClrLst/>
+    <dgm:txFillClrLst meth="repeat">
+      <a:schemeClr val="lt1"/>
+    </dgm:txFillClrLst>
+    <dgm:txEffectClrLst/>
+  </dgm:styleLbl>
+  <dgm:styleLbl name="sibTrans2D1">
+    <dgm:fillClrLst>
+      <a:schemeClr val="accent5"/>
+      <a:schemeClr val="accent6"/>
+    </dgm:fillClrLst>
+    <dgm:linClrLst meth="repeat">
+      <a:schemeClr val="lt1"/>
+    </dgm:linClrLst>
+    <dgm:effectClrLst/>
+    <dgm:txLinClrLst/>
+    <dgm:txFillClrLst/>
+    <dgm:txEffectClrLst/>
+  </dgm:styleLbl>
+  <dgm:styleLbl name="fgSibTrans2D1">
+    <dgm:fillClrLst>
+      <a:schemeClr val="accent5"/>
+      <a:schemeClr val="accent6"/>
+    </dgm:fillClrLst>
+    <dgm:linClrLst meth="repeat">
+      <a:schemeClr val="lt1"/>
+    </dgm:linClrLst>
+    <dgm:effectClrLst/>
+    <dgm:txLinClrLst/>
+    <dgm:txFillClrLst meth="repeat">
+      <a:schemeClr val="lt1"/>
+    </dgm:txFillClrLst>
+    <dgm:txEffectClrLst/>
+  </dgm:styleLbl>
+  <dgm:styleLbl name="bgSibTrans2D1">
+    <dgm:fillClrLst>
+      <a:schemeClr val="accent5"/>
+      <a:schemeClr val="accent6"/>
+    </dgm:fillClrLst>
+    <dgm:linClrLst meth="repeat">
+      <a:schemeClr val="lt1"/>
+    </dgm:linClrLst>
+    <dgm:effectClrLst/>
+    <dgm:txLinClrLst/>
+    <dgm:txFillClrLst meth="repeat">
+      <a:schemeClr val="lt1"/>
+    </dgm:txFillClrLst>
+    <dgm:txEffectClrLst/>
+  </dgm:styleLbl>
+  <dgm:styleLbl name="sibTrans1D1">
+    <dgm:fillClrLst/>
+    <dgm:linClrLst>
+      <a:schemeClr val="accent5"/>
+      <a:schemeClr val="accent6"/>
+    </dgm:linClrLst>
+    <dgm:effectClrLst/>
+    <dgm:txLinClrLst/>
+    <dgm:txFillClrLst meth="repeat">
+      <a:schemeClr val="tx1"/>
+    </dgm:txFillClrLst>
+    <dgm:txEffectClrLst/>
+  </dgm:styleLbl>
+  <dgm:styleLbl name="callout">
+    <dgm:fillClrLst meth="repeat">
+      <a:schemeClr val="accent5"/>
+    </dgm:fillClrLst>
+    <dgm:linClrLst meth="repeat">
+      <a:schemeClr val="accent5">
+        <a:tint val="50000"/>
+      </a:schemeClr>
+    </dgm:linClrLst>
+    <dgm:effectClrLst/>
+    <dgm:txLinClrLst/>
+    <dgm:txFillClrLst meth="repeat">
+      <a:schemeClr val="tx1"/>
+    </dgm:txFillClrLst>
+    <dgm:txEffectClrLst/>
+  </dgm:styleLbl>
+  <dgm:styleLbl name="asst0">
+    <dgm:fillClrLst meth="repeat">
+      <a:schemeClr val="accent5"/>
+    </dgm:fillClrLst>
+    <dgm:linClrLst meth="repeat">
+      <a:schemeClr val="lt1">
+        <a:shade val="80000"/>
+      </a:schemeClr>
+    </dgm:linClrLst>
+    <dgm:effectClrLst/>
+    <dgm:txLinClrLst/>
+    <dgm:txFillClrLst/>
+    <dgm:txEffectClrLst/>
+  </dgm:styleLbl>
+  <dgm:styleLbl name="asst1">
+    <dgm:fillClrLst meth="repeat">
+      <a:schemeClr val="accent6"/>
+    </dgm:fillClrLst>
+    <dgm:linClrLst meth="repeat">
+      <a:schemeClr val="lt1">
+        <a:shade val="80000"/>
+      </a:schemeClr>
+    </dgm:linClrLst>
+    <dgm:effectClrLst/>
+    <dgm:txLinClrLst/>
+    <dgm:txFillClrLst/>
+    <dgm:txEffectClrLst/>
+  </dgm:styleLbl>
+  <dgm:styleLbl name="asst2">
+    <dgm:fillClrLst>
+      <a:schemeClr val="accent1"/>
+    </dgm:fillClrLst>
+    <dgm:linClrLst meth="repeat">
+      <a:schemeClr val="lt1"/>
+    </dgm:linClrLst>
+    <dgm:effectClrLst/>
+    <dgm:txLinClrLst/>
+    <dgm:txFillClrLst/>
+    <dgm:txEffectClrLst/>
+  </dgm:styleLbl>
+  <dgm:styleLbl name="asst3">
+    <dgm:fillClrLst>
+      <a:schemeClr val="accent2"/>
+    </dgm:fillClrLst>
+    <dgm:linClrLst meth="repeat">
+      <a:schemeClr val="lt1"/>
+    </dgm:linClrLst>
+    <dgm:effectClrLst/>
+    <dgm:txLinClrLst/>
+    <dgm:txFillClrLst/>
+    <dgm:txEffectClrLst/>
+  </dgm:styleLbl>
+  <dgm:styleLbl name="asst4">
+    <dgm:fillClrLst>
+      <a:schemeClr val="accent3"/>
+    </dgm:fillClrLst>
+    <dgm:linClrLst meth="repeat">
+      <a:schemeClr val="lt1"/>
+    </dgm:linClrLst>
+    <dgm:effectClrLst/>
+    <dgm:txLinClrLst/>
+    <dgm:txFillClrLst/>
+    <dgm:txEffectClrLst/>
+  </dgm:styleLbl>
+  <dgm:styleLbl name="parChTrans2D1">
+    <dgm:fillClrLst meth="repeat">
+      <a:schemeClr val="accent5"/>
+    </dgm:fillClrLst>
+    <dgm:linClrLst meth="repeat">
+      <a:schemeClr val="lt1"/>
+    </dgm:linClrLst>
+    <dgm:effectClrLst/>
+    <dgm:txLinClrLst/>
+    <dgm:txFillClrLst meth="repeat">
+      <a:schemeClr val="lt1"/>
+    </dgm:txFillClrLst>
+    <dgm:txEffectClrLst/>
+  </dgm:styleLbl>
+  <dgm:styleLbl name="parChTrans2D2">
+    <dgm:fillClrLst meth="repeat">
+      <a:schemeClr val="accent6"/>
+    </dgm:fillClrLst>
+    <dgm:linClrLst meth="repeat">
+      <a:schemeClr val="lt1"/>
+    </dgm:linClrLst>
+    <dgm:effectClrLst/>
+    <dgm:txLinClrLst/>
+    <dgm:txFillClrLst/>
+    <dgm:txEffectClrLst/>
+  </dgm:styleLbl>
+  <dgm:styleLbl name="parChTrans2D3">
+    <dgm:fillClrLst meth="repeat">
+      <a:schemeClr val="accent6"/>
+    </dgm:fillClrLst>
+    <dgm:linClrLst meth="repeat">
+      <a:schemeClr val="lt1"/>
+    </dgm:linClrLst>
+    <dgm:effectClrLst/>
+    <dgm:txLinClrLst/>
+    <dgm:txFillClrLst/>
+    <dgm:txEffectClrLst/>
+  </dgm:styleLbl>
+  <dgm:styleLbl name="parChTrans2D4">
+    <dgm:fillClrLst meth="repeat">
+      <a:schemeClr val="accent1"/>
+    </dgm:fillClrLst>
+    <dgm:linClrLst meth="repeat">
+      <a:schemeClr val="lt1"/>
+    </dgm:linClrLst>
+    <dgm:effectClrLst/>
+    <dgm:txLinClrLst/>
+    <dgm:txFillClrLst meth="repeat">
+      <a:schemeClr val="lt1"/>
+    </dgm:txFillClrLst>
+    <dgm:txEffectClrLst/>
+  </dgm:styleLbl>
+  <dgm:styleLbl name="parChTrans1D1">
+    <dgm:fillClrLst meth="repeat">
+      <a:schemeClr val="accent5"/>
+    </dgm:fillClrLst>
+    <dgm:linClrLst meth="repeat">
+      <a:schemeClr val="accent5"/>
+    </dgm:linClrLst>
+    <dgm:effectClrLst/>
+    <dgm:txLinClrLst/>
+    <dgm:txFillClrLst meth="repeat">
+      <a:schemeClr val="tx1"/>
+    </dgm:txFillClrLst>
+    <dgm:txEffectClrLst/>
+  </dgm:styleLbl>
+  <dgm:styleLbl name="parChTrans1D2">
+    <dgm:fillClrLst meth="repeat">
+      <a:schemeClr val="accent6">
+        <a:tint val="90000"/>
+      </a:schemeClr>
+    </dgm:fillClrLst>
+    <dgm:linClrLst meth="repeat">
+      <a:schemeClr val="accent6"/>
+    </dgm:linClrLst>
+    <dgm:effectClrLst/>
+    <dgm:txLinClrLst/>
+    <dgm:txFillClrLst meth="repeat">
+      <a:schemeClr val="tx1"/>
+    </dgm:txFillClrLst>
+    <dgm:txEffectClrLst/>
+  </dgm:styleLbl>
+  <dgm:styleLbl name="parChTrans1D3">
+    <dgm:fillClrLst meth="repeat">
+      <a:schemeClr val="accent6">
+        <a:tint val="70000"/>
+      </a:schemeClr>
+    </dgm:fillClrLst>
+    <dgm:linClrLst meth="repeat">
+      <a:schemeClr val="accent1"/>
+    </dgm:linClrLst>
+    <dgm:effectClrLst/>
+    <dgm:txLinClrLst/>
+    <dgm:txFillClrLst meth="repeat">
+      <a:schemeClr val="tx1"/>
+    </dgm:txFillClrLst>
+    <dgm:txEffectClrLst/>
+  </dgm:styleLbl>
+  <dgm:styleLbl name="parChTrans1D4">
+    <dgm:fillClrLst meth="repeat">
+      <a:schemeClr val="accent6">
+        <a:tint val="50000"/>
+      </a:schemeClr>
+    </dgm:fillClrLst>
+    <dgm:linClrLst meth="repeat">
+      <a:schemeClr val="accent2"/>
+    </dgm:linClrLst>
+    <dgm:effectClrLst/>
+    <dgm:txLinClrLst/>
+    <dgm:txFillClrLst meth="repeat">
+      <a:schemeClr val="tx1"/>
+    </dgm:txFillClrLst>
+    <dgm:txEffectClrLst/>
+  </dgm:styleLbl>
+  <dgm:styleLbl name="fgAcc1">
+    <dgm:fillClrLst meth="repeat">
+      <a:schemeClr val="lt1">
+        <a:alpha val="90000"/>
+      </a:schemeClr>
+    </dgm:fillClrLst>
+    <dgm:linClrLst>
+      <a:schemeClr val="accent5"/>
+      <a:schemeClr val="accent6"/>
+    </dgm:linClrLst>
+    <dgm:effectClrLst/>
+    <dgm:txLinClrLst/>
+    <dgm:txFillClrLst meth="repeat">
+      <a:schemeClr val="dk1"/>
+    </dgm:txFillClrLst>
+    <dgm:txEffectClrLst/>
+  </dgm:styleLbl>
+  <dgm:styleLbl name="conFgAcc1">
+    <dgm:fillClrLst meth="repeat">
+      <a:schemeClr val="lt1">
+        <a:alpha val="90000"/>
+      </a:schemeClr>
+    </dgm:fillClrLst>
+    <dgm:linClrLst>
+      <a:schemeClr val="accent5"/>
+      <a:schemeClr val="accent6"/>
+    </dgm:linClrLst>
+    <dgm:effectClrLst/>
+    <dgm:txLinClrLst/>
+    <dgm:txFillClrLst meth="repeat">
+      <a:schemeClr val="dk1"/>
+    </dgm:txFillClrLst>
+    <dgm:txEffectClrLst/>
+  </dgm:styleLbl>
+  <dgm:styleLbl name="alignAcc1">
+    <dgm:fillClrLst meth="repeat">
+      <a:schemeClr val="lt1">
+        <a:alpha val="90000"/>
+      </a:schemeClr>
+    </dgm:fillClrLst>
+    <dgm:linClrLst>
+      <a:schemeClr val="accent5"/>
+      <a:schemeClr val="accent6"/>
+    </dgm:linClrLst>
+    <dgm:effectClrLst/>
+    <dgm:txLinClrLst/>
+    <dgm:txFillClrLst meth="repeat">
+      <a:schemeClr val="dk1"/>
+    </dgm:txFillClrLst>
+    <dgm:txEffectClrLst/>
+  </dgm:styleLbl>
+  <dgm:styleLbl name="trAlignAcc1">
+    <dgm:fillClrLst meth="repeat">
+      <a:schemeClr val="lt1">
+        <a:alpha val="40000"/>
+      </a:schemeClr>
+    </dgm:fillClrLst>
+    <dgm:linClrLst meth="repeat">
+      <a:schemeClr val="accent5"/>
+    </dgm:linClrLst>
+    <dgm:effectClrLst/>
+    <dgm:txLinClrLst/>
+    <dgm:txFillClrLst meth="repeat">
+      <a:schemeClr val="dk1"/>
+    </dgm:txFillClrLst>
+    <dgm:txEffectClrLst/>
+  </dgm:styleLbl>
+  <dgm:styleLbl name="bgAcc1">
+    <dgm:fillClrLst meth="repeat">
+      <a:schemeClr val="lt1">
+        <a:alpha val="90000"/>
+      </a:schemeClr>
+    </dgm:fillClrLst>
+    <dgm:linClrLst>
+      <a:schemeClr val="accent5"/>
+      <a:schemeClr val="accent6"/>
+    </dgm:linClrLst>
+    <dgm:effectClrLst/>
+    <dgm:txLinClrLst/>
+    <dgm:txFillClrLst meth="repeat">
+      <a:schemeClr val="dk1"/>
+    </dgm:txFillClrLst>
+    <dgm:txEffectClrLst/>
+  </dgm:styleLbl>
+  <dgm:styleLbl name="solidFgAcc1">
+    <dgm:fillClrLst meth="repeat">
+      <a:schemeClr val="lt1"/>
+    </dgm:fillClrLst>
+    <dgm:linClrLst>
+      <a:schemeClr val="accent5"/>
+      <a:schemeClr val="accent6"/>
+    </dgm:linClrLst>
+    <dgm:effectClrLst/>
+    <dgm:txLinClrLst/>
+    <dgm:txFillClrLst meth="repeat">
+      <a:schemeClr val="dk1"/>
+    </dgm:txFillClrLst>
+    <dgm:txEffectClrLst/>
+  </dgm:styleLbl>
+  <dgm:styleLbl name="solidAlignAcc1">
+    <dgm:fillClrLst meth="repeat">
+      <a:schemeClr val="lt1"/>
+    </dgm:fillClrLst>
+    <dgm:linClrLst>
+      <a:schemeClr val="accent5"/>
+      <a:schemeClr val="accent6"/>
+    </dgm:linClrLst>
+    <dgm:effectClrLst/>
+    <dgm:txLinClrLst/>
+    <dgm:txFillClrLst meth="repeat">
+      <a:schemeClr val="dk1"/>
+    </dgm:txFillClrLst>
+    <dgm:txEffectClrLst/>
+  </dgm:styleLbl>
+  <dgm:styleLbl name="solidBgAcc1">
+    <dgm:fillClrLst meth="repeat">
+      <a:schemeClr val="lt1"/>
+    </dgm:fillClrLst>
+    <dgm:linClrLst>
+      <a:schemeClr val="accent5"/>
+      <a:schemeClr val="accent6"/>
+    </dgm:linClrLst>
+    <dgm:effectClrLst/>
+    <dgm:txLinClrLst/>
+    <dgm:txFillClrLst meth="repeat">
+      <a:schemeClr val="dk1"/>
+    </dgm:txFillClrLst>
+    <dgm:txEffectClrLst/>
+  </dgm:styleLbl>
+  <dgm:styleLbl name="fgAccFollowNode1">
+    <dgm:fillClrLst>
+      <a:schemeClr val="accent5">
+        <a:tint val="40000"/>
+        <a:alpha val="90000"/>
+      </a:schemeClr>
+      <a:schemeClr val="accent6">
+        <a:tint val="40000"/>
+        <a:alpha val="90000"/>
+      </a:schemeClr>
+    </dgm:fillClrLst>
+    <dgm:linClrLst>
+      <a:schemeClr val="accent5">
+        <a:tint val="40000"/>
+        <a:alpha val="90000"/>
+      </a:schemeClr>
+      <a:schemeClr val="accent5">
+        <a:tint val="40000"/>
+        <a:alpha val="90000"/>
+      </a:schemeClr>
+    </dgm:linClrLst>
+    <dgm:effectClrLst/>
+    <dgm:txLinClrLst/>
+    <dgm:txFillClrLst meth="repeat">
+      <a:schemeClr val="dk1"/>
+    </dgm:txFillClrLst>
+    <dgm:txEffectClrLst/>
+  </dgm:styleLbl>
+  <dgm:styleLbl name="alignAccFollowNode1">
+    <dgm:fillClrLst>
+      <a:schemeClr val="accent5">
+        <a:tint val="40000"/>
+        <a:alpha val="90000"/>
+      </a:schemeClr>
+      <a:schemeClr val="accent6">
+        <a:tint val="40000"/>
+        <a:alpha val="90000"/>
+      </a:schemeClr>
+    </dgm:fillClrLst>
+    <dgm:linClrLst>
+      <a:schemeClr val="accent5">
+        <a:tint val="40000"/>
+        <a:alpha val="90000"/>
+      </a:schemeClr>
+      <a:schemeClr val="accent6">
+        <a:tint val="40000"/>
+        <a:alpha val="90000"/>
+      </a:schemeClr>
+    </dgm:linClrLst>
+    <dgm:effectClrLst/>
+    <dgm:txLinClrLst/>
+    <dgm:txFillClrLst meth="repeat">
+      <a:schemeClr val="dk1"/>
+    </dgm:txFillClrLst>
+    <dgm:txEffectClrLst/>
+  </dgm:styleLbl>
+  <dgm:styleLbl name="bgAccFollowNode1">
+    <dgm:fillClrLst>
+      <a:schemeClr val="accent5">
+        <a:tint val="40000"/>
+        <a:alpha val="90000"/>
+      </a:schemeClr>
+      <a:schemeClr val="accent6">
+        <a:tint val="40000"/>
+        <a:alpha val="90000"/>
+      </a:schemeClr>
+    </dgm:fillClrLst>
+    <dgm:linClrLst>
+      <a:schemeClr val="accent5">
+        <a:tint val="40000"/>
+        <a:alpha val="90000"/>
+      </a:schemeClr>
+      <a:schemeClr val="accent6">
+        <a:tint val="40000"/>
+        <a:alpha val="90000"/>
+      </a:schemeClr>
+    </dgm:linClrLst>
+    <dgm:effectClrLst/>
+    <dgm:txLinClrLst/>
+    <dgm:txFillClrLst meth="repeat">
+      <a:schemeClr val="dk1"/>
+    </dgm:txFillClrLst>
+    <dgm:txEffectClrLst/>
+  </dgm:styleLbl>
+  <dgm:styleLbl name="fgAcc0">
+    <dgm:fillClrLst meth="repeat">
+      <a:schemeClr val="lt1">
+        <a:alpha val="90000"/>
+      </a:schemeClr>
+    </dgm:fillClrLst>
+    <dgm:linClrLst>
+      <a:schemeClr val="accent4"/>
+    </dgm:linClrLst>
+    <dgm:effectClrLst/>
+    <dgm:txLinClrLst/>
+    <dgm:txFillClrLst meth="repeat">
+      <a:schemeClr val="dk1"/>
+    </dgm:txFillClrLst>
+    <dgm:txEffectClrLst/>
+  </dgm:styleLbl>
+  <dgm:styleLbl name="fgAcc2">
+    <dgm:fillClrLst meth="repeat">
+      <a:schemeClr val="lt1">
+        <a:alpha val="90000"/>
+      </a:schemeClr>
+    </dgm:fillClrLst>
+    <dgm:linClrLst>
+      <a:schemeClr val="accent6"/>
+    </dgm:linClrLst>
+    <dgm:effectClrLst/>
+    <dgm:txLinClrLst/>
+    <dgm:txFillClrLst meth="repeat">
+      <a:schemeClr val="dk1"/>
+    </dgm:txFillClrLst>
+    <dgm:txEffectClrLst/>
+  </dgm:styleLbl>
+  <dgm:styleLbl name="fgAcc3">
+    <dgm:fillClrLst meth="repeat">
+      <a:schemeClr val="lt1">
+        <a:alpha val="90000"/>
+      </a:schemeClr>
+    </dgm:fillClrLst>
+    <dgm:linClrLst>
+      <a:schemeClr val="accent1"/>
+    </dgm:linClrLst>
+    <dgm:effectClrLst/>
+    <dgm:txLinClrLst/>
+    <dgm:txFillClrLst meth="repeat">
+      <a:schemeClr val="dk1"/>
+    </dgm:txFillClrLst>
+    <dgm:txEffectClrLst/>
+  </dgm:styleLbl>
+  <dgm:styleLbl name="fgAcc4">
+    <dgm:fillClrLst meth="repeat">
+      <a:schemeClr val="lt1">
+        <a:alpha val="90000"/>
+      </a:schemeClr>
+    </dgm:fillClrLst>
+    <dgm:linClrLst>
+      <a:schemeClr val="accent2"/>
+    </dgm:linClrLst>
+    <dgm:effectClrLst/>
+    <dgm:txLinClrLst/>
+    <dgm:txFillClrLst meth="repeat">
+      <a:schemeClr val="dk1"/>
+    </dgm:txFillClrLst>
+    <dgm:txEffectClrLst/>
+  </dgm:styleLbl>
+  <dgm:styleLbl name="bgShp">
+    <dgm:fillClrLst meth="repeat">
+      <a:schemeClr val="accent5">
+        <a:tint val="40000"/>
+      </a:schemeClr>
+    </dgm:fillClrLst>
+    <dgm:linClrLst meth="repeat">
+      <a:schemeClr val="dk1"/>
+    </dgm:linClrLst>
+    <dgm:effectClrLst/>
+    <dgm:txLinClrLst/>
+    <dgm:txFillClrLst meth="repeat">
+      <a:schemeClr val="dk1"/>
+    </dgm:txFillClrLst>
+    <dgm:txEffectClrLst/>
+  </dgm:styleLbl>
+  <dgm:styleLbl name="dkBgShp">
+    <dgm:fillClrLst meth="repeat">
+      <a:schemeClr val="accent5">
+        <a:shade val="90000"/>
+      </a:schemeClr>
+    </dgm:fillClrLst>
+    <dgm:linClrLst meth="repeat">
+      <a:schemeClr val="dk1"/>
+    </dgm:linClrLst>
+    <dgm:effectClrLst/>
+    <dgm:txLinClrLst/>
+    <dgm:txFillClrLst meth="repeat">
+      <a:schemeClr val="lt1"/>
+    </dgm:txFillClrLst>
+    <dgm:txEffectClrLst/>
+  </dgm:styleLbl>
+  <dgm:styleLbl name="trBgShp">
+    <dgm:fillClrLst meth="repeat">
+      <a:schemeClr val="accent5">
+        <a:tint val="50000"/>
+        <a:alpha val="40000"/>
+      </a:schemeClr>
+    </dgm:fillClrLst>
+    <dgm:linClrLst meth="repeat">
+      <a:schemeClr val="accent5"/>
+    </dgm:linClrLst>
+    <dgm:effectClrLst/>
+    <dgm:txLinClrLst/>
+    <dgm:txFillClrLst meth="repeat">
+      <a:schemeClr val="lt1"/>
+    </dgm:txFillClrLst>
+    <dgm:txEffectClrLst/>
+  </dgm:styleLbl>
+  <dgm:styleLbl name="fgShp">
+    <dgm:fillClrLst meth="repeat">
+      <a:schemeClr val="accent5">
+        <a:tint val="40000"/>
+      </a:schemeClr>
+    </dgm:fillClrLst>
+    <dgm:linClrLst meth="repeat">
+      <a:schemeClr val="lt1"/>
+    </dgm:linClrLst>
+    <dgm:effectClrLst/>
+    <dgm:txLinClrLst/>
+    <dgm:txFillClrLst meth="repeat">
+      <a:schemeClr val="dk1"/>
+    </dgm:txFillClrLst>
+    <dgm:txEffectClrLst/>
+  </dgm:styleLbl>
+  <dgm:styleLbl name="revTx">
+    <dgm:fillClrLst meth="repeat">
+      <a:schemeClr val="lt1">
+        <a:alpha val="0"/>
+      </a:schemeClr>
+    </dgm:fillClrLst>
+    <dgm:linClrLst meth="repeat">
+      <a:schemeClr val="dk1">
+        <a:alpha val="0"/>
+      </a:schemeClr>
+    </dgm:linClrLst>
+    <dgm:effectClrLst/>
+    <dgm:txLinClrLst/>
+    <dgm:txFillClrLst meth="repeat">
+      <a:schemeClr val="tx1"/>
+    </dgm:txFillClrLst>
+    <dgm:txEffectClrLst/>
+  </dgm:styleLbl>
+</dgm:colorsDef>
+</file>
+
 <file path=ppt/diagrams/data1.xml><?xml version="1.0" encoding="utf-8"?>
 <dgm:dataModel xmlns:dgm="http://schemas.openxmlformats.org/drawingml/2006/diagram" xmlns:a="http://schemas.openxmlformats.org/drawingml/2006/main">
   <dgm:ptLst>
@@ -3310,6 +5656,13 @@
         </dgm:presLayoutVars>
       </dgm:prSet>
       <dgm:spPr/>
+      <dgm:t>
+        <a:bodyPr/>
+        <a:lstStyle/>
+        <a:p>
+          <a:endParaRPr lang="es-ES"/>
+        </a:p>
+      </dgm:t>
     </dgm:pt>
     <dgm:pt modelId="{BFD63725-C299-4B9F-AAAD-99629B827B7D}" type="pres">
       <dgm:prSet presAssocID="{0760A744-D275-4A22-8806-5FF407A1D02F}" presName="parentText" presStyleLbl="node1" presStyleIdx="0" presStyleCnt="1">
@@ -3319,6 +5672,13 @@
         </dgm:presLayoutVars>
       </dgm:prSet>
       <dgm:spPr/>
+      <dgm:t>
+        <a:bodyPr/>
+        <a:lstStyle/>
+        <a:p>
+          <a:endParaRPr lang="es-ES"/>
+        </a:p>
+      </dgm:t>
     </dgm:pt>
   </dgm:ptLst>
   <dgm:cxnLst>
@@ -3497,6 +5857,13 @@
         </dgm:presLayoutVars>
       </dgm:prSet>
       <dgm:spPr/>
+      <dgm:t>
+        <a:bodyPr/>
+        <a:lstStyle/>
+        <a:p>
+          <a:endParaRPr lang="es-ES"/>
+        </a:p>
+      </dgm:t>
     </dgm:pt>
     <dgm:pt modelId="{B761101D-807E-4A6E-99B6-C971667F4893}" type="pres">
       <dgm:prSet presAssocID="{A7C10D2B-C193-4D0F-8645-C5242E0E571A}" presName="parentText" presStyleLbl="node1" presStyleIdx="0" presStyleCnt="3">
@@ -3506,6 +5873,13 @@
         </dgm:presLayoutVars>
       </dgm:prSet>
       <dgm:spPr/>
+      <dgm:t>
+        <a:bodyPr/>
+        <a:lstStyle/>
+        <a:p>
+          <a:endParaRPr lang="es-ES"/>
+        </a:p>
+      </dgm:t>
     </dgm:pt>
     <dgm:pt modelId="{6FDDD56C-BB67-423D-9A02-811DE5B5CFDD}" type="pres">
       <dgm:prSet presAssocID="{6414AF1B-B220-4558-B066-27370953BF00}" presName="spacer" presStyleCnt="0"/>
@@ -3519,6 +5893,13 @@
         </dgm:presLayoutVars>
       </dgm:prSet>
       <dgm:spPr/>
+      <dgm:t>
+        <a:bodyPr/>
+        <a:lstStyle/>
+        <a:p>
+          <a:endParaRPr lang="es-ES"/>
+        </a:p>
+      </dgm:t>
     </dgm:pt>
     <dgm:pt modelId="{00C95987-5936-4B96-8B4D-613508F7653F}" type="pres">
       <dgm:prSet presAssocID="{DE026270-3E98-49CA-8545-78EEBAA79313}" presName="spacer" presStyleCnt="0"/>
@@ -3532,6 +5913,13 @@
         </dgm:presLayoutVars>
       </dgm:prSet>
       <dgm:spPr/>
+      <dgm:t>
+        <a:bodyPr/>
+        <a:lstStyle/>
+        <a:p>
+          <a:endParaRPr lang="es-ES"/>
+        </a:p>
+      </dgm:t>
     </dgm:pt>
   </dgm:ptLst>
   <dgm:cxnLst>
@@ -3695,10 +6083,10 @@
         <a:lstStyle/>
         <a:p>
           <a:r>
-            <a:rPr lang="en-US" noProof="0" smtClean="0"/>
+            <a:rPr lang="en-US" noProof="0" dirty="0" smtClean="0"/>
             <a:t>Detection</a:t>
           </a:r>
-          <a:endParaRPr lang="en-US" noProof="0"/>
+          <a:endParaRPr lang="en-US" noProof="0" dirty="0"/>
         </a:p>
       </dgm:t>
     </dgm:pt>
@@ -3769,10 +6157,10 @@
         <a:lstStyle/>
         <a:p>
           <a:r>
-            <a:rPr lang="en-US" noProof="0" smtClean="0"/>
+            <a:rPr lang="en-US" noProof="0" dirty="0" smtClean="0"/>
             <a:t>Representation</a:t>
           </a:r>
-          <a:endParaRPr lang="en-US" noProof="0"/>
+          <a:endParaRPr lang="en-US" noProof="0" dirty="0"/>
         </a:p>
       </dgm:t>
     </dgm:pt>
@@ -3909,6 +6297,117 @@
         </a:p>
       </dgm:t>
     </dgm:pt>
+    <dgm:pt modelId="{4399A1F4-CF04-4407-8A54-F0F9DC7BE889}">
+      <dgm:prSet phldrT="[Texto]"/>
+      <dgm:spPr/>
+      <dgm:t>
+        <a:bodyPr/>
+        <a:lstStyle/>
+        <a:p>
+          <a:r>
+            <a:rPr lang="en-US" noProof="0" dirty="0" smtClean="0"/>
+            <a:t>Face Detection</a:t>
+          </a:r>
+          <a:endParaRPr lang="en-US" noProof="0" dirty="0"/>
+        </a:p>
+      </dgm:t>
+    </dgm:pt>
+    <dgm:pt modelId="{FC67B87D-BA8E-4B29-B9D2-3AAB828DC117}" type="parTrans" cxnId="{F67AA506-1056-467F-B201-5889F20CF9BA}">
+      <dgm:prSet/>
+      <dgm:spPr/>
+      <dgm:t>
+        <a:bodyPr/>
+        <a:lstStyle/>
+        <a:p>
+          <a:endParaRPr lang="es-ES"/>
+        </a:p>
+      </dgm:t>
+    </dgm:pt>
+    <dgm:pt modelId="{0E0C0C5D-F680-452A-83AF-10051948452A}" type="sibTrans" cxnId="{F67AA506-1056-467F-B201-5889F20CF9BA}">
+      <dgm:prSet/>
+      <dgm:spPr/>
+      <dgm:t>
+        <a:bodyPr/>
+        <a:lstStyle/>
+        <a:p>
+          <a:endParaRPr lang="es-ES"/>
+        </a:p>
+      </dgm:t>
+    </dgm:pt>
+    <dgm:pt modelId="{61963B72-96F0-47EB-A92A-8A9DD6B8C573}">
+      <dgm:prSet phldrT="[Texto]"/>
+      <dgm:spPr/>
+      <dgm:t>
+        <a:bodyPr/>
+        <a:lstStyle/>
+        <a:p>
+          <a:r>
+            <a:rPr lang="en-US" noProof="0" dirty="0" smtClean="0"/>
+            <a:t>Histograms</a:t>
+          </a:r>
+          <a:endParaRPr lang="en-US" noProof="0" dirty="0"/>
+        </a:p>
+      </dgm:t>
+    </dgm:pt>
+    <dgm:pt modelId="{2F78D8E7-F481-4B16-897E-8081984993C0}" type="parTrans" cxnId="{ABAC95C6-4B2F-4E24-9B84-8961B5ED5AC4}">
+      <dgm:prSet/>
+      <dgm:spPr/>
+      <dgm:t>
+        <a:bodyPr/>
+        <a:lstStyle/>
+        <a:p>
+          <a:endParaRPr lang="es-ES"/>
+        </a:p>
+      </dgm:t>
+    </dgm:pt>
+    <dgm:pt modelId="{C08F7CEF-55E9-4265-B28B-51E307A9B361}" type="sibTrans" cxnId="{ABAC95C6-4B2F-4E24-9B84-8961B5ED5AC4}">
+      <dgm:prSet/>
+      <dgm:spPr/>
+      <dgm:t>
+        <a:bodyPr/>
+        <a:lstStyle/>
+        <a:p>
+          <a:endParaRPr lang="es-ES"/>
+        </a:p>
+      </dgm:t>
+    </dgm:pt>
+    <dgm:pt modelId="{C5965AFD-9EA7-4A6E-86B6-BAE2568544DF}">
+      <dgm:prSet phldrT="[Texto]"/>
+      <dgm:spPr/>
+      <dgm:t>
+        <a:bodyPr/>
+        <a:lstStyle/>
+        <a:p>
+          <a:r>
+            <a:rPr lang="en-US" noProof="0" dirty="0" smtClean="0"/>
+            <a:t>Velocity</a:t>
+          </a:r>
+          <a:endParaRPr lang="en-US" noProof="0" dirty="0"/>
+        </a:p>
+      </dgm:t>
+    </dgm:pt>
+    <dgm:pt modelId="{D5DC1118-726B-4666-B6B4-F29572FC3B3B}" type="parTrans" cxnId="{728021C6-8867-4878-8EFB-C0A2B63B8BF5}">
+      <dgm:prSet/>
+      <dgm:spPr/>
+      <dgm:t>
+        <a:bodyPr/>
+        <a:lstStyle/>
+        <a:p>
+          <a:endParaRPr lang="es-ES"/>
+        </a:p>
+      </dgm:t>
+    </dgm:pt>
+    <dgm:pt modelId="{D6C1A1AF-D2B6-4060-8CD8-2F0197B7399B}" type="sibTrans" cxnId="{728021C6-8867-4878-8EFB-C0A2B63B8BF5}">
+      <dgm:prSet/>
+      <dgm:spPr/>
+      <dgm:t>
+        <a:bodyPr/>
+        <a:lstStyle/>
+        <a:p>
+          <a:endParaRPr lang="es-ES"/>
+        </a:p>
+      </dgm:t>
+    </dgm:pt>
     <dgm:pt modelId="{8D12119A-7951-4775-834A-FC44E7E4F474}" type="pres">
       <dgm:prSet presAssocID="{6586D1D6-E41A-471A-862F-326DC00AB975}" presName="diagram" presStyleCnt="0">
         <dgm:presLayoutVars>
@@ -3920,6 +6419,13 @@
         </dgm:presLayoutVars>
       </dgm:prSet>
       <dgm:spPr/>
+      <dgm:t>
+        <a:bodyPr/>
+        <a:lstStyle/>
+        <a:p>
+          <a:endParaRPr lang="es-ES"/>
+        </a:p>
+      </dgm:t>
     </dgm:pt>
     <dgm:pt modelId="{23B3534D-504D-4AA2-9E8B-B8CCB4257A3E}" type="pres">
       <dgm:prSet presAssocID="{21486249-242A-487C-AF2E-0E3114801133}" presName="root" presStyleCnt="0"/>
@@ -3932,21 +6438,42 @@
     <dgm:pt modelId="{786ABC34-78E6-441F-BBF4-E77EA1D0F6D9}" type="pres">
       <dgm:prSet presAssocID="{21486249-242A-487C-AF2E-0E3114801133}" presName="rootText" presStyleLbl="node1" presStyleIdx="0" presStyleCnt="4"/>
       <dgm:spPr/>
+      <dgm:t>
+        <a:bodyPr/>
+        <a:lstStyle/>
+        <a:p>
+          <a:endParaRPr lang="es-ES"/>
+        </a:p>
+      </dgm:t>
     </dgm:pt>
     <dgm:pt modelId="{504C5CE8-8A06-4955-A06C-A9071A05F800}" type="pres">
       <dgm:prSet presAssocID="{21486249-242A-487C-AF2E-0E3114801133}" presName="rootConnector" presStyleLbl="node1" presStyleIdx="0" presStyleCnt="4"/>
       <dgm:spPr/>
+      <dgm:t>
+        <a:bodyPr/>
+        <a:lstStyle/>
+        <a:p>
+          <a:endParaRPr lang="es-ES"/>
+        </a:p>
+      </dgm:t>
     </dgm:pt>
     <dgm:pt modelId="{2EAA9190-5522-4B8D-A432-3FBE87F09260}" type="pres">
       <dgm:prSet presAssocID="{21486249-242A-487C-AF2E-0E3114801133}" presName="childShape" presStyleCnt="0"/>
       <dgm:spPr/>
     </dgm:pt>
     <dgm:pt modelId="{53327925-2CAA-45CE-8EF2-3DD2327D1072}" type="pres">
-      <dgm:prSet presAssocID="{D5F3D9B5-0956-4659-A6E0-4F01A0CF3D3E}" presName="Name13" presStyleLbl="parChTrans1D2" presStyleIdx="0" presStyleCnt="4"/>
+      <dgm:prSet presAssocID="{D5F3D9B5-0956-4659-A6E0-4F01A0CF3D3E}" presName="Name13" presStyleLbl="parChTrans1D2" presStyleIdx="0" presStyleCnt="7"/>
       <dgm:spPr/>
+      <dgm:t>
+        <a:bodyPr/>
+        <a:lstStyle/>
+        <a:p>
+          <a:endParaRPr lang="es-ES"/>
+        </a:p>
+      </dgm:t>
     </dgm:pt>
     <dgm:pt modelId="{00A816F2-3FCB-44DE-8144-0CDE0FEB1FB8}" type="pres">
-      <dgm:prSet presAssocID="{FA3C71AA-D926-4B59-8EC0-CFD2D2AD2993}" presName="childText" presStyleLbl="bgAcc1" presStyleIdx="0" presStyleCnt="4">
+      <dgm:prSet presAssocID="{FA3C71AA-D926-4B59-8EC0-CFD2D2AD2993}" presName="childText" presStyleLbl="bgAcc1" presStyleIdx="0" presStyleCnt="7">
         <dgm:presLayoutVars>
           <dgm:bulletEnabled val="1"/>
         </dgm:presLayoutVars>
@@ -3961,23 +6488,44 @@
       </dgm:t>
     </dgm:pt>
     <dgm:pt modelId="{CD59CD8E-EC99-437D-BE39-CAF22FD01E03}" type="pres">
-      <dgm:prSet presAssocID="{845088BC-446A-446D-89CE-ACE6C9687F1A}" presName="Name13" presStyleLbl="parChTrans1D2" presStyleIdx="1" presStyleCnt="4"/>
+      <dgm:prSet presAssocID="{845088BC-446A-446D-89CE-ACE6C9687F1A}" presName="Name13" presStyleLbl="parChTrans1D2" presStyleIdx="1" presStyleCnt="7"/>
       <dgm:spPr/>
+      <dgm:t>
+        <a:bodyPr/>
+        <a:lstStyle/>
+        <a:p>
+          <a:endParaRPr lang="es-ES"/>
+        </a:p>
+      </dgm:t>
     </dgm:pt>
     <dgm:pt modelId="{A73D20A3-B4DA-4479-B55B-890F15CBE6C3}" type="pres">
-      <dgm:prSet presAssocID="{1A6C99F9-0B89-49FD-AF2A-83C2B25BD30C}" presName="childText" presStyleLbl="bgAcc1" presStyleIdx="1" presStyleCnt="4">
+      <dgm:prSet presAssocID="{1A6C99F9-0B89-49FD-AF2A-83C2B25BD30C}" presName="childText" presStyleLbl="bgAcc1" presStyleIdx="1" presStyleCnt="7">
         <dgm:presLayoutVars>
           <dgm:bulletEnabled val="1"/>
         </dgm:presLayoutVars>
       </dgm:prSet>
       <dgm:spPr/>
+      <dgm:t>
+        <a:bodyPr/>
+        <a:lstStyle/>
+        <a:p>
+          <a:endParaRPr lang="es-ES"/>
+        </a:p>
+      </dgm:t>
     </dgm:pt>
     <dgm:pt modelId="{82B1B814-CB5C-4B81-A080-1747B72AC631}" type="pres">
-      <dgm:prSet presAssocID="{C08D47A4-DB7E-4C4C-8D26-32089E6C2DEF}" presName="Name13" presStyleLbl="parChTrans1D2" presStyleIdx="2" presStyleCnt="4"/>
+      <dgm:prSet presAssocID="{C08D47A4-DB7E-4C4C-8D26-32089E6C2DEF}" presName="Name13" presStyleLbl="parChTrans1D2" presStyleIdx="2" presStyleCnt="7"/>
       <dgm:spPr/>
+      <dgm:t>
+        <a:bodyPr/>
+        <a:lstStyle/>
+        <a:p>
+          <a:endParaRPr lang="es-ES"/>
+        </a:p>
+      </dgm:t>
     </dgm:pt>
     <dgm:pt modelId="{E39230B7-CA74-4B22-BF8F-AAAC3BF519DC}" type="pres">
-      <dgm:prSet presAssocID="{F7A0F02D-5CE9-4D53-B858-B2430DBA6611}" presName="childText" presStyleLbl="bgAcc1" presStyleIdx="2" presStyleCnt="4">
+      <dgm:prSet presAssocID="{F7A0F02D-5CE9-4D53-B858-B2430DBA6611}" presName="childText" presStyleLbl="bgAcc1" presStyleIdx="2" presStyleCnt="7">
         <dgm:presLayoutVars>
           <dgm:bulletEnabled val="1"/>
         </dgm:presLayoutVars>
@@ -4002,21 +6550,61 @@
     <dgm:pt modelId="{3AF06778-AFD3-4149-A109-9E3EA69FB691}" type="pres">
       <dgm:prSet presAssocID="{0A29CD26-087C-40C0-AD69-709E0E72239B}" presName="rootText" presStyleLbl="node1" presStyleIdx="1" presStyleCnt="4"/>
       <dgm:spPr/>
+      <dgm:t>
+        <a:bodyPr/>
+        <a:lstStyle/>
+        <a:p>
+          <a:endParaRPr lang="es-ES"/>
+        </a:p>
+      </dgm:t>
     </dgm:pt>
     <dgm:pt modelId="{6992CD19-32CF-4ACC-A26B-C3AD89FFDCF5}" type="pres">
       <dgm:prSet presAssocID="{0A29CD26-087C-40C0-AD69-709E0E72239B}" presName="rootConnector" presStyleLbl="node1" presStyleIdx="1" presStyleCnt="4"/>
       <dgm:spPr/>
+      <dgm:t>
+        <a:bodyPr/>
+        <a:lstStyle/>
+        <a:p>
+          <a:endParaRPr lang="es-ES"/>
+        </a:p>
+      </dgm:t>
     </dgm:pt>
     <dgm:pt modelId="{D5207EEF-21C2-4F76-98E5-7CD77A83BAA7}" type="pres">
       <dgm:prSet presAssocID="{0A29CD26-087C-40C0-AD69-709E0E72239B}" presName="childShape" presStyleCnt="0"/>
       <dgm:spPr/>
     </dgm:pt>
-    <dgm:pt modelId="{428DB842-A276-4CBD-8C1E-DC9F41200616}" type="pres">
-      <dgm:prSet presAssocID="{1791AA9E-2AF5-49D0-A7C3-8A548025FEB7}" presName="Name13" presStyleLbl="parChTrans1D2" presStyleIdx="3" presStyleCnt="4"/>
+    <dgm:pt modelId="{78881C3A-DD81-4E57-8674-83F863A6771F}" type="pres">
+      <dgm:prSet presAssocID="{FC67B87D-BA8E-4B29-B9D2-3AAB828DC117}" presName="Name13" presStyleLbl="parChTrans1D2" presStyleIdx="3" presStyleCnt="7"/>
       <dgm:spPr/>
     </dgm:pt>
+    <dgm:pt modelId="{91B68FAC-D781-4533-9F6F-FB4E74F807AB}" type="pres">
+      <dgm:prSet presAssocID="{4399A1F4-CF04-4407-8A54-F0F9DC7BE889}" presName="childText" presStyleLbl="bgAcc1" presStyleIdx="3" presStyleCnt="7">
+        <dgm:presLayoutVars>
+          <dgm:bulletEnabled val="1"/>
+        </dgm:presLayoutVars>
+      </dgm:prSet>
+      <dgm:spPr/>
+      <dgm:t>
+        <a:bodyPr/>
+        <a:lstStyle/>
+        <a:p>
+          <a:endParaRPr lang="es-ES"/>
+        </a:p>
+      </dgm:t>
+    </dgm:pt>
+    <dgm:pt modelId="{428DB842-A276-4CBD-8C1E-DC9F41200616}" type="pres">
+      <dgm:prSet presAssocID="{1791AA9E-2AF5-49D0-A7C3-8A548025FEB7}" presName="Name13" presStyleLbl="parChTrans1D2" presStyleIdx="4" presStyleCnt="7"/>
+      <dgm:spPr/>
+      <dgm:t>
+        <a:bodyPr/>
+        <a:lstStyle/>
+        <a:p>
+          <a:endParaRPr lang="es-ES"/>
+        </a:p>
+      </dgm:t>
+    </dgm:pt>
     <dgm:pt modelId="{CF53279C-FF12-4AE7-8C78-4EE49D3809A0}" type="pres">
-      <dgm:prSet presAssocID="{BDFA9EBB-4D69-41D8-823D-E17F437EF8A9}" presName="childText" presStyleLbl="bgAcc1" presStyleIdx="3" presStyleCnt="4">
+      <dgm:prSet presAssocID="{BDFA9EBB-4D69-41D8-823D-E17F437EF8A9}" presName="childText" presStyleLbl="bgAcc1" presStyleIdx="4" presStyleCnt="7">
         <dgm:presLayoutVars>
           <dgm:bulletEnabled val="1"/>
         </dgm:presLayoutVars>
@@ -4052,10 +6640,55 @@
     <dgm:pt modelId="{418F2C4B-330D-4D9E-B671-EE2614D7E22A}" type="pres">
       <dgm:prSet presAssocID="{F4D2102E-0C6F-4A5A-8472-EAE2779C6B3A}" presName="rootConnector" presStyleLbl="node1" presStyleIdx="2" presStyleCnt="4"/>
       <dgm:spPr/>
+      <dgm:t>
+        <a:bodyPr/>
+        <a:lstStyle/>
+        <a:p>
+          <a:endParaRPr lang="es-ES"/>
+        </a:p>
+      </dgm:t>
     </dgm:pt>
     <dgm:pt modelId="{26409EB8-7CB3-4BDD-98CA-FD654DFEB546}" type="pres">
       <dgm:prSet presAssocID="{F4D2102E-0C6F-4A5A-8472-EAE2779C6B3A}" presName="childShape" presStyleCnt="0"/>
       <dgm:spPr/>
+    </dgm:pt>
+    <dgm:pt modelId="{61246536-F20B-4AB5-897C-F97F0FC38FC5}" type="pres">
+      <dgm:prSet presAssocID="{2F78D8E7-F481-4B16-897E-8081984993C0}" presName="Name13" presStyleLbl="parChTrans1D2" presStyleIdx="5" presStyleCnt="7"/>
+      <dgm:spPr/>
+    </dgm:pt>
+    <dgm:pt modelId="{CB7A53F5-9FF6-4C10-ABBC-848D4E0BF92F}" type="pres">
+      <dgm:prSet presAssocID="{61963B72-96F0-47EB-A92A-8A9DD6B8C573}" presName="childText" presStyleLbl="bgAcc1" presStyleIdx="5" presStyleCnt="7">
+        <dgm:presLayoutVars>
+          <dgm:bulletEnabled val="1"/>
+        </dgm:presLayoutVars>
+      </dgm:prSet>
+      <dgm:spPr/>
+      <dgm:t>
+        <a:bodyPr/>
+        <a:lstStyle/>
+        <a:p>
+          <a:endParaRPr lang="es-ES"/>
+        </a:p>
+      </dgm:t>
+    </dgm:pt>
+    <dgm:pt modelId="{F8BD2214-FEAF-439D-9226-8D0785E482AF}" type="pres">
+      <dgm:prSet presAssocID="{D5DC1118-726B-4666-B6B4-F29572FC3B3B}" presName="Name13" presStyleLbl="parChTrans1D2" presStyleIdx="6" presStyleCnt="7"/>
+      <dgm:spPr/>
+    </dgm:pt>
+    <dgm:pt modelId="{0ADBB600-B969-4BB2-864A-43364FF9E68D}" type="pres">
+      <dgm:prSet presAssocID="{C5965AFD-9EA7-4A6E-86B6-BAE2568544DF}" presName="childText" presStyleLbl="bgAcc1" presStyleIdx="6" presStyleCnt="7">
+        <dgm:presLayoutVars>
+          <dgm:bulletEnabled val="1"/>
+        </dgm:presLayoutVars>
+      </dgm:prSet>
+      <dgm:spPr/>
+      <dgm:t>
+        <a:bodyPr/>
+        <a:lstStyle/>
+        <a:p>
+          <a:endParaRPr lang="es-ES"/>
+        </a:p>
+      </dgm:t>
     </dgm:pt>
     <dgm:pt modelId="{63FF3093-5E2A-420B-889E-57BB6B79BA0C}" type="pres">
       <dgm:prSet presAssocID="{7C5B4624-4183-43F3-9006-C46B344F9DC1}" presName="root" presStyleCnt="0"/>
@@ -4068,10 +6701,24 @@
     <dgm:pt modelId="{19F8C5B7-9125-46D0-A994-B9FAFE5B6E03}" type="pres">
       <dgm:prSet presAssocID="{7C5B4624-4183-43F3-9006-C46B344F9DC1}" presName="rootText" presStyleLbl="node1" presStyleIdx="3" presStyleCnt="4"/>
       <dgm:spPr/>
+      <dgm:t>
+        <a:bodyPr/>
+        <a:lstStyle/>
+        <a:p>
+          <a:endParaRPr lang="es-ES"/>
+        </a:p>
+      </dgm:t>
     </dgm:pt>
     <dgm:pt modelId="{E80B0B1F-2D37-4B70-B3C3-29CC12DCF8C5}" type="pres">
       <dgm:prSet presAssocID="{7C5B4624-4183-43F3-9006-C46B344F9DC1}" presName="rootConnector" presStyleLbl="node1" presStyleIdx="3" presStyleCnt="4"/>
       <dgm:spPr/>
+      <dgm:t>
+        <a:bodyPr/>
+        <a:lstStyle/>
+        <a:p>
+          <a:endParaRPr lang="es-ES"/>
+        </a:p>
+      </dgm:t>
     </dgm:pt>
     <dgm:pt modelId="{224CA571-6CC5-43DB-8A42-2E0E22FD9077}" type="pres">
       <dgm:prSet presAssocID="{7C5B4624-4183-43F3-9006-C46B344F9DC1}" presName="childShape" presStyleCnt="0"/>
@@ -4079,16 +6726,16 @@
     </dgm:pt>
   </dgm:ptLst>
   <dgm:cxnLst>
+    <dgm:cxn modelId="{ABAC95C6-4B2F-4E24-9B84-8961B5ED5AC4}" srcId="{F4D2102E-0C6F-4A5A-8472-EAE2779C6B3A}" destId="{61963B72-96F0-47EB-A92A-8A9DD6B8C573}" srcOrd="0" destOrd="0" parTransId="{2F78D8E7-F481-4B16-897E-8081984993C0}" sibTransId="{C08F7CEF-55E9-4265-B28B-51E307A9B361}"/>
     <dgm:cxn modelId="{B530683C-FBAB-491E-962A-71211640C7CD}" type="presOf" srcId="{F7A0F02D-5CE9-4D53-B858-B2430DBA6611}" destId="{E39230B7-CA74-4B22-BF8F-AAAC3BF519DC}" srcOrd="0" destOrd="0" presId="urn:microsoft.com/office/officeart/2005/8/layout/hierarchy3"/>
-    <dgm:cxn modelId="{45C25EAA-829A-4834-8645-4062CCC199B5}" type="presOf" srcId="{BDFA9EBB-4D69-41D8-823D-E17F437EF8A9}" destId="{CF53279C-FF12-4AE7-8C78-4EE49D3809A0}" srcOrd="0" destOrd="0" presId="urn:microsoft.com/office/officeart/2005/8/layout/hierarchy3"/>
     <dgm:cxn modelId="{1756264F-3FE9-413F-BA32-538593B43CBD}" srcId="{21486249-242A-487C-AF2E-0E3114801133}" destId="{F7A0F02D-5CE9-4D53-B858-B2430DBA6611}" srcOrd="2" destOrd="0" parTransId="{C08D47A4-DB7E-4C4C-8D26-32089E6C2DEF}" sibTransId="{C9D5F379-BA53-4A86-9A23-112B7FED57AC}"/>
     <dgm:cxn modelId="{1BF4FD55-7F3D-4F2B-9269-B5E2ABB6F2AF}" type="presOf" srcId="{D5F3D9B5-0956-4659-A6E0-4F01A0CF3D3E}" destId="{53327925-2CAA-45CE-8EF2-3DD2327D1072}" srcOrd="0" destOrd="0" presId="urn:microsoft.com/office/officeart/2005/8/layout/hierarchy3"/>
-    <dgm:cxn modelId="{226C3F2A-7E51-46D7-9E2E-013CE2870785}" type="presOf" srcId="{1791AA9E-2AF5-49D0-A7C3-8A548025FEB7}" destId="{428DB842-A276-4CBD-8C1E-DC9F41200616}" srcOrd="0" destOrd="0" presId="urn:microsoft.com/office/officeart/2005/8/layout/hierarchy3"/>
+    <dgm:cxn modelId="{728021C6-8867-4878-8EFB-C0A2B63B8BF5}" srcId="{F4D2102E-0C6F-4A5A-8472-EAE2779C6B3A}" destId="{C5965AFD-9EA7-4A6E-86B6-BAE2568544DF}" srcOrd="1" destOrd="0" parTransId="{D5DC1118-726B-4666-B6B4-F29572FC3B3B}" sibTransId="{D6C1A1AF-D2B6-4060-8CD8-2F0197B7399B}"/>
     <dgm:cxn modelId="{8BE4F377-F47D-4425-AAEE-F8B785334245}" srcId="{6586D1D6-E41A-471A-862F-326DC00AB975}" destId="{0A29CD26-087C-40C0-AD69-709E0E72239B}" srcOrd="1" destOrd="0" parTransId="{017981BF-BEF8-445C-AAEA-382ACB831159}" sibTransId="{78845A07-973A-4DB5-999B-6ABCB77E28B9}"/>
     <dgm:cxn modelId="{3DE758B2-EFA5-4298-8495-ADB1C12F6AED}" srcId="{21486249-242A-487C-AF2E-0E3114801133}" destId="{1A6C99F9-0B89-49FD-AF2A-83C2B25BD30C}" srcOrd="1" destOrd="0" parTransId="{845088BC-446A-446D-89CE-ACE6C9687F1A}" sibTransId="{9E454C30-E4A7-476F-93E2-625EA1F12178}"/>
     <dgm:cxn modelId="{BEC88A8C-0F8C-4A85-8630-BA807C5627AD}" type="presOf" srcId="{21486249-242A-487C-AF2E-0E3114801133}" destId="{504C5CE8-8A06-4955-A06C-A9071A05F800}" srcOrd="1" destOrd="0" presId="urn:microsoft.com/office/officeart/2005/8/layout/hierarchy3"/>
     <dgm:cxn modelId="{5C03C1BE-92C0-447F-9E37-2AFD593B964A}" type="presOf" srcId="{F4D2102E-0C6F-4A5A-8472-EAE2779C6B3A}" destId="{107BF7B5-F983-45A6-BAD2-34D83E28E4FC}" srcOrd="0" destOrd="0" presId="urn:microsoft.com/office/officeart/2005/8/layout/hierarchy3"/>
-    <dgm:cxn modelId="{589D9A6B-68F0-4A36-BD70-46A2E61D6CD2}" srcId="{0A29CD26-087C-40C0-AD69-709E0E72239B}" destId="{BDFA9EBB-4D69-41D8-823D-E17F437EF8A9}" srcOrd="0" destOrd="0" parTransId="{1791AA9E-2AF5-49D0-A7C3-8A548025FEB7}" sibTransId="{C1A8B9E4-C968-4BD2-815E-EBA1652880D1}"/>
+    <dgm:cxn modelId="{589D9A6B-68F0-4A36-BD70-46A2E61D6CD2}" srcId="{0A29CD26-087C-40C0-AD69-709E0E72239B}" destId="{BDFA9EBB-4D69-41D8-823D-E17F437EF8A9}" srcOrd="1" destOrd="0" parTransId="{1791AA9E-2AF5-49D0-A7C3-8A548025FEB7}" sibTransId="{C1A8B9E4-C968-4BD2-815E-EBA1652880D1}"/>
     <dgm:cxn modelId="{55A4C703-9664-4B70-A9E5-933950778D97}" type="presOf" srcId="{6586D1D6-E41A-471A-862F-326DC00AB975}" destId="{8D12119A-7951-4775-834A-FC44E7E4F474}" srcOrd="0" destOrd="0" presId="urn:microsoft.com/office/officeart/2005/8/layout/hierarchy3"/>
     <dgm:cxn modelId="{9472D390-4A62-415B-985B-509D7128ABC7}" srcId="{21486249-242A-487C-AF2E-0E3114801133}" destId="{FA3C71AA-D926-4B59-8EC0-CFD2D2AD2993}" srcOrd="0" destOrd="0" parTransId="{D5F3D9B5-0956-4659-A6E0-4F01A0CF3D3E}" sibTransId="{DA8E418A-3261-4B97-8403-78DF7F8A81F4}"/>
     <dgm:cxn modelId="{8B401C8B-CAE3-4856-AD0E-61B5B9245EBA}" srcId="{F7A0F02D-5CE9-4D53-B858-B2430DBA6611}" destId="{F0C2C145-C20C-426C-A5AE-BF32F9C350D6}" srcOrd="0" destOrd="0" parTransId="{7D9B5A2E-F2D3-4906-BAFE-55D77DB8FCE7}" sibTransId="{118A8487-47C4-4297-975F-548B1AE0494D}"/>
@@ -4096,13 +6743,22 @@
     <dgm:cxn modelId="{C3432192-8177-45C7-B939-AB314DBA7E21}" type="presOf" srcId="{F0C2C145-C20C-426C-A5AE-BF32F9C350D6}" destId="{E39230B7-CA74-4B22-BF8F-AAAC3BF519DC}" srcOrd="0" destOrd="1" presId="urn:microsoft.com/office/officeart/2005/8/layout/hierarchy3"/>
     <dgm:cxn modelId="{763B42E0-F480-4882-B817-4DC1DA73DD6D}" type="presOf" srcId="{F4D2102E-0C6F-4A5A-8472-EAE2779C6B3A}" destId="{418F2C4B-330D-4D9E-B671-EE2614D7E22A}" srcOrd="1" destOrd="0" presId="urn:microsoft.com/office/officeart/2005/8/layout/hierarchy3"/>
     <dgm:cxn modelId="{5EE8C1C6-34DA-4B8D-8E85-C21A1AD69C25}" srcId="{6586D1D6-E41A-471A-862F-326DC00AB975}" destId="{7C5B4624-4183-43F3-9006-C46B344F9DC1}" srcOrd="3" destOrd="0" parTransId="{049F61DF-D549-43D1-97A5-50505ABF5F3B}" sibTransId="{15134E6E-9783-4A93-8BDF-527B09597BC9}"/>
+    <dgm:cxn modelId="{4C7AA855-5443-4BC0-ADBD-42FE9C137326}" type="presOf" srcId="{BDFA9EBB-4D69-41D8-823D-E17F437EF8A9}" destId="{CF53279C-FF12-4AE7-8C78-4EE49D3809A0}" srcOrd="0" destOrd="0" presId="urn:microsoft.com/office/officeart/2005/8/layout/hierarchy3"/>
+    <dgm:cxn modelId="{4E6C7D8E-02A0-4EAC-BFA7-B13C59B33355}" type="presOf" srcId="{FC67B87D-BA8E-4B29-B9D2-3AAB828DC117}" destId="{78881C3A-DD81-4E57-8674-83F863A6771F}" srcOrd="0" destOrd="0" presId="urn:microsoft.com/office/officeart/2005/8/layout/hierarchy3"/>
     <dgm:cxn modelId="{FE06B044-B9AD-47F2-B24B-643FF4697975}" type="presOf" srcId="{7C5B4624-4183-43F3-9006-C46B344F9DC1}" destId="{E80B0B1F-2D37-4B70-B3C3-29CC12DCF8C5}" srcOrd="1" destOrd="0" presId="urn:microsoft.com/office/officeart/2005/8/layout/hierarchy3"/>
     <dgm:cxn modelId="{85517DEC-2CBB-4B2F-B7B7-13E40E139B34}" type="presOf" srcId="{7C5B4624-4183-43F3-9006-C46B344F9DC1}" destId="{19F8C5B7-9125-46D0-A994-B9FAFE5B6E03}" srcOrd="0" destOrd="0" presId="urn:microsoft.com/office/officeart/2005/8/layout/hierarchy3"/>
     <dgm:cxn modelId="{9639679C-BF30-4C5A-9EDC-D7FF0B028926}" type="presOf" srcId="{1A6C99F9-0B89-49FD-AF2A-83C2B25BD30C}" destId="{A73D20A3-B4DA-4479-B55B-890F15CBE6C3}" srcOrd="0" destOrd="0" presId="urn:microsoft.com/office/officeart/2005/8/layout/hierarchy3"/>
     <dgm:cxn modelId="{47111F06-0AC0-4617-A317-80A297DD95DC}" type="presOf" srcId="{0A29CD26-087C-40C0-AD69-709E0E72239B}" destId="{6992CD19-32CF-4ACC-A26B-C3AD89FFDCF5}" srcOrd="1" destOrd="0" presId="urn:microsoft.com/office/officeart/2005/8/layout/hierarchy3"/>
+    <dgm:cxn modelId="{F67AA506-1056-467F-B201-5889F20CF9BA}" srcId="{0A29CD26-087C-40C0-AD69-709E0E72239B}" destId="{4399A1F4-CF04-4407-8A54-F0F9DC7BE889}" srcOrd="0" destOrd="0" parTransId="{FC67B87D-BA8E-4B29-B9D2-3AAB828DC117}" sibTransId="{0E0C0C5D-F680-452A-83AF-10051948452A}"/>
     <dgm:cxn modelId="{5591A485-21A7-45DE-B5F8-9A593063E975}" srcId="{6586D1D6-E41A-471A-862F-326DC00AB975}" destId="{21486249-242A-487C-AF2E-0E3114801133}" srcOrd="0" destOrd="0" parTransId="{5D6B4927-D94D-46D6-B27A-A751EEE453FB}" sibTransId="{0BB69F38-1F88-49DB-9629-C759A334FE1F}"/>
+    <dgm:cxn modelId="{A106D4DE-E5AB-447D-8BA4-8169B287642E}" type="presOf" srcId="{1791AA9E-2AF5-49D0-A7C3-8A548025FEB7}" destId="{428DB842-A276-4CBD-8C1E-DC9F41200616}" srcOrd="0" destOrd="0" presId="urn:microsoft.com/office/officeart/2005/8/layout/hierarchy3"/>
+    <dgm:cxn modelId="{FCD42673-DC98-42A7-8021-A69032EFFA77}" type="presOf" srcId="{61963B72-96F0-47EB-A92A-8A9DD6B8C573}" destId="{CB7A53F5-9FF6-4C10-ABBC-848D4E0BF92F}" srcOrd="0" destOrd="0" presId="urn:microsoft.com/office/officeart/2005/8/layout/hierarchy3"/>
+    <dgm:cxn modelId="{0862196A-4652-4747-9255-ECF77D85561C}" type="presOf" srcId="{C5965AFD-9EA7-4A6E-86B6-BAE2568544DF}" destId="{0ADBB600-B969-4BB2-864A-43364FF9E68D}" srcOrd="0" destOrd="0" presId="urn:microsoft.com/office/officeart/2005/8/layout/hierarchy3"/>
+    <dgm:cxn modelId="{1E117514-C575-4F31-8B19-878C0A208B55}" type="presOf" srcId="{D5DC1118-726B-4666-B6B4-F29572FC3B3B}" destId="{F8BD2214-FEAF-439D-9226-8D0785E482AF}" srcOrd="0" destOrd="0" presId="urn:microsoft.com/office/officeart/2005/8/layout/hierarchy3"/>
     <dgm:cxn modelId="{3C817C0B-00B7-4491-9BAC-06ADC29AE7D6}" type="presOf" srcId="{FA3C71AA-D926-4B59-8EC0-CFD2D2AD2993}" destId="{00A816F2-3FCB-44DE-8144-0CDE0FEB1FB8}" srcOrd="0" destOrd="0" presId="urn:microsoft.com/office/officeart/2005/8/layout/hierarchy3"/>
     <dgm:cxn modelId="{CDCAB97F-331A-4537-B25C-4945FA3FE837}" type="presOf" srcId="{845088BC-446A-446D-89CE-ACE6C9687F1A}" destId="{CD59CD8E-EC99-437D-BE39-CAF22FD01E03}" srcOrd="0" destOrd="0" presId="urn:microsoft.com/office/officeart/2005/8/layout/hierarchy3"/>
+    <dgm:cxn modelId="{7E245B94-5246-42B0-BDC7-15F89AACD6B7}" type="presOf" srcId="{2F78D8E7-F481-4B16-897E-8081984993C0}" destId="{61246536-F20B-4AB5-897C-F97F0FC38FC5}" srcOrd="0" destOrd="0" presId="urn:microsoft.com/office/officeart/2005/8/layout/hierarchy3"/>
+    <dgm:cxn modelId="{0C4BD01A-FC16-43FD-9043-218930FEBA36}" type="presOf" srcId="{4399A1F4-CF04-4407-8A54-F0F9DC7BE889}" destId="{91B68FAC-D781-4533-9F6F-FB4E74F807AB}" srcOrd="0" destOrd="0" presId="urn:microsoft.com/office/officeart/2005/8/layout/hierarchy3"/>
     <dgm:cxn modelId="{15F132BC-1ADE-43BE-BA7D-FCC97EECFBE7}" type="presOf" srcId="{21486249-242A-487C-AF2E-0E3114801133}" destId="{786ABC34-78E6-441F-BBF4-E77EA1D0F6D9}" srcOrd="0" destOrd="0" presId="urn:microsoft.com/office/officeart/2005/8/layout/hierarchy3"/>
     <dgm:cxn modelId="{A9210282-17A7-4EA0-80A3-1AC2480DC23C}" srcId="{6586D1D6-E41A-471A-862F-326DC00AB975}" destId="{F4D2102E-0C6F-4A5A-8472-EAE2779C6B3A}" srcOrd="2" destOrd="0" parTransId="{007D75EF-EBD4-4FC1-B84D-87343FB50096}" sibTransId="{3ACA1DD1-CF82-4FD5-AA6C-608186CDDF12}"/>
     <dgm:cxn modelId="{80B1E49F-A2E5-47AD-A8DC-A2C9F0F44468}" type="presOf" srcId="{C08D47A4-DB7E-4C4C-8D26-32089E6C2DEF}" destId="{82B1B814-CB5C-4B81-A080-1747B72AC631}" srcOrd="0" destOrd="0" presId="urn:microsoft.com/office/officeart/2005/8/layout/hierarchy3"/>
@@ -4122,13 +6778,19 @@
     <dgm:cxn modelId="{48DB397B-BF64-46D1-93E4-FC1495CD8321}" type="presParOf" srcId="{06C8F000-401C-451F-98F6-9F5EDC5A458D}" destId="{3AF06778-AFD3-4149-A109-9E3EA69FB691}" srcOrd="0" destOrd="0" presId="urn:microsoft.com/office/officeart/2005/8/layout/hierarchy3"/>
     <dgm:cxn modelId="{5CE2751A-E407-4E19-AC1A-AD479BE6960A}" type="presParOf" srcId="{06C8F000-401C-451F-98F6-9F5EDC5A458D}" destId="{6992CD19-32CF-4ACC-A26B-C3AD89FFDCF5}" srcOrd="1" destOrd="0" presId="urn:microsoft.com/office/officeart/2005/8/layout/hierarchy3"/>
     <dgm:cxn modelId="{8D857859-C7AE-47AC-9B54-16E6F0C44E4D}" type="presParOf" srcId="{4395ECE1-057F-4E94-9FB8-CC5826B0FB22}" destId="{D5207EEF-21C2-4F76-98E5-7CD77A83BAA7}" srcOrd="1" destOrd="0" presId="urn:microsoft.com/office/officeart/2005/8/layout/hierarchy3"/>
-    <dgm:cxn modelId="{92C8719A-FB53-47AC-AA10-B567538DD988}" type="presParOf" srcId="{D5207EEF-21C2-4F76-98E5-7CD77A83BAA7}" destId="{428DB842-A276-4CBD-8C1E-DC9F41200616}" srcOrd="0" destOrd="0" presId="urn:microsoft.com/office/officeart/2005/8/layout/hierarchy3"/>
-    <dgm:cxn modelId="{FE8742A6-9725-4510-A7A0-3707A8A5D88F}" type="presParOf" srcId="{D5207EEF-21C2-4F76-98E5-7CD77A83BAA7}" destId="{CF53279C-FF12-4AE7-8C78-4EE49D3809A0}" srcOrd="1" destOrd="0" presId="urn:microsoft.com/office/officeart/2005/8/layout/hierarchy3"/>
+    <dgm:cxn modelId="{5ED54D2F-A1BC-483D-8EC1-641284CD5B18}" type="presParOf" srcId="{D5207EEF-21C2-4F76-98E5-7CD77A83BAA7}" destId="{78881C3A-DD81-4E57-8674-83F863A6771F}" srcOrd="0" destOrd="0" presId="urn:microsoft.com/office/officeart/2005/8/layout/hierarchy3"/>
+    <dgm:cxn modelId="{DEA48DB9-0CCB-46E5-95E0-7D3E7925F8C9}" type="presParOf" srcId="{D5207EEF-21C2-4F76-98E5-7CD77A83BAA7}" destId="{91B68FAC-D781-4533-9F6F-FB4E74F807AB}" srcOrd="1" destOrd="0" presId="urn:microsoft.com/office/officeart/2005/8/layout/hierarchy3"/>
+    <dgm:cxn modelId="{202F8629-543F-4D69-AA16-B18DF63B3CAE}" type="presParOf" srcId="{D5207EEF-21C2-4F76-98E5-7CD77A83BAA7}" destId="{428DB842-A276-4CBD-8C1E-DC9F41200616}" srcOrd="2" destOrd="0" presId="urn:microsoft.com/office/officeart/2005/8/layout/hierarchy3"/>
+    <dgm:cxn modelId="{A0714033-31FA-425E-A89D-7E73FF185397}" type="presParOf" srcId="{D5207EEF-21C2-4F76-98E5-7CD77A83BAA7}" destId="{CF53279C-FF12-4AE7-8C78-4EE49D3809A0}" srcOrd="3" destOrd="0" presId="urn:microsoft.com/office/officeart/2005/8/layout/hierarchy3"/>
     <dgm:cxn modelId="{FB60C714-1A45-4A49-9647-BF2714F297FB}" type="presParOf" srcId="{8D12119A-7951-4775-834A-FC44E7E4F474}" destId="{2FE6FE01-B06C-4157-A351-484743B6445C}" srcOrd="2" destOrd="0" presId="urn:microsoft.com/office/officeart/2005/8/layout/hierarchy3"/>
     <dgm:cxn modelId="{7C16D4B3-E397-4CE1-9D5C-7BF7BAFCEDE0}" type="presParOf" srcId="{2FE6FE01-B06C-4157-A351-484743B6445C}" destId="{F602F4C0-A816-49F8-A263-540BDAAE1902}" srcOrd="0" destOrd="0" presId="urn:microsoft.com/office/officeart/2005/8/layout/hierarchy3"/>
     <dgm:cxn modelId="{743CDA57-3C48-4207-B2B8-8B22E883D323}" type="presParOf" srcId="{F602F4C0-A816-49F8-A263-540BDAAE1902}" destId="{107BF7B5-F983-45A6-BAD2-34D83E28E4FC}" srcOrd="0" destOrd="0" presId="urn:microsoft.com/office/officeart/2005/8/layout/hierarchy3"/>
     <dgm:cxn modelId="{80A29D10-3F17-4124-BBAF-BC60E767F105}" type="presParOf" srcId="{F602F4C0-A816-49F8-A263-540BDAAE1902}" destId="{418F2C4B-330D-4D9E-B671-EE2614D7E22A}" srcOrd="1" destOrd="0" presId="urn:microsoft.com/office/officeart/2005/8/layout/hierarchy3"/>
     <dgm:cxn modelId="{E3E77E43-9DDE-4F46-9F09-10F8D4D3C764}" type="presParOf" srcId="{2FE6FE01-B06C-4157-A351-484743B6445C}" destId="{26409EB8-7CB3-4BDD-98CA-FD654DFEB546}" srcOrd="1" destOrd="0" presId="urn:microsoft.com/office/officeart/2005/8/layout/hierarchy3"/>
+    <dgm:cxn modelId="{8774DFE7-FE42-440B-BEF2-50603499B190}" type="presParOf" srcId="{26409EB8-7CB3-4BDD-98CA-FD654DFEB546}" destId="{61246536-F20B-4AB5-897C-F97F0FC38FC5}" srcOrd="0" destOrd="0" presId="urn:microsoft.com/office/officeart/2005/8/layout/hierarchy3"/>
+    <dgm:cxn modelId="{BC687C83-7F5B-4796-A3B7-D64DFC8CAA3E}" type="presParOf" srcId="{26409EB8-7CB3-4BDD-98CA-FD654DFEB546}" destId="{CB7A53F5-9FF6-4C10-ABBC-848D4E0BF92F}" srcOrd="1" destOrd="0" presId="urn:microsoft.com/office/officeart/2005/8/layout/hierarchy3"/>
+    <dgm:cxn modelId="{572DCA91-24F3-48C0-A81F-2034C517C05E}" type="presParOf" srcId="{26409EB8-7CB3-4BDD-98CA-FD654DFEB546}" destId="{F8BD2214-FEAF-439D-9226-8D0785E482AF}" srcOrd="2" destOrd="0" presId="urn:microsoft.com/office/officeart/2005/8/layout/hierarchy3"/>
+    <dgm:cxn modelId="{708091E1-F815-4737-967D-2EAB9D0B1D99}" type="presParOf" srcId="{26409EB8-7CB3-4BDD-98CA-FD654DFEB546}" destId="{0ADBB600-B969-4BB2-864A-43364FF9E68D}" srcOrd="3" destOrd="0" presId="urn:microsoft.com/office/officeart/2005/8/layout/hierarchy3"/>
     <dgm:cxn modelId="{8AF73032-EEB7-4914-BA18-BBC3823E465D}" type="presParOf" srcId="{8D12119A-7951-4775-834A-FC44E7E4F474}" destId="{63FF3093-5E2A-420B-889E-57BB6B79BA0C}" srcOrd="3" destOrd="0" presId="urn:microsoft.com/office/officeart/2005/8/layout/hierarchy3"/>
     <dgm:cxn modelId="{2F4FCC98-06A2-40FA-A860-C044B860DFEB}" type="presParOf" srcId="{63FF3093-5E2A-420B-889E-57BB6B79BA0C}" destId="{32F4E947-C17C-47DC-9E13-B0A87B452FA1}" srcOrd="0" destOrd="0" presId="urn:microsoft.com/office/officeart/2005/8/layout/hierarchy3"/>
     <dgm:cxn modelId="{09F0E1EF-3621-475E-8AED-F5C1DEC358B5}" type="presParOf" srcId="{32F4E947-C17C-47DC-9E13-B0A87B452FA1}" destId="{19F8C5B7-9125-46D0-A994-B9FAFE5B6E03}" srcOrd="0" destOrd="0" presId="urn:microsoft.com/office/officeart/2005/8/layout/hierarchy3"/>
@@ -4359,6 +7021,13 @@
         </dgm:presLayoutVars>
       </dgm:prSet>
       <dgm:spPr/>
+      <dgm:t>
+        <a:bodyPr/>
+        <a:lstStyle/>
+        <a:p>
+          <a:endParaRPr lang="es-ES"/>
+        </a:p>
+      </dgm:t>
     </dgm:pt>
     <dgm:pt modelId="{23B3534D-504D-4AA2-9E8B-B8CCB4257A3E}" type="pres">
       <dgm:prSet presAssocID="{21486249-242A-487C-AF2E-0E3114801133}" presName="root" presStyleCnt="0"/>
@@ -4371,10 +7040,24 @@
     <dgm:pt modelId="{786ABC34-78E6-441F-BBF4-E77EA1D0F6D9}" type="pres">
       <dgm:prSet presAssocID="{21486249-242A-487C-AF2E-0E3114801133}" presName="rootText" presStyleLbl="node1" presStyleIdx="0" presStyleCnt="1" custLinFactNeighborX="-654"/>
       <dgm:spPr/>
+      <dgm:t>
+        <a:bodyPr/>
+        <a:lstStyle/>
+        <a:p>
+          <a:endParaRPr lang="es-ES"/>
+        </a:p>
+      </dgm:t>
     </dgm:pt>
     <dgm:pt modelId="{504C5CE8-8A06-4955-A06C-A9071A05F800}" type="pres">
       <dgm:prSet presAssocID="{21486249-242A-487C-AF2E-0E3114801133}" presName="rootConnector" presStyleLbl="node1" presStyleIdx="0" presStyleCnt="1"/>
       <dgm:spPr/>
+      <dgm:t>
+        <a:bodyPr/>
+        <a:lstStyle/>
+        <a:p>
+          <a:endParaRPr lang="es-ES"/>
+        </a:p>
+      </dgm:t>
     </dgm:pt>
     <dgm:pt modelId="{2EAA9190-5522-4B8D-A432-3FBE87F09260}" type="pres">
       <dgm:prSet presAssocID="{21486249-242A-487C-AF2E-0E3114801133}" presName="childShape" presStyleCnt="0"/>
@@ -4383,6 +7066,13 @@
     <dgm:pt modelId="{53327925-2CAA-45CE-8EF2-3DD2327D1072}" type="pres">
       <dgm:prSet presAssocID="{D5F3D9B5-0956-4659-A6E0-4F01A0CF3D3E}" presName="Name13" presStyleLbl="parChTrans1D2" presStyleIdx="0" presStyleCnt="3"/>
       <dgm:spPr/>
+      <dgm:t>
+        <a:bodyPr/>
+        <a:lstStyle/>
+        <a:p>
+          <a:endParaRPr lang="es-ES"/>
+        </a:p>
+      </dgm:t>
     </dgm:pt>
     <dgm:pt modelId="{00A816F2-3FCB-44DE-8144-0CDE0FEB1FB8}" type="pres">
       <dgm:prSet presAssocID="{FA3C71AA-D926-4B59-8EC0-CFD2D2AD2993}" presName="childText" presStyleLbl="bgAcc1" presStyleIdx="0" presStyleCnt="3">
@@ -4402,6 +7092,13 @@
     <dgm:pt modelId="{CD59CD8E-EC99-437D-BE39-CAF22FD01E03}" type="pres">
       <dgm:prSet presAssocID="{845088BC-446A-446D-89CE-ACE6C9687F1A}" presName="Name13" presStyleLbl="parChTrans1D2" presStyleIdx="1" presStyleCnt="3"/>
       <dgm:spPr/>
+      <dgm:t>
+        <a:bodyPr/>
+        <a:lstStyle/>
+        <a:p>
+          <a:endParaRPr lang="es-ES"/>
+        </a:p>
+      </dgm:t>
     </dgm:pt>
     <dgm:pt modelId="{A73D20A3-B4DA-4479-B55B-890F15CBE6C3}" type="pres">
       <dgm:prSet presAssocID="{1A6C99F9-0B89-49FD-AF2A-83C2B25BD30C}" presName="childText" presStyleLbl="bgAcc1" presStyleIdx="1" presStyleCnt="3">
@@ -4410,10 +7107,24 @@
         </dgm:presLayoutVars>
       </dgm:prSet>
       <dgm:spPr/>
+      <dgm:t>
+        <a:bodyPr/>
+        <a:lstStyle/>
+        <a:p>
+          <a:endParaRPr lang="es-ES"/>
+        </a:p>
+      </dgm:t>
     </dgm:pt>
     <dgm:pt modelId="{82B1B814-CB5C-4B81-A080-1747B72AC631}" type="pres">
       <dgm:prSet presAssocID="{C08D47A4-DB7E-4C4C-8D26-32089E6C2DEF}" presName="Name13" presStyleLbl="parChTrans1D2" presStyleIdx="2" presStyleCnt="3"/>
       <dgm:spPr/>
+      <dgm:t>
+        <a:bodyPr/>
+        <a:lstStyle/>
+        <a:p>
+          <a:endParaRPr lang="es-ES"/>
+        </a:p>
+      </dgm:t>
     </dgm:pt>
     <dgm:pt modelId="{E39230B7-CA74-4B22-BF8F-AAAC3BF519DC}" type="pres">
       <dgm:prSet presAssocID="{F7A0F02D-5CE9-4D53-B858-B2430DBA6611}" presName="childText" presStyleLbl="bgAcc1" presStyleIdx="2" presStyleCnt="3">
@@ -4432,21 +7143,21 @@
     </dgm:pt>
   </dgm:ptLst>
   <dgm:cxnLst>
-    <dgm:cxn modelId="{5F6026E1-95C1-4B62-A4E5-29296DCBB18F}" type="presOf" srcId="{21486249-242A-487C-AF2E-0E3114801133}" destId="{786ABC34-78E6-441F-BBF4-E77EA1D0F6D9}" srcOrd="0" destOrd="0" presId="urn:microsoft.com/office/officeart/2005/8/layout/hierarchy3"/>
-    <dgm:cxn modelId="{DC328146-97DF-4603-B34B-6C9C0985E94E}" type="presOf" srcId="{1A6C99F9-0B89-49FD-AF2A-83C2B25BD30C}" destId="{A73D20A3-B4DA-4479-B55B-890F15CBE6C3}" srcOrd="0" destOrd="0" presId="urn:microsoft.com/office/officeart/2005/8/layout/hierarchy3"/>
-    <dgm:cxn modelId="{4A2A1EC4-2D54-45FF-82C4-C9AAD798C9DB}" type="presOf" srcId="{845088BC-446A-446D-89CE-ACE6C9687F1A}" destId="{CD59CD8E-EC99-437D-BE39-CAF22FD01E03}" srcOrd="0" destOrd="0" presId="urn:microsoft.com/office/officeart/2005/8/layout/hierarchy3"/>
-    <dgm:cxn modelId="{BA826CB9-A1E3-42F3-9860-E182453ED874}" type="presOf" srcId="{21486249-242A-487C-AF2E-0E3114801133}" destId="{504C5CE8-8A06-4955-A06C-A9071A05F800}" srcOrd="1" destOrd="0" presId="urn:microsoft.com/office/officeart/2005/8/layout/hierarchy3"/>
+    <dgm:cxn modelId="{5986BE7A-5BB7-4011-A212-D07D7AF14BEC}" type="presOf" srcId="{F7A0F02D-5CE9-4D53-B858-B2430DBA6611}" destId="{E39230B7-CA74-4B22-BF8F-AAAC3BF519DC}" srcOrd="0" destOrd="0" presId="urn:microsoft.com/office/officeart/2005/8/layout/hierarchy3"/>
     <dgm:cxn modelId="{1756264F-3FE9-413F-BA32-538593B43CBD}" srcId="{21486249-242A-487C-AF2E-0E3114801133}" destId="{F7A0F02D-5CE9-4D53-B858-B2430DBA6611}" srcOrd="2" destOrd="0" parTransId="{C08D47A4-DB7E-4C4C-8D26-32089E6C2DEF}" sibTransId="{C9D5F379-BA53-4A86-9A23-112B7FED57AC}"/>
-    <dgm:cxn modelId="{3DE758B2-EFA5-4298-8495-ADB1C12F6AED}" srcId="{21486249-242A-487C-AF2E-0E3114801133}" destId="{1A6C99F9-0B89-49FD-AF2A-83C2B25BD30C}" srcOrd="1" destOrd="0" parTransId="{845088BC-446A-446D-89CE-ACE6C9687F1A}" sibTransId="{9E454C30-E4A7-476F-93E2-625EA1F12178}"/>
     <dgm:cxn modelId="{9472D390-4A62-415B-985B-509D7128ABC7}" srcId="{21486249-242A-487C-AF2E-0E3114801133}" destId="{FA3C71AA-D926-4B59-8EC0-CFD2D2AD2993}" srcOrd="0" destOrd="0" parTransId="{D5F3D9B5-0956-4659-A6E0-4F01A0CF3D3E}" sibTransId="{DA8E418A-3261-4B97-8403-78DF7F8A81F4}"/>
-    <dgm:cxn modelId="{5591A485-21A7-45DE-B5F8-9A593063E975}" srcId="{6586D1D6-E41A-471A-862F-326DC00AB975}" destId="{21486249-242A-487C-AF2E-0E3114801133}" srcOrd="0" destOrd="0" parTransId="{5D6B4927-D94D-46D6-B27A-A751EEE453FB}" sibTransId="{0BB69F38-1F88-49DB-9629-C759A334FE1F}"/>
-    <dgm:cxn modelId="{5986BE7A-5BB7-4011-A212-D07D7AF14BEC}" type="presOf" srcId="{F7A0F02D-5CE9-4D53-B858-B2430DBA6611}" destId="{E39230B7-CA74-4B22-BF8F-AAAC3BF519DC}" srcOrd="0" destOrd="0" presId="urn:microsoft.com/office/officeart/2005/8/layout/hierarchy3"/>
-    <dgm:cxn modelId="{A832C086-3746-4D8E-85C5-EA19C58B92A1}" type="presOf" srcId="{6586D1D6-E41A-471A-862F-326DC00AB975}" destId="{8D12119A-7951-4775-834A-FC44E7E4F474}" srcOrd="0" destOrd="0" presId="urn:microsoft.com/office/officeart/2005/8/layout/hierarchy3"/>
-    <dgm:cxn modelId="{8B401C8B-CAE3-4856-AD0E-61B5B9245EBA}" srcId="{F7A0F02D-5CE9-4D53-B858-B2430DBA6611}" destId="{F0C2C145-C20C-426C-A5AE-BF32F9C350D6}" srcOrd="0" destOrd="0" parTransId="{7D9B5A2E-F2D3-4906-BAFE-55D77DB8FCE7}" sibTransId="{118A8487-47C4-4297-975F-548B1AE0494D}"/>
-    <dgm:cxn modelId="{1CDE9575-69F4-4C74-AC5D-6BA2980CB64C}" type="presOf" srcId="{C08D47A4-DB7E-4C4C-8D26-32089E6C2DEF}" destId="{82B1B814-CB5C-4B81-A080-1747B72AC631}" srcOrd="0" destOrd="0" presId="urn:microsoft.com/office/officeart/2005/8/layout/hierarchy3"/>
     <dgm:cxn modelId="{FA9BCEE9-19B9-48AF-AA9C-57626185D0AC}" type="presOf" srcId="{FA3C71AA-D926-4B59-8EC0-CFD2D2AD2993}" destId="{00A816F2-3FCB-44DE-8144-0CDE0FEB1FB8}" srcOrd="0" destOrd="0" presId="urn:microsoft.com/office/officeart/2005/8/layout/hierarchy3"/>
     <dgm:cxn modelId="{1B385875-3AF3-4925-8457-BE70339D7146}" type="presOf" srcId="{F0C2C145-C20C-426C-A5AE-BF32F9C350D6}" destId="{E39230B7-CA74-4B22-BF8F-AAAC3BF519DC}" srcOrd="0" destOrd="1" presId="urn:microsoft.com/office/officeart/2005/8/layout/hierarchy3"/>
+    <dgm:cxn modelId="{3DE758B2-EFA5-4298-8495-ADB1C12F6AED}" srcId="{21486249-242A-487C-AF2E-0E3114801133}" destId="{1A6C99F9-0B89-49FD-AF2A-83C2B25BD30C}" srcOrd="1" destOrd="0" parTransId="{845088BC-446A-446D-89CE-ACE6C9687F1A}" sibTransId="{9E454C30-E4A7-476F-93E2-625EA1F12178}"/>
+    <dgm:cxn modelId="{1CDE9575-69F4-4C74-AC5D-6BA2980CB64C}" type="presOf" srcId="{C08D47A4-DB7E-4C4C-8D26-32089E6C2DEF}" destId="{82B1B814-CB5C-4B81-A080-1747B72AC631}" srcOrd="0" destOrd="0" presId="urn:microsoft.com/office/officeart/2005/8/layout/hierarchy3"/>
+    <dgm:cxn modelId="{BA826CB9-A1E3-42F3-9860-E182453ED874}" type="presOf" srcId="{21486249-242A-487C-AF2E-0E3114801133}" destId="{504C5CE8-8A06-4955-A06C-A9071A05F800}" srcOrd="1" destOrd="0" presId="urn:microsoft.com/office/officeart/2005/8/layout/hierarchy3"/>
     <dgm:cxn modelId="{A49EB9E6-18DD-4297-9ADE-19ACFCF1E4AC}" type="presOf" srcId="{D5F3D9B5-0956-4659-A6E0-4F01A0CF3D3E}" destId="{53327925-2CAA-45CE-8EF2-3DD2327D1072}" srcOrd="0" destOrd="0" presId="urn:microsoft.com/office/officeart/2005/8/layout/hierarchy3"/>
+    <dgm:cxn modelId="{A832C086-3746-4D8E-85C5-EA19C58B92A1}" type="presOf" srcId="{6586D1D6-E41A-471A-862F-326DC00AB975}" destId="{8D12119A-7951-4775-834A-FC44E7E4F474}" srcOrd="0" destOrd="0" presId="urn:microsoft.com/office/officeart/2005/8/layout/hierarchy3"/>
+    <dgm:cxn modelId="{DC328146-97DF-4603-B34B-6C9C0985E94E}" type="presOf" srcId="{1A6C99F9-0B89-49FD-AF2A-83C2B25BD30C}" destId="{A73D20A3-B4DA-4479-B55B-890F15CBE6C3}" srcOrd="0" destOrd="0" presId="urn:microsoft.com/office/officeart/2005/8/layout/hierarchy3"/>
+    <dgm:cxn modelId="{5591A485-21A7-45DE-B5F8-9A593063E975}" srcId="{6586D1D6-E41A-471A-862F-326DC00AB975}" destId="{21486249-242A-487C-AF2E-0E3114801133}" srcOrd="0" destOrd="0" parTransId="{5D6B4927-D94D-46D6-B27A-A751EEE453FB}" sibTransId="{0BB69F38-1F88-49DB-9629-C759A334FE1F}"/>
+    <dgm:cxn modelId="{4A2A1EC4-2D54-45FF-82C4-C9AAD798C9DB}" type="presOf" srcId="{845088BC-446A-446D-89CE-ACE6C9687F1A}" destId="{CD59CD8E-EC99-437D-BE39-CAF22FD01E03}" srcOrd="0" destOrd="0" presId="urn:microsoft.com/office/officeart/2005/8/layout/hierarchy3"/>
+    <dgm:cxn modelId="{5F6026E1-95C1-4B62-A4E5-29296DCBB18F}" type="presOf" srcId="{21486249-242A-487C-AF2E-0E3114801133}" destId="{786ABC34-78E6-441F-BBF4-E77EA1D0F6D9}" srcOrd="0" destOrd="0" presId="urn:microsoft.com/office/officeart/2005/8/layout/hierarchy3"/>
+    <dgm:cxn modelId="{8B401C8B-CAE3-4856-AD0E-61B5B9245EBA}" srcId="{F7A0F02D-5CE9-4D53-B858-B2430DBA6611}" destId="{F0C2C145-C20C-426C-A5AE-BF32F9C350D6}" srcOrd="0" destOrd="0" parTransId="{7D9B5A2E-F2D3-4906-BAFE-55D77DB8FCE7}" sibTransId="{118A8487-47C4-4297-975F-548B1AE0494D}"/>
     <dgm:cxn modelId="{10665BD6-A894-406C-86D8-612E3EC8F069}" type="presParOf" srcId="{8D12119A-7951-4775-834A-FC44E7E4F474}" destId="{23B3534D-504D-4AA2-9E8B-B8CCB4257A3E}" srcOrd="0" destOrd="0" presId="urn:microsoft.com/office/officeart/2005/8/layout/hierarchy3"/>
     <dgm:cxn modelId="{8666265A-85F8-4D0D-82DC-DF119F2B4C0E}" type="presParOf" srcId="{23B3534D-504D-4AA2-9E8B-B8CCB4257A3E}" destId="{1A4316AE-7BB0-4C41-81F1-A60C4F4072D7}" srcOrd="0" destOrd="0" presId="urn:microsoft.com/office/officeart/2005/8/layout/hierarchy3"/>
     <dgm:cxn modelId="{05813C6D-FDE6-4A85-BE02-E8CEC0E889F5}" type="presParOf" srcId="{1A4316AE-7BB0-4C41-81F1-A60C4F4072D7}" destId="{786ABC34-78E6-441F-BBF4-E77EA1D0F6D9}" srcOrd="0" destOrd="0" presId="urn:microsoft.com/office/officeart/2005/8/layout/hierarchy3"/>
@@ -4458,6 +7169,635 @@
     <dgm:cxn modelId="{5536442D-A536-4276-8641-E9828D65DB55}" type="presParOf" srcId="{2EAA9190-5522-4B8D-A432-3FBE87F09260}" destId="{A73D20A3-B4DA-4479-B55B-890F15CBE6C3}" srcOrd="3" destOrd="0" presId="urn:microsoft.com/office/officeart/2005/8/layout/hierarchy3"/>
     <dgm:cxn modelId="{2A5A972A-8917-4936-8F93-E16649C95E11}" type="presParOf" srcId="{2EAA9190-5522-4B8D-A432-3FBE87F09260}" destId="{82B1B814-CB5C-4B81-A080-1747B72AC631}" srcOrd="4" destOrd="0" presId="urn:microsoft.com/office/officeart/2005/8/layout/hierarchy3"/>
     <dgm:cxn modelId="{9986BC38-F24A-4317-A852-9210589D7F29}" type="presParOf" srcId="{2EAA9190-5522-4B8D-A432-3FBE87F09260}" destId="{E39230B7-CA74-4B22-BF8F-AAAC3BF519DC}" srcOrd="5" destOrd="0" presId="urn:microsoft.com/office/officeart/2005/8/layout/hierarchy3"/>
+  </dgm:cxnLst>
+  <dgm:bg/>
+  <dgm:whole/>
+  <dgm:extLst>
+    <a:ext uri="http://schemas.microsoft.com/office/drawing/2008/diagram">
+      <dsp:dataModelExt xmlns:dsp="http://schemas.microsoft.com/office/drawing/2008/diagram" xmlns="" relId="rId6" minVer="http://schemas.openxmlformats.org/drawingml/2006/diagram"/>
+    </a:ext>
+  </dgm:extLst>
+</dgm:dataModel>
+</file>
+
+<file path=ppt/diagrams/data5.xml><?xml version="1.0" encoding="utf-8"?>
+<dgm:dataModel xmlns:dgm="http://schemas.openxmlformats.org/drawingml/2006/diagram" xmlns:a="http://schemas.openxmlformats.org/drawingml/2006/main">
+  <dgm:ptLst>
+    <dgm:pt modelId="{6586D1D6-E41A-471A-862F-326DC00AB975}" type="doc">
+      <dgm:prSet loTypeId="urn:microsoft.com/office/officeart/2005/8/layout/hierarchy3" loCatId="hierarchy" qsTypeId="urn:microsoft.com/office/officeart/2005/8/quickstyle/simple1" qsCatId="simple" csTypeId="urn:microsoft.com/office/officeart/2005/8/colors/colorful5" csCatId="colorful" phldr="1"/>
+      <dgm:spPr/>
+      <dgm:t>
+        <a:bodyPr/>
+        <a:lstStyle/>
+        <a:p>
+          <a:endParaRPr lang="es-ES"/>
+        </a:p>
+      </dgm:t>
+    </dgm:pt>
+    <dgm:pt modelId="{0A29CD26-087C-40C0-AD69-709E0E72239B}">
+      <dgm:prSet phldrT="[Texto]" custT="1"/>
+      <dgm:spPr/>
+      <dgm:t>
+        <a:bodyPr/>
+        <a:lstStyle/>
+        <a:p>
+          <a:r>
+            <a:rPr lang="en-US" sz="2300" noProof="0" dirty="0" smtClean="0"/>
+            <a:t>Detection</a:t>
+          </a:r>
+          <a:endParaRPr lang="en-US" sz="2300" noProof="0" dirty="0"/>
+        </a:p>
+      </dgm:t>
+    </dgm:pt>
+    <dgm:pt modelId="{017981BF-BEF8-445C-AAEA-382ACB831159}" type="parTrans" cxnId="{8BE4F377-F47D-4425-AAEE-F8B785334245}">
+      <dgm:prSet/>
+      <dgm:spPr/>
+      <dgm:t>
+        <a:bodyPr/>
+        <a:lstStyle/>
+        <a:p>
+          <a:endParaRPr lang="es-ES"/>
+        </a:p>
+      </dgm:t>
+    </dgm:pt>
+    <dgm:pt modelId="{78845A07-973A-4DB5-999B-6ABCB77E28B9}" type="sibTrans" cxnId="{8BE4F377-F47D-4425-AAEE-F8B785334245}">
+      <dgm:prSet/>
+      <dgm:spPr/>
+      <dgm:t>
+        <a:bodyPr/>
+        <a:lstStyle/>
+        <a:p>
+          <a:endParaRPr lang="es-ES"/>
+        </a:p>
+      </dgm:t>
+    </dgm:pt>
+    <dgm:pt modelId="{BDFA9EBB-4D69-41D8-823D-E17F437EF8A9}">
+      <dgm:prSet phldrT="[Texto]" custT="1"/>
+      <dgm:spPr/>
+      <dgm:t>
+        <a:bodyPr/>
+        <a:lstStyle/>
+        <a:p>
+          <a:r>
+            <a:rPr lang="en-US" sz="1500" noProof="0" dirty="0" smtClean="0"/>
+            <a:t>Face Recognition</a:t>
+          </a:r>
+          <a:endParaRPr lang="en-US" sz="1500" noProof="0" dirty="0"/>
+        </a:p>
+      </dgm:t>
+    </dgm:pt>
+    <dgm:pt modelId="{1791AA9E-2AF5-49D0-A7C3-8A548025FEB7}" type="parTrans" cxnId="{589D9A6B-68F0-4A36-BD70-46A2E61D6CD2}">
+      <dgm:prSet/>
+      <dgm:spPr/>
+      <dgm:t>
+        <a:bodyPr/>
+        <a:lstStyle/>
+        <a:p>
+          <a:endParaRPr lang="es-ES"/>
+        </a:p>
+      </dgm:t>
+    </dgm:pt>
+    <dgm:pt modelId="{C1A8B9E4-C968-4BD2-815E-EBA1652880D1}" type="sibTrans" cxnId="{589D9A6B-68F0-4A36-BD70-46A2E61D6CD2}">
+      <dgm:prSet/>
+      <dgm:spPr/>
+      <dgm:t>
+        <a:bodyPr/>
+        <a:lstStyle/>
+        <a:p>
+          <a:endParaRPr lang="es-ES"/>
+        </a:p>
+      </dgm:t>
+    </dgm:pt>
+    <dgm:pt modelId="{4399A1F4-CF04-4407-8A54-F0F9DC7BE889}">
+      <dgm:prSet phldrT="[Texto]" custT="1"/>
+      <dgm:spPr/>
+      <dgm:t>
+        <a:bodyPr/>
+        <a:lstStyle/>
+        <a:p>
+          <a:r>
+            <a:rPr lang="en-US" sz="1500" noProof="0" dirty="0" smtClean="0"/>
+            <a:t>Face Detection</a:t>
+          </a:r>
+          <a:endParaRPr lang="en-US" sz="1500" noProof="0" dirty="0"/>
+        </a:p>
+      </dgm:t>
+    </dgm:pt>
+    <dgm:pt modelId="{FC67B87D-BA8E-4B29-B9D2-3AAB828DC117}" type="parTrans" cxnId="{F67AA506-1056-467F-B201-5889F20CF9BA}">
+      <dgm:prSet/>
+      <dgm:spPr/>
+      <dgm:t>
+        <a:bodyPr/>
+        <a:lstStyle/>
+        <a:p>
+          <a:endParaRPr lang="es-ES"/>
+        </a:p>
+      </dgm:t>
+    </dgm:pt>
+    <dgm:pt modelId="{0E0C0C5D-F680-452A-83AF-10051948452A}" type="sibTrans" cxnId="{F67AA506-1056-467F-B201-5889F20CF9BA}">
+      <dgm:prSet/>
+      <dgm:spPr/>
+      <dgm:t>
+        <a:bodyPr/>
+        <a:lstStyle/>
+        <a:p>
+          <a:endParaRPr lang="es-ES"/>
+        </a:p>
+      </dgm:t>
+    </dgm:pt>
+    <dgm:pt modelId="{8D12119A-7951-4775-834A-FC44E7E4F474}" type="pres">
+      <dgm:prSet presAssocID="{6586D1D6-E41A-471A-862F-326DC00AB975}" presName="diagram" presStyleCnt="0">
+        <dgm:presLayoutVars>
+          <dgm:chPref val="1"/>
+          <dgm:dir/>
+          <dgm:animOne val="branch"/>
+          <dgm:animLvl val="lvl"/>
+          <dgm:resizeHandles/>
+        </dgm:presLayoutVars>
+      </dgm:prSet>
+      <dgm:spPr/>
+      <dgm:t>
+        <a:bodyPr/>
+        <a:lstStyle/>
+        <a:p>
+          <a:endParaRPr lang="es-ES"/>
+        </a:p>
+      </dgm:t>
+    </dgm:pt>
+    <dgm:pt modelId="{4395ECE1-057F-4E94-9FB8-CC5826B0FB22}" type="pres">
+      <dgm:prSet presAssocID="{0A29CD26-087C-40C0-AD69-709E0E72239B}" presName="root" presStyleCnt="0"/>
+      <dgm:spPr/>
+    </dgm:pt>
+    <dgm:pt modelId="{06C8F000-401C-451F-98F6-9F5EDC5A458D}" type="pres">
+      <dgm:prSet presAssocID="{0A29CD26-087C-40C0-AD69-709E0E72239B}" presName="rootComposite" presStyleCnt="0"/>
+      <dgm:spPr/>
+    </dgm:pt>
+    <dgm:pt modelId="{3AF06778-AFD3-4149-A109-9E3EA69FB691}" type="pres">
+      <dgm:prSet presAssocID="{0A29CD26-087C-40C0-AD69-709E0E72239B}" presName="rootText" presStyleLbl="node1" presStyleIdx="0" presStyleCnt="1"/>
+      <dgm:spPr/>
+      <dgm:t>
+        <a:bodyPr/>
+        <a:lstStyle/>
+        <a:p>
+          <a:endParaRPr lang="es-ES"/>
+        </a:p>
+      </dgm:t>
+    </dgm:pt>
+    <dgm:pt modelId="{6992CD19-32CF-4ACC-A26B-C3AD89FFDCF5}" type="pres">
+      <dgm:prSet presAssocID="{0A29CD26-087C-40C0-AD69-709E0E72239B}" presName="rootConnector" presStyleLbl="node1" presStyleIdx="0" presStyleCnt="1"/>
+      <dgm:spPr/>
+      <dgm:t>
+        <a:bodyPr/>
+        <a:lstStyle/>
+        <a:p>
+          <a:endParaRPr lang="es-ES"/>
+        </a:p>
+      </dgm:t>
+    </dgm:pt>
+    <dgm:pt modelId="{D5207EEF-21C2-4F76-98E5-7CD77A83BAA7}" type="pres">
+      <dgm:prSet presAssocID="{0A29CD26-087C-40C0-AD69-709E0E72239B}" presName="childShape" presStyleCnt="0"/>
+      <dgm:spPr/>
+    </dgm:pt>
+    <dgm:pt modelId="{78881C3A-DD81-4E57-8674-83F863A6771F}" type="pres">
+      <dgm:prSet presAssocID="{FC67B87D-BA8E-4B29-B9D2-3AAB828DC117}" presName="Name13" presStyleLbl="parChTrans1D2" presStyleIdx="0" presStyleCnt="2"/>
+      <dgm:spPr/>
+    </dgm:pt>
+    <dgm:pt modelId="{91B68FAC-D781-4533-9F6F-FB4E74F807AB}" type="pres">
+      <dgm:prSet presAssocID="{4399A1F4-CF04-4407-8A54-F0F9DC7BE889}" presName="childText" presStyleLbl="bgAcc1" presStyleIdx="0" presStyleCnt="2">
+        <dgm:presLayoutVars>
+          <dgm:bulletEnabled val="1"/>
+        </dgm:presLayoutVars>
+      </dgm:prSet>
+      <dgm:spPr/>
+      <dgm:t>
+        <a:bodyPr/>
+        <a:lstStyle/>
+        <a:p>
+          <a:endParaRPr lang="es-ES"/>
+        </a:p>
+      </dgm:t>
+    </dgm:pt>
+    <dgm:pt modelId="{428DB842-A276-4CBD-8C1E-DC9F41200616}" type="pres">
+      <dgm:prSet presAssocID="{1791AA9E-2AF5-49D0-A7C3-8A548025FEB7}" presName="Name13" presStyleLbl="parChTrans1D2" presStyleIdx="1" presStyleCnt="2"/>
+      <dgm:spPr/>
+      <dgm:t>
+        <a:bodyPr/>
+        <a:lstStyle/>
+        <a:p>
+          <a:endParaRPr lang="es-ES"/>
+        </a:p>
+      </dgm:t>
+    </dgm:pt>
+    <dgm:pt modelId="{CF53279C-FF12-4AE7-8C78-4EE49D3809A0}" type="pres">
+      <dgm:prSet presAssocID="{BDFA9EBB-4D69-41D8-823D-E17F437EF8A9}" presName="childText" presStyleLbl="bgAcc1" presStyleIdx="1" presStyleCnt="2">
+        <dgm:presLayoutVars>
+          <dgm:bulletEnabled val="1"/>
+        </dgm:presLayoutVars>
+      </dgm:prSet>
+      <dgm:spPr/>
+      <dgm:t>
+        <a:bodyPr/>
+        <a:lstStyle/>
+        <a:p>
+          <a:endParaRPr lang="es-ES"/>
+        </a:p>
+      </dgm:t>
+    </dgm:pt>
+  </dgm:ptLst>
+  <dgm:cxnLst>
+    <dgm:cxn modelId="{C7C98910-E3C4-49FD-B09B-76E4AF1AB952}" type="presOf" srcId="{BDFA9EBB-4D69-41D8-823D-E17F437EF8A9}" destId="{CF53279C-FF12-4AE7-8C78-4EE49D3809A0}" srcOrd="0" destOrd="0" presId="urn:microsoft.com/office/officeart/2005/8/layout/hierarchy3"/>
+    <dgm:cxn modelId="{D25F0539-EDED-4B39-AF67-B1F5DF11CC89}" type="presOf" srcId="{FC67B87D-BA8E-4B29-B9D2-3AAB828DC117}" destId="{78881C3A-DD81-4E57-8674-83F863A6771F}" srcOrd="0" destOrd="0" presId="urn:microsoft.com/office/officeart/2005/8/layout/hierarchy3"/>
+    <dgm:cxn modelId="{24D7592E-253B-49A7-975B-A3F7F49304C6}" type="presOf" srcId="{1791AA9E-2AF5-49D0-A7C3-8A548025FEB7}" destId="{428DB842-A276-4CBD-8C1E-DC9F41200616}" srcOrd="0" destOrd="0" presId="urn:microsoft.com/office/officeart/2005/8/layout/hierarchy3"/>
+    <dgm:cxn modelId="{589D9A6B-68F0-4A36-BD70-46A2E61D6CD2}" srcId="{0A29CD26-087C-40C0-AD69-709E0E72239B}" destId="{BDFA9EBB-4D69-41D8-823D-E17F437EF8A9}" srcOrd="1" destOrd="0" parTransId="{1791AA9E-2AF5-49D0-A7C3-8A548025FEB7}" sibTransId="{C1A8B9E4-C968-4BD2-815E-EBA1652880D1}"/>
+    <dgm:cxn modelId="{8BE4F377-F47D-4425-AAEE-F8B785334245}" srcId="{6586D1D6-E41A-471A-862F-326DC00AB975}" destId="{0A29CD26-087C-40C0-AD69-709E0E72239B}" srcOrd="0" destOrd="0" parTransId="{017981BF-BEF8-445C-AAEA-382ACB831159}" sibTransId="{78845A07-973A-4DB5-999B-6ABCB77E28B9}"/>
+    <dgm:cxn modelId="{74C503F5-3929-4C15-84AD-1EE562E95F61}" type="presOf" srcId="{0A29CD26-087C-40C0-AD69-709E0E72239B}" destId="{6992CD19-32CF-4ACC-A26B-C3AD89FFDCF5}" srcOrd="1" destOrd="0" presId="urn:microsoft.com/office/officeart/2005/8/layout/hierarchy3"/>
+    <dgm:cxn modelId="{E77F7C5A-DB3E-4AAA-94C0-9E78B7B6DF0F}" type="presOf" srcId="{4399A1F4-CF04-4407-8A54-F0F9DC7BE889}" destId="{91B68FAC-D781-4533-9F6F-FB4E74F807AB}" srcOrd="0" destOrd="0" presId="urn:microsoft.com/office/officeart/2005/8/layout/hierarchy3"/>
+    <dgm:cxn modelId="{C0792D4B-90DE-4544-B0D6-FE06407C8CF0}" type="presOf" srcId="{6586D1D6-E41A-471A-862F-326DC00AB975}" destId="{8D12119A-7951-4775-834A-FC44E7E4F474}" srcOrd="0" destOrd="0" presId="urn:microsoft.com/office/officeart/2005/8/layout/hierarchy3"/>
+    <dgm:cxn modelId="{2A062705-36A1-4DF0-8DAB-23AC271D01B1}" type="presOf" srcId="{0A29CD26-087C-40C0-AD69-709E0E72239B}" destId="{3AF06778-AFD3-4149-A109-9E3EA69FB691}" srcOrd="0" destOrd="0" presId="urn:microsoft.com/office/officeart/2005/8/layout/hierarchy3"/>
+    <dgm:cxn modelId="{F67AA506-1056-467F-B201-5889F20CF9BA}" srcId="{0A29CD26-087C-40C0-AD69-709E0E72239B}" destId="{4399A1F4-CF04-4407-8A54-F0F9DC7BE889}" srcOrd="0" destOrd="0" parTransId="{FC67B87D-BA8E-4B29-B9D2-3AAB828DC117}" sibTransId="{0E0C0C5D-F680-452A-83AF-10051948452A}"/>
+    <dgm:cxn modelId="{965C7E92-77E9-40E6-BD05-1C5C8BBA8405}" type="presParOf" srcId="{8D12119A-7951-4775-834A-FC44E7E4F474}" destId="{4395ECE1-057F-4E94-9FB8-CC5826B0FB22}" srcOrd="0" destOrd="0" presId="urn:microsoft.com/office/officeart/2005/8/layout/hierarchy3"/>
+    <dgm:cxn modelId="{CE8281AA-F131-45DB-8588-307ACCC8254D}" type="presParOf" srcId="{4395ECE1-057F-4E94-9FB8-CC5826B0FB22}" destId="{06C8F000-401C-451F-98F6-9F5EDC5A458D}" srcOrd="0" destOrd="0" presId="urn:microsoft.com/office/officeart/2005/8/layout/hierarchy3"/>
+    <dgm:cxn modelId="{45458994-7C30-4923-B485-8FE2106040BE}" type="presParOf" srcId="{06C8F000-401C-451F-98F6-9F5EDC5A458D}" destId="{3AF06778-AFD3-4149-A109-9E3EA69FB691}" srcOrd="0" destOrd="0" presId="urn:microsoft.com/office/officeart/2005/8/layout/hierarchy3"/>
+    <dgm:cxn modelId="{8DC85AE4-78C4-4E05-8EE0-4F8F0957C88E}" type="presParOf" srcId="{06C8F000-401C-451F-98F6-9F5EDC5A458D}" destId="{6992CD19-32CF-4ACC-A26B-C3AD89FFDCF5}" srcOrd="1" destOrd="0" presId="urn:microsoft.com/office/officeart/2005/8/layout/hierarchy3"/>
+    <dgm:cxn modelId="{3127E0DF-57A8-478D-9678-0897810D5D18}" type="presParOf" srcId="{4395ECE1-057F-4E94-9FB8-CC5826B0FB22}" destId="{D5207EEF-21C2-4F76-98E5-7CD77A83BAA7}" srcOrd="1" destOrd="0" presId="urn:microsoft.com/office/officeart/2005/8/layout/hierarchy3"/>
+    <dgm:cxn modelId="{B0123FE6-E49C-49B6-BB89-526C95A7B18B}" type="presParOf" srcId="{D5207EEF-21C2-4F76-98E5-7CD77A83BAA7}" destId="{78881C3A-DD81-4E57-8674-83F863A6771F}" srcOrd="0" destOrd="0" presId="urn:microsoft.com/office/officeart/2005/8/layout/hierarchy3"/>
+    <dgm:cxn modelId="{B6D6B0BA-39EF-4758-B351-F64B6F6DDD10}" type="presParOf" srcId="{D5207EEF-21C2-4F76-98E5-7CD77A83BAA7}" destId="{91B68FAC-D781-4533-9F6F-FB4E74F807AB}" srcOrd="1" destOrd="0" presId="urn:microsoft.com/office/officeart/2005/8/layout/hierarchy3"/>
+    <dgm:cxn modelId="{861BE4D2-01DC-4FEB-ABB9-C2C5118AA013}" type="presParOf" srcId="{D5207EEF-21C2-4F76-98E5-7CD77A83BAA7}" destId="{428DB842-A276-4CBD-8C1E-DC9F41200616}" srcOrd="2" destOrd="0" presId="urn:microsoft.com/office/officeart/2005/8/layout/hierarchy3"/>
+    <dgm:cxn modelId="{0942BE23-D94E-42EA-8D07-6EF26FBB6128}" type="presParOf" srcId="{D5207EEF-21C2-4F76-98E5-7CD77A83BAA7}" destId="{CF53279C-FF12-4AE7-8C78-4EE49D3809A0}" srcOrd="3" destOrd="0" presId="urn:microsoft.com/office/officeart/2005/8/layout/hierarchy3"/>
+  </dgm:cxnLst>
+  <dgm:bg/>
+  <dgm:whole/>
+  <dgm:extLst>
+    <a:ext uri="http://schemas.microsoft.com/office/drawing/2008/diagram">
+      <dsp:dataModelExt xmlns:dsp="http://schemas.microsoft.com/office/drawing/2008/diagram" xmlns="" relId="rId6" minVer="http://schemas.openxmlformats.org/drawingml/2006/diagram"/>
+    </a:ext>
+  </dgm:extLst>
+</dgm:dataModel>
+</file>
+
+<file path=ppt/diagrams/data6.xml><?xml version="1.0" encoding="utf-8"?>
+<dgm:dataModel xmlns:dgm="http://schemas.openxmlformats.org/drawingml/2006/diagram" xmlns:a="http://schemas.openxmlformats.org/drawingml/2006/main">
+  <dgm:ptLst>
+    <dgm:pt modelId="{6586D1D6-E41A-471A-862F-326DC00AB975}" type="doc">
+      <dgm:prSet loTypeId="urn:microsoft.com/office/officeart/2005/8/layout/hierarchy3" loCatId="hierarchy" qsTypeId="urn:microsoft.com/office/officeart/2005/8/quickstyle/simple1" qsCatId="simple" csTypeId="urn:microsoft.com/office/officeart/2005/8/colors/colorful5" csCatId="colorful" phldr="1"/>
+      <dgm:spPr/>
+      <dgm:t>
+        <a:bodyPr/>
+        <a:lstStyle/>
+        <a:p>
+          <a:endParaRPr lang="es-ES"/>
+        </a:p>
+      </dgm:t>
+    </dgm:pt>
+    <dgm:pt modelId="{F4D2102E-0C6F-4A5A-8472-EAE2779C6B3A}">
+      <dgm:prSet phldrT="[Texto]"/>
+      <dgm:spPr/>
+      <dgm:t>
+        <a:bodyPr/>
+        <a:lstStyle/>
+        <a:p>
+          <a:r>
+            <a:rPr lang="en-US" noProof="0" dirty="0" smtClean="0"/>
+            <a:t>Representation</a:t>
+          </a:r>
+          <a:endParaRPr lang="en-US" noProof="0" dirty="0"/>
+        </a:p>
+      </dgm:t>
+    </dgm:pt>
+    <dgm:pt modelId="{007D75EF-EBD4-4FC1-B84D-87343FB50096}" type="parTrans" cxnId="{A9210282-17A7-4EA0-80A3-1AC2480DC23C}">
+      <dgm:prSet/>
+      <dgm:spPr/>
+      <dgm:t>
+        <a:bodyPr/>
+        <a:lstStyle/>
+        <a:p>
+          <a:endParaRPr lang="es-ES"/>
+        </a:p>
+      </dgm:t>
+    </dgm:pt>
+    <dgm:pt modelId="{3ACA1DD1-CF82-4FD5-AA6C-608186CDDF12}" type="sibTrans" cxnId="{A9210282-17A7-4EA0-80A3-1AC2480DC23C}">
+      <dgm:prSet/>
+      <dgm:spPr/>
+      <dgm:t>
+        <a:bodyPr/>
+        <a:lstStyle/>
+        <a:p>
+          <a:endParaRPr lang="es-ES"/>
+        </a:p>
+      </dgm:t>
+    </dgm:pt>
+    <dgm:pt modelId="{C0FBFC6B-E437-4319-B5DD-D12D6A654A19}">
+      <dgm:prSet phldrT="[Texto]" custT="1"/>
+      <dgm:spPr/>
+      <dgm:t>
+        <a:bodyPr/>
+        <a:lstStyle/>
+        <a:p>
+          <a:r>
+            <a:rPr lang="en-US" sz="1500" noProof="0" dirty="0" smtClean="0"/>
+            <a:t>Histogram</a:t>
+          </a:r>
+          <a:endParaRPr lang="en-US" sz="1500" noProof="0" dirty="0"/>
+        </a:p>
+      </dgm:t>
+    </dgm:pt>
+    <dgm:pt modelId="{E7F581E2-8EB0-4998-A915-5119AFE7FAAE}" type="parTrans" cxnId="{A3B555E5-3A6E-4EF7-9E70-A884B4F5CF0B}">
+      <dgm:prSet/>
+      <dgm:spPr/>
+      <dgm:t>
+        <a:bodyPr/>
+        <a:lstStyle/>
+        <a:p>
+          <a:endParaRPr lang="es-ES"/>
+        </a:p>
+      </dgm:t>
+    </dgm:pt>
+    <dgm:pt modelId="{4A9F6F01-E304-4418-A3E6-B68D9E393EBA}" type="sibTrans" cxnId="{A3B555E5-3A6E-4EF7-9E70-A884B4F5CF0B}">
+      <dgm:prSet/>
+      <dgm:spPr/>
+      <dgm:t>
+        <a:bodyPr/>
+        <a:lstStyle/>
+        <a:p>
+          <a:endParaRPr lang="es-ES"/>
+        </a:p>
+      </dgm:t>
+    </dgm:pt>
+    <dgm:pt modelId="{901E87AB-C49E-45C7-B6B6-4DA119D2D4BC}">
+      <dgm:prSet phldrT="[Texto]" custT="1"/>
+      <dgm:spPr/>
+      <dgm:t>
+        <a:bodyPr/>
+        <a:lstStyle/>
+        <a:p>
+          <a:r>
+            <a:rPr lang="en-US" sz="1500" noProof="0" dirty="0" smtClean="0"/>
+            <a:t>velocity</a:t>
+          </a:r>
+          <a:endParaRPr lang="en-US" sz="1500" noProof="0" dirty="0"/>
+        </a:p>
+      </dgm:t>
+    </dgm:pt>
+    <dgm:pt modelId="{2B0591F5-70C5-401C-94E0-D4DDE896E087}" type="parTrans" cxnId="{09ED7196-2EEE-422E-AC02-8BB9CF455E50}">
+      <dgm:prSet/>
+      <dgm:spPr/>
+      <dgm:t>
+        <a:bodyPr/>
+        <a:lstStyle/>
+        <a:p>
+          <a:endParaRPr lang="es-ES"/>
+        </a:p>
+      </dgm:t>
+    </dgm:pt>
+    <dgm:pt modelId="{269EBD2E-31FD-464A-BCA8-D2D61F5644FB}" type="sibTrans" cxnId="{09ED7196-2EEE-422E-AC02-8BB9CF455E50}">
+      <dgm:prSet/>
+      <dgm:spPr/>
+      <dgm:t>
+        <a:bodyPr/>
+        <a:lstStyle/>
+        <a:p>
+          <a:endParaRPr lang="es-ES"/>
+        </a:p>
+      </dgm:t>
+    </dgm:pt>
+    <dgm:pt modelId="{8D12119A-7951-4775-834A-FC44E7E4F474}" type="pres">
+      <dgm:prSet presAssocID="{6586D1D6-E41A-471A-862F-326DC00AB975}" presName="diagram" presStyleCnt="0">
+        <dgm:presLayoutVars>
+          <dgm:chPref val="1"/>
+          <dgm:dir/>
+          <dgm:animOne val="branch"/>
+          <dgm:animLvl val="lvl"/>
+          <dgm:resizeHandles/>
+        </dgm:presLayoutVars>
+      </dgm:prSet>
+      <dgm:spPr/>
+      <dgm:t>
+        <a:bodyPr/>
+        <a:lstStyle/>
+        <a:p>
+          <a:endParaRPr lang="es-ES"/>
+        </a:p>
+      </dgm:t>
+    </dgm:pt>
+    <dgm:pt modelId="{2FE6FE01-B06C-4157-A351-484743B6445C}" type="pres">
+      <dgm:prSet presAssocID="{F4D2102E-0C6F-4A5A-8472-EAE2779C6B3A}" presName="root" presStyleCnt="0"/>
+      <dgm:spPr/>
+    </dgm:pt>
+    <dgm:pt modelId="{F602F4C0-A816-49F8-A263-540BDAAE1902}" type="pres">
+      <dgm:prSet presAssocID="{F4D2102E-0C6F-4A5A-8472-EAE2779C6B3A}" presName="rootComposite" presStyleCnt="0"/>
+      <dgm:spPr/>
+    </dgm:pt>
+    <dgm:pt modelId="{107BF7B5-F983-45A6-BAD2-34D83E28E4FC}" type="pres">
+      <dgm:prSet presAssocID="{F4D2102E-0C6F-4A5A-8472-EAE2779C6B3A}" presName="rootText" presStyleLbl="node1" presStyleIdx="0" presStyleCnt="1" custLinFactNeighborY="6252"/>
+      <dgm:spPr/>
+      <dgm:t>
+        <a:bodyPr/>
+        <a:lstStyle/>
+        <a:p>
+          <a:endParaRPr lang="es-ES"/>
+        </a:p>
+      </dgm:t>
+    </dgm:pt>
+    <dgm:pt modelId="{418F2C4B-330D-4D9E-B671-EE2614D7E22A}" type="pres">
+      <dgm:prSet presAssocID="{F4D2102E-0C6F-4A5A-8472-EAE2779C6B3A}" presName="rootConnector" presStyleLbl="node1" presStyleIdx="0" presStyleCnt="1"/>
+      <dgm:spPr/>
+      <dgm:t>
+        <a:bodyPr/>
+        <a:lstStyle/>
+        <a:p>
+          <a:endParaRPr lang="es-ES"/>
+        </a:p>
+      </dgm:t>
+    </dgm:pt>
+    <dgm:pt modelId="{26409EB8-7CB3-4BDD-98CA-FD654DFEB546}" type="pres">
+      <dgm:prSet presAssocID="{F4D2102E-0C6F-4A5A-8472-EAE2779C6B3A}" presName="childShape" presStyleCnt="0"/>
+      <dgm:spPr/>
+    </dgm:pt>
+    <dgm:pt modelId="{6B6B3A66-385E-4E75-8F72-BC43A7ED848B}" type="pres">
+      <dgm:prSet presAssocID="{E7F581E2-8EB0-4998-A915-5119AFE7FAAE}" presName="Name13" presStyleLbl="parChTrans1D2" presStyleIdx="0" presStyleCnt="2"/>
+      <dgm:spPr/>
+    </dgm:pt>
+    <dgm:pt modelId="{F582FF6B-77E0-462A-93A1-FBDE3F02ACFB}" type="pres">
+      <dgm:prSet presAssocID="{C0FBFC6B-E437-4319-B5DD-D12D6A654A19}" presName="childText" presStyleLbl="bgAcc1" presStyleIdx="0" presStyleCnt="2">
+        <dgm:presLayoutVars>
+          <dgm:bulletEnabled val="1"/>
+        </dgm:presLayoutVars>
+      </dgm:prSet>
+      <dgm:spPr/>
+      <dgm:t>
+        <a:bodyPr/>
+        <a:lstStyle/>
+        <a:p>
+          <a:endParaRPr lang="es-ES"/>
+        </a:p>
+      </dgm:t>
+    </dgm:pt>
+    <dgm:pt modelId="{24072D12-3B7F-4E1A-B697-B11D8EF5036A}" type="pres">
+      <dgm:prSet presAssocID="{2B0591F5-70C5-401C-94E0-D4DDE896E087}" presName="Name13" presStyleLbl="parChTrans1D2" presStyleIdx="1" presStyleCnt="2"/>
+      <dgm:spPr/>
+    </dgm:pt>
+    <dgm:pt modelId="{AA7D0226-E758-4CDB-861E-B42693AF9793}" type="pres">
+      <dgm:prSet presAssocID="{901E87AB-C49E-45C7-B6B6-4DA119D2D4BC}" presName="childText" presStyleLbl="bgAcc1" presStyleIdx="1" presStyleCnt="2">
+        <dgm:presLayoutVars>
+          <dgm:bulletEnabled val="1"/>
+        </dgm:presLayoutVars>
+      </dgm:prSet>
+      <dgm:spPr/>
+      <dgm:t>
+        <a:bodyPr/>
+        <a:lstStyle/>
+        <a:p>
+          <a:endParaRPr lang="es-ES"/>
+        </a:p>
+      </dgm:t>
+    </dgm:pt>
+  </dgm:ptLst>
+  <dgm:cxnLst>
+    <dgm:cxn modelId="{A9210282-17A7-4EA0-80A3-1AC2480DC23C}" srcId="{6586D1D6-E41A-471A-862F-326DC00AB975}" destId="{F4D2102E-0C6F-4A5A-8472-EAE2779C6B3A}" srcOrd="0" destOrd="0" parTransId="{007D75EF-EBD4-4FC1-B84D-87343FB50096}" sibTransId="{3ACA1DD1-CF82-4FD5-AA6C-608186CDDF12}"/>
+    <dgm:cxn modelId="{718F0291-CA8F-4302-8ED7-F21E9D55F885}" type="presOf" srcId="{C0FBFC6B-E437-4319-B5DD-D12D6A654A19}" destId="{F582FF6B-77E0-462A-93A1-FBDE3F02ACFB}" srcOrd="0" destOrd="0" presId="urn:microsoft.com/office/officeart/2005/8/layout/hierarchy3"/>
+    <dgm:cxn modelId="{CCAE4AB0-D913-498F-B55E-D96BDFBF4F2B}" type="presOf" srcId="{F4D2102E-0C6F-4A5A-8472-EAE2779C6B3A}" destId="{107BF7B5-F983-45A6-BAD2-34D83E28E4FC}" srcOrd="0" destOrd="0" presId="urn:microsoft.com/office/officeart/2005/8/layout/hierarchy3"/>
+    <dgm:cxn modelId="{64AD7CE6-A6F9-4F91-9530-C5674A2F56FF}" type="presOf" srcId="{901E87AB-C49E-45C7-B6B6-4DA119D2D4BC}" destId="{AA7D0226-E758-4CDB-861E-B42693AF9793}" srcOrd="0" destOrd="0" presId="urn:microsoft.com/office/officeart/2005/8/layout/hierarchy3"/>
+    <dgm:cxn modelId="{B82C3498-3A89-461A-BAB2-F9087D6CD76D}" type="presOf" srcId="{F4D2102E-0C6F-4A5A-8472-EAE2779C6B3A}" destId="{418F2C4B-330D-4D9E-B671-EE2614D7E22A}" srcOrd="1" destOrd="0" presId="urn:microsoft.com/office/officeart/2005/8/layout/hierarchy3"/>
+    <dgm:cxn modelId="{A3B555E5-3A6E-4EF7-9E70-A884B4F5CF0B}" srcId="{F4D2102E-0C6F-4A5A-8472-EAE2779C6B3A}" destId="{C0FBFC6B-E437-4319-B5DD-D12D6A654A19}" srcOrd="0" destOrd="0" parTransId="{E7F581E2-8EB0-4998-A915-5119AFE7FAAE}" sibTransId="{4A9F6F01-E304-4418-A3E6-B68D9E393EBA}"/>
+    <dgm:cxn modelId="{2D4A780B-E7FF-431F-9DA5-9DA1BEDE43B7}" type="presOf" srcId="{2B0591F5-70C5-401C-94E0-D4DDE896E087}" destId="{24072D12-3B7F-4E1A-B697-B11D8EF5036A}" srcOrd="0" destOrd="0" presId="urn:microsoft.com/office/officeart/2005/8/layout/hierarchy3"/>
+    <dgm:cxn modelId="{73821AE4-992D-4D56-B925-74E778C5B04F}" type="presOf" srcId="{6586D1D6-E41A-471A-862F-326DC00AB975}" destId="{8D12119A-7951-4775-834A-FC44E7E4F474}" srcOrd="0" destOrd="0" presId="urn:microsoft.com/office/officeart/2005/8/layout/hierarchy3"/>
+    <dgm:cxn modelId="{87041B18-DA83-4055-BAFC-6CB49E3620B0}" type="presOf" srcId="{E7F581E2-8EB0-4998-A915-5119AFE7FAAE}" destId="{6B6B3A66-385E-4E75-8F72-BC43A7ED848B}" srcOrd="0" destOrd="0" presId="urn:microsoft.com/office/officeart/2005/8/layout/hierarchy3"/>
+    <dgm:cxn modelId="{09ED7196-2EEE-422E-AC02-8BB9CF455E50}" srcId="{F4D2102E-0C6F-4A5A-8472-EAE2779C6B3A}" destId="{901E87AB-C49E-45C7-B6B6-4DA119D2D4BC}" srcOrd="1" destOrd="0" parTransId="{2B0591F5-70C5-401C-94E0-D4DDE896E087}" sibTransId="{269EBD2E-31FD-464A-BCA8-D2D61F5644FB}"/>
+    <dgm:cxn modelId="{289338BD-D9B4-49B9-B16E-439A32946C23}" type="presParOf" srcId="{8D12119A-7951-4775-834A-FC44E7E4F474}" destId="{2FE6FE01-B06C-4157-A351-484743B6445C}" srcOrd="0" destOrd="0" presId="urn:microsoft.com/office/officeart/2005/8/layout/hierarchy3"/>
+    <dgm:cxn modelId="{D0EDC4CF-683C-4E05-B8D4-5211FD66FAEB}" type="presParOf" srcId="{2FE6FE01-B06C-4157-A351-484743B6445C}" destId="{F602F4C0-A816-49F8-A263-540BDAAE1902}" srcOrd="0" destOrd="0" presId="urn:microsoft.com/office/officeart/2005/8/layout/hierarchy3"/>
+    <dgm:cxn modelId="{C71107B0-B696-4D60-8DD4-7BAE3D431AC9}" type="presParOf" srcId="{F602F4C0-A816-49F8-A263-540BDAAE1902}" destId="{107BF7B5-F983-45A6-BAD2-34D83E28E4FC}" srcOrd="0" destOrd="0" presId="urn:microsoft.com/office/officeart/2005/8/layout/hierarchy3"/>
+    <dgm:cxn modelId="{CDB2D748-A046-42AB-BFA8-00E836B73228}" type="presParOf" srcId="{F602F4C0-A816-49F8-A263-540BDAAE1902}" destId="{418F2C4B-330D-4D9E-B671-EE2614D7E22A}" srcOrd="1" destOrd="0" presId="urn:microsoft.com/office/officeart/2005/8/layout/hierarchy3"/>
+    <dgm:cxn modelId="{2CDCFBC0-BD6F-4997-B5AC-20EF614C1ACD}" type="presParOf" srcId="{2FE6FE01-B06C-4157-A351-484743B6445C}" destId="{26409EB8-7CB3-4BDD-98CA-FD654DFEB546}" srcOrd="1" destOrd="0" presId="urn:microsoft.com/office/officeart/2005/8/layout/hierarchy3"/>
+    <dgm:cxn modelId="{16CD719A-DB2A-40CB-9898-FBB302F0C96B}" type="presParOf" srcId="{26409EB8-7CB3-4BDD-98CA-FD654DFEB546}" destId="{6B6B3A66-385E-4E75-8F72-BC43A7ED848B}" srcOrd="0" destOrd="0" presId="urn:microsoft.com/office/officeart/2005/8/layout/hierarchy3"/>
+    <dgm:cxn modelId="{DCCDE127-EBE0-45D5-A775-29EA6E07390F}" type="presParOf" srcId="{26409EB8-7CB3-4BDD-98CA-FD654DFEB546}" destId="{F582FF6B-77E0-462A-93A1-FBDE3F02ACFB}" srcOrd="1" destOrd="0" presId="urn:microsoft.com/office/officeart/2005/8/layout/hierarchy3"/>
+    <dgm:cxn modelId="{446768CD-2EAE-4DA4-8F52-08C92113D066}" type="presParOf" srcId="{26409EB8-7CB3-4BDD-98CA-FD654DFEB546}" destId="{24072D12-3B7F-4E1A-B697-B11D8EF5036A}" srcOrd="2" destOrd="0" presId="urn:microsoft.com/office/officeart/2005/8/layout/hierarchy3"/>
+    <dgm:cxn modelId="{975BC242-DC08-4977-9910-776D8B8A93D7}" type="presParOf" srcId="{26409EB8-7CB3-4BDD-98CA-FD654DFEB546}" destId="{AA7D0226-E758-4CDB-861E-B42693AF9793}" srcOrd="3" destOrd="0" presId="urn:microsoft.com/office/officeart/2005/8/layout/hierarchy3"/>
+  </dgm:cxnLst>
+  <dgm:bg/>
+  <dgm:whole/>
+  <dgm:extLst>
+    <a:ext uri="http://schemas.microsoft.com/office/drawing/2008/diagram">
+      <dsp:dataModelExt xmlns:dsp="http://schemas.microsoft.com/office/drawing/2008/diagram" xmlns="" relId="rId6" minVer="http://schemas.openxmlformats.org/drawingml/2006/diagram"/>
+    </a:ext>
+  </dgm:extLst>
+</dgm:dataModel>
+</file>
+
+<file path=ppt/diagrams/data7.xml><?xml version="1.0" encoding="utf-8"?>
+<dgm:dataModel xmlns:dgm="http://schemas.openxmlformats.org/drawingml/2006/diagram" xmlns:a="http://schemas.openxmlformats.org/drawingml/2006/main">
+  <dgm:ptLst>
+    <dgm:pt modelId="{6586D1D6-E41A-471A-862F-326DC00AB975}" type="doc">
+      <dgm:prSet loTypeId="urn:microsoft.com/office/officeart/2005/8/layout/hierarchy3" loCatId="hierarchy" qsTypeId="urn:microsoft.com/office/officeart/2005/8/quickstyle/simple1" qsCatId="simple" csTypeId="urn:microsoft.com/office/officeart/2005/8/colors/colorful5" csCatId="colorful" phldr="1"/>
+      <dgm:spPr/>
+      <dgm:t>
+        <a:bodyPr/>
+        <a:lstStyle/>
+        <a:p>
+          <a:endParaRPr lang="es-ES"/>
+        </a:p>
+      </dgm:t>
+    </dgm:pt>
+    <dgm:pt modelId="{F4D2102E-0C6F-4A5A-8472-EAE2779C6B3A}">
+      <dgm:prSet phldrT="[Texto]" custT="1"/>
+      <dgm:spPr/>
+      <dgm:t>
+        <a:bodyPr/>
+        <a:lstStyle/>
+        <a:p>
+          <a:r>
+            <a:rPr lang="en-US" sz="2300" noProof="0" dirty="0" smtClean="0"/>
+            <a:t>Tracking</a:t>
+          </a:r>
+          <a:endParaRPr lang="en-US" sz="2300" noProof="0" dirty="0"/>
+        </a:p>
+      </dgm:t>
+    </dgm:pt>
+    <dgm:pt modelId="{007D75EF-EBD4-4FC1-B84D-87343FB50096}" type="parTrans" cxnId="{A9210282-17A7-4EA0-80A3-1AC2480DC23C}">
+      <dgm:prSet/>
+      <dgm:spPr/>
+      <dgm:t>
+        <a:bodyPr/>
+        <a:lstStyle/>
+        <a:p>
+          <a:endParaRPr lang="es-ES"/>
+        </a:p>
+      </dgm:t>
+    </dgm:pt>
+    <dgm:pt modelId="{3ACA1DD1-CF82-4FD5-AA6C-608186CDDF12}" type="sibTrans" cxnId="{A9210282-17A7-4EA0-80A3-1AC2480DC23C}">
+      <dgm:prSet/>
+      <dgm:spPr/>
+      <dgm:t>
+        <a:bodyPr/>
+        <a:lstStyle/>
+        <a:p>
+          <a:endParaRPr lang="es-ES"/>
+        </a:p>
+      </dgm:t>
+    </dgm:pt>
+    <dgm:pt modelId="{8D12119A-7951-4775-834A-FC44E7E4F474}" type="pres">
+      <dgm:prSet presAssocID="{6586D1D6-E41A-471A-862F-326DC00AB975}" presName="diagram" presStyleCnt="0">
+        <dgm:presLayoutVars>
+          <dgm:chPref val="1"/>
+          <dgm:dir/>
+          <dgm:animOne val="branch"/>
+          <dgm:animLvl val="lvl"/>
+          <dgm:resizeHandles/>
+        </dgm:presLayoutVars>
+      </dgm:prSet>
+      <dgm:spPr/>
+      <dgm:t>
+        <a:bodyPr/>
+        <a:lstStyle/>
+        <a:p>
+          <a:endParaRPr lang="es-ES"/>
+        </a:p>
+      </dgm:t>
+    </dgm:pt>
+    <dgm:pt modelId="{2FE6FE01-B06C-4157-A351-484743B6445C}" type="pres">
+      <dgm:prSet presAssocID="{F4D2102E-0C6F-4A5A-8472-EAE2779C6B3A}" presName="root" presStyleCnt="0"/>
+      <dgm:spPr/>
+    </dgm:pt>
+    <dgm:pt modelId="{F602F4C0-A816-49F8-A263-540BDAAE1902}" type="pres">
+      <dgm:prSet presAssocID="{F4D2102E-0C6F-4A5A-8472-EAE2779C6B3A}" presName="rootComposite" presStyleCnt="0"/>
+      <dgm:spPr/>
+    </dgm:pt>
+    <dgm:pt modelId="{107BF7B5-F983-45A6-BAD2-34D83E28E4FC}" type="pres">
+      <dgm:prSet presAssocID="{F4D2102E-0C6F-4A5A-8472-EAE2779C6B3A}" presName="rootText" presStyleLbl="node1" presStyleIdx="0" presStyleCnt="1" custLinFactNeighborY="-3125"/>
+      <dgm:spPr/>
+      <dgm:t>
+        <a:bodyPr/>
+        <a:lstStyle/>
+        <a:p>
+          <a:endParaRPr lang="es-ES"/>
+        </a:p>
+      </dgm:t>
+    </dgm:pt>
+    <dgm:pt modelId="{418F2C4B-330D-4D9E-B671-EE2614D7E22A}" type="pres">
+      <dgm:prSet presAssocID="{F4D2102E-0C6F-4A5A-8472-EAE2779C6B3A}" presName="rootConnector" presStyleLbl="node1" presStyleIdx="0" presStyleCnt="1"/>
+      <dgm:spPr/>
+      <dgm:t>
+        <a:bodyPr/>
+        <a:lstStyle/>
+        <a:p>
+          <a:endParaRPr lang="es-ES"/>
+        </a:p>
+      </dgm:t>
+    </dgm:pt>
+    <dgm:pt modelId="{26409EB8-7CB3-4BDD-98CA-FD654DFEB546}" type="pres">
+      <dgm:prSet presAssocID="{F4D2102E-0C6F-4A5A-8472-EAE2779C6B3A}" presName="childShape" presStyleCnt="0"/>
+      <dgm:spPr/>
+    </dgm:pt>
+  </dgm:ptLst>
+  <dgm:cxnLst>
+    <dgm:cxn modelId="{A9210282-17A7-4EA0-80A3-1AC2480DC23C}" srcId="{6586D1D6-E41A-471A-862F-326DC00AB975}" destId="{F4D2102E-0C6F-4A5A-8472-EAE2779C6B3A}" srcOrd="0" destOrd="0" parTransId="{007D75EF-EBD4-4FC1-B84D-87343FB50096}" sibTransId="{3ACA1DD1-CF82-4FD5-AA6C-608186CDDF12}"/>
+    <dgm:cxn modelId="{C8489A2C-B05E-49F5-91F8-B1F943E56B27}" type="presOf" srcId="{6586D1D6-E41A-471A-862F-326DC00AB975}" destId="{8D12119A-7951-4775-834A-FC44E7E4F474}" srcOrd="0" destOrd="0" presId="urn:microsoft.com/office/officeart/2005/8/layout/hierarchy3"/>
+    <dgm:cxn modelId="{90D6199E-03E1-4497-8E16-A520F3FF2809}" type="presOf" srcId="{F4D2102E-0C6F-4A5A-8472-EAE2779C6B3A}" destId="{418F2C4B-330D-4D9E-B671-EE2614D7E22A}" srcOrd="1" destOrd="0" presId="urn:microsoft.com/office/officeart/2005/8/layout/hierarchy3"/>
+    <dgm:cxn modelId="{367E0D4B-26C5-4899-B763-5C31D53D0A50}" type="presOf" srcId="{F4D2102E-0C6F-4A5A-8472-EAE2779C6B3A}" destId="{107BF7B5-F983-45A6-BAD2-34D83E28E4FC}" srcOrd="0" destOrd="0" presId="urn:microsoft.com/office/officeart/2005/8/layout/hierarchy3"/>
+    <dgm:cxn modelId="{367C7BA6-AAD2-488F-9210-43F88A00A381}" type="presParOf" srcId="{8D12119A-7951-4775-834A-FC44E7E4F474}" destId="{2FE6FE01-B06C-4157-A351-484743B6445C}" srcOrd="0" destOrd="0" presId="urn:microsoft.com/office/officeart/2005/8/layout/hierarchy3"/>
+    <dgm:cxn modelId="{6A512AB2-D1A9-4BF7-8E5E-C07DF38F87A5}" type="presParOf" srcId="{2FE6FE01-B06C-4157-A351-484743B6445C}" destId="{F602F4C0-A816-49F8-A263-540BDAAE1902}" srcOrd="0" destOrd="0" presId="urn:microsoft.com/office/officeart/2005/8/layout/hierarchy3"/>
+    <dgm:cxn modelId="{26622A45-5BD3-40B0-B7A1-B987FE020C3C}" type="presParOf" srcId="{F602F4C0-A816-49F8-A263-540BDAAE1902}" destId="{107BF7B5-F983-45A6-BAD2-34D83E28E4FC}" srcOrd="0" destOrd="0" presId="urn:microsoft.com/office/officeart/2005/8/layout/hierarchy3"/>
+    <dgm:cxn modelId="{E240A867-CFB6-4C38-BB1F-D650DF0BB886}" type="presParOf" srcId="{F602F4C0-A816-49F8-A263-540BDAAE1902}" destId="{418F2C4B-330D-4D9E-B671-EE2614D7E22A}" srcOrd="1" destOrd="0" presId="urn:microsoft.com/office/officeart/2005/8/layout/hierarchy3"/>
+    <dgm:cxn modelId="{5056010D-C079-4AFD-B93F-24D095EECFE3}" type="presParOf" srcId="{2FE6FE01-B06C-4157-A351-484743B6445C}" destId="{26409EB8-7CB3-4BDD-98CA-FD654DFEB546}" srcOrd="1" destOrd="0" presId="urn:microsoft.com/office/officeart/2005/8/layout/hierarchy3"/>
   </dgm:cxnLst>
   <dgm:bg/>
   <dgm:whole/>
@@ -5238,9 +8578,9 @@
         <a:ln w="25400" cap="flat" cmpd="sng" algn="ctr">
           <a:solidFill>
             <a:schemeClr val="accent5">
-              <a:hueOff val="-612379"/>
-              <a:satOff val="90"/>
-              <a:lumOff val="-2157"/>
+              <a:hueOff val="-306190"/>
+              <a:satOff val="45"/>
+              <a:lumOff val="-1079"/>
               <a:alphaOff val="0"/>
             </a:schemeClr>
           </a:solidFill>
@@ -5373,9 +8713,9 @@
         <a:ln w="25400" cap="flat" cmpd="sng" algn="ctr">
           <a:solidFill>
             <a:schemeClr val="accent5">
-              <a:hueOff val="-1224758"/>
-              <a:satOff val="180"/>
-              <a:lumOff val="-4314"/>
+              <a:hueOff val="-612379"/>
+              <a:satOff val="90"/>
+              <a:lumOff val="-2157"/>
               <a:alphaOff val="0"/>
             </a:schemeClr>
           </a:solidFill>
@@ -5511,10 +8851,10 @@
             </a:spcAft>
           </a:pPr>
           <a:r>
-            <a:rPr lang="en-US" sz="2000" kern="1200" noProof="0" smtClean="0"/>
+            <a:rPr lang="en-US" sz="2000" kern="1200" noProof="0" dirty="0" smtClean="0"/>
             <a:t>Detection</a:t>
           </a:r>
-          <a:endParaRPr lang="en-US" sz="2000" kern="1200" noProof="0"/>
+          <a:endParaRPr lang="en-US" sz="2000" kern="1200" noProof="0" dirty="0"/>
         </a:p>
       </dsp:txBody>
       <dsp:txXfrm>
@@ -5522,7 +8862,7 @@
         <a:ext cx="1731912" cy="865956"/>
       </dsp:txXfrm>
     </dsp:sp>
-    <dsp:sp modelId="{428DB842-A276-4CBD-8C1E-DC9F41200616}">
+    <dsp:sp modelId="{78881C3A-DD81-4E57-8674-83F863A6771F}">
       <dsp:nvSpPr>
         <dsp:cNvPr id="0" name=""/>
         <dsp:cNvSpPr/>
@@ -5579,7 +8919,7 @@
         <a:fontRef idx="minor"/>
       </dsp:style>
     </dsp:sp>
-    <dsp:sp modelId="{CF53279C-FF12-4AE7-8C78-4EE49D3809A0}">
+    <dsp:sp modelId="{91B68FAC-D781-4533-9F6F-FB4E74F807AB}">
       <dsp:nvSpPr>
         <dsp:cNvPr id="0" name=""/>
         <dsp:cNvSpPr/>
@@ -5606,9 +8946,144 @@
         <a:ln w="25400" cap="flat" cmpd="sng" algn="ctr">
           <a:solidFill>
             <a:schemeClr val="accent5">
-              <a:hueOff val="-1837137"/>
-              <a:satOff val="270"/>
-              <a:lumOff val="-6471"/>
+              <a:hueOff val="-918568"/>
+              <a:satOff val="135"/>
+              <a:lumOff val="-3236"/>
+              <a:alphaOff val="0"/>
+            </a:schemeClr>
+          </a:solidFill>
+          <a:prstDash val="solid"/>
+        </a:ln>
+        <a:effectLst/>
+      </dsp:spPr>
+      <dsp:style>
+        <a:lnRef idx="2">
+          <a:scrgbClr r="0" g="0" b="0"/>
+        </a:lnRef>
+        <a:fillRef idx="1">
+          <a:scrgbClr r="0" g="0" b="0"/>
+        </a:fillRef>
+        <a:effectRef idx="0">
+          <a:scrgbClr r="0" g="0" b="0"/>
+        </a:effectRef>
+        <a:fontRef idx="minor"/>
+      </dsp:style>
+      <dsp:txBody>
+        <a:bodyPr spcFirstLastPara="0" vert="horz" wrap="square" lIns="26670" tIns="17780" rIns="26670" bIns="17780" numCol="1" spcCol="1270" anchor="ctr" anchorCtr="0">
+          <a:noAutofit/>
+        </a:bodyPr>
+        <a:lstStyle/>
+        <a:p>
+          <a:pPr lvl="0" algn="ctr" defTabSz="622300">
+            <a:lnSpc>
+              <a:spcPct val="90000"/>
+            </a:lnSpc>
+            <a:spcBef>
+              <a:spcPct val="0"/>
+            </a:spcBef>
+            <a:spcAft>
+              <a:spcPct val="35000"/>
+            </a:spcAft>
+          </a:pPr>
+          <a:r>
+            <a:rPr lang="en-US" sz="1400" kern="1200" noProof="0" dirty="0" smtClean="0"/>
+            <a:t>Face Detection</a:t>
+          </a:r>
+          <a:endParaRPr lang="en-US" sz="1400" kern="1200" noProof="0" dirty="0"/>
+        </a:p>
+      </dsp:txBody>
+      <dsp:txXfrm>
+        <a:off x="2512780" y="1288780"/>
+        <a:ext cx="1385530" cy="865956"/>
+      </dsp:txXfrm>
+    </dsp:sp>
+    <dsp:sp modelId="{428DB842-A276-4CBD-8C1E-DC9F41200616}">
+      <dsp:nvSpPr>
+        <dsp:cNvPr id="0" name=""/>
+        <dsp:cNvSpPr/>
+      </dsp:nvSpPr>
+      <dsp:spPr>
+        <a:xfrm>
+          <a:off x="2339589" y="1072291"/>
+          <a:ext cx="173191" cy="1731912"/>
+        </a:xfrm>
+        <a:custGeom>
+          <a:avLst/>
+          <a:gdLst/>
+          <a:ahLst/>
+          <a:cxnLst/>
+          <a:rect l="0" t="0" r="0" b="0"/>
+          <a:pathLst>
+            <a:path>
+              <a:moveTo>
+                <a:pt x="0" y="0"/>
+              </a:moveTo>
+              <a:lnTo>
+                <a:pt x="0" y="1731912"/>
+              </a:lnTo>
+              <a:lnTo>
+                <a:pt x="173191" y="1731912"/>
+              </a:lnTo>
+            </a:path>
+          </a:pathLst>
+        </a:custGeom>
+        <a:noFill/>
+        <a:ln w="25400" cap="flat" cmpd="sng" algn="ctr">
+          <a:solidFill>
+            <a:schemeClr val="accent6">
+              <a:hueOff val="0"/>
+              <a:satOff val="0"/>
+              <a:lumOff val="0"/>
+              <a:alphaOff val="0"/>
+            </a:schemeClr>
+          </a:solidFill>
+          <a:prstDash val="solid"/>
+        </a:ln>
+        <a:effectLst/>
+      </dsp:spPr>
+      <dsp:style>
+        <a:lnRef idx="2">
+          <a:scrgbClr r="0" g="0" b="0"/>
+        </a:lnRef>
+        <a:fillRef idx="0">
+          <a:scrgbClr r="0" g="0" b="0"/>
+        </a:fillRef>
+        <a:effectRef idx="0">
+          <a:scrgbClr r="0" g="0" b="0"/>
+        </a:effectRef>
+        <a:fontRef idx="minor"/>
+      </dsp:style>
+    </dsp:sp>
+    <dsp:sp modelId="{CF53279C-FF12-4AE7-8C78-4EE49D3809A0}">
+      <dsp:nvSpPr>
+        <dsp:cNvPr id="0" name=""/>
+        <dsp:cNvSpPr/>
+      </dsp:nvSpPr>
+      <dsp:spPr>
+        <a:xfrm>
+          <a:off x="2512780" y="2371226"/>
+          <a:ext cx="1385530" cy="865956"/>
+        </a:xfrm>
+        <a:prstGeom prst="roundRect">
+          <a:avLst>
+            <a:gd name="adj" fmla="val 10000"/>
+          </a:avLst>
+        </a:prstGeom>
+        <a:solidFill>
+          <a:schemeClr val="lt1">
+            <a:alpha val="90000"/>
+            <a:hueOff val="0"/>
+            <a:satOff val="0"/>
+            <a:lumOff val="0"/>
+            <a:alphaOff val="0"/>
+          </a:schemeClr>
+        </a:solidFill>
+        <a:ln w="25400" cap="flat" cmpd="sng" algn="ctr">
+          <a:solidFill>
+            <a:schemeClr val="accent5">
+              <a:hueOff val="-1224758"/>
+              <a:satOff val="180"/>
+              <a:lumOff val="-4314"/>
               <a:alphaOff val="0"/>
             </a:schemeClr>
           </a:solidFill>
@@ -5653,7 +9128,7 @@
         </a:p>
       </dsp:txBody>
       <dsp:txXfrm>
-        <a:off x="2512780" y="1288780"/>
+        <a:off x="2512780" y="2371226"/>
         <a:ext cx="1385530" cy="865956"/>
       </dsp:txXfrm>
     </dsp:sp>
@@ -5725,15 +9200,285 @@
             </a:spcAft>
           </a:pPr>
           <a:r>
-            <a:rPr lang="en-US" sz="2000" kern="1200" noProof="0" smtClean="0"/>
+            <a:rPr lang="en-US" sz="2000" kern="1200" noProof="0" dirty="0" smtClean="0"/>
             <a:t>Representation</a:t>
           </a:r>
-          <a:endParaRPr lang="en-US" sz="2000" kern="1200" noProof="0"/>
+          <a:endParaRPr lang="en-US" sz="2000" kern="1200" noProof="0" dirty="0"/>
         </a:p>
       </dsp:txBody>
       <dsp:txXfrm>
         <a:off x="4331289" y="206334"/>
         <a:ext cx="1731912" cy="865956"/>
+      </dsp:txXfrm>
+    </dsp:sp>
+    <dsp:sp modelId="{61246536-F20B-4AB5-897C-F97F0FC38FC5}">
+      <dsp:nvSpPr>
+        <dsp:cNvPr id="0" name=""/>
+        <dsp:cNvSpPr/>
+      </dsp:nvSpPr>
+      <dsp:spPr>
+        <a:xfrm>
+          <a:off x="4504480" y="1072291"/>
+          <a:ext cx="173191" cy="649467"/>
+        </a:xfrm>
+        <a:custGeom>
+          <a:avLst/>
+          <a:gdLst/>
+          <a:ahLst/>
+          <a:cxnLst/>
+          <a:rect l="0" t="0" r="0" b="0"/>
+          <a:pathLst>
+            <a:path>
+              <a:moveTo>
+                <a:pt x="0" y="0"/>
+              </a:moveTo>
+              <a:lnTo>
+                <a:pt x="0" y="649467"/>
+              </a:lnTo>
+              <a:lnTo>
+                <a:pt x="173191" y="649467"/>
+              </a:lnTo>
+            </a:path>
+          </a:pathLst>
+        </a:custGeom>
+        <a:noFill/>
+        <a:ln w="25400" cap="flat" cmpd="sng" algn="ctr">
+          <a:solidFill>
+            <a:schemeClr val="accent6">
+              <a:hueOff val="0"/>
+              <a:satOff val="0"/>
+              <a:lumOff val="0"/>
+              <a:alphaOff val="0"/>
+            </a:schemeClr>
+          </a:solidFill>
+          <a:prstDash val="solid"/>
+        </a:ln>
+        <a:effectLst/>
+      </dsp:spPr>
+      <dsp:style>
+        <a:lnRef idx="2">
+          <a:scrgbClr r="0" g="0" b="0"/>
+        </a:lnRef>
+        <a:fillRef idx="0">
+          <a:scrgbClr r="0" g="0" b="0"/>
+        </a:fillRef>
+        <a:effectRef idx="0">
+          <a:scrgbClr r="0" g="0" b="0"/>
+        </a:effectRef>
+        <a:fontRef idx="minor"/>
+      </dsp:style>
+    </dsp:sp>
+    <dsp:sp modelId="{CB7A53F5-9FF6-4C10-ABBC-848D4E0BF92F}">
+      <dsp:nvSpPr>
+        <dsp:cNvPr id="0" name=""/>
+        <dsp:cNvSpPr/>
+      </dsp:nvSpPr>
+      <dsp:spPr>
+        <a:xfrm>
+          <a:off x="4677671" y="1288780"/>
+          <a:ext cx="1385530" cy="865956"/>
+        </a:xfrm>
+        <a:prstGeom prst="roundRect">
+          <a:avLst>
+            <a:gd name="adj" fmla="val 10000"/>
+          </a:avLst>
+        </a:prstGeom>
+        <a:solidFill>
+          <a:schemeClr val="lt1">
+            <a:alpha val="90000"/>
+            <a:hueOff val="0"/>
+            <a:satOff val="0"/>
+            <a:lumOff val="0"/>
+            <a:alphaOff val="0"/>
+          </a:schemeClr>
+        </a:solidFill>
+        <a:ln w="25400" cap="flat" cmpd="sng" algn="ctr">
+          <a:solidFill>
+            <a:schemeClr val="accent5">
+              <a:hueOff val="-1530947"/>
+              <a:satOff val="225"/>
+              <a:lumOff val="-5393"/>
+              <a:alphaOff val="0"/>
+            </a:schemeClr>
+          </a:solidFill>
+          <a:prstDash val="solid"/>
+        </a:ln>
+        <a:effectLst/>
+      </dsp:spPr>
+      <dsp:style>
+        <a:lnRef idx="2">
+          <a:scrgbClr r="0" g="0" b="0"/>
+        </a:lnRef>
+        <a:fillRef idx="1">
+          <a:scrgbClr r="0" g="0" b="0"/>
+        </a:fillRef>
+        <a:effectRef idx="0">
+          <a:scrgbClr r="0" g="0" b="0"/>
+        </a:effectRef>
+        <a:fontRef idx="minor"/>
+      </dsp:style>
+      <dsp:txBody>
+        <a:bodyPr spcFirstLastPara="0" vert="horz" wrap="square" lIns="26670" tIns="17780" rIns="26670" bIns="17780" numCol="1" spcCol="1270" anchor="ctr" anchorCtr="0">
+          <a:noAutofit/>
+        </a:bodyPr>
+        <a:lstStyle/>
+        <a:p>
+          <a:pPr lvl="0" algn="ctr" defTabSz="622300">
+            <a:lnSpc>
+              <a:spcPct val="90000"/>
+            </a:lnSpc>
+            <a:spcBef>
+              <a:spcPct val="0"/>
+            </a:spcBef>
+            <a:spcAft>
+              <a:spcPct val="35000"/>
+            </a:spcAft>
+          </a:pPr>
+          <a:r>
+            <a:rPr lang="en-US" sz="1400" kern="1200" noProof="0" dirty="0" smtClean="0"/>
+            <a:t>Histograms</a:t>
+          </a:r>
+          <a:endParaRPr lang="en-US" sz="1400" kern="1200" noProof="0" dirty="0"/>
+        </a:p>
+      </dsp:txBody>
+      <dsp:txXfrm>
+        <a:off x="4677671" y="1288780"/>
+        <a:ext cx="1385530" cy="865956"/>
+      </dsp:txXfrm>
+    </dsp:sp>
+    <dsp:sp modelId="{F8BD2214-FEAF-439D-9226-8D0785E482AF}">
+      <dsp:nvSpPr>
+        <dsp:cNvPr id="0" name=""/>
+        <dsp:cNvSpPr/>
+      </dsp:nvSpPr>
+      <dsp:spPr>
+        <a:xfrm>
+          <a:off x="4504480" y="1072291"/>
+          <a:ext cx="173191" cy="1731912"/>
+        </a:xfrm>
+        <a:custGeom>
+          <a:avLst/>
+          <a:gdLst/>
+          <a:ahLst/>
+          <a:cxnLst/>
+          <a:rect l="0" t="0" r="0" b="0"/>
+          <a:pathLst>
+            <a:path>
+              <a:moveTo>
+                <a:pt x="0" y="0"/>
+              </a:moveTo>
+              <a:lnTo>
+                <a:pt x="0" y="1731912"/>
+              </a:lnTo>
+              <a:lnTo>
+                <a:pt x="173191" y="1731912"/>
+              </a:lnTo>
+            </a:path>
+          </a:pathLst>
+        </a:custGeom>
+        <a:noFill/>
+        <a:ln w="25400" cap="flat" cmpd="sng" algn="ctr">
+          <a:solidFill>
+            <a:schemeClr val="accent6">
+              <a:hueOff val="0"/>
+              <a:satOff val="0"/>
+              <a:lumOff val="0"/>
+              <a:alphaOff val="0"/>
+            </a:schemeClr>
+          </a:solidFill>
+          <a:prstDash val="solid"/>
+        </a:ln>
+        <a:effectLst/>
+      </dsp:spPr>
+      <dsp:style>
+        <a:lnRef idx="2">
+          <a:scrgbClr r="0" g="0" b="0"/>
+        </a:lnRef>
+        <a:fillRef idx="0">
+          <a:scrgbClr r="0" g="0" b="0"/>
+        </a:fillRef>
+        <a:effectRef idx="0">
+          <a:scrgbClr r="0" g="0" b="0"/>
+        </a:effectRef>
+        <a:fontRef idx="minor"/>
+      </dsp:style>
+    </dsp:sp>
+    <dsp:sp modelId="{0ADBB600-B969-4BB2-864A-43364FF9E68D}">
+      <dsp:nvSpPr>
+        <dsp:cNvPr id="0" name=""/>
+        <dsp:cNvSpPr/>
+      </dsp:nvSpPr>
+      <dsp:spPr>
+        <a:xfrm>
+          <a:off x="4677671" y="2371226"/>
+          <a:ext cx="1385530" cy="865956"/>
+        </a:xfrm>
+        <a:prstGeom prst="roundRect">
+          <a:avLst>
+            <a:gd name="adj" fmla="val 10000"/>
+          </a:avLst>
+        </a:prstGeom>
+        <a:solidFill>
+          <a:schemeClr val="lt1">
+            <a:alpha val="90000"/>
+            <a:hueOff val="0"/>
+            <a:satOff val="0"/>
+            <a:lumOff val="0"/>
+            <a:alphaOff val="0"/>
+          </a:schemeClr>
+        </a:solidFill>
+        <a:ln w="25400" cap="flat" cmpd="sng" algn="ctr">
+          <a:solidFill>
+            <a:schemeClr val="accent5">
+              <a:hueOff val="-1837137"/>
+              <a:satOff val="270"/>
+              <a:lumOff val="-6471"/>
+              <a:alphaOff val="0"/>
+            </a:schemeClr>
+          </a:solidFill>
+          <a:prstDash val="solid"/>
+        </a:ln>
+        <a:effectLst/>
+      </dsp:spPr>
+      <dsp:style>
+        <a:lnRef idx="2">
+          <a:scrgbClr r="0" g="0" b="0"/>
+        </a:lnRef>
+        <a:fillRef idx="1">
+          <a:scrgbClr r="0" g="0" b="0"/>
+        </a:fillRef>
+        <a:effectRef idx="0">
+          <a:scrgbClr r="0" g="0" b="0"/>
+        </a:effectRef>
+        <a:fontRef idx="minor"/>
+      </dsp:style>
+      <dsp:txBody>
+        <a:bodyPr spcFirstLastPara="0" vert="horz" wrap="square" lIns="26670" tIns="17780" rIns="26670" bIns="17780" numCol="1" spcCol="1270" anchor="ctr" anchorCtr="0">
+          <a:noAutofit/>
+        </a:bodyPr>
+        <a:lstStyle/>
+        <a:p>
+          <a:pPr lvl="0" algn="ctr" defTabSz="622300">
+            <a:lnSpc>
+              <a:spcPct val="90000"/>
+            </a:lnSpc>
+            <a:spcBef>
+              <a:spcPct val="0"/>
+            </a:spcBef>
+            <a:spcAft>
+              <a:spcPct val="35000"/>
+            </a:spcAft>
+          </a:pPr>
+          <a:r>
+            <a:rPr lang="en-US" sz="1400" kern="1200" noProof="0" dirty="0" smtClean="0"/>
+            <a:t>Velocity</a:t>
+          </a:r>
+          <a:endParaRPr lang="en-US" sz="1400" kern="1200" noProof="0" dirty="0"/>
+        </a:p>
+      </dsp:txBody>
+      <dsp:txXfrm>
+        <a:off x="4677671" y="2371226"/>
+        <a:ext cx="1385530" cy="865956"/>
       </dsp:txXfrm>
     </dsp:sp>
     <dsp:sp modelId="{19F8C5B7-9125-46D0-A994-B9FAFE5B6E03}">
@@ -6332,6 +10077,819 @@
       <dsp:txXfrm>
         <a:off x="634486" y="3403041"/>
         <a:ext cx="1451307" cy="907067"/>
+      </dsp:txXfrm>
+    </dsp:sp>
+  </dsp:spTree>
+</dsp:drawing>
+</file>
+
+<file path=ppt/diagrams/drawing5.xml><?xml version="1.0" encoding="utf-8"?>
+<dsp:drawing xmlns:dgm="http://schemas.openxmlformats.org/drawingml/2006/diagram" xmlns:a="http://schemas.openxmlformats.org/drawingml/2006/main" xmlns:dsp="http://schemas.microsoft.com/office/drawing/2008/diagram">
+  <dsp:spTree>
+    <dsp:nvGrpSpPr>
+      <dsp:cNvPr id="0" name=""/>
+      <dsp:cNvGrpSpPr/>
+    </dsp:nvGrpSpPr>
+    <dsp:grpSpPr/>
+    <dsp:sp modelId="{3AF06778-AFD3-4149-A109-9E3EA69FB691}">
+      <dsp:nvSpPr>
+        <dsp:cNvPr id="0" name=""/>
+        <dsp:cNvSpPr/>
+      </dsp:nvSpPr>
+      <dsp:spPr>
+        <a:xfrm>
+          <a:off x="0" y="616152"/>
+          <a:ext cx="1785950" cy="892975"/>
+        </a:xfrm>
+        <a:prstGeom prst="roundRect">
+          <a:avLst>
+            <a:gd name="adj" fmla="val 10000"/>
+          </a:avLst>
+        </a:prstGeom>
+        <a:solidFill>
+          <a:schemeClr val="accent5">
+            <a:hueOff val="0"/>
+            <a:satOff val="0"/>
+            <a:lumOff val="0"/>
+            <a:alphaOff val="0"/>
+          </a:schemeClr>
+        </a:solidFill>
+        <a:ln w="25400" cap="flat" cmpd="sng" algn="ctr">
+          <a:solidFill>
+            <a:schemeClr val="lt1">
+              <a:hueOff val="0"/>
+              <a:satOff val="0"/>
+              <a:lumOff val="0"/>
+              <a:alphaOff val="0"/>
+            </a:schemeClr>
+          </a:solidFill>
+          <a:prstDash val="solid"/>
+        </a:ln>
+        <a:effectLst/>
+      </dsp:spPr>
+      <dsp:style>
+        <a:lnRef idx="2">
+          <a:scrgbClr r="0" g="0" b="0"/>
+        </a:lnRef>
+        <a:fillRef idx="1">
+          <a:scrgbClr r="0" g="0" b="0"/>
+        </a:fillRef>
+        <a:effectRef idx="0">
+          <a:scrgbClr r="0" g="0" b="0"/>
+        </a:effectRef>
+        <a:fontRef idx="minor">
+          <a:schemeClr val="lt1"/>
+        </a:fontRef>
+      </dsp:style>
+      <dsp:txBody>
+        <a:bodyPr spcFirstLastPara="0" vert="horz" wrap="square" lIns="43815" tIns="29210" rIns="43815" bIns="29210" numCol="1" spcCol="1270" anchor="ctr" anchorCtr="0">
+          <a:noAutofit/>
+        </a:bodyPr>
+        <a:lstStyle/>
+        <a:p>
+          <a:pPr lvl="0" algn="ctr" defTabSz="1022350">
+            <a:lnSpc>
+              <a:spcPct val="90000"/>
+            </a:lnSpc>
+            <a:spcBef>
+              <a:spcPct val="0"/>
+            </a:spcBef>
+            <a:spcAft>
+              <a:spcPct val="35000"/>
+            </a:spcAft>
+          </a:pPr>
+          <a:r>
+            <a:rPr lang="en-US" sz="2300" kern="1200" noProof="0" dirty="0" smtClean="0"/>
+            <a:t>Detection</a:t>
+          </a:r>
+          <a:endParaRPr lang="en-US" sz="2300" kern="1200" noProof="0" dirty="0"/>
+        </a:p>
+      </dsp:txBody>
+      <dsp:txXfrm>
+        <a:off x="0" y="616152"/>
+        <a:ext cx="1785950" cy="892975"/>
+      </dsp:txXfrm>
+    </dsp:sp>
+    <dsp:sp modelId="{78881C3A-DD81-4E57-8674-83F863A6771F}">
+      <dsp:nvSpPr>
+        <dsp:cNvPr id="0" name=""/>
+        <dsp:cNvSpPr/>
+      </dsp:nvSpPr>
+      <dsp:spPr>
+        <a:xfrm>
+          <a:off x="178594" y="1509127"/>
+          <a:ext cx="178595" cy="669731"/>
+        </a:xfrm>
+        <a:custGeom>
+          <a:avLst/>
+          <a:gdLst/>
+          <a:ahLst/>
+          <a:cxnLst/>
+          <a:rect l="0" t="0" r="0" b="0"/>
+          <a:pathLst>
+            <a:path>
+              <a:moveTo>
+                <a:pt x="0" y="0"/>
+              </a:moveTo>
+              <a:lnTo>
+                <a:pt x="0" y="669731"/>
+              </a:lnTo>
+              <a:lnTo>
+                <a:pt x="178595" y="669731"/>
+              </a:lnTo>
+            </a:path>
+          </a:pathLst>
+        </a:custGeom>
+        <a:noFill/>
+        <a:ln w="25400" cap="flat" cmpd="sng" algn="ctr">
+          <a:solidFill>
+            <a:schemeClr val="accent6">
+              <a:hueOff val="0"/>
+              <a:satOff val="0"/>
+              <a:lumOff val="0"/>
+              <a:alphaOff val="0"/>
+            </a:schemeClr>
+          </a:solidFill>
+          <a:prstDash val="solid"/>
+        </a:ln>
+        <a:effectLst/>
+      </dsp:spPr>
+      <dsp:style>
+        <a:lnRef idx="2">
+          <a:scrgbClr r="0" g="0" b="0"/>
+        </a:lnRef>
+        <a:fillRef idx="0">
+          <a:scrgbClr r="0" g="0" b="0"/>
+        </a:fillRef>
+        <a:effectRef idx="0">
+          <a:scrgbClr r="0" g="0" b="0"/>
+        </a:effectRef>
+        <a:fontRef idx="minor"/>
+      </dsp:style>
+    </dsp:sp>
+    <dsp:sp modelId="{91B68FAC-D781-4533-9F6F-FB4E74F807AB}">
+      <dsp:nvSpPr>
+        <dsp:cNvPr id="0" name=""/>
+        <dsp:cNvSpPr/>
+      </dsp:nvSpPr>
+      <dsp:spPr>
+        <a:xfrm>
+          <a:off x="357189" y="1732371"/>
+          <a:ext cx="1428760" cy="892975"/>
+        </a:xfrm>
+        <a:prstGeom prst="roundRect">
+          <a:avLst>
+            <a:gd name="adj" fmla="val 10000"/>
+          </a:avLst>
+        </a:prstGeom>
+        <a:solidFill>
+          <a:schemeClr val="lt1">
+            <a:alpha val="90000"/>
+            <a:hueOff val="0"/>
+            <a:satOff val="0"/>
+            <a:lumOff val="0"/>
+            <a:alphaOff val="0"/>
+          </a:schemeClr>
+        </a:solidFill>
+        <a:ln w="25400" cap="flat" cmpd="sng" algn="ctr">
+          <a:solidFill>
+            <a:schemeClr val="accent5">
+              <a:hueOff val="0"/>
+              <a:satOff val="0"/>
+              <a:lumOff val="0"/>
+              <a:alphaOff val="0"/>
+            </a:schemeClr>
+          </a:solidFill>
+          <a:prstDash val="solid"/>
+        </a:ln>
+        <a:effectLst/>
+      </dsp:spPr>
+      <dsp:style>
+        <a:lnRef idx="2">
+          <a:scrgbClr r="0" g="0" b="0"/>
+        </a:lnRef>
+        <a:fillRef idx="1">
+          <a:scrgbClr r="0" g="0" b="0"/>
+        </a:fillRef>
+        <a:effectRef idx="0">
+          <a:scrgbClr r="0" g="0" b="0"/>
+        </a:effectRef>
+        <a:fontRef idx="minor"/>
+      </dsp:style>
+      <dsp:txBody>
+        <a:bodyPr spcFirstLastPara="0" vert="horz" wrap="square" lIns="28575" tIns="19050" rIns="28575" bIns="19050" numCol="1" spcCol="1270" anchor="ctr" anchorCtr="0">
+          <a:noAutofit/>
+        </a:bodyPr>
+        <a:lstStyle/>
+        <a:p>
+          <a:pPr lvl="0" algn="ctr" defTabSz="666750">
+            <a:lnSpc>
+              <a:spcPct val="90000"/>
+            </a:lnSpc>
+            <a:spcBef>
+              <a:spcPct val="0"/>
+            </a:spcBef>
+            <a:spcAft>
+              <a:spcPct val="35000"/>
+            </a:spcAft>
+          </a:pPr>
+          <a:r>
+            <a:rPr lang="en-US" sz="1500" kern="1200" noProof="0" dirty="0" smtClean="0"/>
+            <a:t>Face Detection</a:t>
+          </a:r>
+          <a:endParaRPr lang="en-US" sz="1500" kern="1200" noProof="0" dirty="0"/>
+        </a:p>
+      </dsp:txBody>
+      <dsp:txXfrm>
+        <a:off x="357189" y="1732371"/>
+        <a:ext cx="1428760" cy="892975"/>
+      </dsp:txXfrm>
+    </dsp:sp>
+    <dsp:sp modelId="{428DB842-A276-4CBD-8C1E-DC9F41200616}">
+      <dsp:nvSpPr>
+        <dsp:cNvPr id="0" name=""/>
+        <dsp:cNvSpPr/>
+      </dsp:nvSpPr>
+      <dsp:spPr>
+        <a:xfrm>
+          <a:off x="178594" y="1509127"/>
+          <a:ext cx="178595" cy="1785950"/>
+        </a:xfrm>
+        <a:custGeom>
+          <a:avLst/>
+          <a:gdLst/>
+          <a:ahLst/>
+          <a:cxnLst/>
+          <a:rect l="0" t="0" r="0" b="0"/>
+          <a:pathLst>
+            <a:path>
+              <a:moveTo>
+                <a:pt x="0" y="0"/>
+              </a:moveTo>
+              <a:lnTo>
+                <a:pt x="0" y="1785950"/>
+              </a:lnTo>
+              <a:lnTo>
+                <a:pt x="178595" y="1785950"/>
+              </a:lnTo>
+            </a:path>
+          </a:pathLst>
+        </a:custGeom>
+        <a:noFill/>
+        <a:ln w="25400" cap="flat" cmpd="sng" algn="ctr">
+          <a:solidFill>
+            <a:schemeClr val="accent6">
+              <a:hueOff val="0"/>
+              <a:satOff val="0"/>
+              <a:lumOff val="0"/>
+              <a:alphaOff val="0"/>
+            </a:schemeClr>
+          </a:solidFill>
+          <a:prstDash val="solid"/>
+        </a:ln>
+        <a:effectLst/>
+      </dsp:spPr>
+      <dsp:style>
+        <a:lnRef idx="2">
+          <a:scrgbClr r="0" g="0" b="0"/>
+        </a:lnRef>
+        <a:fillRef idx="0">
+          <a:scrgbClr r="0" g="0" b="0"/>
+        </a:fillRef>
+        <a:effectRef idx="0">
+          <a:scrgbClr r="0" g="0" b="0"/>
+        </a:effectRef>
+        <a:fontRef idx="minor"/>
+      </dsp:style>
+    </dsp:sp>
+    <dsp:sp modelId="{CF53279C-FF12-4AE7-8C78-4EE49D3809A0}">
+      <dsp:nvSpPr>
+        <dsp:cNvPr id="0" name=""/>
+        <dsp:cNvSpPr/>
+      </dsp:nvSpPr>
+      <dsp:spPr>
+        <a:xfrm>
+          <a:off x="357189" y="2848590"/>
+          <a:ext cx="1428760" cy="892975"/>
+        </a:xfrm>
+        <a:prstGeom prst="roundRect">
+          <a:avLst>
+            <a:gd name="adj" fmla="val 10000"/>
+          </a:avLst>
+        </a:prstGeom>
+        <a:solidFill>
+          <a:schemeClr val="lt1">
+            <a:alpha val="90000"/>
+            <a:hueOff val="0"/>
+            <a:satOff val="0"/>
+            <a:lumOff val="0"/>
+            <a:alphaOff val="0"/>
+          </a:schemeClr>
+        </a:solidFill>
+        <a:ln w="25400" cap="flat" cmpd="sng" algn="ctr">
+          <a:solidFill>
+            <a:schemeClr val="accent5">
+              <a:hueOff val="-1837137"/>
+              <a:satOff val="270"/>
+              <a:lumOff val="-6471"/>
+              <a:alphaOff val="0"/>
+            </a:schemeClr>
+          </a:solidFill>
+          <a:prstDash val="solid"/>
+        </a:ln>
+        <a:effectLst/>
+      </dsp:spPr>
+      <dsp:style>
+        <a:lnRef idx="2">
+          <a:scrgbClr r="0" g="0" b="0"/>
+        </a:lnRef>
+        <a:fillRef idx="1">
+          <a:scrgbClr r="0" g="0" b="0"/>
+        </a:fillRef>
+        <a:effectRef idx="0">
+          <a:scrgbClr r="0" g="0" b="0"/>
+        </a:effectRef>
+        <a:fontRef idx="minor"/>
+      </dsp:style>
+      <dsp:txBody>
+        <a:bodyPr spcFirstLastPara="0" vert="horz" wrap="square" lIns="28575" tIns="19050" rIns="28575" bIns="19050" numCol="1" spcCol="1270" anchor="ctr" anchorCtr="0">
+          <a:noAutofit/>
+        </a:bodyPr>
+        <a:lstStyle/>
+        <a:p>
+          <a:pPr lvl="0" algn="ctr" defTabSz="666750">
+            <a:lnSpc>
+              <a:spcPct val="90000"/>
+            </a:lnSpc>
+            <a:spcBef>
+              <a:spcPct val="0"/>
+            </a:spcBef>
+            <a:spcAft>
+              <a:spcPct val="35000"/>
+            </a:spcAft>
+          </a:pPr>
+          <a:r>
+            <a:rPr lang="en-US" sz="1500" kern="1200" noProof="0" dirty="0" smtClean="0"/>
+            <a:t>Face Recognition</a:t>
+          </a:r>
+          <a:endParaRPr lang="en-US" sz="1500" kern="1200" noProof="0" dirty="0"/>
+        </a:p>
+      </dsp:txBody>
+      <dsp:txXfrm>
+        <a:off x="357189" y="2848590"/>
+        <a:ext cx="1428760" cy="892975"/>
+      </dsp:txXfrm>
+    </dsp:sp>
+  </dsp:spTree>
+</dsp:drawing>
+</file>
+
+<file path=ppt/diagrams/drawing6.xml><?xml version="1.0" encoding="utf-8"?>
+<dsp:drawing xmlns:dgm="http://schemas.openxmlformats.org/drawingml/2006/diagram" xmlns:a="http://schemas.openxmlformats.org/drawingml/2006/main" xmlns:dsp="http://schemas.microsoft.com/office/drawing/2008/diagram">
+  <dsp:spTree>
+    <dsp:nvGrpSpPr>
+      <dsp:cNvPr id="0" name=""/>
+      <dsp:cNvGrpSpPr/>
+    </dsp:nvGrpSpPr>
+    <dsp:grpSpPr/>
+    <dsp:sp modelId="{107BF7B5-F983-45A6-BAD2-34D83E28E4FC}">
+      <dsp:nvSpPr>
+        <dsp:cNvPr id="0" name=""/>
+        <dsp:cNvSpPr/>
+      </dsp:nvSpPr>
+      <dsp:spPr>
+        <a:xfrm>
+          <a:off x="12061" y="60134"/>
+          <a:ext cx="1876098" cy="938049"/>
+        </a:xfrm>
+        <a:prstGeom prst="roundRect">
+          <a:avLst>
+            <a:gd name="adj" fmla="val 10000"/>
+          </a:avLst>
+        </a:prstGeom>
+        <a:solidFill>
+          <a:schemeClr val="accent5">
+            <a:hueOff val="0"/>
+            <a:satOff val="0"/>
+            <a:lumOff val="0"/>
+            <a:alphaOff val="0"/>
+          </a:schemeClr>
+        </a:solidFill>
+        <a:ln w="25400" cap="flat" cmpd="sng" algn="ctr">
+          <a:solidFill>
+            <a:schemeClr val="lt1">
+              <a:hueOff val="0"/>
+              <a:satOff val="0"/>
+              <a:lumOff val="0"/>
+              <a:alphaOff val="0"/>
+            </a:schemeClr>
+          </a:solidFill>
+          <a:prstDash val="solid"/>
+        </a:ln>
+        <a:effectLst/>
+      </dsp:spPr>
+      <dsp:style>
+        <a:lnRef idx="2">
+          <a:scrgbClr r="0" g="0" b="0"/>
+        </a:lnRef>
+        <a:fillRef idx="1">
+          <a:scrgbClr r="0" g="0" b="0"/>
+        </a:fillRef>
+        <a:effectRef idx="0">
+          <a:scrgbClr r="0" g="0" b="0"/>
+        </a:effectRef>
+        <a:fontRef idx="minor">
+          <a:schemeClr val="lt1"/>
+        </a:fontRef>
+      </dsp:style>
+      <dsp:txBody>
+        <a:bodyPr spcFirstLastPara="0" vert="horz" wrap="square" lIns="41910" tIns="27940" rIns="41910" bIns="27940" numCol="1" spcCol="1270" anchor="ctr" anchorCtr="0">
+          <a:noAutofit/>
+        </a:bodyPr>
+        <a:lstStyle/>
+        <a:p>
+          <a:pPr lvl="0" algn="ctr" defTabSz="977900">
+            <a:lnSpc>
+              <a:spcPct val="90000"/>
+            </a:lnSpc>
+            <a:spcBef>
+              <a:spcPct val="0"/>
+            </a:spcBef>
+            <a:spcAft>
+              <a:spcPct val="35000"/>
+            </a:spcAft>
+          </a:pPr>
+          <a:r>
+            <a:rPr lang="en-US" sz="2200" kern="1200" noProof="0" dirty="0" smtClean="0"/>
+            <a:t>Representation</a:t>
+          </a:r>
+          <a:endParaRPr lang="en-US" sz="2200" kern="1200" noProof="0" dirty="0"/>
+        </a:p>
+      </dsp:txBody>
+      <dsp:txXfrm>
+        <a:off x="12061" y="60134"/>
+        <a:ext cx="1876098" cy="938049"/>
+      </dsp:txXfrm>
+    </dsp:sp>
+    <dsp:sp modelId="{6B6B3A66-385E-4E75-8F72-BC43A7ED848B}">
+      <dsp:nvSpPr>
+        <dsp:cNvPr id="0" name=""/>
+        <dsp:cNvSpPr/>
+      </dsp:nvSpPr>
+      <dsp:spPr>
+        <a:xfrm>
+          <a:off x="199671" y="998184"/>
+          <a:ext cx="187609" cy="644889"/>
+        </a:xfrm>
+        <a:custGeom>
+          <a:avLst/>
+          <a:gdLst/>
+          <a:ahLst/>
+          <a:cxnLst/>
+          <a:rect l="0" t="0" r="0" b="0"/>
+          <a:pathLst>
+            <a:path>
+              <a:moveTo>
+                <a:pt x="0" y="0"/>
+              </a:moveTo>
+              <a:lnTo>
+                <a:pt x="0" y="644889"/>
+              </a:lnTo>
+              <a:lnTo>
+                <a:pt x="187609" y="644889"/>
+              </a:lnTo>
+            </a:path>
+          </a:pathLst>
+        </a:custGeom>
+        <a:noFill/>
+        <a:ln w="25400" cap="flat" cmpd="sng" algn="ctr">
+          <a:solidFill>
+            <a:schemeClr val="accent6">
+              <a:hueOff val="0"/>
+              <a:satOff val="0"/>
+              <a:lumOff val="0"/>
+              <a:alphaOff val="0"/>
+            </a:schemeClr>
+          </a:solidFill>
+          <a:prstDash val="solid"/>
+        </a:ln>
+        <a:effectLst/>
+      </dsp:spPr>
+      <dsp:style>
+        <a:lnRef idx="2">
+          <a:scrgbClr r="0" g="0" b="0"/>
+        </a:lnRef>
+        <a:fillRef idx="0">
+          <a:scrgbClr r="0" g="0" b="0"/>
+        </a:fillRef>
+        <a:effectRef idx="0">
+          <a:scrgbClr r="0" g="0" b="0"/>
+        </a:effectRef>
+        <a:fontRef idx="minor"/>
+      </dsp:style>
+    </dsp:sp>
+    <dsp:sp modelId="{F582FF6B-77E0-462A-93A1-FBDE3F02ACFB}">
+      <dsp:nvSpPr>
+        <dsp:cNvPr id="0" name=""/>
+        <dsp:cNvSpPr/>
+      </dsp:nvSpPr>
+      <dsp:spPr>
+        <a:xfrm>
+          <a:off x="387281" y="1174049"/>
+          <a:ext cx="1500878" cy="938049"/>
+        </a:xfrm>
+        <a:prstGeom prst="roundRect">
+          <a:avLst>
+            <a:gd name="adj" fmla="val 10000"/>
+          </a:avLst>
+        </a:prstGeom>
+        <a:solidFill>
+          <a:schemeClr val="lt1">
+            <a:alpha val="90000"/>
+            <a:hueOff val="0"/>
+            <a:satOff val="0"/>
+            <a:lumOff val="0"/>
+            <a:alphaOff val="0"/>
+          </a:schemeClr>
+        </a:solidFill>
+        <a:ln w="25400" cap="flat" cmpd="sng" algn="ctr">
+          <a:solidFill>
+            <a:schemeClr val="accent5">
+              <a:hueOff val="0"/>
+              <a:satOff val="0"/>
+              <a:lumOff val="0"/>
+              <a:alphaOff val="0"/>
+            </a:schemeClr>
+          </a:solidFill>
+          <a:prstDash val="solid"/>
+        </a:ln>
+        <a:effectLst/>
+      </dsp:spPr>
+      <dsp:style>
+        <a:lnRef idx="2">
+          <a:scrgbClr r="0" g="0" b="0"/>
+        </a:lnRef>
+        <a:fillRef idx="1">
+          <a:scrgbClr r="0" g="0" b="0"/>
+        </a:fillRef>
+        <a:effectRef idx="0">
+          <a:scrgbClr r="0" g="0" b="0"/>
+        </a:effectRef>
+        <a:fontRef idx="minor"/>
+      </dsp:style>
+      <dsp:txBody>
+        <a:bodyPr spcFirstLastPara="0" vert="horz" wrap="square" lIns="28575" tIns="19050" rIns="28575" bIns="19050" numCol="1" spcCol="1270" anchor="ctr" anchorCtr="0">
+          <a:noAutofit/>
+        </a:bodyPr>
+        <a:lstStyle/>
+        <a:p>
+          <a:pPr lvl="0" algn="ctr" defTabSz="666750">
+            <a:lnSpc>
+              <a:spcPct val="90000"/>
+            </a:lnSpc>
+            <a:spcBef>
+              <a:spcPct val="0"/>
+            </a:spcBef>
+            <a:spcAft>
+              <a:spcPct val="35000"/>
+            </a:spcAft>
+          </a:pPr>
+          <a:r>
+            <a:rPr lang="en-US" sz="1500" kern="1200" noProof="0" dirty="0" smtClean="0"/>
+            <a:t>Histogram</a:t>
+          </a:r>
+          <a:endParaRPr lang="en-US" sz="1500" kern="1200" noProof="0" dirty="0"/>
+        </a:p>
+      </dsp:txBody>
+      <dsp:txXfrm>
+        <a:off x="387281" y="1174049"/>
+        <a:ext cx="1500878" cy="938049"/>
+      </dsp:txXfrm>
+    </dsp:sp>
+    <dsp:sp modelId="{24072D12-3B7F-4E1A-B697-B11D8EF5036A}">
+      <dsp:nvSpPr>
+        <dsp:cNvPr id="0" name=""/>
+        <dsp:cNvSpPr/>
+      </dsp:nvSpPr>
+      <dsp:spPr>
+        <a:xfrm>
+          <a:off x="199671" y="998184"/>
+          <a:ext cx="187609" cy="1817451"/>
+        </a:xfrm>
+        <a:custGeom>
+          <a:avLst/>
+          <a:gdLst/>
+          <a:ahLst/>
+          <a:cxnLst/>
+          <a:rect l="0" t="0" r="0" b="0"/>
+          <a:pathLst>
+            <a:path>
+              <a:moveTo>
+                <a:pt x="0" y="0"/>
+              </a:moveTo>
+              <a:lnTo>
+                <a:pt x="0" y="1817451"/>
+              </a:lnTo>
+              <a:lnTo>
+                <a:pt x="187609" y="1817451"/>
+              </a:lnTo>
+            </a:path>
+          </a:pathLst>
+        </a:custGeom>
+        <a:noFill/>
+        <a:ln w="25400" cap="flat" cmpd="sng" algn="ctr">
+          <a:solidFill>
+            <a:schemeClr val="accent6">
+              <a:hueOff val="0"/>
+              <a:satOff val="0"/>
+              <a:lumOff val="0"/>
+              <a:alphaOff val="0"/>
+            </a:schemeClr>
+          </a:solidFill>
+          <a:prstDash val="solid"/>
+        </a:ln>
+        <a:effectLst/>
+      </dsp:spPr>
+      <dsp:style>
+        <a:lnRef idx="2">
+          <a:scrgbClr r="0" g="0" b="0"/>
+        </a:lnRef>
+        <a:fillRef idx="0">
+          <a:scrgbClr r="0" g="0" b="0"/>
+        </a:fillRef>
+        <a:effectRef idx="0">
+          <a:scrgbClr r="0" g="0" b="0"/>
+        </a:effectRef>
+        <a:fontRef idx="minor"/>
+      </dsp:style>
+    </dsp:sp>
+    <dsp:sp modelId="{AA7D0226-E758-4CDB-861E-B42693AF9793}">
+      <dsp:nvSpPr>
+        <dsp:cNvPr id="0" name=""/>
+        <dsp:cNvSpPr/>
+      </dsp:nvSpPr>
+      <dsp:spPr>
+        <a:xfrm>
+          <a:off x="387281" y="2346610"/>
+          <a:ext cx="1500878" cy="938049"/>
+        </a:xfrm>
+        <a:prstGeom prst="roundRect">
+          <a:avLst>
+            <a:gd name="adj" fmla="val 10000"/>
+          </a:avLst>
+        </a:prstGeom>
+        <a:solidFill>
+          <a:schemeClr val="lt1">
+            <a:alpha val="90000"/>
+            <a:hueOff val="0"/>
+            <a:satOff val="0"/>
+            <a:lumOff val="0"/>
+            <a:alphaOff val="0"/>
+          </a:schemeClr>
+        </a:solidFill>
+        <a:ln w="25400" cap="flat" cmpd="sng" algn="ctr">
+          <a:solidFill>
+            <a:schemeClr val="accent5">
+              <a:hueOff val="-1837137"/>
+              <a:satOff val="270"/>
+              <a:lumOff val="-6471"/>
+              <a:alphaOff val="0"/>
+            </a:schemeClr>
+          </a:solidFill>
+          <a:prstDash val="solid"/>
+        </a:ln>
+        <a:effectLst/>
+      </dsp:spPr>
+      <dsp:style>
+        <a:lnRef idx="2">
+          <a:scrgbClr r="0" g="0" b="0"/>
+        </a:lnRef>
+        <a:fillRef idx="1">
+          <a:scrgbClr r="0" g="0" b="0"/>
+        </a:fillRef>
+        <a:effectRef idx="0">
+          <a:scrgbClr r="0" g="0" b="0"/>
+        </a:effectRef>
+        <a:fontRef idx="minor"/>
+      </dsp:style>
+      <dsp:txBody>
+        <a:bodyPr spcFirstLastPara="0" vert="horz" wrap="square" lIns="28575" tIns="19050" rIns="28575" bIns="19050" numCol="1" spcCol="1270" anchor="ctr" anchorCtr="0">
+          <a:noAutofit/>
+        </a:bodyPr>
+        <a:lstStyle/>
+        <a:p>
+          <a:pPr lvl="0" algn="ctr" defTabSz="666750">
+            <a:lnSpc>
+              <a:spcPct val="90000"/>
+            </a:lnSpc>
+            <a:spcBef>
+              <a:spcPct val="0"/>
+            </a:spcBef>
+            <a:spcAft>
+              <a:spcPct val="35000"/>
+            </a:spcAft>
+          </a:pPr>
+          <a:r>
+            <a:rPr lang="en-US" sz="1500" kern="1200" noProof="0" dirty="0" smtClean="0"/>
+            <a:t>velocity</a:t>
+          </a:r>
+          <a:endParaRPr lang="en-US" sz="1500" kern="1200" noProof="0" dirty="0"/>
+        </a:p>
+      </dsp:txBody>
+      <dsp:txXfrm>
+        <a:off x="387281" y="2346610"/>
+        <a:ext cx="1500878" cy="938049"/>
+      </dsp:txXfrm>
+    </dsp:sp>
+  </dsp:spTree>
+</dsp:drawing>
+</file>
+
+<file path=ppt/diagrams/drawing7.xml><?xml version="1.0" encoding="utf-8"?>
+<dsp:drawing xmlns:dgm="http://schemas.openxmlformats.org/drawingml/2006/diagram" xmlns:a="http://schemas.openxmlformats.org/drawingml/2006/main" xmlns:dsp="http://schemas.microsoft.com/office/drawing/2008/diagram">
+  <dsp:spTree>
+    <dsp:nvGrpSpPr>
+      <dsp:cNvPr id="0" name=""/>
+      <dsp:cNvGrpSpPr/>
+    </dsp:nvGrpSpPr>
+    <dsp:grpSpPr/>
+    <dsp:sp modelId="{107BF7B5-F983-45A6-BAD2-34D83E28E4FC}">
+      <dsp:nvSpPr>
+        <dsp:cNvPr id="0" name=""/>
+        <dsp:cNvSpPr/>
+      </dsp:nvSpPr>
+      <dsp:spPr>
+        <a:xfrm>
+          <a:off x="0" y="142876"/>
+          <a:ext cx="1828784" cy="914392"/>
+        </a:xfrm>
+        <a:prstGeom prst="roundRect">
+          <a:avLst>
+            <a:gd name="adj" fmla="val 10000"/>
+          </a:avLst>
+        </a:prstGeom>
+        <a:solidFill>
+          <a:schemeClr val="accent5">
+            <a:hueOff val="0"/>
+            <a:satOff val="0"/>
+            <a:lumOff val="0"/>
+            <a:alphaOff val="0"/>
+          </a:schemeClr>
+        </a:solidFill>
+        <a:ln w="25400" cap="flat" cmpd="sng" algn="ctr">
+          <a:solidFill>
+            <a:schemeClr val="lt1">
+              <a:hueOff val="0"/>
+              <a:satOff val="0"/>
+              <a:lumOff val="0"/>
+              <a:alphaOff val="0"/>
+            </a:schemeClr>
+          </a:solidFill>
+          <a:prstDash val="solid"/>
+        </a:ln>
+        <a:effectLst/>
+      </dsp:spPr>
+      <dsp:style>
+        <a:lnRef idx="2">
+          <a:scrgbClr r="0" g="0" b="0"/>
+        </a:lnRef>
+        <a:fillRef idx="1">
+          <a:scrgbClr r="0" g="0" b="0"/>
+        </a:fillRef>
+        <a:effectRef idx="0">
+          <a:scrgbClr r="0" g="0" b="0"/>
+        </a:effectRef>
+        <a:fontRef idx="minor">
+          <a:schemeClr val="lt1"/>
+        </a:fontRef>
+      </dsp:style>
+      <dsp:txBody>
+        <a:bodyPr spcFirstLastPara="0" vert="horz" wrap="square" lIns="43815" tIns="29210" rIns="43815" bIns="29210" numCol="1" spcCol="1270" anchor="ctr" anchorCtr="0">
+          <a:noAutofit/>
+        </a:bodyPr>
+        <a:lstStyle/>
+        <a:p>
+          <a:pPr lvl="0" algn="ctr" defTabSz="1022350">
+            <a:lnSpc>
+              <a:spcPct val="90000"/>
+            </a:lnSpc>
+            <a:spcBef>
+              <a:spcPct val="0"/>
+            </a:spcBef>
+            <a:spcAft>
+              <a:spcPct val="35000"/>
+            </a:spcAft>
+          </a:pPr>
+          <a:r>
+            <a:rPr lang="en-US" sz="2300" kern="1200" noProof="0" dirty="0" smtClean="0"/>
+            <a:t>Tracking</a:t>
+          </a:r>
+          <a:endParaRPr lang="en-US" sz="2300" kern="1200" noProof="0" dirty="0"/>
+        </a:p>
+      </dsp:txBody>
+      <dsp:txXfrm>
+        <a:off x="0" y="142876"/>
+        <a:ext cx="1828784" cy="914392"/>
       </dsp:txXfrm>
     </dsp:sp>
   </dsp:spTree>
@@ -7256,6 +11814,882 @@
 </dgm:layoutDef>
 </file>
 
+<file path=ppt/diagrams/layout5.xml><?xml version="1.0" encoding="utf-8"?>
+<dgm:layoutDef xmlns:dgm="http://schemas.openxmlformats.org/drawingml/2006/diagram" xmlns:a="http://schemas.openxmlformats.org/drawingml/2006/main" uniqueId="urn:microsoft.com/office/officeart/2005/8/layout/hierarchy3">
+  <dgm:title val=""/>
+  <dgm:desc val=""/>
+  <dgm:catLst>
+    <dgm:cat type="hierarchy" pri="7000"/>
+    <dgm:cat type="list" pri="23000"/>
+    <dgm:cat type="relationship" pri="15000"/>
+    <dgm:cat type="convert" pri="7000"/>
+  </dgm:catLst>
+  <dgm:sampData>
+    <dgm:dataModel>
+      <dgm:ptLst>
+        <dgm:pt modelId="0" type="doc"/>
+        <dgm:pt modelId="1">
+          <dgm:prSet phldr="1"/>
+        </dgm:pt>
+        <dgm:pt modelId="11">
+          <dgm:prSet phldr="1"/>
+        </dgm:pt>
+        <dgm:pt modelId="12">
+          <dgm:prSet phldr="1"/>
+        </dgm:pt>
+        <dgm:pt modelId="2">
+          <dgm:prSet phldr="1"/>
+        </dgm:pt>
+        <dgm:pt modelId="21">
+          <dgm:prSet phldr="1"/>
+        </dgm:pt>
+        <dgm:pt modelId="22">
+          <dgm:prSet phldr="1"/>
+        </dgm:pt>
+      </dgm:ptLst>
+      <dgm:cxnLst>
+        <dgm:cxn modelId="4" srcId="0" destId="1" srcOrd="0" destOrd="0"/>
+        <dgm:cxn modelId="5" srcId="1" destId="11" srcOrd="0" destOrd="0"/>
+        <dgm:cxn modelId="6" srcId="1" destId="12" srcOrd="1" destOrd="0"/>
+        <dgm:cxn modelId="7" srcId="0" destId="2" srcOrd="1" destOrd="0"/>
+        <dgm:cxn modelId="8" srcId="2" destId="21" srcOrd="0" destOrd="0"/>
+        <dgm:cxn modelId="9" srcId="2" destId="22" srcOrd="1" destOrd="0"/>
+      </dgm:cxnLst>
+      <dgm:bg/>
+      <dgm:whole/>
+    </dgm:dataModel>
+  </dgm:sampData>
+  <dgm:styleData>
+    <dgm:dataModel>
+      <dgm:ptLst>
+        <dgm:pt modelId="0" type="doc"/>
+        <dgm:pt modelId="1"/>
+        <dgm:pt modelId="11"/>
+        <dgm:pt modelId="2"/>
+        <dgm:pt modelId="21"/>
+      </dgm:ptLst>
+      <dgm:cxnLst>
+        <dgm:cxn modelId="4" srcId="0" destId="1" srcOrd="0" destOrd="0"/>
+        <dgm:cxn modelId="5" srcId="0" destId="2" srcOrd="1" destOrd="0"/>
+        <dgm:cxn modelId="13" srcId="1" destId="11" srcOrd="0" destOrd="0"/>
+        <dgm:cxn modelId="23" srcId="2" destId="21" srcOrd="0" destOrd="0"/>
+      </dgm:cxnLst>
+      <dgm:bg/>
+      <dgm:whole/>
+    </dgm:dataModel>
+  </dgm:styleData>
+  <dgm:clrData>
+    <dgm:dataModel>
+      <dgm:ptLst>
+        <dgm:pt modelId="0" type="doc"/>
+        <dgm:pt modelId="1"/>
+        <dgm:pt modelId="11"/>
+        <dgm:pt modelId="2"/>
+        <dgm:pt modelId="21"/>
+        <dgm:pt modelId="3"/>
+        <dgm:pt modelId="31"/>
+        <dgm:pt modelId="4"/>
+        <dgm:pt modelId="41"/>
+      </dgm:ptLst>
+      <dgm:cxnLst>
+        <dgm:cxn modelId="5" srcId="0" destId="1" srcOrd="0" destOrd="0"/>
+        <dgm:cxn modelId="6" srcId="0" destId="2" srcOrd="1" destOrd="0"/>
+        <dgm:cxn modelId="7" srcId="0" destId="3" srcOrd="2" destOrd="0"/>
+        <dgm:cxn modelId="8" srcId="0" destId="4" srcOrd="3" destOrd="0"/>
+        <dgm:cxn modelId="13" srcId="1" destId="11" srcOrd="0" destOrd="0"/>
+        <dgm:cxn modelId="23" srcId="2" destId="21" srcOrd="0" destOrd="0"/>
+        <dgm:cxn modelId="33" srcId="3" destId="31" srcOrd="0" destOrd="0"/>
+        <dgm:cxn modelId="43" srcId="4" destId="41" srcOrd="0" destOrd="0"/>
+      </dgm:cxnLst>
+      <dgm:bg/>
+      <dgm:whole/>
+    </dgm:dataModel>
+  </dgm:clrData>
+  <dgm:layoutNode name="diagram">
+    <dgm:varLst>
+      <dgm:chPref val="1"/>
+      <dgm:dir/>
+      <dgm:animOne val="branch"/>
+      <dgm:animLvl val="lvl"/>
+      <dgm:resizeHandles/>
+    </dgm:varLst>
+    <dgm:choose name="Name0">
+      <dgm:if name="Name1" func="var" arg="dir" op="equ" val="norm">
+        <dgm:alg type="hierChild">
+          <dgm:param type="linDir" val="fromL"/>
+        </dgm:alg>
+      </dgm:if>
+      <dgm:else name="Name2">
+        <dgm:alg type="hierChild">
+          <dgm:param type="linDir" val="fromR"/>
+        </dgm:alg>
+      </dgm:else>
+    </dgm:choose>
+    <dgm:shape xmlns:r="http://schemas.openxmlformats.org/officeDocument/2006/relationships" r:blip="">
+      <dgm:adjLst/>
+    </dgm:shape>
+    <dgm:presOf/>
+    <dgm:constrLst>
+      <dgm:constr type="primFontSz" for="des" forName="rootText" op="equ" val="65"/>
+      <dgm:constr type="primFontSz" for="des" forName="childText" op="equ" val="65"/>
+      <dgm:constr type="w" for="des" forName="rootComposite" refType="w"/>
+      <dgm:constr type="h" for="des" forName="rootComposite" refType="w" fact="0.5"/>
+      <dgm:constr type="w" for="des" forName="childText" refType="w" refFor="des" refForName="rootComposite" fact="0.8"/>
+      <dgm:constr type="h" for="des" forName="childText" refType="h" refFor="des" refForName="rootComposite"/>
+      <dgm:constr type="sibSp" refType="w" refFor="des" refForName="rootComposite" fact="0.25"/>
+      <dgm:constr type="sibSp" for="des" forName="childShape" refType="h" refFor="des" refForName="childText" fact="0.25"/>
+      <dgm:constr type="sp" for="des" forName="root" refType="h" refFor="des" refForName="childText" fact="0.25"/>
+    </dgm:constrLst>
+    <dgm:ruleLst/>
+    <dgm:forEach name="Name3" axis="ch">
+      <dgm:forEach name="Name4" axis="self" ptType="node" cnt="1">
+        <dgm:layoutNode name="root">
+          <dgm:choose name="Name5">
+            <dgm:if name="Name6" func="var" arg="dir" op="equ" val="norm">
+              <dgm:alg type="hierRoot">
+                <dgm:param type="hierAlign" val="tL"/>
+              </dgm:alg>
+            </dgm:if>
+            <dgm:else name="Name7">
+              <dgm:alg type="hierRoot">
+                <dgm:param type="hierAlign" val="tR"/>
+              </dgm:alg>
+            </dgm:else>
+          </dgm:choose>
+          <dgm:shape xmlns:r="http://schemas.openxmlformats.org/officeDocument/2006/relationships" r:blip="">
+            <dgm:adjLst/>
+          </dgm:shape>
+          <dgm:presOf/>
+          <dgm:constrLst>
+            <dgm:constr type="alignOff" val="0.2"/>
+          </dgm:constrLst>
+          <dgm:ruleLst/>
+          <dgm:layoutNode name="rootComposite">
+            <dgm:alg type="composite"/>
+            <dgm:shape xmlns:r="http://schemas.openxmlformats.org/officeDocument/2006/relationships" r:blip="">
+              <dgm:adjLst/>
+            </dgm:shape>
+            <dgm:presOf axis="self" ptType="node" cnt="1"/>
+            <dgm:choose name="Name8">
+              <dgm:if name="Name9" func="var" arg="dir" op="equ" val="norm">
+                <dgm:constrLst>
+                  <dgm:constr type="l" for="ch" forName="rootText"/>
+                  <dgm:constr type="t" for="ch" forName="rootText"/>
+                  <dgm:constr type="w" for="ch" forName="rootText" refType="w"/>
+                  <dgm:constr type="h" for="ch" forName="rootText" refType="h"/>
+                  <dgm:constr type="l" for="ch" forName="rootConnector"/>
+                  <dgm:constr type="t" for="ch" forName="rootConnector"/>
+                  <dgm:constr type="w" for="ch" forName="rootConnector" refType="w" refFor="ch" refForName="rootText" fact="0.2"/>
+                  <dgm:constr type="h" for="ch" forName="rootConnector" refType="h" refFor="ch" refForName="rootText"/>
+                </dgm:constrLst>
+              </dgm:if>
+              <dgm:else name="Name10">
+                <dgm:constrLst>
+                  <dgm:constr type="l" for="ch" forName="rootText"/>
+                  <dgm:constr type="t" for="ch" forName="rootText"/>
+                  <dgm:constr type="w" for="ch" forName="rootText" refType="w"/>
+                  <dgm:constr type="h" for="ch" forName="rootText" refType="h"/>
+                  <dgm:constr type="r" for="ch" forName="rootConnector" refType="w"/>
+                  <dgm:constr type="t" for="ch" forName="rootConnector"/>
+                  <dgm:constr type="w" for="ch" forName="rootConnector" refType="w" refFor="ch" refForName="rootText" fact="0.2"/>
+                  <dgm:constr type="h" for="ch" forName="rootConnector" refType="h" refFor="ch" refForName="rootText"/>
+                </dgm:constrLst>
+              </dgm:else>
+            </dgm:choose>
+            <dgm:ruleLst/>
+            <dgm:layoutNode name="rootText" styleLbl="node1">
+              <dgm:alg type="tx"/>
+              <dgm:shape xmlns:r="http://schemas.openxmlformats.org/officeDocument/2006/relationships" type="roundRect" r:blip="">
+                <dgm:adjLst>
+                  <dgm:adj idx="1" val="0.1"/>
+                </dgm:adjLst>
+              </dgm:shape>
+              <dgm:presOf axis="self" ptType="node" cnt="1"/>
+              <dgm:constrLst>
+                <dgm:constr type="tMarg" refType="primFontSz" fact="0.1"/>
+                <dgm:constr type="bMarg" refType="primFontSz" fact="0.1"/>
+                <dgm:constr type="lMarg" refType="primFontSz" fact="0.15"/>
+                <dgm:constr type="rMarg" refType="primFontSz" fact="0.15"/>
+              </dgm:constrLst>
+              <dgm:ruleLst>
+                <dgm:rule type="primFontSz" val="5" fact="NaN" max="NaN"/>
+              </dgm:ruleLst>
+            </dgm:layoutNode>
+            <dgm:layoutNode name="rootConnector" moveWith="rootText">
+              <dgm:alg type="sp"/>
+              <dgm:shape xmlns:r="http://schemas.openxmlformats.org/officeDocument/2006/relationships" type="roundRect" r:blip="" hideGeom="1">
+                <dgm:adjLst>
+                  <dgm:adj idx="1" val="0.1"/>
+                </dgm:adjLst>
+              </dgm:shape>
+              <dgm:presOf axis="self" ptType="node" cnt="1"/>
+              <dgm:constrLst/>
+              <dgm:ruleLst/>
+            </dgm:layoutNode>
+          </dgm:layoutNode>
+          <dgm:layoutNode name="childShape">
+            <dgm:alg type="hierChild">
+              <dgm:param type="chAlign" val="l"/>
+              <dgm:param type="linDir" val="fromT"/>
+            </dgm:alg>
+            <dgm:shape xmlns:r="http://schemas.openxmlformats.org/officeDocument/2006/relationships" r:blip="">
+              <dgm:adjLst/>
+            </dgm:shape>
+            <dgm:presOf/>
+            <dgm:constrLst/>
+            <dgm:ruleLst/>
+            <dgm:forEach name="Name11" axis="ch">
+              <dgm:forEach name="Name12" axis="self" ptType="parTrans" cnt="1">
+                <dgm:layoutNode name="Name13">
+                  <dgm:choose name="Name14">
+                    <dgm:if name="Name15" func="var" arg="dir" op="equ" val="norm">
+                      <dgm:alg type="conn">
+                        <dgm:param type="dim" val="1D"/>
+                        <dgm:param type="endSty" val="noArr"/>
+                        <dgm:param type="connRout" val="bend"/>
+                        <dgm:param type="srcNode" val="rootConnector"/>
+                        <dgm:param type="begPts" val="bCtr"/>
+                        <dgm:param type="endPts" val="midL"/>
+                      </dgm:alg>
+                    </dgm:if>
+                    <dgm:else name="Name16">
+                      <dgm:alg type="conn">
+                        <dgm:param type="dim" val="1D"/>
+                        <dgm:param type="endSty" val="noArr"/>
+                        <dgm:param type="connRout" val="bend"/>
+                        <dgm:param type="srcNode" val="rootConnector"/>
+                        <dgm:param type="begPts" val="bCtr"/>
+                        <dgm:param type="endPts" val="midR"/>
+                      </dgm:alg>
+                    </dgm:else>
+                  </dgm:choose>
+                  <dgm:shape xmlns:r="http://schemas.openxmlformats.org/officeDocument/2006/relationships" type="conn" r:blip="">
+                    <dgm:adjLst/>
+                  </dgm:shape>
+                  <dgm:presOf axis="self"/>
+                  <dgm:constrLst>
+                    <dgm:constr type="begPad"/>
+                    <dgm:constr type="endPad"/>
+                  </dgm:constrLst>
+                  <dgm:ruleLst/>
+                </dgm:layoutNode>
+              </dgm:forEach>
+              <dgm:forEach name="Name17" axis="self" ptType="node">
+                <dgm:layoutNode name="childText" styleLbl="bgAcc1">
+                  <dgm:varLst>
+                    <dgm:bulletEnabled val="1"/>
+                  </dgm:varLst>
+                  <dgm:alg type="tx"/>
+                  <dgm:shape xmlns:r="http://schemas.openxmlformats.org/officeDocument/2006/relationships" type="roundRect" r:blip="">
+                    <dgm:adjLst>
+                      <dgm:adj idx="1" val="0.1"/>
+                    </dgm:adjLst>
+                  </dgm:shape>
+                  <dgm:presOf axis="self desOrSelf" ptType="node node" st="1 1" cnt="1 0"/>
+                  <dgm:constrLst>
+                    <dgm:constr type="tMarg" refType="primFontSz" fact="0.1"/>
+                    <dgm:constr type="bMarg" refType="primFontSz" fact="0.1"/>
+                    <dgm:constr type="lMarg" refType="primFontSz" fact="0.15"/>
+                    <dgm:constr type="rMarg" refType="primFontSz" fact="0.15"/>
+                  </dgm:constrLst>
+                  <dgm:ruleLst>
+                    <dgm:rule type="primFontSz" val="5" fact="NaN" max="NaN"/>
+                  </dgm:ruleLst>
+                </dgm:layoutNode>
+              </dgm:forEach>
+            </dgm:forEach>
+          </dgm:layoutNode>
+        </dgm:layoutNode>
+      </dgm:forEach>
+    </dgm:forEach>
+  </dgm:layoutNode>
+</dgm:layoutDef>
+</file>
+
+<file path=ppt/diagrams/layout6.xml><?xml version="1.0" encoding="utf-8"?>
+<dgm:layoutDef xmlns:dgm="http://schemas.openxmlformats.org/drawingml/2006/diagram" xmlns:a="http://schemas.openxmlformats.org/drawingml/2006/main" uniqueId="urn:microsoft.com/office/officeart/2005/8/layout/hierarchy3">
+  <dgm:title val=""/>
+  <dgm:desc val=""/>
+  <dgm:catLst>
+    <dgm:cat type="hierarchy" pri="7000"/>
+    <dgm:cat type="list" pri="23000"/>
+    <dgm:cat type="relationship" pri="15000"/>
+    <dgm:cat type="convert" pri="7000"/>
+  </dgm:catLst>
+  <dgm:sampData>
+    <dgm:dataModel>
+      <dgm:ptLst>
+        <dgm:pt modelId="0" type="doc"/>
+        <dgm:pt modelId="1">
+          <dgm:prSet phldr="1"/>
+        </dgm:pt>
+        <dgm:pt modelId="11">
+          <dgm:prSet phldr="1"/>
+        </dgm:pt>
+        <dgm:pt modelId="12">
+          <dgm:prSet phldr="1"/>
+        </dgm:pt>
+        <dgm:pt modelId="2">
+          <dgm:prSet phldr="1"/>
+        </dgm:pt>
+        <dgm:pt modelId="21">
+          <dgm:prSet phldr="1"/>
+        </dgm:pt>
+        <dgm:pt modelId="22">
+          <dgm:prSet phldr="1"/>
+        </dgm:pt>
+      </dgm:ptLst>
+      <dgm:cxnLst>
+        <dgm:cxn modelId="4" srcId="0" destId="1" srcOrd="0" destOrd="0"/>
+        <dgm:cxn modelId="5" srcId="1" destId="11" srcOrd="0" destOrd="0"/>
+        <dgm:cxn modelId="6" srcId="1" destId="12" srcOrd="1" destOrd="0"/>
+        <dgm:cxn modelId="7" srcId="0" destId="2" srcOrd="1" destOrd="0"/>
+        <dgm:cxn modelId="8" srcId="2" destId="21" srcOrd="0" destOrd="0"/>
+        <dgm:cxn modelId="9" srcId="2" destId="22" srcOrd="1" destOrd="0"/>
+      </dgm:cxnLst>
+      <dgm:bg/>
+      <dgm:whole/>
+    </dgm:dataModel>
+  </dgm:sampData>
+  <dgm:styleData>
+    <dgm:dataModel>
+      <dgm:ptLst>
+        <dgm:pt modelId="0" type="doc"/>
+        <dgm:pt modelId="1"/>
+        <dgm:pt modelId="11"/>
+        <dgm:pt modelId="2"/>
+        <dgm:pt modelId="21"/>
+      </dgm:ptLst>
+      <dgm:cxnLst>
+        <dgm:cxn modelId="4" srcId="0" destId="1" srcOrd="0" destOrd="0"/>
+        <dgm:cxn modelId="5" srcId="0" destId="2" srcOrd="1" destOrd="0"/>
+        <dgm:cxn modelId="13" srcId="1" destId="11" srcOrd="0" destOrd="0"/>
+        <dgm:cxn modelId="23" srcId="2" destId="21" srcOrd="0" destOrd="0"/>
+      </dgm:cxnLst>
+      <dgm:bg/>
+      <dgm:whole/>
+    </dgm:dataModel>
+  </dgm:styleData>
+  <dgm:clrData>
+    <dgm:dataModel>
+      <dgm:ptLst>
+        <dgm:pt modelId="0" type="doc"/>
+        <dgm:pt modelId="1"/>
+        <dgm:pt modelId="11"/>
+        <dgm:pt modelId="2"/>
+        <dgm:pt modelId="21"/>
+        <dgm:pt modelId="3"/>
+        <dgm:pt modelId="31"/>
+        <dgm:pt modelId="4"/>
+        <dgm:pt modelId="41"/>
+      </dgm:ptLst>
+      <dgm:cxnLst>
+        <dgm:cxn modelId="5" srcId="0" destId="1" srcOrd="0" destOrd="0"/>
+        <dgm:cxn modelId="6" srcId="0" destId="2" srcOrd="1" destOrd="0"/>
+        <dgm:cxn modelId="7" srcId="0" destId="3" srcOrd="2" destOrd="0"/>
+        <dgm:cxn modelId="8" srcId="0" destId="4" srcOrd="3" destOrd="0"/>
+        <dgm:cxn modelId="13" srcId="1" destId="11" srcOrd="0" destOrd="0"/>
+        <dgm:cxn modelId="23" srcId="2" destId="21" srcOrd="0" destOrd="0"/>
+        <dgm:cxn modelId="33" srcId="3" destId="31" srcOrd="0" destOrd="0"/>
+        <dgm:cxn modelId="43" srcId="4" destId="41" srcOrd="0" destOrd="0"/>
+      </dgm:cxnLst>
+      <dgm:bg/>
+      <dgm:whole/>
+    </dgm:dataModel>
+  </dgm:clrData>
+  <dgm:layoutNode name="diagram">
+    <dgm:varLst>
+      <dgm:chPref val="1"/>
+      <dgm:dir/>
+      <dgm:animOne val="branch"/>
+      <dgm:animLvl val="lvl"/>
+      <dgm:resizeHandles/>
+    </dgm:varLst>
+    <dgm:choose name="Name0">
+      <dgm:if name="Name1" func="var" arg="dir" op="equ" val="norm">
+        <dgm:alg type="hierChild">
+          <dgm:param type="linDir" val="fromL"/>
+        </dgm:alg>
+      </dgm:if>
+      <dgm:else name="Name2">
+        <dgm:alg type="hierChild">
+          <dgm:param type="linDir" val="fromR"/>
+        </dgm:alg>
+      </dgm:else>
+    </dgm:choose>
+    <dgm:shape xmlns:r="http://schemas.openxmlformats.org/officeDocument/2006/relationships" r:blip="">
+      <dgm:adjLst/>
+    </dgm:shape>
+    <dgm:presOf/>
+    <dgm:constrLst>
+      <dgm:constr type="primFontSz" for="des" forName="rootText" op="equ" val="65"/>
+      <dgm:constr type="primFontSz" for="des" forName="childText" op="equ" val="65"/>
+      <dgm:constr type="w" for="des" forName="rootComposite" refType="w"/>
+      <dgm:constr type="h" for="des" forName="rootComposite" refType="w" fact="0.5"/>
+      <dgm:constr type="w" for="des" forName="childText" refType="w" refFor="des" refForName="rootComposite" fact="0.8"/>
+      <dgm:constr type="h" for="des" forName="childText" refType="h" refFor="des" refForName="rootComposite"/>
+      <dgm:constr type="sibSp" refType="w" refFor="des" refForName="rootComposite" fact="0.25"/>
+      <dgm:constr type="sibSp" for="des" forName="childShape" refType="h" refFor="des" refForName="childText" fact="0.25"/>
+      <dgm:constr type="sp" for="des" forName="root" refType="h" refFor="des" refForName="childText" fact="0.25"/>
+    </dgm:constrLst>
+    <dgm:ruleLst/>
+    <dgm:forEach name="Name3" axis="ch">
+      <dgm:forEach name="Name4" axis="self" ptType="node" cnt="1">
+        <dgm:layoutNode name="root">
+          <dgm:choose name="Name5">
+            <dgm:if name="Name6" func="var" arg="dir" op="equ" val="norm">
+              <dgm:alg type="hierRoot">
+                <dgm:param type="hierAlign" val="tL"/>
+              </dgm:alg>
+            </dgm:if>
+            <dgm:else name="Name7">
+              <dgm:alg type="hierRoot">
+                <dgm:param type="hierAlign" val="tR"/>
+              </dgm:alg>
+            </dgm:else>
+          </dgm:choose>
+          <dgm:shape xmlns:r="http://schemas.openxmlformats.org/officeDocument/2006/relationships" r:blip="">
+            <dgm:adjLst/>
+          </dgm:shape>
+          <dgm:presOf/>
+          <dgm:constrLst>
+            <dgm:constr type="alignOff" val="0.2"/>
+          </dgm:constrLst>
+          <dgm:ruleLst/>
+          <dgm:layoutNode name="rootComposite">
+            <dgm:alg type="composite"/>
+            <dgm:shape xmlns:r="http://schemas.openxmlformats.org/officeDocument/2006/relationships" r:blip="">
+              <dgm:adjLst/>
+            </dgm:shape>
+            <dgm:presOf axis="self" ptType="node" cnt="1"/>
+            <dgm:choose name="Name8">
+              <dgm:if name="Name9" func="var" arg="dir" op="equ" val="norm">
+                <dgm:constrLst>
+                  <dgm:constr type="l" for="ch" forName="rootText"/>
+                  <dgm:constr type="t" for="ch" forName="rootText"/>
+                  <dgm:constr type="w" for="ch" forName="rootText" refType="w"/>
+                  <dgm:constr type="h" for="ch" forName="rootText" refType="h"/>
+                  <dgm:constr type="l" for="ch" forName="rootConnector"/>
+                  <dgm:constr type="t" for="ch" forName="rootConnector"/>
+                  <dgm:constr type="w" for="ch" forName="rootConnector" refType="w" refFor="ch" refForName="rootText" fact="0.2"/>
+                  <dgm:constr type="h" for="ch" forName="rootConnector" refType="h" refFor="ch" refForName="rootText"/>
+                </dgm:constrLst>
+              </dgm:if>
+              <dgm:else name="Name10">
+                <dgm:constrLst>
+                  <dgm:constr type="l" for="ch" forName="rootText"/>
+                  <dgm:constr type="t" for="ch" forName="rootText"/>
+                  <dgm:constr type="w" for="ch" forName="rootText" refType="w"/>
+                  <dgm:constr type="h" for="ch" forName="rootText" refType="h"/>
+                  <dgm:constr type="r" for="ch" forName="rootConnector" refType="w"/>
+                  <dgm:constr type="t" for="ch" forName="rootConnector"/>
+                  <dgm:constr type="w" for="ch" forName="rootConnector" refType="w" refFor="ch" refForName="rootText" fact="0.2"/>
+                  <dgm:constr type="h" for="ch" forName="rootConnector" refType="h" refFor="ch" refForName="rootText"/>
+                </dgm:constrLst>
+              </dgm:else>
+            </dgm:choose>
+            <dgm:ruleLst/>
+            <dgm:layoutNode name="rootText" styleLbl="node1">
+              <dgm:alg type="tx"/>
+              <dgm:shape xmlns:r="http://schemas.openxmlformats.org/officeDocument/2006/relationships" type="roundRect" r:blip="">
+                <dgm:adjLst>
+                  <dgm:adj idx="1" val="0.1"/>
+                </dgm:adjLst>
+              </dgm:shape>
+              <dgm:presOf axis="self" ptType="node" cnt="1"/>
+              <dgm:constrLst>
+                <dgm:constr type="tMarg" refType="primFontSz" fact="0.1"/>
+                <dgm:constr type="bMarg" refType="primFontSz" fact="0.1"/>
+                <dgm:constr type="lMarg" refType="primFontSz" fact="0.15"/>
+                <dgm:constr type="rMarg" refType="primFontSz" fact="0.15"/>
+              </dgm:constrLst>
+              <dgm:ruleLst>
+                <dgm:rule type="primFontSz" val="5" fact="NaN" max="NaN"/>
+              </dgm:ruleLst>
+            </dgm:layoutNode>
+            <dgm:layoutNode name="rootConnector" moveWith="rootText">
+              <dgm:alg type="sp"/>
+              <dgm:shape xmlns:r="http://schemas.openxmlformats.org/officeDocument/2006/relationships" type="roundRect" r:blip="" hideGeom="1">
+                <dgm:adjLst>
+                  <dgm:adj idx="1" val="0.1"/>
+                </dgm:adjLst>
+              </dgm:shape>
+              <dgm:presOf axis="self" ptType="node" cnt="1"/>
+              <dgm:constrLst/>
+              <dgm:ruleLst/>
+            </dgm:layoutNode>
+          </dgm:layoutNode>
+          <dgm:layoutNode name="childShape">
+            <dgm:alg type="hierChild">
+              <dgm:param type="chAlign" val="l"/>
+              <dgm:param type="linDir" val="fromT"/>
+            </dgm:alg>
+            <dgm:shape xmlns:r="http://schemas.openxmlformats.org/officeDocument/2006/relationships" r:blip="">
+              <dgm:adjLst/>
+            </dgm:shape>
+            <dgm:presOf/>
+            <dgm:constrLst/>
+            <dgm:ruleLst/>
+            <dgm:forEach name="Name11" axis="ch">
+              <dgm:forEach name="Name12" axis="self" ptType="parTrans" cnt="1">
+                <dgm:layoutNode name="Name13">
+                  <dgm:choose name="Name14">
+                    <dgm:if name="Name15" func="var" arg="dir" op="equ" val="norm">
+                      <dgm:alg type="conn">
+                        <dgm:param type="dim" val="1D"/>
+                        <dgm:param type="endSty" val="noArr"/>
+                        <dgm:param type="connRout" val="bend"/>
+                        <dgm:param type="srcNode" val="rootConnector"/>
+                        <dgm:param type="begPts" val="bCtr"/>
+                        <dgm:param type="endPts" val="midL"/>
+                      </dgm:alg>
+                    </dgm:if>
+                    <dgm:else name="Name16">
+                      <dgm:alg type="conn">
+                        <dgm:param type="dim" val="1D"/>
+                        <dgm:param type="endSty" val="noArr"/>
+                        <dgm:param type="connRout" val="bend"/>
+                        <dgm:param type="srcNode" val="rootConnector"/>
+                        <dgm:param type="begPts" val="bCtr"/>
+                        <dgm:param type="endPts" val="midR"/>
+                      </dgm:alg>
+                    </dgm:else>
+                  </dgm:choose>
+                  <dgm:shape xmlns:r="http://schemas.openxmlformats.org/officeDocument/2006/relationships" type="conn" r:blip="">
+                    <dgm:adjLst/>
+                  </dgm:shape>
+                  <dgm:presOf axis="self"/>
+                  <dgm:constrLst>
+                    <dgm:constr type="begPad"/>
+                    <dgm:constr type="endPad"/>
+                  </dgm:constrLst>
+                  <dgm:ruleLst/>
+                </dgm:layoutNode>
+              </dgm:forEach>
+              <dgm:forEach name="Name17" axis="self" ptType="node">
+                <dgm:layoutNode name="childText" styleLbl="bgAcc1">
+                  <dgm:varLst>
+                    <dgm:bulletEnabled val="1"/>
+                  </dgm:varLst>
+                  <dgm:alg type="tx"/>
+                  <dgm:shape xmlns:r="http://schemas.openxmlformats.org/officeDocument/2006/relationships" type="roundRect" r:blip="">
+                    <dgm:adjLst>
+                      <dgm:adj idx="1" val="0.1"/>
+                    </dgm:adjLst>
+                  </dgm:shape>
+                  <dgm:presOf axis="self desOrSelf" ptType="node node" st="1 1" cnt="1 0"/>
+                  <dgm:constrLst>
+                    <dgm:constr type="tMarg" refType="primFontSz" fact="0.1"/>
+                    <dgm:constr type="bMarg" refType="primFontSz" fact="0.1"/>
+                    <dgm:constr type="lMarg" refType="primFontSz" fact="0.15"/>
+                    <dgm:constr type="rMarg" refType="primFontSz" fact="0.15"/>
+                  </dgm:constrLst>
+                  <dgm:ruleLst>
+                    <dgm:rule type="primFontSz" val="5" fact="NaN" max="NaN"/>
+                  </dgm:ruleLst>
+                </dgm:layoutNode>
+              </dgm:forEach>
+            </dgm:forEach>
+          </dgm:layoutNode>
+        </dgm:layoutNode>
+      </dgm:forEach>
+    </dgm:forEach>
+  </dgm:layoutNode>
+</dgm:layoutDef>
+</file>
+
+<file path=ppt/diagrams/layout7.xml><?xml version="1.0" encoding="utf-8"?>
+<dgm:layoutDef xmlns:dgm="http://schemas.openxmlformats.org/drawingml/2006/diagram" xmlns:a="http://schemas.openxmlformats.org/drawingml/2006/main" uniqueId="urn:microsoft.com/office/officeart/2005/8/layout/hierarchy3">
+  <dgm:title val=""/>
+  <dgm:desc val=""/>
+  <dgm:catLst>
+    <dgm:cat type="hierarchy" pri="7000"/>
+    <dgm:cat type="list" pri="23000"/>
+    <dgm:cat type="relationship" pri="15000"/>
+    <dgm:cat type="convert" pri="7000"/>
+  </dgm:catLst>
+  <dgm:sampData>
+    <dgm:dataModel>
+      <dgm:ptLst>
+        <dgm:pt modelId="0" type="doc"/>
+        <dgm:pt modelId="1">
+          <dgm:prSet phldr="1"/>
+        </dgm:pt>
+        <dgm:pt modelId="11">
+          <dgm:prSet phldr="1"/>
+        </dgm:pt>
+        <dgm:pt modelId="12">
+          <dgm:prSet phldr="1"/>
+        </dgm:pt>
+        <dgm:pt modelId="2">
+          <dgm:prSet phldr="1"/>
+        </dgm:pt>
+        <dgm:pt modelId="21">
+          <dgm:prSet phldr="1"/>
+        </dgm:pt>
+        <dgm:pt modelId="22">
+          <dgm:prSet phldr="1"/>
+        </dgm:pt>
+      </dgm:ptLst>
+      <dgm:cxnLst>
+        <dgm:cxn modelId="4" srcId="0" destId="1" srcOrd="0" destOrd="0"/>
+        <dgm:cxn modelId="5" srcId="1" destId="11" srcOrd="0" destOrd="0"/>
+        <dgm:cxn modelId="6" srcId="1" destId="12" srcOrd="1" destOrd="0"/>
+        <dgm:cxn modelId="7" srcId="0" destId="2" srcOrd="1" destOrd="0"/>
+        <dgm:cxn modelId="8" srcId="2" destId="21" srcOrd="0" destOrd="0"/>
+        <dgm:cxn modelId="9" srcId="2" destId="22" srcOrd="1" destOrd="0"/>
+      </dgm:cxnLst>
+      <dgm:bg/>
+      <dgm:whole/>
+    </dgm:dataModel>
+  </dgm:sampData>
+  <dgm:styleData>
+    <dgm:dataModel>
+      <dgm:ptLst>
+        <dgm:pt modelId="0" type="doc"/>
+        <dgm:pt modelId="1"/>
+        <dgm:pt modelId="11"/>
+        <dgm:pt modelId="2"/>
+        <dgm:pt modelId="21"/>
+      </dgm:ptLst>
+      <dgm:cxnLst>
+        <dgm:cxn modelId="4" srcId="0" destId="1" srcOrd="0" destOrd="0"/>
+        <dgm:cxn modelId="5" srcId="0" destId="2" srcOrd="1" destOrd="0"/>
+        <dgm:cxn modelId="13" srcId="1" destId="11" srcOrd="0" destOrd="0"/>
+        <dgm:cxn modelId="23" srcId="2" destId="21" srcOrd="0" destOrd="0"/>
+      </dgm:cxnLst>
+      <dgm:bg/>
+      <dgm:whole/>
+    </dgm:dataModel>
+  </dgm:styleData>
+  <dgm:clrData>
+    <dgm:dataModel>
+      <dgm:ptLst>
+        <dgm:pt modelId="0" type="doc"/>
+        <dgm:pt modelId="1"/>
+        <dgm:pt modelId="11"/>
+        <dgm:pt modelId="2"/>
+        <dgm:pt modelId="21"/>
+        <dgm:pt modelId="3"/>
+        <dgm:pt modelId="31"/>
+        <dgm:pt modelId="4"/>
+        <dgm:pt modelId="41"/>
+      </dgm:ptLst>
+      <dgm:cxnLst>
+        <dgm:cxn modelId="5" srcId="0" destId="1" srcOrd="0" destOrd="0"/>
+        <dgm:cxn modelId="6" srcId="0" destId="2" srcOrd="1" destOrd="0"/>
+        <dgm:cxn modelId="7" srcId="0" destId="3" srcOrd="2" destOrd="0"/>
+        <dgm:cxn modelId="8" srcId="0" destId="4" srcOrd="3" destOrd="0"/>
+        <dgm:cxn modelId="13" srcId="1" destId="11" srcOrd="0" destOrd="0"/>
+        <dgm:cxn modelId="23" srcId="2" destId="21" srcOrd="0" destOrd="0"/>
+        <dgm:cxn modelId="33" srcId="3" destId="31" srcOrd="0" destOrd="0"/>
+        <dgm:cxn modelId="43" srcId="4" destId="41" srcOrd="0" destOrd="0"/>
+      </dgm:cxnLst>
+      <dgm:bg/>
+      <dgm:whole/>
+    </dgm:dataModel>
+  </dgm:clrData>
+  <dgm:layoutNode name="diagram">
+    <dgm:varLst>
+      <dgm:chPref val="1"/>
+      <dgm:dir/>
+      <dgm:animOne val="branch"/>
+      <dgm:animLvl val="lvl"/>
+      <dgm:resizeHandles/>
+    </dgm:varLst>
+    <dgm:choose name="Name0">
+      <dgm:if name="Name1" func="var" arg="dir" op="equ" val="norm">
+        <dgm:alg type="hierChild">
+          <dgm:param type="linDir" val="fromL"/>
+        </dgm:alg>
+      </dgm:if>
+      <dgm:else name="Name2">
+        <dgm:alg type="hierChild">
+          <dgm:param type="linDir" val="fromR"/>
+        </dgm:alg>
+      </dgm:else>
+    </dgm:choose>
+    <dgm:shape xmlns:r="http://schemas.openxmlformats.org/officeDocument/2006/relationships" r:blip="">
+      <dgm:adjLst/>
+    </dgm:shape>
+    <dgm:presOf/>
+    <dgm:constrLst>
+      <dgm:constr type="primFontSz" for="des" forName="rootText" op="equ" val="65"/>
+      <dgm:constr type="primFontSz" for="des" forName="childText" op="equ" val="65"/>
+      <dgm:constr type="w" for="des" forName="rootComposite" refType="w"/>
+      <dgm:constr type="h" for="des" forName="rootComposite" refType="w" fact="0.5"/>
+      <dgm:constr type="w" for="des" forName="childText" refType="w" refFor="des" refForName="rootComposite" fact="0.8"/>
+      <dgm:constr type="h" for="des" forName="childText" refType="h" refFor="des" refForName="rootComposite"/>
+      <dgm:constr type="sibSp" refType="w" refFor="des" refForName="rootComposite" fact="0.25"/>
+      <dgm:constr type="sibSp" for="des" forName="childShape" refType="h" refFor="des" refForName="childText" fact="0.25"/>
+      <dgm:constr type="sp" for="des" forName="root" refType="h" refFor="des" refForName="childText" fact="0.25"/>
+    </dgm:constrLst>
+    <dgm:ruleLst/>
+    <dgm:forEach name="Name3" axis="ch">
+      <dgm:forEach name="Name4" axis="self" ptType="node" cnt="1">
+        <dgm:layoutNode name="root">
+          <dgm:choose name="Name5">
+            <dgm:if name="Name6" func="var" arg="dir" op="equ" val="norm">
+              <dgm:alg type="hierRoot">
+                <dgm:param type="hierAlign" val="tL"/>
+              </dgm:alg>
+            </dgm:if>
+            <dgm:else name="Name7">
+              <dgm:alg type="hierRoot">
+                <dgm:param type="hierAlign" val="tR"/>
+              </dgm:alg>
+            </dgm:else>
+          </dgm:choose>
+          <dgm:shape xmlns:r="http://schemas.openxmlformats.org/officeDocument/2006/relationships" r:blip="">
+            <dgm:adjLst/>
+          </dgm:shape>
+          <dgm:presOf/>
+          <dgm:constrLst>
+            <dgm:constr type="alignOff" val="0.2"/>
+          </dgm:constrLst>
+          <dgm:ruleLst/>
+          <dgm:layoutNode name="rootComposite">
+            <dgm:alg type="composite"/>
+            <dgm:shape xmlns:r="http://schemas.openxmlformats.org/officeDocument/2006/relationships" r:blip="">
+              <dgm:adjLst/>
+            </dgm:shape>
+            <dgm:presOf axis="self" ptType="node" cnt="1"/>
+            <dgm:choose name="Name8">
+              <dgm:if name="Name9" func="var" arg="dir" op="equ" val="norm">
+                <dgm:constrLst>
+                  <dgm:constr type="l" for="ch" forName="rootText"/>
+                  <dgm:constr type="t" for="ch" forName="rootText"/>
+                  <dgm:constr type="w" for="ch" forName="rootText" refType="w"/>
+                  <dgm:constr type="h" for="ch" forName="rootText" refType="h"/>
+                  <dgm:constr type="l" for="ch" forName="rootConnector"/>
+                  <dgm:constr type="t" for="ch" forName="rootConnector"/>
+                  <dgm:constr type="w" for="ch" forName="rootConnector" refType="w" refFor="ch" refForName="rootText" fact="0.2"/>
+                  <dgm:constr type="h" for="ch" forName="rootConnector" refType="h" refFor="ch" refForName="rootText"/>
+                </dgm:constrLst>
+              </dgm:if>
+              <dgm:else name="Name10">
+                <dgm:constrLst>
+                  <dgm:constr type="l" for="ch" forName="rootText"/>
+                  <dgm:constr type="t" for="ch" forName="rootText"/>
+                  <dgm:constr type="w" for="ch" forName="rootText" refType="w"/>
+                  <dgm:constr type="h" for="ch" forName="rootText" refType="h"/>
+                  <dgm:constr type="r" for="ch" forName="rootConnector" refType="w"/>
+                  <dgm:constr type="t" for="ch" forName="rootConnector"/>
+                  <dgm:constr type="w" for="ch" forName="rootConnector" refType="w" refFor="ch" refForName="rootText" fact="0.2"/>
+                  <dgm:constr type="h" for="ch" forName="rootConnector" refType="h" refFor="ch" refForName="rootText"/>
+                </dgm:constrLst>
+              </dgm:else>
+            </dgm:choose>
+            <dgm:ruleLst/>
+            <dgm:layoutNode name="rootText" styleLbl="node1">
+              <dgm:alg type="tx"/>
+              <dgm:shape xmlns:r="http://schemas.openxmlformats.org/officeDocument/2006/relationships" type="roundRect" r:blip="">
+                <dgm:adjLst>
+                  <dgm:adj idx="1" val="0.1"/>
+                </dgm:adjLst>
+              </dgm:shape>
+              <dgm:presOf axis="self" ptType="node" cnt="1"/>
+              <dgm:constrLst>
+                <dgm:constr type="tMarg" refType="primFontSz" fact="0.1"/>
+                <dgm:constr type="bMarg" refType="primFontSz" fact="0.1"/>
+                <dgm:constr type="lMarg" refType="primFontSz" fact="0.15"/>
+                <dgm:constr type="rMarg" refType="primFontSz" fact="0.15"/>
+              </dgm:constrLst>
+              <dgm:ruleLst>
+                <dgm:rule type="primFontSz" val="5" fact="NaN" max="NaN"/>
+              </dgm:ruleLst>
+            </dgm:layoutNode>
+            <dgm:layoutNode name="rootConnector" moveWith="rootText">
+              <dgm:alg type="sp"/>
+              <dgm:shape xmlns:r="http://schemas.openxmlformats.org/officeDocument/2006/relationships" type="roundRect" r:blip="" hideGeom="1">
+                <dgm:adjLst>
+                  <dgm:adj idx="1" val="0.1"/>
+                </dgm:adjLst>
+              </dgm:shape>
+              <dgm:presOf axis="self" ptType="node" cnt="1"/>
+              <dgm:constrLst/>
+              <dgm:ruleLst/>
+            </dgm:layoutNode>
+          </dgm:layoutNode>
+          <dgm:layoutNode name="childShape">
+            <dgm:alg type="hierChild">
+              <dgm:param type="chAlign" val="l"/>
+              <dgm:param type="linDir" val="fromT"/>
+            </dgm:alg>
+            <dgm:shape xmlns:r="http://schemas.openxmlformats.org/officeDocument/2006/relationships" r:blip="">
+              <dgm:adjLst/>
+            </dgm:shape>
+            <dgm:presOf/>
+            <dgm:constrLst/>
+            <dgm:ruleLst/>
+            <dgm:forEach name="Name11" axis="ch">
+              <dgm:forEach name="Name12" axis="self" ptType="parTrans" cnt="1">
+                <dgm:layoutNode name="Name13">
+                  <dgm:choose name="Name14">
+                    <dgm:if name="Name15" func="var" arg="dir" op="equ" val="norm">
+                      <dgm:alg type="conn">
+                        <dgm:param type="dim" val="1D"/>
+                        <dgm:param type="endSty" val="noArr"/>
+                        <dgm:param type="connRout" val="bend"/>
+                        <dgm:param type="srcNode" val="rootConnector"/>
+                        <dgm:param type="begPts" val="bCtr"/>
+                        <dgm:param type="endPts" val="midL"/>
+                      </dgm:alg>
+                    </dgm:if>
+                    <dgm:else name="Name16">
+                      <dgm:alg type="conn">
+                        <dgm:param type="dim" val="1D"/>
+                        <dgm:param type="endSty" val="noArr"/>
+                        <dgm:param type="connRout" val="bend"/>
+                        <dgm:param type="srcNode" val="rootConnector"/>
+                        <dgm:param type="begPts" val="bCtr"/>
+                        <dgm:param type="endPts" val="midR"/>
+                      </dgm:alg>
+                    </dgm:else>
+                  </dgm:choose>
+                  <dgm:shape xmlns:r="http://schemas.openxmlformats.org/officeDocument/2006/relationships" type="conn" r:blip="">
+                    <dgm:adjLst/>
+                  </dgm:shape>
+                  <dgm:presOf axis="self"/>
+                  <dgm:constrLst>
+                    <dgm:constr type="begPad"/>
+                    <dgm:constr type="endPad"/>
+                  </dgm:constrLst>
+                  <dgm:ruleLst/>
+                </dgm:layoutNode>
+              </dgm:forEach>
+              <dgm:forEach name="Name17" axis="self" ptType="node">
+                <dgm:layoutNode name="childText" styleLbl="bgAcc1">
+                  <dgm:varLst>
+                    <dgm:bulletEnabled val="1"/>
+                  </dgm:varLst>
+                  <dgm:alg type="tx"/>
+                  <dgm:shape xmlns:r="http://schemas.openxmlformats.org/officeDocument/2006/relationships" type="roundRect" r:blip="">
+                    <dgm:adjLst>
+                      <dgm:adj idx="1" val="0.1"/>
+                    </dgm:adjLst>
+                  </dgm:shape>
+                  <dgm:presOf axis="self desOrSelf" ptType="node node" st="1 1" cnt="1 0"/>
+                  <dgm:constrLst>
+                    <dgm:constr type="tMarg" refType="primFontSz" fact="0.1"/>
+                    <dgm:constr type="bMarg" refType="primFontSz" fact="0.1"/>
+                    <dgm:constr type="lMarg" refType="primFontSz" fact="0.15"/>
+                    <dgm:constr type="rMarg" refType="primFontSz" fact="0.15"/>
+                  </dgm:constrLst>
+                  <dgm:ruleLst>
+                    <dgm:rule type="primFontSz" val="5" fact="NaN" max="NaN"/>
+                  </dgm:ruleLst>
+                </dgm:layoutNode>
+              </dgm:forEach>
+            </dgm:forEach>
+          </dgm:layoutNode>
+        </dgm:layoutNode>
+      </dgm:forEach>
+    </dgm:forEach>
+  </dgm:layoutNode>
+</dgm:layoutDef>
+</file>
+
 <file path=ppt/diagrams/quickStyle1.xml><?xml version="1.0" encoding="utf-8"?>
 <dgm:styleDef xmlns:dgm="http://schemas.openxmlformats.org/drawingml/2006/diagram" xmlns:a="http://schemas.openxmlformats.org/drawingml/2006/main" uniqueId="urn:microsoft.com/office/officeart/2005/8/quickstyle/simple1">
   <dgm:title val=""/>
@@ -10385,6 +15819,3108 @@
 </file>
 
 <file path=ppt/diagrams/quickStyle4.xml><?xml version="1.0" encoding="utf-8"?>
+<dgm:styleDef xmlns:dgm="http://schemas.openxmlformats.org/drawingml/2006/diagram" xmlns:a="http://schemas.openxmlformats.org/drawingml/2006/main" uniqueId="urn:microsoft.com/office/officeart/2005/8/quickstyle/simple1">
+  <dgm:title val=""/>
+  <dgm:desc val=""/>
+  <dgm:catLst>
+    <dgm:cat type="simple" pri="10100"/>
+  </dgm:catLst>
+  <dgm:scene3d>
+    <a:camera prst="orthographicFront"/>
+    <a:lightRig rig="threePt" dir="t"/>
+  </dgm:scene3d>
+  <dgm:styleLbl name="node0">
+    <dgm:scene3d>
+      <a:camera prst="orthographicFront"/>
+      <a:lightRig rig="threePt" dir="t"/>
+    </dgm:scene3d>
+    <dgm:sp3d/>
+    <dgm:txPr/>
+    <dgm:style>
+      <a:lnRef idx="2">
+        <a:scrgbClr r="0" g="0" b="0"/>
+      </a:lnRef>
+      <a:fillRef idx="1">
+        <a:scrgbClr r="0" g="0" b="0"/>
+      </a:fillRef>
+      <a:effectRef idx="0">
+        <a:scrgbClr r="0" g="0" b="0"/>
+      </a:effectRef>
+      <a:fontRef idx="minor">
+        <a:schemeClr val="lt1"/>
+      </a:fontRef>
+    </dgm:style>
+  </dgm:styleLbl>
+  <dgm:styleLbl name="lnNode1">
+    <dgm:scene3d>
+      <a:camera prst="orthographicFront"/>
+      <a:lightRig rig="threePt" dir="t"/>
+    </dgm:scene3d>
+    <dgm:sp3d/>
+    <dgm:txPr/>
+    <dgm:style>
+      <a:lnRef idx="2">
+        <a:scrgbClr r="0" g="0" b="0"/>
+      </a:lnRef>
+      <a:fillRef idx="1">
+        <a:scrgbClr r="0" g="0" b="0"/>
+      </a:fillRef>
+      <a:effectRef idx="0">
+        <a:scrgbClr r="0" g="0" b="0"/>
+      </a:effectRef>
+      <a:fontRef idx="minor">
+        <a:schemeClr val="lt1"/>
+      </a:fontRef>
+    </dgm:style>
+  </dgm:styleLbl>
+  <dgm:styleLbl name="vennNode1">
+    <dgm:scene3d>
+      <a:camera prst="orthographicFront"/>
+      <a:lightRig rig="threePt" dir="t"/>
+    </dgm:scene3d>
+    <dgm:sp3d/>
+    <dgm:txPr/>
+    <dgm:style>
+      <a:lnRef idx="2">
+        <a:scrgbClr r="0" g="0" b="0"/>
+      </a:lnRef>
+      <a:fillRef idx="1">
+        <a:scrgbClr r="0" g="0" b="0"/>
+      </a:fillRef>
+      <a:effectRef idx="0">
+        <a:scrgbClr r="0" g="0" b="0"/>
+      </a:effectRef>
+      <a:fontRef idx="minor">
+        <a:schemeClr val="tx1"/>
+      </a:fontRef>
+    </dgm:style>
+  </dgm:styleLbl>
+  <dgm:styleLbl name="alignNode1">
+    <dgm:scene3d>
+      <a:camera prst="orthographicFront"/>
+      <a:lightRig rig="threePt" dir="t"/>
+    </dgm:scene3d>
+    <dgm:sp3d/>
+    <dgm:txPr/>
+    <dgm:style>
+      <a:lnRef idx="2">
+        <a:scrgbClr r="0" g="0" b="0"/>
+      </a:lnRef>
+      <a:fillRef idx="1">
+        <a:scrgbClr r="0" g="0" b="0"/>
+      </a:fillRef>
+      <a:effectRef idx="0">
+        <a:scrgbClr r="0" g="0" b="0"/>
+      </a:effectRef>
+      <a:fontRef idx="minor">
+        <a:schemeClr val="lt1"/>
+      </a:fontRef>
+    </dgm:style>
+  </dgm:styleLbl>
+  <dgm:styleLbl name="node1">
+    <dgm:scene3d>
+      <a:camera prst="orthographicFront"/>
+      <a:lightRig rig="threePt" dir="t"/>
+    </dgm:scene3d>
+    <dgm:sp3d/>
+    <dgm:txPr/>
+    <dgm:style>
+      <a:lnRef idx="2">
+        <a:scrgbClr r="0" g="0" b="0"/>
+      </a:lnRef>
+      <a:fillRef idx="1">
+        <a:scrgbClr r="0" g="0" b="0"/>
+      </a:fillRef>
+      <a:effectRef idx="0">
+        <a:scrgbClr r="0" g="0" b="0"/>
+      </a:effectRef>
+      <a:fontRef idx="minor">
+        <a:schemeClr val="lt1"/>
+      </a:fontRef>
+    </dgm:style>
+  </dgm:styleLbl>
+  <dgm:styleLbl name="node2">
+    <dgm:scene3d>
+      <a:camera prst="orthographicFront"/>
+      <a:lightRig rig="threePt" dir="t"/>
+    </dgm:scene3d>
+    <dgm:sp3d/>
+    <dgm:txPr/>
+    <dgm:style>
+      <a:lnRef idx="2">
+        <a:scrgbClr r="0" g="0" b="0"/>
+      </a:lnRef>
+      <a:fillRef idx="1">
+        <a:scrgbClr r="0" g="0" b="0"/>
+      </a:fillRef>
+      <a:effectRef idx="0">
+        <a:scrgbClr r="0" g="0" b="0"/>
+      </a:effectRef>
+      <a:fontRef idx="minor">
+        <a:schemeClr val="lt1"/>
+      </a:fontRef>
+    </dgm:style>
+  </dgm:styleLbl>
+  <dgm:styleLbl name="node3">
+    <dgm:scene3d>
+      <a:camera prst="orthographicFront"/>
+      <a:lightRig rig="threePt" dir="t"/>
+    </dgm:scene3d>
+    <dgm:sp3d/>
+    <dgm:txPr/>
+    <dgm:style>
+      <a:lnRef idx="2">
+        <a:scrgbClr r="0" g="0" b="0"/>
+      </a:lnRef>
+      <a:fillRef idx="1">
+        <a:scrgbClr r="0" g="0" b="0"/>
+      </a:fillRef>
+      <a:effectRef idx="0">
+        <a:scrgbClr r="0" g="0" b="0"/>
+      </a:effectRef>
+      <a:fontRef idx="minor">
+        <a:schemeClr val="lt1"/>
+      </a:fontRef>
+    </dgm:style>
+  </dgm:styleLbl>
+  <dgm:styleLbl name="node4">
+    <dgm:scene3d>
+      <a:camera prst="orthographicFront"/>
+      <a:lightRig rig="threePt" dir="t"/>
+    </dgm:scene3d>
+    <dgm:sp3d/>
+    <dgm:txPr/>
+    <dgm:style>
+      <a:lnRef idx="2">
+        <a:scrgbClr r="0" g="0" b="0"/>
+      </a:lnRef>
+      <a:fillRef idx="1">
+        <a:scrgbClr r="0" g="0" b="0"/>
+      </a:fillRef>
+      <a:effectRef idx="0">
+        <a:scrgbClr r="0" g="0" b="0"/>
+      </a:effectRef>
+      <a:fontRef idx="minor">
+        <a:schemeClr val="lt1"/>
+      </a:fontRef>
+    </dgm:style>
+  </dgm:styleLbl>
+  <dgm:styleLbl name="fgImgPlace1">
+    <dgm:scene3d>
+      <a:camera prst="orthographicFront"/>
+      <a:lightRig rig="threePt" dir="t"/>
+    </dgm:scene3d>
+    <dgm:sp3d/>
+    <dgm:txPr/>
+    <dgm:style>
+      <a:lnRef idx="2">
+        <a:scrgbClr r="0" g="0" b="0"/>
+      </a:lnRef>
+      <a:fillRef idx="1">
+        <a:scrgbClr r="0" g="0" b="0"/>
+      </a:fillRef>
+      <a:effectRef idx="0">
+        <a:scrgbClr r="0" g="0" b="0"/>
+      </a:effectRef>
+      <a:fontRef idx="minor"/>
+    </dgm:style>
+  </dgm:styleLbl>
+  <dgm:styleLbl name="alignImgPlace1">
+    <dgm:scene3d>
+      <a:camera prst="orthographicFront"/>
+      <a:lightRig rig="threePt" dir="t"/>
+    </dgm:scene3d>
+    <dgm:sp3d/>
+    <dgm:txPr/>
+    <dgm:style>
+      <a:lnRef idx="2">
+        <a:scrgbClr r="0" g="0" b="0"/>
+      </a:lnRef>
+      <a:fillRef idx="1">
+        <a:scrgbClr r="0" g="0" b="0"/>
+      </a:fillRef>
+      <a:effectRef idx="0">
+        <a:scrgbClr r="0" g="0" b="0"/>
+      </a:effectRef>
+      <a:fontRef idx="minor"/>
+    </dgm:style>
+  </dgm:styleLbl>
+  <dgm:styleLbl name="bgImgPlace1">
+    <dgm:scene3d>
+      <a:camera prst="orthographicFront"/>
+      <a:lightRig rig="threePt" dir="t"/>
+    </dgm:scene3d>
+    <dgm:sp3d/>
+    <dgm:txPr/>
+    <dgm:style>
+      <a:lnRef idx="2">
+        <a:scrgbClr r="0" g="0" b="0"/>
+      </a:lnRef>
+      <a:fillRef idx="1">
+        <a:scrgbClr r="0" g="0" b="0"/>
+      </a:fillRef>
+      <a:effectRef idx="0">
+        <a:scrgbClr r="0" g="0" b="0"/>
+      </a:effectRef>
+      <a:fontRef idx="minor"/>
+    </dgm:style>
+  </dgm:styleLbl>
+  <dgm:styleLbl name="sibTrans2D1">
+    <dgm:scene3d>
+      <a:camera prst="orthographicFront"/>
+      <a:lightRig rig="threePt" dir="t"/>
+    </dgm:scene3d>
+    <dgm:sp3d/>
+    <dgm:txPr/>
+    <dgm:style>
+      <a:lnRef idx="0">
+        <a:scrgbClr r="0" g="0" b="0"/>
+      </a:lnRef>
+      <a:fillRef idx="1">
+        <a:scrgbClr r="0" g="0" b="0"/>
+      </a:fillRef>
+      <a:effectRef idx="0">
+        <a:scrgbClr r="0" g="0" b="0"/>
+      </a:effectRef>
+      <a:fontRef idx="minor">
+        <a:schemeClr val="lt1"/>
+      </a:fontRef>
+    </dgm:style>
+  </dgm:styleLbl>
+  <dgm:styleLbl name="fgSibTrans2D1">
+    <dgm:scene3d>
+      <a:camera prst="orthographicFront"/>
+      <a:lightRig rig="threePt" dir="t"/>
+    </dgm:scene3d>
+    <dgm:sp3d/>
+    <dgm:txPr/>
+    <dgm:style>
+      <a:lnRef idx="0">
+        <a:scrgbClr r="0" g="0" b="0"/>
+      </a:lnRef>
+      <a:fillRef idx="1">
+        <a:scrgbClr r="0" g="0" b="0"/>
+      </a:fillRef>
+      <a:effectRef idx="0">
+        <a:scrgbClr r="0" g="0" b="0"/>
+      </a:effectRef>
+      <a:fontRef idx="minor">
+        <a:schemeClr val="lt1"/>
+      </a:fontRef>
+    </dgm:style>
+  </dgm:styleLbl>
+  <dgm:styleLbl name="bgSibTrans2D1">
+    <dgm:scene3d>
+      <a:camera prst="orthographicFront"/>
+      <a:lightRig rig="threePt" dir="t"/>
+    </dgm:scene3d>
+    <dgm:sp3d/>
+    <dgm:txPr/>
+    <dgm:style>
+      <a:lnRef idx="0">
+        <a:scrgbClr r="0" g="0" b="0"/>
+      </a:lnRef>
+      <a:fillRef idx="1">
+        <a:scrgbClr r="0" g="0" b="0"/>
+      </a:fillRef>
+      <a:effectRef idx="0">
+        <a:scrgbClr r="0" g="0" b="0"/>
+      </a:effectRef>
+      <a:fontRef idx="minor">
+        <a:schemeClr val="lt1"/>
+      </a:fontRef>
+    </dgm:style>
+  </dgm:styleLbl>
+  <dgm:styleLbl name="sibTrans1D1">
+    <dgm:scene3d>
+      <a:camera prst="orthographicFront"/>
+      <a:lightRig rig="threePt" dir="t"/>
+    </dgm:scene3d>
+    <dgm:sp3d/>
+    <dgm:txPr/>
+    <dgm:style>
+      <a:lnRef idx="1">
+        <a:scrgbClr r="0" g="0" b="0"/>
+      </a:lnRef>
+      <a:fillRef idx="0">
+        <a:scrgbClr r="0" g="0" b="0"/>
+      </a:fillRef>
+      <a:effectRef idx="0">
+        <a:scrgbClr r="0" g="0" b="0"/>
+      </a:effectRef>
+      <a:fontRef idx="minor"/>
+    </dgm:style>
+  </dgm:styleLbl>
+  <dgm:styleLbl name="callout">
+    <dgm:scene3d>
+      <a:camera prst="orthographicFront"/>
+      <a:lightRig rig="threePt" dir="t"/>
+    </dgm:scene3d>
+    <dgm:sp3d/>
+    <dgm:txPr/>
+    <dgm:style>
+      <a:lnRef idx="2">
+        <a:scrgbClr r="0" g="0" b="0"/>
+      </a:lnRef>
+      <a:fillRef idx="1">
+        <a:scrgbClr r="0" g="0" b="0"/>
+      </a:fillRef>
+      <a:effectRef idx="0">
+        <a:scrgbClr r="0" g="0" b="0"/>
+      </a:effectRef>
+      <a:fontRef idx="minor"/>
+    </dgm:style>
+  </dgm:styleLbl>
+  <dgm:styleLbl name="asst0">
+    <dgm:scene3d>
+      <a:camera prst="orthographicFront"/>
+      <a:lightRig rig="threePt" dir="t"/>
+    </dgm:scene3d>
+    <dgm:sp3d/>
+    <dgm:txPr/>
+    <dgm:style>
+      <a:lnRef idx="2">
+        <a:scrgbClr r="0" g="0" b="0"/>
+      </a:lnRef>
+      <a:fillRef idx="1">
+        <a:scrgbClr r="0" g="0" b="0"/>
+      </a:fillRef>
+      <a:effectRef idx="0">
+        <a:scrgbClr r="0" g="0" b="0"/>
+      </a:effectRef>
+      <a:fontRef idx="minor">
+        <a:schemeClr val="lt1"/>
+      </a:fontRef>
+    </dgm:style>
+  </dgm:styleLbl>
+  <dgm:styleLbl name="asst1">
+    <dgm:scene3d>
+      <a:camera prst="orthographicFront"/>
+      <a:lightRig rig="threePt" dir="t"/>
+    </dgm:scene3d>
+    <dgm:sp3d/>
+    <dgm:txPr/>
+    <dgm:style>
+      <a:lnRef idx="2">
+        <a:scrgbClr r="0" g="0" b="0"/>
+      </a:lnRef>
+      <a:fillRef idx="1">
+        <a:scrgbClr r="0" g="0" b="0"/>
+      </a:fillRef>
+      <a:effectRef idx="0">
+        <a:scrgbClr r="0" g="0" b="0"/>
+      </a:effectRef>
+      <a:fontRef idx="minor">
+        <a:schemeClr val="lt1"/>
+      </a:fontRef>
+    </dgm:style>
+  </dgm:styleLbl>
+  <dgm:styleLbl name="asst2">
+    <dgm:scene3d>
+      <a:camera prst="orthographicFront"/>
+      <a:lightRig rig="threePt" dir="t"/>
+    </dgm:scene3d>
+    <dgm:sp3d/>
+    <dgm:txPr/>
+    <dgm:style>
+      <a:lnRef idx="2">
+        <a:scrgbClr r="0" g="0" b="0"/>
+      </a:lnRef>
+      <a:fillRef idx="1">
+        <a:scrgbClr r="0" g="0" b="0"/>
+      </a:fillRef>
+      <a:effectRef idx="0">
+        <a:scrgbClr r="0" g="0" b="0"/>
+      </a:effectRef>
+      <a:fontRef idx="minor">
+        <a:schemeClr val="lt1"/>
+      </a:fontRef>
+    </dgm:style>
+  </dgm:styleLbl>
+  <dgm:styleLbl name="asst3">
+    <dgm:scene3d>
+      <a:camera prst="orthographicFront"/>
+      <a:lightRig rig="threePt" dir="t"/>
+    </dgm:scene3d>
+    <dgm:sp3d/>
+    <dgm:txPr/>
+    <dgm:style>
+      <a:lnRef idx="2">
+        <a:scrgbClr r="0" g="0" b="0"/>
+      </a:lnRef>
+      <a:fillRef idx="1">
+        <a:scrgbClr r="0" g="0" b="0"/>
+      </a:fillRef>
+      <a:effectRef idx="0">
+        <a:scrgbClr r="0" g="0" b="0"/>
+      </a:effectRef>
+      <a:fontRef idx="minor">
+        <a:schemeClr val="lt1"/>
+      </a:fontRef>
+    </dgm:style>
+  </dgm:styleLbl>
+  <dgm:styleLbl name="asst4">
+    <dgm:scene3d>
+      <a:camera prst="orthographicFront"/>
+      <a:lightRig rig="threePt" dir="t"/>
+    </dgm:scene3d>
+    <dgm:sp3d/>
+    <dgm:txPr/>
+    <dgm:style>
+      <a:lnRef idx="2">
+        <a:scrgbClr r="0" g="0" b="0"/>
+      </a:lnRef>
+      <a:fillRef idx="1">
+        <a:scrgbClr r="0" g="0" b="0"/>
+      </a:fillRef>
+      <a:effectRef idx="0">
+        <a:scrgbClr r="0" g="0" b="0"/>
+      </a:effectRef>
+      <a:fontRef idx="minor">
+        <a:schemeClr val="lt1"/>
+      </a:fontRef>
+    </dgm:style>
+  </dgm:styleLbl>
+  <dgm:styleLbl name="parChTrans2D1">
+    <dgm:scene3d>
+      <a:camera prst="orthographicFront"/>
+      <a:lightRig rig="threePt" dir="t"/>
+    </dgm:scene3d>
+    <dgm:sp3d/>
+    <dgm:txPr/>
+    <dgm:style>
+      <a:lnRef idx="2">
+        <a:scrgbClr r="0" g="0" b="0"/>
+      </a:lnRef>
+      <a:fillRef idx="1">
+        <a:scrgbClr r="0" g="0" b="0"/>
+      </a:fillRef>
+      <a:effectRef idx="0">
+        <a:scrgbClr r="0" g="0" b="0"/>
+      </a:effectRef>
+      <a:fontRef idx="minor">
+        <a:schemeClr val="lt1"/>
+      </a:fontRef>
+    </dgm:style>
+  </dgm:styleLbl>
+  <dgm:styleLbl name="parChTrans2D2">
+    <dgm:scene3d>
+      <a:camera prst="orthographicFront"/>
+      <a:lightRig rig="threePt" dir="t"/>
+    </dgm:scene3d>
+    <dgm:sp3d/>
+    <dgm:txPr/>
+    <dgm:style>
+      <a:lnRef idx="2">
+        <a:scrgbClr r="0" g="0" b="0"/>
+      </a:lnRef>
+      <a:fillRef idx="1">
+        <a:scrgbClr r="0" g="0" b="0"/>
+      </a:fillRef>
+      <a:effectRef idx="0">
+        <a:scrgbClr r="0" g="0" b="0"/>
+      </a:effectRef>
+      <a:fontRef idx="minor">
+        <a:schemeClr val="lt1"/>
+      </a:fontRef>
+    </dgm:style>
+  </dgm:styleLbl>
+  <dgm:styleLbl name="parChTrans2D3">
+    <dgm:scene3d>
+      <a:camera prst="orthographicFront"/>
+      <a:lightRig rig="threePt" dir="t"/>
+    </dgm:scene3d>
+    <dgm:sp3d/>
+    <dgm:txPr/>
+    <dgm:style>
+      <a:lnRef idx="2">
+        <a:scrgbClr r="0" g="0" b="0"/>
+      </a:lnRef>
+      <a:fillRef idx="1">
+        <a:scrgbClr r="0" g="0" b="0"/>
+      </a:fillRef>
+      <a:effectRef idx="0">
+        <a:scrgbClr r="0" g="0" b="0"/>
+      </a:effectRef>
+      <a:fontRef idx="minor">
+        <a:schemeClr val="lt1"/>
+      </a:fontRef>
+    </dgm:style>
+  </dgm:styleLbl>
+  <dgm:styleLbl name="parChTrans2D4">
+    <dgm:scene3d>
+      <a:camera prst="orthographicFront"/>
+      <a:lightRig rig="threePt" dir="t"/>
+    </dgm:scene3d>
+    <dgm:sp3d/>
+    <dgm:txPr/>
+    <dgm:style>
+      <a:lnRef idx="2">
+        <a:scrgbClr r="0" g="0" b="0"/>
+      </a:lnRef>
+      <a:fillRef idx="1">
+        <a:scrgbClr r="0" g="0" b="0"/>
+      </a:fillRef>
+      <a:effectRef idx="0">
+        <a:scrgbClr r="0" g="0" b="0"/>
+      </a:effectRef>
+      <a:fontRef idx="minor">
+        <a:schemeClr val="lt1"/>
+      </a:fontRef>
+    </dgm:style>
+  </dgm:styleLbl>
+  <dgm:styleLbl name="parChTrans1D1">
+    <dgm:scene3d>
+      <a:camera prst="orthographicFront"/>
+      <a:lightRig rig="threePt" dir="t"/>
+    </dgm:scene3d>
+    <dgm:sp3d/>
+    <dgm:txPr/>
+    <dgm:style>
+      <a:lnRef idx="2">
+        <a:scrgbClr r="0" g="0" b="0"/>
+      </a:lnRef>
+      <a:fillRef idx="0">
+        <a:scrgbClr r="0" g="0" b="0"/>
+      </a:fillRef>
+      <a:effectRef idx="0">
+        <a:scrgbClr r="0" g="0" b="0"/>
+      </a:effectRef>
+      <a:fontRef idx="minor"/>
+    </dgm:style>
+  </dgm:styleLbl>
+  <dgm:styleLbl name="parChTrans1D2">
+    <dgm:scene3d>
+      <a:camera prst="orthographicFront"/>
+      <a:lightRig rig="threePt" dir="t"/>
+    </dgm:scene3d>
+    <dgm:sp3d/>
+    <dgm:txPr/>
+    <dgm:style>
+      <a:lnRef idx="2">
+        <a:scrgbClr r="0" g="0" b="0"/>
+      </a:lnRef>
+      <a:fillRef idx="0">
+        <a:scrgbClr r="0" g="0" b="0"/>
+      </a:fillRef>
+      <a:effectRef idx="0">
+        <a:scrgbClr r="0" g="0" b="0"/>
+      </a:effectRef>
+      <a:fontRef idx="minor"/>
+    </dgm:style>
+  </dgm:styleLbl>
+  <dgm:styleLbl name="parChTrans1D3">
+    <dgm:scene3d>
+      <a:camera prst="orthographicFront"/>
+      <a:lightRig rig="threePt" dir="t"/>
+    </dgm:scene3d>
+    <dgm:sp3d/>
+    <dgm:txPr/>
+    <dgm:style>
+      <a:lnRef idx="2">
+        <a:scrgbClr r="0" g="0" b="0"/>
+      </a:lnRef>
+      <a:fillRef idx="0">
+        <a:scrgbClr r="0" g="0" b="0"/>
+      </a:fillRef>
+      <a:effectRef idx="0">
+        <a:scrgbClr r="0" g="0" b="0"/>
+      </a:effectRef>
+      <a:fontRef idx="minor"/>
+    </dgm:style>
+  </dgm:styleLbl>
+  <dgm:styleLbl name="parChTrans1D4">
+    <dgm:scene3d>
+      <a:camera prst="orthographicFront"/>
+      <a:lightRig rig="threePt" dir="t"/>
+    </dgm:scene3d>
+    <dgm:sp3d/>
+    <dgm:txPr/>
+    <dgm:style>
+      <a:lnRef idx="2">
+        <a:scrgbClr r="0" g="0" b="0"/>
+      </a:lnRef>
+      <a:fillRef idx="0">
+        <a:scrgbClr r="0" g="0" b="0"/>
+      </a:fillRef>
+      <a:effectRef idx="0">
+        <a:scrgbClr r="0" g="0" b="0"/>
+      </a:effectRef>
+      <a:fontRef idx="minor"/>
+    </dgm:style>
+  </dgm:styleLbl>
+  <dgm:styleLbl name="fgAcc1">
+    <dgm:scene3d>
+      <a:camera prst="orthographicFront"/>
+      <a:lightRig rig="threePt" dir="t"/>
+    </dgm:scene3d>
+    <dgm:sp3d/>
+    <dgm:txPr/>
+    <dgm:style>
+      <a:lnRef idx="2">
+        <a:scrgbClr r="0" g="0" b="0"/>
+      </a:lnRef>
+      <a:fillRef idx="1">
+        <a:scrgbClr r="0" g="0" b="0"/>
+      </a:fillRef>
+      <a:effectRef idx="0">
+        <a:scrgbClr r="0" g="0" b="0"/>
+      </a:effectRef>
+      <a:fontRef idx="minor"/>
+    </dgm:style>
+  </dgm:styleLbl>
+  <dgm:styleLbl name="conFgAcc1">
+    <dgm:scene3d>
+      <a:camera prst="orthographicFront"/>
+      <a:lightRig rig="threePt" dir="t"/>
+    </dgm:scene3d>
+    <dgm:sp3d/>
+    <dgm:txPr/>
+    <dgm:style>
+      <a:lnRef idx="2">
+        <a:scrgbClr r="0" g="0" b="0"/>
+      </a:lnRef>
+      <a:fillRef idx="1">
+        <a:scrgbClr r="0" g="0" b="0"/>
+      </a:fillRef>
+      <a:effectRef idx="0">
+        <a:scrgbClr r="0" g="0" b="0"/>
+      </a:effectRef>
+      <a:fontRef idx="minor"/>
+    </dgm:style>
+  </dgm:styleLbl>
+  <dgm:styleLbl name="alignAcc1">
+    <dgm:scene3d>
+      <a:camera prst="orthographicFront"/>
+      <a:lightRig rig="threePt" dir="t"/>
+    </dgm:scene3d>
+    <dgm:sp3d/>
+    <dgm:txPr/>
+    <dgm:style>
+      <a:lnRef idx="2">
+        <a:scrgbClr r="0" g="0" b="0"/>
+      </a:lnRef>
+      <a:fillRef idx="1">
+        <a:scrgbClr r="0" g="0" b="0"/>
+      </a:fillRef>
+      <a:effectRef idx="0">
+        <a:scrgbClr r="0" g="0" b="0"/>
+      </a:effectRef>
+      <a:fontRef idx="minor"/>
+    </dgm:style>
+  </dgm:styleLbl>
+  <dgm:styleLbl name="trAlignAcc1">
+    <dgm:scene3d>
+      <a:camera prst="orthographicFront"/>
+      <a:lightRig rig="threePt" dir="t"/>
+    </dgm:scene3d>
+    <dgm:sp3d/>
+    <dgm:txPr/>
+    <dgm:style>
+      <a:lnRef idx="1">
+        <a:scrgbClr r="0" g="0" b="0"/>
+      </a:lnRef>
+      <a:fillRef idx="1">
+        <a:scrgbClr r="0" g="0" b="0"/>
+      </a:fillRef>
+      <a:effectRef idx="0">
+        <a:scrgbClr r="0" g="0" b="0"/>
+      </a:effectRef>
+      <a:fontRef idx="minor"/>
+    </dgm:style>
+  </dgm:styleLbl>
+  <dgm:styleLbl name="bgAcc1">
+    <dgm:scene3d>
+      <a:camera prst="orthographicFront"/>
+      <a:lightRig rig="threePt" dir="t"/>
+    </dgm:scene3d>
+    <dgm:sp3d/>
+    <dgm:txPr/>
+    <dgm:style>
+      <a:lnRef idx="2">
+        <a:scrgbClr r="0" g="0" b="0"/>
+      </a:lnRef>
+      <a:fillRef idx="1">
+        <a:scrgbClr r="0" g="0" b="0"/>
+      </a:fillRef>
+      <a:effectRef idx="0">
+        <a:scrgbClr r="0" g="0" b="0"/>
+      </a:effectRef>
+      <a:fontRef idx="minor"/>
+    </dgm:style>
+  </dgm:styleLbl>
+  <dgm:styleLbl name="solidFgAcc1">
+    <dgm:scene3d>
+      <a:camera prst="orthographicFront"/>
+      <a:lightRig rig="threePt" dir="t"/>
+    </dgm:scene3d>
+    <dgm:sp3d/>
+    <dgm:txPr/>
+    <dgm:style>
+      <a:lnRef idx="2">
+        <a:scrgbClr r="0" g="0" b="0"/>
+      </a:lnRef>
+      <a:fillRef idx="1">
+        <a:scrgbClr r="0" g="0" b="0"/>
+      </a:fillRef>
+      <a:effectRef idx="0">
+        <a:scrgbClr r="0" g="0" b="0"/>
+      </a:effectRef>
+      <a:fontRef idx="minor"/>
+    </dgm:style>
+  </dgm:styleLbl>
+  <dgm:styleLbl name="solidAlignAcc1">
+    <dgm:scene3d>
+      <a:camera prst="orthographicFront"/>
+      <a:lightRig rig="threePt" dir="t"/>
+    </dgm:scene3d>
+    <dgm:sp3d/>
+    <dgm:txPr/>
+    <dgm:style>
+      <a:lnRef idx="2">
+        <a:scrgbClr r="0" g="0" b="0"/>
+      </a:lnRef>
+      <a:fillRef idx="1">
+        <a:scrgbClr r="0" g="0" b="0"/>
+      </a:fillRef>
+      <a:effectRef idx="0">
+        <a:scrgbClr r="0" g="0" b="0"/>
+      </a:effectRef>
+      <a:fontRef idx="minor"/>
+    </dgm:style>
+  </dgm:styleLbl>
+  <dgm:styleLbl name="solidBgAcc1">
+    <dgm:scene3d>
+      <a:camera prst="orthographicFront"/>
+      <a:lightRig rig="threePt" dir="t"/>
+    </dgm:scene3d>
+    <dgm:sp3d/>
+    <dgm:txPr/>
+    <dgm:style>
+      <a:lnRef idx="2">
+        <a:scrgbClr r="0" g="0" b="0"/>
+      </a:lnRef>
+      <a:fillRef idx="1">
+        <a:scrgbClr r="0" g="0" b="0"/>
+      </a:fillRef>
+      <a:effectRef idx="0">
+        <a:scrgbClr r="0" g="0" b="0"/>
+      </a:effectRef>
+      <a:fontRef idx="minor"/>
+    </dgm:style>
+  </dgm:styleLbl>
+  <dgm:styleLbl name="fgAccFollowNode1">
+    <dgm:scene3d>
+      <a:camera prst="orthographicFront"/>
+      <a:lightRig rig="threePt" dir="t"/>
+    </dgm:scene3d>
+    <dgm:sp3d/>
+    <dgm:txPr/>
+    <dgm:style>
+      <a:lnRef idx="2">
+        <a:scrgbClr r="0" g="0" b="0"/>
+      </a:lnRef>
+      <a:fillRef idx="1">
+        <a:scrgbClr r="0" g="0" b="0"/>
+      </a:fillRef>
+      <a:effectRef idx="0">
+        <a:scrgbClr r="0" g="0" b="0"/>
+      </a:effectRef>
+      <a:fontRef idx="minor"/>
+    </dgm:style>
+  </dgm:styleLbl>
+  <dgm:styleLbl name="alignAccFollowNode1">
+    <dgm:scene3d>
+      <a:camera prst="orthographicFront"/>
+      <a:lightRig rig="threePt" dir="t"/>
+    </dgm:scene3d>
+    <dgm:sp3d/>
+    <dgm:txPr/>
+    <dgm:style>
+      <a:lnRef idx="2">
+        <a:scrgbClr r="0" g="0" b="0"/>
+      </a:lnRef>
+      <a:fillRef idx="1">
+        <a:scrgbClr r="0" g="0" b="0"/>
+      </a:fillRef>
+      <a:effectRef idx="0">
+        <a:scrgbClr r="0" g="0" b="0"/>
+      </a:effectRef>
+      <a:fontRef idx="minor"/>
+    </dgm:style>
+  </dgm:styleLbl>
+  <dgm:styleLbl name="bgAccFollowNode1">
+    <dgm:scene3d>
+      <a:camera prst="orthographicFront"/>
+      <a:lightRig rig="threePt" dir="t"/>
+    </dgm:scene3d>
+    <dgm:sp3d/>
+    <dgm:txPr/>
+    <dgm:style>
+      <a:lnRef idx="2">
+        <a:scrgbClr r="0" g="0" b="0"/>
+      </a:lnRef>
+      <a:fillRef idx="1">
+        <a:scrgbClr r="0" g="0" b="0"/>
+      </a:fillRef>
+      <a:effectRef idx="0">
+        <a:scrgbClr r="0" g="0" b="0"/>
+      </a:effectRef>
+      <a:fontRef idx="minor"/>
+    </dgm:style>
+  </dgm:styleLbl>
+  <dgm:styleLbl name="fgAcc0">
+    <dgm:scene3d>
+      <a:camera prst="orthographicFront"/>
+      <a:lightRig rig="threePt" dir="t"/>
+    </dgm:scene3d>
+    <dgm:sp3d/>
+    <dgm:txPr/>
+    <dgm:style>
+      <a:lnRef idx="2">
+        <a:scrgbClr r="0" g="0" b="0"/>
+      </a:lnRef>
+      <a:fillRef idx="1">
+        <a:scrgbClr r="0" g="0" b="0"/>
+      </a:fillRef>
+      <a:effectRef idx="0">
+        <a:scrgbClr r="0" g="0" b="0"/>
+      </a:effectRef>
+      <a:fontRef idx="minor"/>
+    </dgm:style>
+  </dgm:styleLbl>
+  <dgm:styleLbl name="fgAcc2">
+    <dgm:scene3d>
+      <a:camera prst="orthographicFront"/>
+      <a:lightRig rig="threePt" dir="t"/>
+    </dgm:scene3d>
+    <dgm:sp3d/>
+    <dgm:txPr/>
+    <dgm:style>
+      <a:lnRef idx="2">
+        <a:scrgbClr r="0" g="0" b="0"/>
+      </a:lnRef>
+      <a:fillRef idx="1">
+        <a:scrgbClr r="0" g="0" b="0"/>
+      </a:fillRef>
+      <a:effectRef idx="0">
+        <a:scrgbClr r="0" g="0" b="0"/>
+      </a:effectRef>
+      <a:fontRef idx="minor"/>
+    </dgm:style>
+  </dgm:styleLbl>
+  <dgm:styleLbl name="fgAcc3">
+    <dgm:scene3d>
+      <a:camera prst="orthographicFront"/>
+      <a:lightRig rig="threePt" dir="t"/>
+    </dgm:scene3d>
+    <dgm:sp3d/>
+    <dgm:txPr/>
+    <dgm:style>
+      <a:lnRef idx="2">
+        <a:scrgbClr r="0" g="0" b="0"/>
+      </a:lnRef>
+      <a:fillRef idx="1">
+        <a:scrgbClr r="0" g="0" b="0"/>
+      </a:fillRef>
+      <a:effectRef idx="0">
+        <a:scrgbClr r="0" g="0" b="0"/>
+      </a:effectRef>
+      <a:fontRef idx="minor"/>
+    </dgm:style>
+  </dgm:styleLbl>
+  <dgm:styleLbl name="fgAcc4">
+    <dgm:scene3d>
+      <a:camera prst="orthographicFront"/>
+      <a:lightRig rig="threePt" dir="t"/>
+    </dgm:scene3d>
+    <dgm:sp3d/>
+    <dgm:txPr/>
+    <dgm:style>
+      <a:lnRef idx="2">
+        <a:scrgbClr r="0" g="0" b="0"/>
+      </a:lnRef>
+      <a:fillRef idx="1">
+        <a:scrgbClr r="0" g="0" b="0"/>
+      </a:fillRef>
+      <a:effectRef idx="0">
+        <a:scrgbClr r="0" g="0" b="0"/>
+      </a:effectRef>
+      <a:fontRef idx="minor"/>
+    </dgm:style>
+  </dgm:styleLbl>
+  <dgm:styleLbl name="bgShp">
+    <dgm:scene3d>
+      <a:camera prst="orthographicFront"/>
+      <a:lightRig rig="threePt" dir="t"/>
+    </dgm:scene3d>
+    <dgm:sp3d/>
+    <dgm:txPr/>
+    <dgm:style>
+      <a:lnRef idx="0">
+        <a:scrgbClr r="0" g="0" b="0"/>
+      </a:lnRef>
+      <a:fillRef idx="1">
+        <a:scrgbClr r="0" g="0" b="0"/>
+      </a:fillRef>
+      <a:effectRef idx="0">
+        <a:scrgbClr r="0" g="0" b="0"/>
+      </a:effectRef>
+      <a:fontRef idx="minor"/>
+    </dgm:style>
+  </dgm:styleLbl>
+  <dgm:styleLbl name="dkBgShp">
+    <dgm:scene3d>
+      <a:camera prst="orthographicFront"/>
+      <a:lightRig rig="threePt" dir="t"/>
+    </dgm:scene3d>
+    <dgm:sp3d/>
+    <dgm:txPr/>
+    <dgm:style>
+      <a:lnRef idx="0">
+        <a:scrgbClr r="0" g="0" b="0"/>
+      </a:lnRef>
+      <a:fillRef idx="1">
+        <a:scrgbClr r="0" g="0" b="0"/>
+      </a:fillRef>
+      <a:effectRef idx="0">
+        <a:scrgbClr r="0" g="0" b="0"/>
+      </a:effectRef>
+      <a:fontRef idx="minor"/>
+    </dgm:style>
+  </dgm:styleLbl>
+  <dgm:styleLbl name="trBgShp">
+    <dgm:scene3d>
+      <a:camera prst="orthographicFront"/>
+      <a:lightRig rig="threePt" dir="t"/>
+    </dgm:scene3d>
+    <dgm:sp3d/>
+    <dgm:txPr/>
+    <dgm:style>
+      <a:lnRef idx="0">
+        <a:scrgbClr r="0" g="0" b="0"/>
+      </a:lnRef>
+      <a:fillRef idx="1">
+        <a:scrgbClr r="0" g="0" b="0"/>
+      </a:fillRef>
+      <a:effectRef idx="0">
+        <a:scrgbClr r="0" g="0" b="0"/>
+      </a:effectRef>
+      <a:fontRef idx="minor"/>
+    </dgm:style>
+  </dgm:styleLbl>
+  <dgm:styleLbl name="fgShp">
+    <dgm:scene3d>
+      <a:camera prst="orthographicFront"/>
+      <a:lightRig rig="threePt" dir="t"/>
+    </dgm:scene3d>
+    <dgm:sp3d/>
+    <dgm:txPr/>
+    <dgm:style>
+      <a:lnRef idx="2">
+        <a:scrgbClr r="0" g="0" b="0"/>
+      </a:lnRef>
+      <a:fillRef idx="1">
+        <a:scrgbClr r="0" g="0" b="0"/>
+      </a:fillRef>
+      <a:effectRef idx="0">
+        <a:scrgbClr r="0" g="0" b="0"/>
+      </a:effectRef>
+      <a:fontRef idx="minor"/>
+    </dgm:style>
+  </dgm:styleLbl>
+  <dgm:styleLbl name="revTx">
+    <dgm:scene3d>
+      <a:camera prst="orthographicFront"/>
+      <a:lightRig rig="threePt" dir="t"/>
+    </dgm:scene3d>
+    <dgm:sp3d/>
+    <dgm:txPr/>
+    <dgm:style>
+      <a:lnRef idx="0">
+        <a:scrgbClr r="0" g="0" b="0"/>
+      </a:lnRef>
+      <a:fillRef idx="0">
+        <a:scrgbClr r="0" g="0" b="0"/>
+      </a:fillRef>
+      <a:effectRef idx="0">
+        <a:scrgbClr r="0" g="0" b="0"/>
+      </a:effectRef>
+      <a:fontRef idx="minor"/>
+    </dgm:style>
+  </dgm:styleLbl>
+</dgm:styleDef>
+</file>
+
+<file path=ppt/diagrams/quickStyle5.xml><?xml version="1.0" encoding="utf-8"?>
+<dgm:styleDef xmlns:dgm="http://schemas.openxmlformats.org/drawingml/2006/diagram" xmlns:a="http://schemas.openxmlformats.org/drawingml/2006/main" uniqueId="urn:microsoft.com/office/officeart/2005/8/quickstyle/simple1">
+  <dgm:title val=""/>
+  <dgm:desc val=""/>
+  <dgm:catLst>
+    <dgm:cat type="simple" pri="10100"/>
+  </dgm:catLst>
+  <dgm:scene3d>
+    <a:camera prst="orthographicFront"/>
+    <a:lightRig rig="threePt" dir="t"/>
+  </dgm:scene3d>
+  <dgm:styleLbl name="node0">
+    <dgm:scene3d>
+      <a:camera prst="orthographicFront"/>
+      <a:lightRig rig="threePt" dir="t"/>
+    </dgm:scene3d>
+    <dgm:sp3d/>
+    <dgm:txPr/>
+    <dgm:style>
+      <a:lnRef idx="2">
+        <a:scrgbClr r="0" g="0" b="0"/>
+      </a:lnRef>
+      <a:fillRef idx="1">
+        <a:scrgbClr r="0" g="0" b="0"/>
+      </a:fillRef>
+      <a:effectRef idx="0">
+        <a:scrgbClr r="0" g="0" b="0"/>
+      </a:effectRef>
+      <a:fontRef idx="minor">
+        <a:schemeClr val="lt1"/>
+      </a:fontRef>
+    </dgm:style>
+  </dgm:styleLbl>
+  <dgm:styleLbl name="lnNode1">
+    <dgm:scene3d>
+      <a:camera prst="orthographicFront"/>
+      <a:lightRig rig="threePt" dir="t"/>
+    </dgm:scene3d>
+    <dgm:sp3d/>
+    <dgm:txPr/>
+    <dgm:style>
+      <a:lnRef idx="2">
+        <a:scrgbClr r="0" g="0" b="0"/>
+      </a:lnRef>
+      <a:fillRef idx="1">
+        <a:scrgbClr r="0" g="0" b="0"/>
+      </a:fillRef>
+      <a:effectRef idx="0">
+        <a:scrgbClr r="0" g="0" b="0"/>
+      </a:effectRef>
+      <a:fontRef idx="minor">
+        <a:schemeClr val="lt1"/>
+      </a:fontRef>
+    </dgm:style>
+  </dgm:styleLbl>
+  <dgm:styleLbl name="vennNode1">
+    <dgm:scene3d>
+      <a:camera prst="orthographicFront"/>
+      <a:lightRig rig="threePt" dir="t"/>
+    </dgm:scene3d>
+    <dgm:sp3d/>
+    <dgm:txPr/>
+    <dgm:style>
+      <a:lnRef idx="2">
+        <a:scrgbClr r="0" g="0" b="0"/>
+      </a:lnRef>
+      <a:fillRef idx="1">
+        <a:scrgbClr r="0" g="0" b="0"/>
+      </a:fillRef>
+      <a:effectRef idx="0">
+        <a:scrgbClr r="0" g="0" b="0"/>
+      </a:effectRef>
+      <a:fontRef idx="minor">
+        <a:schemeClr val="tx1"/>
+      </a:fontRef>
+    </dgm:style>
+  </dgm:styleLbl>
+  <dgm:styleLbl name="alignNode1">
+    <dgm:scene3d>
+      <a:camera prst="orthographicFront"/>
+      <a:lightRig rig="threePt" dir="t"/>
+    </dgm:scene3d>
+    <dgm:sp3d/>
+    <dgm:txPr/>
+    <dgm:style>
+      <a:lnRef idx="2">
+        <a:scrgbClr r="0" g="0" b="0"/>
+      </a:lnRef>
+      <a:fillRef idx="1">
+        <a:scrgbClr r="0" g="0" b="0"/>
+      </a:fillRef>
+      <a:effectRef idx="0">
+        <a:scrgbClr r="0" g="0" b="0"/>
+      </a:effectRef>
+      <a:fontRef idx="minor">
+        <a:schemeClr val="lt1"/>
+      </a:fontRef>
+    </dgm:style>
+  </dgm:styleLbl>
+  <dgm:styleLbl name="node1">
+    <dgm:scene3d>
+      <a:camera prst="orthographicFront"/>
+      <a:lightRig rig="threePt" dir="t"/>
+    </dgm:scene3d>
+    <dgm:sp3d/>
+    <dgm:txPr/>
+    <dgm:style>
+      <a:lnRef idx="2">
+        <a:scrgbClr r="0" g="0" b="0"/>
+      </a:lnRef>
+      <a:fillRef idx="1">
+        <a:scrgbClr r="0" g="0" b="0"/>
+      </a:fillRef>
+      <a:effectRef idx="0">
+        <a:scrgbClr r="0" g="0" b="0"/>
+      </a:effectRef>
+      <a:fontRef idx="minor">
+        <a:schemeClr val="lt1"/>
+      </a:fontRef>
+    </dgm:style>
+  </dgm:styleLbl>
+  <dgm:styleLbl name="node2">
+    <dgm:scene3d>
+      <a:camera prst="orthographicFront"/>
+      <a:lightRig rig="threePt" dir="t"/>
+    </dgm:scene3d>
+    <dgm:sp3d/>
+    <dgm:txPr/>
+    <dgm:style>
+      <a:lnRef idx="2">
+        <a:scrgbClr r="0" g="0" b="0"/>
+      </a:lnRef>
+      <a:fillRef idx="1">
+        <a:scrgbClr r="0" g="0" b="0"/>
+      </a:fillRef>
+      <a:effectRef idx="0">
+        <a:scrgbClr r="0" g="0" b="0"/>
+      </a:effectRef>
+      <a:fontRef idx="minor">
+        <a:schemeClr val="lt1"/>
+      </a:fontRef>
+    </dgm:style>
+  </dgm:styleLbl>
+  <dgm:styleLbl name="node3">
+    <dgm:scene3d>
+      <a:camera prst="orthographicFront"/>
+      <a:lightRig rig="threePt" dir="t"/>
+    </dgm:scene3d>
+    <dgm:sp3d/>
+    <dgm:txPr/>
+    <dgm:style>
+      <a:lnRef idx="2">
+        <a:scrgbClr r="0" g="0" b="0"/>
+      </a:lnRef>
+      <a:fillRef idx="1">
+        <a:scrgbClr r="0" g="0" b="0"/>
+      </a:fillRef>
+      <a:effectRef idx="0">
+        <a:scrgbClr r="0" g="0" b="0"/>
+      </a:effectRef>
+      <a:fontRef idx="minor">
+        <a:schemeClr val="lt1"/>
+      </a:fontRef>
+    </dgm:style>
+  </dgm:styleLbl>
+  <dgm:styleLbl name="node4">
+    <dgm:scene3d>
+      <a:camera prst="orthographicFront"/>
+      <a:lightRig rig="threePt" dir="t"/>
+    </dgm:scene3d>
+    <dgm:sp3d/>
+    <dgm:txPr/>
+    <dgm:style>
+      <a:lnRef idx="2">
+        <a:scrgbClr r="0" g="0" b="0"/>
+      </a:lnRef>
+      <a:fillRef idx="1">
+        <a:scrgbClr r="0" g="0" b="0"/>
+      </a:fillRef>
+      <a:effectRef idx="0">
+        <a:scrgbClr r="0" g="0" b="0"/>
+      </a:effectRef>
+      <a:fontRef idx="minor">
+        <a:schemeClr val="lt1"/>
+      </a:fontRef>
+    </dgm:style>
+  </dgm:styleLbl>
+  <dgm:styleLbl name="fgImgPlace1">
+    <dgm:scene3d>
+      <a:camera prst="orthographicFront"/>
+      <a:lightRig rig="threePt" dir="t"/>
+    </dgm:scene3d>
+    <dgm:sp3d/>
+    <dgm:txPr/>
+    <dgm:style>
+      <a:lnRef idx="2">
+        <a:scrgbClr r="0" g="0" b="0"/>
+      </a:lnRef>
+      <a:fillRef idx="1">
+        <a:scrgbClr r="0" g="0" b="0"/>
+      </a:fillRef>
+      <a:effectRef idx="0">
+        <a:scrgbClr r="0" g="0" b="0"/>
+      </a:effectRef>
+      <a:fontRef idx="minor"/>
+    </dgm:style>
+  </dgm:styleLbl>
+  <dgm:styleLbl name="alignImgPlace1">
+    <dgm:scene3d>
+      <a:camera prst="orthographicFront"/>
+      <a:lightRig rig="threePt" dir="t"/>
+    </dgm:scene3d>
+    <dgm:sp3d/>
+    <dgm:txPr/>
+    <dgm:style>
+      <a:lnRef idx="2">
+        <a:scrgbClr r="0" g="0" b="0"/>
+      </a:lnRef>
+      <a:fillRef idx="1">
+        <a:scrgbClr r="0" g="0" b="0"/>
+      </a:fillRef>
+      <a:effectRef idx="0">
+        <a:scrgbClr r="0" g="0" b="0"/>
+      </a:effectRef>
+      <a:fontRef idx="minor"/>
+    </dgm:style>
+  </dgm:styleLbl>
+  <dgm:styleLbl name="bgImgPlace1">
+    <dgm:scene3d>
+      <a:camera prst="orthographicFront"/>
+      <a:lightRig rig="threePt" dir="t"/>
+    </dgm:scene3d>
+    <dgm:sp3d/>
+    <dgm:txPr/>
+    <dgm:style>
+      <a:lnRef idx="2">
+        <a:scrgbClr r="0" g="0" b="0"/>
+      </a:lnRef>
+      <a:fillRef idx="1">
+        <a:scrgbClr r="0" g="0" b="0"/>
+      </a:fillRef>
+      <a:effectRef idx="0">
+        <a:scrgbClr r="0" g="0" b="0"/>
+      </a:effectRef>
+      <a:fontRef idx="minor"/>
+    </dgm:style>
+  </dgm:styleLbl>
+  <dgm:styleLbl name="sibTrans2D1">
+    <dgm:scene3d>
+      <a:camera prst="orthographicFront"/>
+      <a:lightRig rig="threePt" dir="t"/>
+    </dgm:scene3d>
+    <dgm:sp3d/>
+    <dgm:txPr/>
+    <dgm:style>
+      <a:lnRef idx="0">
+        <a:scrgbClr r="0" g="0" b="0"/>
+      </a:lnRef>
+      <a:fillRef idx="1">
+        <a:scrgbClr r="0" g="0" b="0"/>
+      </a:fillRef>
+      <a:effectRef idx="0">
+        <a:scrgbClr r="0" g="0" b="0"/>
+      </a:effectRef>
+      <a:fontRef idx="minor">
+        <a:schemeClr val="lt1"/>
+      </a:fontRef>
+    </dgm:style>
+  </dgm:styleLbl>
+  <dgm:styleLbl name="fgSibTrans2D1">
+    <dgm:scene3d>
+      <a:camera prst="orthographicFront"/>
+      <a:lightRig rig="threePt" dir="t"/>
+    </dgm:scene3d>
+    <dgm:sp3d/>
+    <dgm:txPr/>
+    <dgm:style>
+      <a:lnRef idx="0">
+        <a:scrgbClr r="0" g="0" b="0"/>
+      </a:lnRef>
+      <a:fillRef idx="1">
+        <a:scrgbClr r="0" g="0" b="0"/>
+      </a:fillRef>
+      <a:effectRef idx="0">
+        <a:scrgbClr r="0" g="0" b="0"/>
+      </a:effectRef>
+      <a:fontRef idx="minor">
+        <a:schemeClr val="lt1"/>
+      </a:fontRef>
+    </dgm:style>
+  </dgm:styleLbl>
+  <dgm:styleLbl name="bgSibTrans2D1">
+    <dgm:scene3d>
+      <a:camera prst="orthographicFront"/>
+      <a:lightRig rig="threePt" dir="t"/>
+    </dgm:scene3d>
+    <dgm:sp3d/>
+    <dgm:txPr/>
+    <dgm:style>
+      <a:lnRef idx="0">
+        <a:scrgbClr r="0" g="0" b="0"/>
+      </a:lnRef>
+      <a:fillRef idx="1">
+        <a:scrgbClr r="0" g="0" b="0"/>
+      </a:fillRef>
+      <a:effectRef idx="0">
+        <a:scrgbClr r="0" g="0" b="0"/>
+      </a:effectRef>
+      <a:fontRef idx="minor">
+        <a:schemeClr val="lt1"/>
+      </a:fontRef>
+    </dgm:style>
+  </dgm:styleLbl>
+  <dgm:styleLbl name="sibTrans1D1">
+    <dgm:scene3d>
+      <a:camera prst="orthographicFront"/>
+      <a:lightRig rig="threePt" dir="t"/>
+    </dgm:scene3d>
+    <dgm:sp3d/>
+    <dgm:txPr/>
+    <dgm:style>
+      <a:lnRef idx="1">
+        <a:scrgbClr r="0" g="0" b="0"/>
+      </a:lnRef>
+      <a:fillRef idx="0">
+        <a:scrgbClr r="0" g="0" b="0"/>
+      </a:fillRef>
+      <a:effectRef idx="0">
+        <a:scrgbClr r="0" g="0" b="0"/>
+      </a:effectRef>
+      <a:fontRef idx="minor"/>
+    </dgm:style>
+  </dgm:styleLbl>
+  <dgm:styleLbl name="callout">
+    <dgm:scene3d>
+      <a:camera prst="orthographicFront"/>
+      <a:lightRig rig="threePt" dir="t"/>
+    </dgm:scene3d>
+    <dgm:sp3d/>
+    <dgm:txPr/>
+    <dgm:style>
+      <a:lnRef idx="2">
+        <a:scrgbClr r="0" g="0" b="0"/>
+      </a:lnRef>
+      <a:fillRef idx="1">
+        <a:scrgbClr r="0" g="0" b="0"/>
+      </a:fillRef>
+      <a:effectRef idx="0">
+        <a:scrgbClr r="0" g="0" b="0"/>
+      </a:effectRef>
+      <a:fontRef idx="minor"/>
+    </dgm:style>
+  </dgm:styleLbl>
+  <dgm:styleLbl name="asst0">
+    <dgm:scene3d>
+      <a:camera prst="orthographicFront"/>
+      <a:lightRig rig="threePt" dir="t"/>
+    </dgm:scene3d>
+    <dgm:sp3d/>
+    <dgm:txPr/>
+    <dgm:style>
+      <a:lnRef idx="2">
+        <a:scrgbClr r="0" g="0" b="0"/>
+      </a:lnRef>
+      <a:fillRef idx="1">
+        <a:scrgbClr r="0" g="0" b="0"/>
+      </a:fillRef>
+      <a:effectRef idx="0">
+        <a:scrgbClr r="0" g="0" b="0"/>
+      </a:effectRef>
+      <a:fontRef idx="minor">
+        <a:schemeClr val="lt1"/>
+      </a:fontRef>
+    </dgm:style>
+  </dgm:styleLbl>
+  <dgm:styleLbl name="asst1">
+    <dgm:scene3d>
+      <a:camera prst="orthographicFront"/>
+      <a:lightRig rig="threePt" dir="t"/>
+    </dgm:scene3d>
+    <dgm:sp3d/>
+    <dgm:txPr/>
+    <dgm:style>
+      <a:lnRef idx="2">
+        <a:scrgbClr r="0" g="0" b="0"/>
+      </a:lnRef>
+      <a:fillRef idx="1">
+        <a:scrgbClr r="0" g="0" b="0"/>
+      </a:fillRef>
+      <a:effectRef idx="0">
+        <a:scrgbClr r="0" g="0" b="0"/>
+      </a:effectRef>
+      <a:fontRef idx="minor">
+        <a:schemeClr val="lt1"/>
+      </a:fontRef>
+    </dgm:style>
+  </dgm:styleLbl>
+  <dgm:styleLbl name="asst2">
+    <dgm:scene3d>
+      <a:camera prst="orthographicFront"/>
+      <a:lightRig rig="threePt" dir="t"/>
+    </dgm:scene3d>
+    <dgm:sp3d/>
+    <dgm:txPr/>
+    <dgm:style>
+      <a:lnRef idx="2">
+        <a:scrgbClr r="0" g="0" b="0"/>
+      </a:lnRef>
+      <a:fillRef idx="1">
+        <a:scrgbClr r="0" g="0" b="0"/>
+      </a:fillRef>
+      <a:effectRef idx="0">
+        <a:scrgbClr r="0" g="0" b="0"/>
+      </a:effectRef>
+      <a:fontRef idx="minor">
+        <a:schemeClr val="lt1"/>
+      </a:fontRef>
+    </dgm:style>
+  </dgm:styleLbl>
+  <dgm:styleLbl name="asst3">
+    <dgm:scene3d>
+      <a:camera prst="orthographicFront"/>
+      <a:lightRig rig="threePt" dir="t"/>
+    </dgm:scene3d>
+    <dgm:sp3d/>
+    <dgm:txPr/>
+    <dgm:style>
+      <a:lnRef idx="2">
+        <a:scrgbClr r="0" g="0" b="0"/>
+      </a:lnRef>
+      <a:fillRef idx="1">
+        <a:scrgbClr r="0" g="0" b="0"/>
+      </a:fillRef>
+      <a:effectRef idx="0">
+        <a:scrgbClr r="0" g="0" b="0"/>
+      </a:effectRef>
+      <a:fontRef idx="minor">
+        <a:schemeClr val="lt1"/>
+      </a:fontRef>
+    </dgm:style>
+  </dgm:styleLbl>
+  <dgm:styleLbl name="asst4">
+    <dgm:scene3d>
+      <a:camera prst="orthographicFront"/>
+      <a:lightRig rig="threePt" dir="t"/>
+    </dgm:scene3d>
+    <dgm:sp3d/>
+    <dgm:txPr/>
+    <dgm:style>
+      <a:lnRef idx="2">
+        <a:scrgbClr r="0" g="0" b="0"/>
+      </a:lnRef>
+      <a:fillRef idx="1">
+        <a:scrgbClr r="0" g="0" b="0"/>
+      </a:fillRef>
+      <a:effectRef idx="0">
+        <a:scrgbClr r="0" g="0" b="0"/>
+      </a:effectRef>
+      <a:fontRef idx="minor">
+        <a:schemeClr val="lt1"/>
+      </a:fontRef>
+    </dgm:style>
+  </dgm:styleLbl>
+  <dgm:styleLbl name="parChTrans2D1">
+    <dgm:scene3d>
+      <a:camera prst="orthographicFront"/>
+      <a:lightRig rig="threePt" dir="t"/>
+    </dgm:scene3d>
+    <dgm:sp3d/>
+    <dgm:txPr/>
+    <dgm:style>
+      <a:lnRef idx="2">
+        <a:scrgbClr r="0" g="0" b="0"/>
+      </a:lnRef>
+      <a:fillRef idx="1">
+        <a:scrgbClr r="0" g="0" b="0"/>
+      </a:fillRef>
+      <a:effectRef idx="0">
+        <a:scrgbClr r="0" g="0" b="0"/>
+      </a:effectRef>
+      <a:fontRef idx="minor">
+        <a:schemeClr val="lt1"/>
+      </a:fontRef>
+    </dgm:style>
+  </dgm:styleLbl>
+  <dgm:styleLbl name="parChTrans2D2">
+    <dgm:scene3d>
+      <a:camera prst="orthographicFront"/>
+      <a:lightRig rig="threePt" dir="t"/>
+    </dgm:scene3d>
+    <dgm:sp3d/>
+    <dgm:txPr/>
+    <dgm:style>
+      <a:lnRef idx="2">
+        <a:scrgbClr r="0" g="0" b="0"/>
+      </a:lnRef>
+      <a:fillRef idx="1">
+        <a:scrgbClr r="0" g="0" b="0"/>
+      </a:fillRef>
+      <a:effectRef idx="0">
+        <a:scrgbClr r="0" g="0" b="0"/>
+      </a:effectRef>
+      <a:fontRef idx="minor">
+        <a:schemeClr val="lt1"/>
+      </a:fontRef>
+    </dgm:style>
+  </dgm:styleLbl>
+  <dgm:styleLbl name="parChTrans2D3">
+    <dgm:scene3d>
+      <a:camera prst="orthographicFront"/>
+      <a:lightRig rig="threePt" dir="t"/>
+    </dgm:scene3d>
+    <dgm:sp3d/>
+    <dgm:txPr/>
+    <dgm:style>
+      <a:lnRef idx="2">
+        <a:scrgbClr r="0" g="0" b="0"/>
+      </a:lnRef>
+      <a:fillRef idx="1">
+        <a:scrgbClr r="0" g="0" b="0"/>
+      </a:fillRef>
+      <a:effectRef idx="0">
+        <a:scrgbClr r="0" g="0" b="0"/>
+      </a:effectRef>
+      <a:fontRef idx="minor">
+        <a:schemeClr val="lt1"/>
+      </a:fontRef>
+    </dgm:style>
+  </dgm:styleLbl>
+  <dgm:styleLbl name="parChTrans2D4">
+    <dgm:scene3d>
+      <a:camera prst="orthographicFront"/>
+      <a:lightRig rig="threePt" dir="t"/>
+    </dgm:scene3d>
+    <dgm:sp3d/>
+    <dgm:txPr/>
+    <dgm:style>
+      <a:lnRef idx="2">
+        <a:scrgbClr r="0" g="0" b="0"/>
+      </a:lnRef>
+      <a:fillRef idx="1">
+        <a:scrgbClr r="0" g="0" b="0"/>
+      </a:fillRef>
+      <a:effectRef idx="0">
+        <a:scrgbClr r="0" g="0" b="0"/>
+      </a:effectRef>
+      <a:fontRef idx="minor">
+        <a:schemeClr val="lt1"/>
+      </a:fontRef>
+    </dgm:style>
+  </dgm:styleLbl>
+  <dgm:styleLbl name="parChTrans1D1">
+    <dgm:scene3d>
+      <a:camera prst="orthographicFront"/>
+      <a:lightRig rig="threePt" dir="t"/>
+    </dgm:scene3d>
+    <dgm:sp3d/>
+    <dgm:txPr/>
+    <dgm:style>
+      <a:lnRef idx="2">
+        <a:scrgbClr r="0" g="0" b="0"/>
+      </a:lnRef>
+      <a:fillRef idx="0">
+        <a:scrgbClr r="0" g="0" b="0"/>
+      </a:fillRef>
+      <a:effectRef idx="0">
+        <a:scrgbClr r="0" g="0" b="0"/>
+      </a:effectRef>
+      <a:fontRef idx="minor"/>
+    </dgm:style>
+  </dgm:styleLbl>
+  <dgm:styleLbl name="parChTrans1D2">
+    <dgm:scene3d>
+      <a:camera prst="orthographicFront"/>
+      <a:lightRig rig="threePt" dir="t"/>
+    </dgm:scene3d>
+    <dgm:sp3d/>
+    <dgm:txPr/>
+    <dgm:style>
+      <a:lnRef idx="2">
+        <a:scrgbClr r="0" g="0" b="0"/>
+      </a:lnRef>
+      <a:fillRef idx="0">
+        <a:scrgbClr r="0" g="0" b="0"/>
+      </a:fillRef>
+      <a:effectRef idx="0">
+        <a:scrgbClr r="0" g="0" b="0"/>
+      </a:effectRef>
+      <a:fontRef idx="minor"/>
+    </dgm:style>
+  </dgm:styleLbl>
+  <dgm:styleLbl name="parChTrans1D3">
+    <dgm:scene3d>
+      <a:camera prst="orthographicFront"/>
+      <a:lightRig rig="threePt" dir="t"/>
+    </dgm:scene3d>
+    <dgm:sp3d/>
+    <dgm:txPr/>
+    <dgm:style>
+      <a:lnRef idx="2">
+        <a:scrgbClr r="0" g="0" b="0"/>
+      </a:lnRef>
+      <a:fillRef idx="0">
+        <a:scrgbClr r="0" g="0" b="0"/>
+      </a:fillRef>
+      <a:effectRef idx="0">
+        <a:scrgbClr r="0" g="0" b="0"/>
+      </a:effectRef>
+      <a:fontRef idx="minor"/>
+    </dgm:style>
+  </dgm:styleLbl>
+  <dgm:styleLbl name="parChTrans1D4">
+    <dgm:scene3d>
+      <a:camera prst="orthographicFront"/>
+      <a:lightRig rig="threePt" dir="t"/>
+    </dgm:scene3d>
+    <dgm:sp3d/>
+    <dgm:txPr/>
+    <dgm:style>
+      <a:lnRef idx="2">
+        <a:scrgbClr r="0" g="0" b="0"/>
+      </a:lnRef>
+      <a:fillRef idx="0">
+        <a:scrgbClr r="0" g="0" b="0"/>
+      </a:fillRef>
+      <a:effectRef idx="0">
+        <a:scrgbClr r="0" g="0" b="0"/>
+      </a:effectRef>
+      <a:fontRef idx="minor"/>
+    </dgm:style>
+  </dgm:styleLbl>
+  <dgm:styleLbl name="fgAcc1">
+    <dgm:scene3d>
+      <a:camera prst="orthographicFront"/>
+      <a:lightRig rig="threePt" dir="t"/>
+    </dgm:scene3d>
+    <dgm:sp3d/>
+    <dgm:txPr/>
+    <dgm:style>
+      <a:lnRef idx="2">
+        <a:scrgbClr r="0" g="0" b="0"/>
+      </a:lnRef>
+      <a:fillRef idx="1">
+        <a:scrgbClr r="0" g="0" b="0"/>
+      </a:fillRef>
+      <a:effectRef idx="0">
+        <a:scrgbClr r="0" g="0" b="0"/>
+      </a:effectRef>
+      <a:fontRef idx="minor"/>
+    </dgm:style>
+  </dgm:styleLbl>
+  <dgm:styleLbl name="conFgAcc1">
+    <dgm:scene3d>
+      <a:camera prst="orthographicFront"/>
+      <a:lightRig rig="threePt" dir="t"/>
+    </dgm:scene3d>
+    <dgm:sp3d/>
+    <dgm:txPr/>
+    <dgm:style>
+      <a:lnRef idx="2">
+        <a:scrgbClr r="0" g="0" b="0"/>
+      </a:lnRef>
+      <a:fillRef idx="1">
+        <a:scrgbClr r="0" g="0" b="0"/>
+      </a:fillRef>
+      <a:effectRef idx="0">
+        <a:scrgbClr r="0" g="0" b="0"/>
+      </a:effectRef>
+      <a:fontRef idx="minor"/>
+    </dgm:style>
+  </dgm:styleLbl>
+  <dgm:styleLbl name="alignAcc1">
+    <dgm:scene3d>
+      <a:camera prst="orthographicFront"/>
+      <a:lightRig rig="threePt" dir="t"/>
+    </dgm:scene3d>
+    <dgm:sp3d/>
+    <dgm:txPr/>
+    <dgm:style>
+      <a:lnRef idx="2">
+        <a:scrgbClr r="0" g="0" b="0"/>
+      </a:lnRef>
+      <a:fillRef idx="1">
+        <a:scrgbClr r="0" g="0" b="0"/>
+      </a:fillRef>
+      <a:effectRef idx="0">
+        <a:scrgbClr r="0" g="0" b="0"/>
+      </a:effectRef>
+      <a:fontRef idx="minor"/>
+    </dgm:style>
+  </dgm:styleLbl>
+  <dgm:styleLbl name="trAlignAcc1">
+    <dgm:scene3d>
+      <a:camera prst="orthographicFront"/>
+      <a:lightRig rig="threePt" dir="t"/>
+    </dgm:scene3d>
+    <dgm:sp3d/>
+    <dgm:txPr/>
+    <dgm:style>
+      <a:lnRef idx="1">
+        <a:scrgbClr r="0" g="0" b="0"/>
+      </a:lnRef>
+      <a:fillRef idx="1">
+        <a:scrgbClr r="0" g="0" b="0"/>
+      </a:fillRef>
+      <a:effectRef idx="0">
+        <a:scrgbClr r="0" g="0" b="0"/>
+      </a:effectRef>
+      <a:fontRef idx="minor"/>
+    </dgm:style>
+  </dgm:styleLbl>
+  <dgm:styleLbl name="bgAcc1">
+    <dgm:scene3d>
+      <a:camera prst="orthographicFront"/>
+      <a:lightRig rig="threePt" dir="t"/>
+    </dgm:scene3d>
+    <dgm:sp3d/>
+    <dgm:txPr/>
+    <dgm:style>
+      <a:lnRef idx="2">
+        <a:scrgbClr r="0" g="0" b="0"/>
+      </a:lnRef>
+      <a:fillRef idx="1">
+        <a:scrgbClr r="0" g="0" b="0"/>
+      </a:fillRef>
+      <a:effectRef idx="0">
+        <a:scrgbClr r="0" g="0" b="0"/>
+      </a:effectRef>
+      <a:fontRef idx="minor"/>
+    </dgm:style>
+  </dgm:styleLbl>
+  <dgm:styleLbl name="solidFgAcc1">
+    <dgm:scene3d>
+      <a:camera prst="orthographicFront"/>
+      <a:lightRig rig="threePt" dir="t"/>
+    </dgm:scene3d>
+    <dgm:sp3d/>
+    <dgm:txPr/>
+    <dgm:style>
+      <a:lnRef idx="2">
+        <a:scrgbClr r="0" g="0" b="0"/>
+      </a:lnRef>
+      <a:fillRef idx="1">
+        <a:scrgbClr r="0" g="0" b="0"/>
+      </a:fillRef>
+      <a:effectRef idx="0">
+        <a:scrgbClr r="0" g="0" b="0"/>
+      </a:effectRef>
+      <a:fontRef idx="minor"/>
+    </dgm:style>
+  </dgm:styleLbl>
+  <dgm:styleLbl name="solidAlignAcc1">
+    <dgm:scene3d>
+      <a:camera prst="orthographicFront"/>
+      <a:lightRig rig="threePt" dir="t"/>
+    </dgm:scene3d>
+    <dgm:sp3d/>
+    <dgm:txPr/>
+    <dgm:style>
+      <a:lnRef idx="2">
+        <a:scrgbClr r="0" g="0" b="0"/>
+      </a:lnRef>
+      <a:fillRef idx="1">
+        <a:scrgbClr r="0" g="0" b="0"/>
+      </a:fillRef>
+      <a:effectRef idx="0">
+        <a:scrgbClr r="0" g="0" b="0"/>
+      </a:effectRef>
+      <a:fontRef idx="minor"/>
+    </dgm:style>
+  </dgm:styleLbl>
+  <dgm:styleLbl name="solidBgAcc1">
+    <dgm:scene3d>
+      <a:camera prst="orthographicFront"/>
+      <a:lightRig rig="threePt" dir="t"/>
+    </dgm:scene3d>
+    <dgm:sp3d/>
+    <dgm:txPr/>
+    <dgm:style>
+      <a:lnRef idx="2">
+        <a:scrgbClr r="0" g="0" b="0"/>
+      </a:lnRef>
+      <a:fillRef idx="1">
+        <a:scrgbClr r="0" g="0" b="0"/>
+      </a:fillRef>
+      <a:effectRef idx="0">
+        <a:scrgbClr r="0" g="0" b="0"/>
+      </a:effectRef>
+      <a:fontRef idx="minor"/>
+    </dgm:style>
+  </dgm:styleLbl>
+  <dgm:styleLbl name="fgAccFollowNode1">
+    <dgm:scene3d>
+      <a:camera prst="orthographicFront"/>
+      <a:lightRig rig="threePt" dir="t"/>
+    </dgm:scene3d>
+    <dgm:sp3d/>
+    <dgm:txPr/>
+    <dgm:style>
+      <a:lnRef idx="2">
+        <a:scrgbClr r="0" g="0" b="0"/>
+      </a:lnRef>
+      <a:fillRef idx="1">
+        <a:scrgbClr r="0" g="0" b="0"/>
+      </a:fillRef>
+      <a:effectRef idx="0">
+        <a:scrgbClr r="0" g="0" b="0"/>
+      </a:effectRef>
+      <a:fontRef idx="minor"/>
+    </dgm:style>
+  </dgm:styleLbl>
+  <dgm:styleLbl name="alignAccFollowNode1">
+    <dgm:scene3d>
+      <a:camera prst="orthographicFront"/>
+      <a:lightRig rig="threePt" dir="t"/>
+    </dgm:scene3d>
+    <dgm:sp3d/>
+    <dgm:txPr/>
+    <dgm:style>
+      <a:lnRef idx="2">
+        <a:scrgbClr r="0" g="0" b="0"/>
+      </a:lnRef>
+      <a:fillRef idx="1">
+        <a:scrgbClr r="0" g="0" b="0"/>
+      </a:fillRef>
+      <a:effectRef idx="0">
+        <a:scrgbClr r="0" g="0" b="0"/>
+      </a:effectRef>
+      <a:fontRef idx="minor"/>
+    </dgm:style>
+  </dgm:styleLbl>
+  <dgm:styleLbl name="bgAccFollowNode1">
+    <dgm:scene3d>
+      <a:camera prst="orthographicFront"/>
+      <a:lightRig rig="threePt" dir="t"/>
+    </dgm:scene3d>
+    <dgm:sp3d/>
+    <dgm:txPr/>
+    <dgm:style>
+      <a:lnRef idx="2">
+        <a:scrgbClr r="0" g="0" b="0"/>
+      </a:lnRef>
+      <a:fillRef idx="1">
+        <a:scrgbClr r="0" g="0" b="0"/>
+      </a:fillRef>
+      <a:effectRef idx="0">
+        <a:scrgbClr r="0" g="0" b="0"/>
+      </a:effectRef>
+      <a:fontRef idx="minor"/>
+    </dgm:style>
+  </dgm:styleLbl>
+  <dgm:styleLbl name="fgAcc0">
+    <dgm:scene3d>
+      <a:camera prst="orthographicFront"/>
+      <a:lightRig rig="threePt" dir="t"/>
+    </dgm:scene3d>
+    <dgm:sp3d/>
+    <dgm:txPr/>
+    <dgm:style>
+      <a:lnRef idx="2">
+        <a:scrgbClr r="0" g="0" b="0"/>
+      </a:lnRef>
+      <a:fillRef idx="1">
+        <a:scrgbClr r="0" g="0" b="0"/>
+      </a:fillRef>
+      <a:effectRef idx="0">
+        <a:scrgbClr r="0" g="0" b="0"/>
+      </a:effectRef>
+      <a:fontRef idx="minor"/>
+    </dgm:style>
+  </dgm:styleLbl>
+  <dgm:styleLbl name="fgAcc2">
+    <dgm:scene3d>
+      <a:camera prst="orthographicFront"/>
+      <a:lightRig rig="threePt" dir="t"/>
+    </dgm:scene3d>
+    <dgm:sp3d/>
+    <dgm:txPr/>
+    <dgm:style>
+      <a:lnRef idx="2">
+        <a:scrgbClr r="0" g="0" b="0"/>
+      </a:lnRef>
+      <a:fillRef idx="1">
+        <a:scrgbClr r="0" g="0" b="0"/>
+      </a:fillRef>
+      <a:effectRef idx="0">
+        <a:scrgbClr r="0" g="0" b="0"/>
+      </a:effectRef>
+      <a:fontRef idx="minor"/>
+    </dgm:style>
+  </dgm:styleLbl>
+  <dgm:styleLbl name="fgAcc3">
+    <dgm:scene3d>
+      <a:camera prst="orthographicFront"/>
+      <a:lightRig rig="threePt" dir="t"/>
+    </dgm:scene3d>
+    <dgm:sp3d/>
+    <dgm:txPr/>
+    <dgm:style>
+      <a:lnRef idx="2">
+        <a:scrgbClr r="0" g="0" b="0"/>
+      </a:lnRef>
+      <a:fillRef idx="1">
+        <a:scrgbClr r="0" g="0" b="0"/>
+      </a:fillRef>
+      <a:effectRef idx="0">
+        <a:scrgbClr r="0" g="0" b="0"/>
+      </a:effectRef>
+      <a:fontRef idx="minor"/>
+    </dgm:style>
+  </dgm:styleLbl>
+  <dgm:styleLbl name="fgAcc4">
+    <dgm:scene3d>
+      <a:camera prst="orthographicFront"/>
+      <a:lightRig rig="threePt" dir="t"/>
+    </dgm:scene3d>
+    <dgm:sp3d/>
+    <dgm:txPr/>
+    <dgm:style>
+      <a:lnRef idx="2">
+        <a:scrgbClr r="0" g="0" b="0"/>
+      </a:lnRef>
+      <a:fillRef idx="1">
+        <a:scrgbClr r="0" g="0" b="0"/>
+      </a:fillRef>
+      <a:effectRef idx="0">
+        <a:scrgbClr r="0" g="0" b="0"/>
+      </a:effectRef>
+      <a:fontRef idx="minor"/>
+    </dgm:style>
+  </dgm:styleLbl>
+  <dgm:styleLbl name="bgShp">
+    <dgm:scene3d>
+      <a:camera prst="orthographicFront"/>
+      <a:lightRig rig="threePt" dir="t"/>
+    </dgm:scene3d>
+    <dgm:sp3d/>
+    <dgm:txPr/>
+    <dgm:style>
+      <a:lnRef idx="0">
+        <a:scrgbClr r="0" g="0" b="0"/>
+      </a:lnRef>
+      <a:fillRef idx="1">
+        <a:scrgbClr r="0" g="0" b="0"/>
+      </a:fillRef>
+      <a:effectRef idx="0">
+        <a:scrgbClr r="0" g="0" b="0"/>
+      </a:effectRef>
+      <a:fontRef idx="minor"/>
+    </dgm:style>
+  </dgm:styleLbl>
+  <dgm:styleLbl name="dkBgShp">
+    <dgm:scene3d>
+      <a:camera prst="orthographicFront"/>
+      <a:lightRig rig="threePt" dir="t"/>
+    </dgm:scene3d>
+    <dgm:sp3d/>
+    <dgm:txPr/>
+    <dgm:style>
+      <a:lnRef idx="0">
+        <a:scrgbClr r="0" g="0" b="0"/>
+      </a:lnRef>
+      <a:fillRef idx="1">
+        <a:scrgbClr r="0" g="0" b="0"/>
+      </a:fillRef>
+      <a:effectRef idx="0">
+        <a:scrgbClr r="0" g="0" b="0"/>
+      </a:effectRef>
+      <a:fontRef idx="minor"/>
+    </dgm:style>
+  </dgm:styleLbl>
+  <dgm:styleLbl name="trBgShp">
+    <dgm:scene3d>
+      <a:camera prst="orthographicFront"/>
+      <a:lightRig rig="threePt" dir="t"/>
+    </dgm:scene3d>
+    <dgm:sp3d/>
+    <dgm:txPr/>
+    <dgm:style>
+      <a:lnRef idx="0">
+        <a:scrgbClr r="0" g="0" b="0"/>
+      </a:lnRef>
+      <a:fillRef idx="1">
+        <a:scrgbClr r="0" g="0" b="0"/>
+      </a:fillRef>
+      <a:effectRef idx="0">
+        <a:scrgbClr r="0" g="0" b="0"/>
+      </a:effectRef>
+      <a:fontRef idx="minor"/>
+    </dgm:style>
+  </dgm:styleLbl>
+  <dgm:styleLbl name="fgShp">
+    <dgm:scene3d>
+      <a:camera prst="orthographicFront"/>
+      <a:lightRig rig="threePt" dir="t"/>
+    </dgm:scene3d>
+    <dgm:sp3d/>
+    <dgm:txPr/>
+    <dgm:style>
+      <a:lnRef idx="2">
+        <a:scrgbClr r="0" g="0" b="0"/>
+      </a:lnRef>
+      <a:fillRef idx="1">
+        <a:scrgbClr r="0" g="0" b="0"/>
+      </a:fillRef>
+      <a:effectRef idx="0">
+        <a:scrgbClr r="0" g="0" b="0"/>
+      </a:effectRef>
+      <a:fontRef idx="minor"/>
+    </dgm:style>
+  </dgm:styleLbl>
+  <dgm:styleLbl name="revTx">
+    <dgm:scene3d>
+      <a:camera prst="orthographicFront"/>
+      <a:lightRig rig="threePt" dir="t"/>
+    </dgm:scene3d>
+    <dgm:sp3d/>
+    <dgm:txPr/>
+    <dgm:style>
+      <a:lnRef idx="0">
+        <a:scrgbClr r="0" g="0" b="0"/>
+      </a:lnRef>
+      <a:fillRef idx="0">
+        <a:scrgbClr r="0" g="0" b="0"/>
+      </a:fillRef>
+      <a:effectRef idx="0">
+        <a:scrgbClr r="0" g="0" b="0"/>
+      </a:effectRef>
+      <a:fontRef idx="minor"/>
+    </dgm:style>
+  </dgm:styleLbl>
+</dgm:styleDef>
+</file>
+
+<file path=ppt/diagrams/quickStyle6.xml><?xml version="1.0" encoding="utf-8"?>
+<dgm:styleDef xmlns:dgm="http://schemas.openxmlformats.org/drawingml/2006/diagram" xmlns:a="http://schemas.openxmlformats.org/drawingml/2006/main" uniqueId="urn:microsoft.com/office/officeart/2005/8/quickstyle/simple1">
+  <dgm:title val=""/>
+  <dgm:desc val=""/>
+  <dgm:catLst>
+    <dgm:cat type="simple" pri="10100"/>
+  </dgm:catLst>
+  <dgm:scene3d>
+    <a:camera prst="orthographicFront"/>
+    <a:lightRig rig="threePt" dir="t"/>
+  </dgm:scene3d>
+  <dgm:styleLbl name="node0">
+    <dgm:scene3d>
+      <a:camera prst="orthographicFront"/>
+      <a:lightRig rig="threePt" dir="t"/>
+    </dgm:scene3d>
+    <dgm:sp3d/>
+    <dgm:txPr/>
+    <dgm:style>
+      <a:lnRef idx="2">
+        <a:scrgbClr r="0" g="0" b="0"/>
+      </a:lnRef>
+      <a:fillRef idx="1">
+        <a:scrgbClr r="0" g="0" b="0"/>
+      </a:fillRef>
+      <a:effectRef idx="0">
+        <a:scrgbClr r="0" g="0" b="0"/>
+      </a:effectRef>
+      <a:fontRef idx="minor">
+        <a:schemeClr val="lt1"/>
+      </a:fontRef>
+    </dgm:style>
+  </dgm:styleLbl>
+  <dgm:styleLbl name="lnNode1">
+    <dgm:scene3d>
+      <a:camera prst="orthographicFront"/>
+      <a:lightRig rig="threePt" dir="t"/>
+    </dgm:scene3d>
+    <dgm:sp3d/>
+    <dgm:txPr/>
+    <dgm:style>
+      <a:lnRef idx="2">
+        <a:scrgbClr r="0" g="0" b="0"/>
+      </a:lnRef>
+      <a:fillRef idx="1">
+        <a:scrgbClr r="0" g="0" b="0"/>
+      </a:fillRef>
+      <a:effectRef idx="0">
+        <a:scrgbClr r="0" g="0" b="0"/>
+      </a:effectRef>
+      <a:fontRef idx="minor">
+        <a:schemeClr val="lt1"/>
+      </a:fontRef>
+    </dgm:style>
+  </dgm:styleLbl>
+  <dgm:styleLbl name="vennNode1">
+    <dgm:scene3d>
+      <a:camera prst="orthographicFront"/>
+      <a:lightRig rig="threePt" dir="t"/>
+    </dgm:scene3d>
+    <dgm:sp3d/>
+    <dgm:txPr/>
+    <dgm:style>
+      <a:lnRef idx="2">
+        <a:scrgbClr r="0" g="0" b="0"/>
+      </a:lnRef>
+      <a:fillRef idx="1">
+        <a:scrgbClr r="0" g="0" b="0"/>
+      </a:fillRef>
+      <a:effectRef idx="0">
+        <a:scrgbClr r="0" g="0" b="0"/>
+      </a:effectRef>
+      <a:fontRef idx="minor">
+        <a:schemeClr val="tx1"/>
+      </a:fontRef>
+    </dgm:style>
+  </dgm:styleLbl>
+  <dgm:styleLbl name="alignNode1">
+    <dgm:scene3d>
+      <a:camera prst="orthographicFront"/>
+      <a:lightRig rig="threePt" dir="t"/>
+    </dgm:scene3d>
+    <dgm:sp3d/>
+    <dgm:txPr/>
+    <dgm:style>
+      <a:lnRef idx="2">
+        <a:scrgbClr r="0" g="0" b="0"/>
+      </a:lnRef>
+      <a:fillRef idx="1">
+        <a:scrgbClr r="0" g="0" b="0"/>
+      </a:fillRef>
+      <a:effectRef idx="0">
+        <a:scrgbClr r="0" g="0" b="0"/>
+      </a:effectRef>
+      <a:fontRef idx="minor">
+        <a:schemeClr val="lt1"/>
+      </a:fontRef>
+    </dgm:style>
+  </dgm:styleLbl>
+  <dgm:styleLbl name="node1">
+    <dgm:scene3d>
+      <a:camera prst="orthographicFront"/>
+      <a:lightRig rig="threePt" dir="t"/>
+    </dgm:scene3d>
+    <dgm:sp3d/>
+    <dgm:txPr/>
+    <dgm:style>
+      <a:lnRef idx="2">
+        <a:scrgbClr r="0" g="0" b="0"/>
+      </a:lnRef>
+      <a:fillRef idx="1">
+        <a:scrgbClr r="0" g="0" b="0"/>
+      </a:fillRef>
+      <a:effectRef idx="0">
+        <a:scrgbClr r="0" g="0" b="0"/>
+      </a:effectRef>
+      <a:fontRef idx="minor">
+        <a:schemeClr val="lt1"/>
+      </a:fontRef>
+    </dgm:style>
+  </dgm:styleLbl>
+  <dgm:styleLbl name="node2">
+    <dgm:scene3d>
+      <a:camera prst="orthographicFront"/>
+      <a:lightRig rig="threePt" dir="t"/>
+    </dgm:scene3d>
+    <dgm:sp3d/>
+    <dgm:txPr/>
+    <dgm:style>
+      <a:lnRef idx="2">
+        <a:scrgbClr r="0" g="0" b="0"/>
+      </a:lnRef>
+      <a:fillRef idx="1">
+        <a:scrgbClr r="0" g="0" b="0"/>
+      </a:fillRef>
+      <a:effectRef idx="0">
+        <a:scrgbClr r="0" g="0" b="0"/>
+      </a:effectRef>
+      <a:fontRef idx="minor">
+        <a:schemeClr val="lt1"/>
+      </a:fontRef>
+    </dgm:style>
+  </dgm:styleLbl>
+  <dgm:styleLbl name="node3">
+    <dgm:scene3d>
+      <a:camera prst="orthographicFront"/>
+      <a:lightRig rig="threePt" dir="t"/>
+    </dgm:scene3d>
+    <dgm:sp3d/>
+    <dgm:txPr/>
+    <dgm:style>
+      <a:lnRef idx="2">
+        <a:scrgbClr r="0" g="0" b="0"/>
+      </a:lnRef>
+      <a:fillRef idx="1">
+        <a:scrgbClr r="0" g="0" b="0"/>
+      </a:fillRef>
+      <a:effectRef idx="0">
+        <a:scrgbClr r="0" g="0" b="0"/>
+      </a:effectRef>
+      <a:fontRef idx="minor">
+        <a:schemeClr val="lt1"/>
+      </a:fontRef>
+    </dgm:style>
+  </dgm:styleLbl>
+  <dgm:styleLbl name="node4">
+    <dgm:scene3d>
+      <a:camera prst="orthographicFront"/>
+      <a:lightRig rig="threePt" dir="t"/>
+    </dgm:scene3d>
+    <dgm:sp3d/>
+    <dgm:txPr/>
+    <dgm:style>
+      <a:lnRef idx="2">
+        <a:scrgbClr r="0" g="0" b="0"/>
+      </a:lnRef>
+      <a:fillRef idx="1">
+        <a:scrgbClr r="0" g="0" b="0"/>
+      </a:fillRef>
+      <a:effectRef idx="0">
+        <a:scrgbClr r="0" g="0" b="0"/>
+      </a:effectRef>
+      <a:fontRef idx="minor">
+        <a:schemeClr val="lt1"/>
+      </a:fontRef>
+    </dgm:style>
+  </dgm:styleLbl>
+  <dgm:styleLbl name="fgImgPlace1">
+    <dgm:scene3d>
+      <a:camera prst="orthographicFront"/>
+      <a:lightRig rig="threePt" dir="t"/>
+    </dgm:scene3d>
+    <dgm:sp3d/>
+    <dgm:txPr/>
+    <dgm:style>
+      <a:lnRef idx="2">
+        <a:scrgbClr r="0" g="0" b="0"/>
+      </a:lnRef>
+      <a:fillRef idx="1">
+        <a:scrgbClr r="0" g="0" b="0"/>
+      </a:fillRef>
+      <a:effectRef idx="0">
+        <a:scrgbClr r="0" g="0" b="0"/>
+      </a:effectRef>
+      <a:fontRef idx="minor"/>
+    </dgm:style>
+  </dgm:styleLbl>
+  <dgm:styleLbl name="alignImgPlace1">
+    <dgm:scene3d>
+      <a:camera prst="orthographicFront"/>
+      <a:lightRig rig="threePt" dir="t"/>
+    </dgm:scene3d>
+    <dgm:sp3d/>
+    <dgm:txPr/>
+    <dgm:style>
+      <a:lnRef idx="2">
+        <a:scrgbClr r="0" g="0" b="0"/>
+      </a:lnRef>
+      <a:fillRef idx="1">
+        <a:scrgbClr r="0" g="0" b="0"/>
+      </a:fillRef>
+      <a:effectRef idx="0">
+        <a:scrgbClr r="0" g="0" b="0"/>
+      </a:effectRef>
+      <a:fontRef idx="minor"/>
+    </dgm:style>
+  </dgm:styleLbl>
+  <dgm:styleLbl name="bgImgPlace1">
+    <dgm:scene3d>
+      <a:camera prst="orthographicFront"/>
+      <a:lightRig rig="threePt" dir="t"/>
+    </dgm:scene3d>
+    <dgm:sp3d/>
+    <dgm:txPr/>
+    <dgm:style>
+      <a:lnRef idx="2">
+        <a:scrgbClr r="0" g="0" b="0"/>
+      </a:lnRef>
+      <a:fillRef idx="1">
+        <a:scrgbClr r="0" g="0" b="0"/>
+      </a:fillRef>
+      <a:effectRef idx="0">
+        <a:scrgbClr r="0" g="0" b="0"/>
+      </a:effectRef>
+      <a:fontRef idx="minor"/>
+    </dgm:style>
+  </dgm:styleLbl>
+  <dgm:styleLbl name="sibTrans2D1">
+    <dgm:scene3d>
+      <a:camera prst="orthographicFront"/>
+      <a:lightRig rig="threePt" dir="t"/>
+    </dgm:scene3d>
+    <dgm:sp3d/>
+    <dgm:txPr/>
+    <dgm:style>
+      <a:lnRef idx="0">
+        <a:scrgbClr r="0" g="0" b="0"/>
+      </a:lnRef>
+      <a:fillRef idx="1">
+        <a:scrgbClr r="0" g="0" b="0"/>
+      </a:fillRef>
+      <a:effectRef idx="0">
+        <a:scrgbClr r="0" g="0" b="0"/>
+      </a:effectRef>
+      <a:fontRef idx="minor">
+        <a:schemeClr val="lt1"/>
+      </a:fontRef>
+    </dgm:style>
+  </dgm:styleLbl>
+  <dgm:styleLbl name="fgSibTrans2D1">
+    <dgm:scene3d>
+      <a:camera prst="orthographicFront"/>
+      <a:lightRig rig="threePt" dir="t"/>
+    </dgm:scene3d>
+    <dgm:sp3d/>
+    <dgm:txPr/>
+    <dgm:style>
+      <a:lnRef idx="0">
+        <a:scrgbClr r="0" g="0" b="0"/>
+      </a:lnRef>
+      <a:fillRef idx="1">
+        <a:scrgbClr r="0" g="0" b="0"/>
+      </a:fillRef>
+      <a:effectRef idx="0">
+        <a:scrgbClr r="0" g="0" b="0"/>
+      </a:effectRef>
+      <a:fontRef idx="minor">
+        <a:schemeClr val="lt1"/>
+      </a:fontRef>
+    </dgm:style>
+  </dgm:styleLbl>
+  <dgm:styleLbl name="bgSibTrans2D1">
+    <dgm:scene3d>
+      <a:camera prst="orthographicFront"/>
+      <a:lightRig rig="threePt" dir="t"/>
+    </dgm:scene3d>
+    <dgm:sp3d/>
+    <dgm:txPr/>
+    <dgm:style>
+      <a:lnRef idx="0">
+        <a:scrgbClr r="0" g="0" b="0"/>
+      </a:lnRef>
+      <a:fillRef idx="1">
+        <a:scrgbClr r="0" g="0" b="0"/>
+      </a:fillRef>
+      <a:effectRef idx="0">
+        <a:scrgbClr r="0" g="0" b="0"/>
+      </a:effectRef>
+      <a:fontRef idx="minor">
+        <a:schemeClr val="lt1"/>
+      </a:fontRef>
+    </dgm:style>
+  </dgm:styleLbl>
+  <dgm:styleLbl name="sibTrans1D1">
+    <dgm:scene3d>
+      <a:camera prst="orthographicFront"/>
+      <a:lightRig rig="threePt" dir="t"/>
+    </dgm:scene3d>
+    <dgm:sp3d/>
+    <dgm:txPr/>
+    <dgm:style>
+      <a:lnRef idx="1">
+        <a:scrgbClr r="0" g="0" b="0"/>
+      </a:lnRef>
+      <a:fillRef idx="0">
+        <a:scrgbClr r="0" g="0" b="0"/>
+      </a:fillRef>
+      <a:effectRef idx="0">
+        <a:scrgbClr r="0" g="0" b="0"/>
+      </a:effectRef>
+      <a:fontRef idx="minor"/>
+    </dgm:style>
+  </dgm:styleLbl>
+  <dgm:styleLbl name="callout">
+    <dgm:scene3d>
+      <a:camera prst="orthographicFront"/>
+      <a:lightRig rig="threePt" dir="t"/>
+    </dgm:scene3d>
+    <dgm:sp3d/>
+    <dgm:txPr/>
+    <dgm:style>
+      <a:lnRef idx="2">
+        <a:scrgbClr r="0" g="0" b="0"/>
+      </a:lnRef>
+      <a:fillRef idx="1">
+        <a:scrgbClr r="0" g="0" b="0"/>
+      </a:fillRef>
+      <a:effectRef idx="0">
+        <a:scrgbClr r="0" g="0" b="0"/>
+      </a:effectRef>
+      <a:fontRef idx="minor"/>
+    </dgm:style>
+  </dgm:styleLbl>
+  <dgm:styleLbl name="asst0">
+    <dgm:scene3d>
+      <a:camera prst="orthographicFront"/>
+      <a:lightRig rig="threePt" dir="t"/>
+    </dgm:scene3d>
+    <dgm:sp3d/>
+    <dgm:txPr/>
+    <dgm:style>
+      <a:lnRef idx="2">
+        <a:scrgbClr r="0" g="0" b="0"/>
+      </a:lnRef>
+      <a:fillRef idx="1">
+        <a:scrgbClr r="0" g="0" b="0"/>
+      </a:fillRef>
+      <a:effectRef idx="0">
+        <a:scrgbClr r="0" g="0" b="0"/>
+      </a:effectRef>
+      <a:fontRef idx="minor">
+        <a:schemeClr val="lt1"/>
+      </a:fontRef>
+    </dgm:style>
+  </dgm:styleLbl>
+  <dgm:styleLbl name="asst1">
+    <dgm:scene3d>
+      <a:camera prst="orthographicFront"/>
+      <a:lightRig rig="threePt" dir="t"/>
+    </dgm:scene3d>
+    <dgm:sp3d/>
+    <dgm:txPr/>
+    <dgm:style>
+      <a:lnRef idx="2">
+        <a:scrgbClr r="0" g="0" b="0"/>
+      </a:lnRef>
+      <a:fillRef idx="1">
+        <a:scrgbClr r="0" g="0" b="0"/>
+      </a:fillRef>
+      <a:effectRef idx="0">
+        <a:scrgbClr r="0" g="0" b="0"/>
+      </a:effectRef>
+      <a:fontRef idx="minor">
+        <a:schemeClr val="lt1"/>
+      </a:fontRef>
+    </dgm:style>
+  </dgm:styleLbl>
+  <dgm:styleLbl name="asst2">
+    <dgm:scene3d>
+      <a:camera prst="orthographicFront"/>
+      <a:lightRig rig="threePt" dir="t"/>
+    </dgm:scene3d>
+    <dgm:sp3d/>
+    <dgm:txPr/>
+    <dgm:style>
+      <a:lnRef idx="2">
+        <a:scrgbClr r="0" g="0" b="0"/>
+      </a:lnRef>
+      <a:fillRef idx="1">
+        <a:scrgbClr r="0" g="0" b="0"/>
+      </a:fillRef>
+      <a:effectRef idx="0">
+        <a:scrgbClr r="0" g="0" b="0"/>
+      </a:effectRef>
+      <a:fontRef idx="minor">
+        <a:schemeClr val="lt1"/>
+      </a:fontRef>
+    </dgm:style>
+  </dgm:styleLbl>
+  <dgm:styleLbl name="asst3">
+    <dgm:scene3d>
+      <a:camera prst="orthographicFront"/>
+      <a:lightRig rig="threePt" dir="t"/>
+    </dgm:scene3d>
+    <dgm:sp3d/>
+    <dgm:txPr/>
+    <dgm:style>
+      <a:lnRef idx="2">
+        <a:scrgbClr r="0" g="0" b="0"/>
+      </a:lnRef>
+      <a:fillRef idx="1">
+        <a:scrgbClr r="0" g="0" b="0"/>
+      </a:fillRef>
+      <a:effectRef idx="0">
+        <a:scrgbClr r="0" g="0" b="0"/>
+      </a:effectRef>
+      <a:fontRef idx="minor">
+        <a:schemeClr val="lt1"/>
+      </a:fontRef>
+    </dgm:style>
+  </dgm:styleLbl>
+  <dgm:styleLbl name="asst4">
+    <dgm:scene3d>
+      <a:camera prst="orthographicFront"/>
+      <a:lightRig rig="threePt" dir="t"/>
+    </dgm:scene3d>
+    <dgm:sp3d/>
+    <dgm:txPr/>
+    <dgm:style>
+      <a:lnRef idx="2">
+        <a:scrgbClr r="0" g="0" b="0"/>
+      </a:lnRef>
+      <a:fillRef idx="1">
+        <a:scrgbClr r="0" g="0" b="0"/>
+      </a:fillRef>
+      <a:effectRef idx="0">
+        <a:scrgbClr r="0" g="0" b="0"/>
+      </a:effectRef>
+      <a:fontRef idx="minor">
+        <a:schemeClr val="lt1"/>
+      </a:fontRef>
+    </dgm:style>
+  </dgm:styleLbl>
+  <dgm:styleLbl name="parChTrans2D1">
+    <dgm:scene3d>
+      <a:camera prst="orthographicFront"/>
+      <a:lightRig rig="threePt" dir="t"/>
+    </dgm:scene3d>
+    <dgm:sp3d/>
+    <dgm:txPr/>
+    <dgm:style>
+      <a:lnRef idx="2">
+        <a:scrgbClr r="0" g="0" b="0"/>
+      </a:lnRef>
+      <a:fillRef idx="1">
+        <a:scrgbClr r="0" g="0" b="0"/>
+      </a:fillRef>
+      <a:effectRef idx="0">
+        <a:scrgbClr r="0" g="0" b="0"/>
+      </a:effectRef>
+      <a:fontRef idx="minor">
+        <a:schemeClr val="lt1"/>
+      </a:fontRef>
+    </dgm:style>
+  </dgm:styleLbl>
+  <dgm:styleLbl name="parChTrans2D2">
+    <dgm:scene3d>
+      <a:camera prst="orthographicFront"/>
+      <a:lightRig rig="threePt" dir="t"/>
+    </dgm:scene3d>
+    <dgm:sp3d/>
+    <dgm:txPr/>
+    <dgm:style>
+      <a:lnRef idx="2">
+        <a:scrgbClr r="0" g="0" b="0"/>
+      </a:lnRef>
+      <a:fillRef idx="1">
+        <a:scrgbClr r="0" g="0" b="0"/>
+      </a:fillRef>
+      <a:effectRef idx="0">
+        <a:scrgbClr r="0" g="0" b="0"/>
+      </a:effectRef>
+      <a:fontRef idx="minor">
+        <a:schemeClr val="lt1"/>
+      </a:fontRef>
+    </dgm:style>
+  </dgm:styleLbl>
+  <dgm:styleLbl name="parChTrans2D3">
+    <dgm:scene3d>
+      <a:camera prst="orthographicFront"/>
+      <a:lightRig rig="threePt" dir="t"/>
+    </dgm:scene3d>
+    <dgm:sp3d/>
+    <dgm:txPr/>
+    <dgm:style>
+      <a:lnRef idx="2">
+        <a:scrgbClr r="0" g="0" b="0"/>
+      </a:lnRef>
+      <a:fillRef idx="1">
+        <a:scrgbClr r="0" g="0" b="0"/>
+      </a:fillRef>
+      <a:effectRef idx="0">
+        <a:scrgbClr r="0" g="0" b="0"/>
+      </a:effectRef>
+      <a:fontRef idx="minor">
+        <a:schemeClr val="lt1"/>
+      </a:fontRef>
+    </dgm:style>
+  </dgm:styleLbl>
+  <dgm:styleLbl name="parChTrans2D4">
+    <dgm:scene3d>
+      <a:camera prst="orthographicFront"/>
+      <a:lightRig rig="threePt" dir="t"/>
+    </dgm:scene3d>
+    <dgm:sp3d/>
+    <dgm:txPr/>
+    <dgm:style>
+      <a:lnRef idx="2">
+        <a:scrgbClr r="0" g="0" b="0"/>
+      </a:lnRef>
+      <a:fillRef idx="1">
+        <a:scrgbClr r="0" g="0" b="0"/>
+      </a:fillRef>
+      <a:effectRef idx="0">
+        <a:scrgbClr r="0" g="0" b="0"/>
+      </a:effectRef>
+      <a:fontRef idx="minor">
+        <a:schemeClr val="lt1"/>
+      </a:fontRef>
+    </dgm:style>
+  </dgm:styleLbl>
+  <dgm:styleLbl name="parChTrans1D1">
+    <dgm:scene3d>
+      <a:camera prst="orthographicFront"/>
+      <a:lightRig rig="threePt" dir="t"/>
+    </dgm:scene3d>
+    <dgm:sp3d/>
+    <dgm:txPr/>
+    <dgm:style>
+      <a:lnRef idx="2">
+        <a:scrgbClr r="0" g="0" b="0"/>
+      </a:lnRef>
+      <a:fillRef idx="0">
+        <a:scrgbClr r="0" g="0" b="0"/>
+      </a:fillRef>
+      <a:effectRef idx="0">
+        <a:scrgbClr r="0" g="0" b="0"/>
+      </a:effectRef>
+      <a:fontRef idx="minor"/>
+    </dgm:style>
+  </dgm:styleLbl>
+  <dgm:styleLbl name="parChTrans1D2">
+    <dgm:scene3d>
+      <a:camera prst="orthographicFront"/>
+      <a:lightRig rig="threePt" dir="t"/>
+    </dgm:scene3d>
+    <dgm:sp3d/>
+    <dgm:txPr/>
+    <dgm:style>
+      <a:lnRef idx="2">
+        <a:scrgbClr r="0" g="0" b="0"/>
+      </a:lnRef>
+      <a:fillRef idx="0">
+        <a:scrgbClr r="0" g="0" b="0"/>
+      </a:fillRef>
+      <a:effectRef idx="0">
+        <a:scrgbClr r="0" g="0" b="0"/>
+      </a:effectRef>
+      <a:fontRef idx="minor"/>
+    </dgm:style>
+  </dgm:styleLbl>
+  <dgm:styleLbl name="parChTrans1D3">
+    <dgm:scene3d>
+      <a:camera prst="orthographicFront"/>
+      <a:lightRig rig="threePt" dir="t"/>
+    </dgm:scene3d>
+    <dgm:sp3d/>
+    <dgm:txPr/>
+    <dgm:style>
+      <a:lnRef idx="2">
+        <a:scrgbClr r="0" g="0" b="0"/>
+      </a:lnRef>
+      <a:fillRef idx="0">
+        <a:scrgbClr r="0" g="0" b="0"/>
+      </a:fillRef>
+      <a:effectRef idx="0">
+        <a:scrgbClr r="0" g="0" b="0"/>
+      </a:effectRef>
+      <a:fontRef idx="minor"/>
+    </dgm:style>
+  </dgm:styleLbl>
+  <dgm:styleLbl name="parChTrans1D4">
+    <dgm:scene3d>
+      <a:camera prst="orthographicFront"/>
+      <a:lightRig rig="threePt" dir="t"/>
+    </dgm:scene3d>
+    <dgm:sp3d/>
+    <dgm:txPr/>
+    <dgm:style>
+      <a:lnRef idx="2">
+        <a:scrgbClr r="0" g="0" b="0"/>
+      </a:lnRef>
+      <a:fillRef idx="0">
+        <a:scrgbClr r="0" g="0" b="0"/>
+      </a:fillRef>
+      <a:effectRef idx="0">
+        <a:scrgbClr r="0" g="0" b="0"/>
+      </a:effectRef>
+      <a:fontRef idx="minor"/>
+    </dgm:style>
+  </dgm:styleLbl>
+  <dgm:styleLbl name="fgAcc1">
+    <dgm:scene3d>
+      <a:camera prst="orthographicFront"/>
+      <a:lightRig rig="threePt" dir="t"/>
+    </dgm:scene3d>
+    <dgm:sp3d/>
+    <dgm:txPr/>
+    <dgm:style>
+      <a:lnRef idx="2">
+        <a:scrgbClr r="0" g="0" b="0"/>
+      </a:lnRef>
+      <a:fillRef idx="1">
+        <a:scrgbClr r="0" g="0" b="0"/>
+      </a:fillRef>
+      <a:effectRef idx="0">
+        <a:scrgbClr r="0" g="0" b="0"/>
+      </a:effectRef>
+      <a:fontRef idx="minor"/>
+    </dgm:style>
+  </dgm:styleLbl>
+  <dgm:styleLbl name="conFgAcc1">
+    <dgm:scene3d>
+      <a:camera prst="orthographicFront"/>
+      <a:lightRig rig="threePt" dir="t"/>
+    </dgm:scene3d>
+    <dgm:sp3d/>
+    <dgm:txPr/>
+    <dgm:style>
+      <a:lnRef idx="2">
+        <a:scrgbClr r="0" g="0" b="0"/>
+      </a:lnRef>
+      <a:fillRef idx="1">
+        <a:scrgbClr r="0" g="0" b="0"/>
+      </a:fillRef>
+      <a:effectRef idx="0">
+        <a:scrgbClr r="0" g="0" b="0"/>
+      </a:effectRef>
+      <a:fontRef idx="minor"/>
+    </dgm:style>
+  </dgm:styleLbl>
+  <dgm:styleLbl name="alignAcc1">
+    <dgm:scene3d>
+      <a:camera prst="orthographicFront"/>
+      <a:lightRig rig="threePt" dir="t"/>
+    </dgm:scene3d>
+    <dgm:sp3d/>
+    <dgm:txPr/>
+    <dgm:style>
+      <a:lnRef idx="2">
+        <a:scrgbClr r="0" g="0" b="0"/>
+      </a:lnRef>
+      <a:fillRef idx="1">
+        <a:scrgbClr r="0" g="0" b="0"/>
+      </a:fillRef>
+      <a:effectRef idx="0">
+        <a:scrgbClr r="0" g="0" b="0"/>
+      </a:effectRef>
+      <a:fontRef idx="minor"/>
+    </dgm:style>
+  </dgm:styleLbl>
+  <dgm:styleLbl name="trAlignAcc1">
+    <dgm:scene3d>
+      <a:camera prst="orthographicFront"/>
+      <a:lightRig rig="threePt" dir="t"/>
+    </dgm:scene3d>
+    <dgm:sp3d/>
+    <dgm:txPr/>
+    <dgm:style>
+      <a:lnRef idx="1">
+        <a:scrgbClr r="0" g="0" b="0"/>
+      </a:lnRef>
+      <a:fillRef idx="1">
+        <a:scrgbClr r="0" g="0" b="0"/>
+      </a:fillRef>
+      <a:effectRef idx="0">
+        <a:scrgbClr r="0" g="0" b="0"/>
+      </a:effectRef>
+      <a:fontRef idx="minor"/>
+    </dgm:style>
+  </dgm:styleLbl>
+  <dgm:styleLbl name="bgAcc1">
+    <dgm:scene3d>
+      <a:camera prst="orthographicFront"/>
+      <a:lightRig rig="threePt" dir="t"/>
+    </dgm:scene3d>
+    <dgm:sp3d/>
+    <dgm:txPr/>
+    <dgm:style>
+      <a:lnRef idx="2">
+        <a:scrgbClr r="0" g="0" b="0"/>
+      </a:lnRef>
+      <a:fillRef idx="1">
+        <a:scrgbClr r="0" g="0" b="0"/>
+      </a:fillRef>
+      <a:effectRef idx="0">
+        <a:scrgbClr r="0" g="0" b="0"/>
+      </a:effectRef>
+      <a:fontRef idx="minor"/>
+    </dgm:style>
+  </dgm:styleLbl>
+  <dgm:styleLbl name="solidFgAcc1">
+    <dgm:scene3d>
+      <a:camera prst="orthographicFront"/>
+      <a:lightRig rig="threePt" dir="t"/>
+    </dgm:scene3d>
+    <dgm:sp3d/>
+    <dgm:txPr/>
+    <dgm:style>
+      <a:lnRef idx="2">
+        <a:scrgbClr r="0" g="0" b="0"/>
+      </a:lnRef>
+      <a:fillRef idx="1">
+        <a:scrgbClr r="0" g="0" b="0"/>
+      </a:fillRef>
+      <a:effectRef idx="0">
+        <a:scrgbClr r="0" g="0" b="0"/>
+      </a:effectRef>
+      <a:fontRef idx="minor"/>
+    </dgm:style>
+  </dgm:styleLbl>
+  <dgm:styleLbl name="solidAlignAcc1">
+    <dgm:scene3d>
+      <a:camera prst="orthographicFront"/>
+      <a:lightRig rig="threePt" dir="t"/>
+    </dgm:scene3d>
+    <dgm:sp3d/>
+    <dgm:txPr/>
+    <dgm:style>
+      <a:lnRef idx="2">
+        <a:scrgbClr r="0" g="0" b="0"/>
+      </a:lnRef>
+      <a:fillRef idx="1">
+        <a:scrgbClr r="0" g="0" b="0"/>
+      </a:fillRef>
+      <a:effectRef idx="0">
+        <a:scrgbClr r="0" g="0" b="0"/>
+      </a:effectRef>
+      <a:fontRef idx="minor"/>
+    </dgm:style>
+  </dgm:styleLbl>
+  <dgm:styleLbl name="solidBgAcc1">
+    <dgm:scene3d>
+      <a:camera prst="orthographicFront"/>
+      <a:lightRig rig="threePt" dir="t"/>
+    </dgm:scene3d>
+    <dgm:sp3d/>
+    <dgm:txPr/>
+    <dgm:style>
+      <a:lnRef idx="2">
+        <a:scrgbClr r="0" g="0" b="0"/>
+      </a:lnRef>
+      <a:fillRef idx="1">
+        <a:scrgbClr r="0" g="0" b="0"/>
+      </a:fillRef>
+      <a:effectRef idx="0">
+        <a:scrgbClr r="0" g="0" b="0"/>
+      </a:effectRef>
+      <a:fontRef idx="minor"/>
+    </dgm:style>
+  </dgm:styleLbl>
+  <dgm:styleLbl name="fgAccFollowNode1">
+    <dgm:scene3d>
+      <a:camera prst="orthographicFront"/>
+      <a:lightRig rig="threePt" dir="t"/>
+    </dgm:scene3d>
+    <dgm:sp3d/>
+    <dgm:txPr/>
+    <dgm:style>
+      <a:lnRef idx="2">
+        <a:scrgbClr r="0" g="0" b="0"/>
+      </a:lnRef>
+      <a:fillRef idx="1">
+        <a:scrgbClr r="0" g="0" b="0"/>
+      </a:fillRef>
+      <a:effectRef idx="0">
+        <a:scrgbClr r="0" g="0" b="0"/>
+      </a:effectRef>
+      <a:fontRef idx="minor"/>
+    </dgm:style>
+  </dgm:styleLbl>
+  <dgm:styleLbl name="alignAccFollowNode1">
+    <dgm:scene3d>
+      <a:camera prst="orthographicFront"/>
+      <a:lightRig rig="threePt" dir="t"/>
+    </dgm:scene3d>
+    <dgm:sp3d/>
+    <dgm:txPr/>
+    <dgm:style>
+      <a:lnRef idx="2">
+        <a:scrgbClr r="0" g="0" b="0"/>
+      </a:lnRef>
+      <a:fillRef idx="1">
+        <a:scrgbClr r="0" g="0" b="0"/>
+      </a:fillRef>
+      <a:effectRef idx="0">
+        <a:scrgbClr r="0" g="0" b="0"/>
+      </a:effectRef>
+      <a:fontRef idx="minor"/>
+    </dgm:style>
+  </dgm:styleLbl>
+  <dgm:styleLbl name="bgAccFollowNode1">
+    <dgm:scene3d>
+      <a:camera prst="orthographicFront"/>
+      <a:lightRig rig="threePt" dir="t"/>
+    </dgm:scene3d>
+    <dgm:sp3d/>
+    <dgm:txPr/>
+    <dgm:style>
+      <a:lnRef idx="2">
+        <a:scrgbClr r="0" g="0" b="0"/>
+      </a:lnRef>
+      <a:fillRef idx="1">
+        <a:scrgbClr r="0" g="0" b="0"/>
+      </a:fillRef>
+      <a:effectRef idx="0">
+        <a:scrgbClr r="0" g="0" b="0"/>
+      </a:effectRef>
+      <a:fontRef idx="minor"/>
+    </dgm:style>
+  </dgm:styleLbl>
+  <dgm:styleLbl name="fgAcc0">
+    <dgm:scene3d>
+      <a:camera prst="orthographicFront"/>
+      <a:lightRig rig="threePt" dir="t"/>
+    </dgm:scene3d>
+    <dgm:sp3d/>
+    <dgm:txPr/>
+    <dgm:style>
+      <a:lnRef idx="2">
+        <a:scrgbClr r="0" g="0" b="0"/>
+      </a:lnRef>
+      <a:fillRef idx="1">
+        <a:scrgbClr r="0" g="0" b="0"/>
+      </a:fillRef>
+      <a:effectRef idx="0">
+        <a:scrgbClr r="0" g="0" b="0"/>
+      </a:effectRef>
+      <a:fontRef idx="minor"/>
+    </dgm:style>
+  </dgm:styleLbl>
+  <dgm:styleLbl name="fgAcc2">
+    <dgm:scene3d>
+      <a:camera prst="orthographicFront"/>
+      <a:lightRig rig="threePt" dir="t"/>
+    </dgm:scene3d>
+    <dgm:sp3d/>
+    <dgm:txPr/>
+    <dgm:style>
+      <a:lnRef idx="2">
+        <a:scrgbClr r="0" g="0" b="0"/>
+      </a:lnRef>
+      <a:fillRef idx="1">
+        <a:scrgbClr r="0" g="0" b="0"/>
+      </a:fillRef>
+      <a:effectRef idx="0">
+        <a:scrgbClr r="0" g="0" b="0"/>
+      </a:effectRef>
+      <a:fontRef idx="minor"/>
+    </dgm:style>
+  </dgm:styleLbl>
+  <dgm:styleLbl name="fgAcc3">
+    <dgm:scene3d>
+      <a:camera prst="orthographicFront"/>
+      <a:lightRig rig="threePt" dir="t"/>
+    </dgm:scene3d>
+    <dgm:sp3d/>
+    <dgm:txPr/>
+    <dgm:style>
+      <a:lnRef idx="2">
+        <a:scrgbClr r="0" g="0" b="0"/>
+      </a:lnRef>
+      <a:fillRef idx="1">
+        <a:scrgbClr r="0" g="0" b="0"/>
+      </a:fillRef>
+      <a:effectRef idx="0">
+        <a:scrgbClr r="0" g="0" b="0"/>
+      </a:effectRef>
+      <a:fontRef idx="minor"/>
+    </dgm:style>
+  </dgm:styleLbl>
+  <dgm:styleLbl name="fgAcc4">
+    <dgm:scene3d>
+      <a:camera prst="orthographicFront"/>
+      <a:lightRig rig="threePt" dir="t"/>
+    </dgm:scene3d>
+    <dgm:sp3d/>
+    <dgm:txPr/>
+    <dgm:style>
+      <a:lnRef idx="2">
+        <a:scrgbClr r="0" g="0" b="0"/>
+      </a:lnRef>
+      <a:fillRef idx="1">
+        <a:scrgbClr r="0" g="0" b="0"/>
+      </a:fillRef>
+      <a:effectRef idx="0">
+        <a:scrgbClr r="0" g="0" b="0"/>
+      </a:effectRef>
+      <a:fontRef idx="minor"/>
+    </dgm:style>
+  </dgm:styleLbl>
+  <dgm:styleLbl name="bgShp">
+    <dgm:scene3d>
+      <a:camera prst="orthographicFront"/>
+      <a:lightRig rig="threePt" dir="t"/>
+    </dgm:scene3d>
+    <dgm:sp3d/>
+    <dgm:txPr/>
+    <dgm:style>
+      <a:lnRef idx="0">
+        <a:scrgbClr r="0" g="0" b="0"/>
+      </a:lnRef>
+      <a:fillRef idx="1">
+        <a:scrgbClr r="0" g="0" b="0"/>
+      </a:fillRef>
+      <a:effectRef idx="0">
+        <a:scrgbClr r="0" g="0" b="0"/>
+      </a:effectRef>
+      <a:fontRef idx="minor"/>
+    </dgm:style>
+  </dgm:styleLbl>
+  <dgm:styleLbl name="dkBgShp">
+    <dgm:scene3d>
+      <a:camera prst="orthographicFront"/>
+      <a:lightRig rig="threePt" dir="t"/>
+    </dgm:scene3d>
+    <dgm:sp3d/>
+    <dgm:txPr/>
+    <dgm:style>
+      <a:lnRef idx="0">
+        <a:scrgbClr r="0" g="0" b="0"/>
+      </a:lnRef>
+      <a:fillRef idx="1">
+        <a:scrgbClr r="0" g="0" b="0"/>
+      </a:fillRef>
+      <a:effectRef idx="0">
+        <a:scrgbClr r="0" g="0" b="0"/>
+      </a:effectRef>
+      <a:fontRef idx="minor"/>
+    </dgm:style>
+  </dgm:styleLbl>
+  <dgm:styleLbl name="trBgShp">
+    <dgm:scene3d>
+      <a:camera prst="orthographicFront"/>
+      <a:lightRig rig="threePt" dir="t"/>
+    </dgm:scene3d>
+    <dgm:sp3d/>
+    <dgm:txPr/>
+    <dgm:style>
+      <a:lnRef idx="0">
+        <a:scrgbClr r="0" g="0" b="0"/>
+      </a:lnRef>
+      <a:fillRef idx="1">
+        <a:scrgbClr r="0" g="0" b="0"/>
+      </a:fillRef>
+      <a:effectRef idx="0">
+        <a:scrgbClr r="0" g="0" b="0"/>
+      </a:effectRef>
+      <a:fontRef idx="minor"/>
+    </dgm:style>
+  </dgm:styleLbl>
+  <dgm:styleLbl name="fgShp">
+    <dgm:scene3d>
+      <a:camera prst="orthographicFront"/>
+      <a:lightRig rig="threePt" dir="t"/>
+    </dgm:scene3d>
+    <dgm:sp3d/>
+    <dgm:txPr/>
+    <dgm:style>
+      <a:lnRef idx="2">
+        <a:scrgbClr r="0" g="0" b="0"/>
+      </a:lnRef>
+      <a:fillRef idx="1">
+        <a:scrgbClr r="0" g="0" b="0"/>
+      </a:fillRef>
+      <a:effectRef idx="0">
+        <a:scrgbClr r="0" g="0" b="0"/>
+      </a:effectRef>
+      <a:fontRef idx="minor"/>
+    </dgm:style>
+  </dgm:styleLbl>
+  <dgm:styleLbl name="revTx">
+    <dgm:scene3d>
+      <a:camera prst="orthographicFront"/>
+      <a:lightRig rig="threePt" dir="t"/>
+    </dgm:scene3d>
+    <dgm:sp3d/>
+    <dgm:txPr/>
+    <dgm:style>
+      <a:lnRef idx="0">
+        <a:scrgbClr r="0" g="0" b="0"/>
+      </a:lnRef>
+      <a:fillRef idx="0">
+        <a:scrgbClr r="0" g="0" b="0"/>
+      </a:fillRef>
+      <a:effectRef idx="0">
+        <a:scrgbClr r="0" g="0" b="0"/>
+      </a:effectRef>
+      <a:fontRef idx="minor"/>
+    </dgm:style>
+  </dgm:styleLbl>
+</dgm:styleDef>
+</file>
+
+<file path=ppt/diagrams/quickStyle7.xml><?xml version="1.0" encoding="utf-8"?>
 <dgm:styleDef xmlns:dgm="http://schemas.openxmlformats.org/drawingml/2006/diagram" xmlns:a="http://schemas.openxmlformats.org/drawingml/2006/main" uniqueId="urn:microsoft.com/office/officeart/2005/8/quickstyle/simple1">
   <dgm:title val=""/>
   <dgm:desc val=""/>
@@ -11602,6 +20138,7 @@
           <a:p>
             <a:fld id="{F16FF745-5076-4921-BBC7-B29319029D7B}" type="datetimeFigureOut">
               <a:rPr lang="es-ES" smtClean="0"/>
+              <a:pPr/>
               <a:t>17/03/2010</a:t>
             </a:fld>
             <a:endParaRPr lang="es-ES"/>
@@ -11644,6 +20181,7 @@
           <a:p>
             <a:fld id="{9B628066-9D20-41B4-A7D0-B058C872666D}" type="slidenum">
               <a:rPr lang="es-ES" smtClean="0"/>
+              <a:pPr/>
               <a:t>‹Nº›</a:t>
             </a:fld>
             <a:endParaRPr lang="es-ES"/>
@@ -11775,6 +20313,7 @@
           <a:p>
             <a:fld id="{F16FF745-5076-4921-BBC7-B29319029D7B}" type="datetimeFigureOut">
               <a:rPr lang="es-ES" smtClean="0"/>
+              <a:pPr/>
               <a:t>17/03/2010</a:t>
             </a:fld>
             <a:endParaRPr lang="es-ES"/>
@@ -11817,6 +20356,7 @@
           <a:p>
             <a:fld id="{9B628066-9D20-41B4-A7D0-B058C872666D}" type="slidenum">
               <a:rPr lang="es-ES" smtClean="0"/>
+              <a:pPr/>
               <a:t>‹Nº›</a:t>
             </a:fld>
             <a:endParaRPr lang="es-ES"/>
@@ -12019,6 +20559,7 @@
           <a:p>
             <a:fld id="{F16FF745-5076-4921-BBC7-B29319029D7B}" type="datetimeFigureOut">
               <a:rPr lang="es-ES" smtClean="0"/>
+              <a:pPr/>
               <a:t>17/03/2010</a:t>
             </a:fld>
             <a:endParaRPr lang="es-ES"/>
@@ -12061,6 +20602,7 @@
           <a:p>
             <a:fld id="{9B628066-9D20-41B4-A7D0-B058C872666D}" type="slidenum">
               <a:rPr lang="es-ES" smtClean="0"/>
+              <a:pPr/>
               <a:t>‹Nº›</a:t>
             </a:fld>
             <a:endParaRPr lang="es-ES"/>
@@ -12310,6 +20852,7 @@
           <a:p>
             <a:fld id="{F16FF745-5076-4921-BBC7-B29319029D7B}" type="datetimeFigureOut">
               <a:rPr lang="es-ES" smtClean="0"/>
+              <a:pPr/>
               <a:t>17/03/2010</a:t>
             </a:fld>
             <a:endParaRPr lang="es-ES"/>
@@ -12352,6 +20895,7 @@
           <a:p>
             <a:fld id="{9B628066-9D20-41B4-A7D0-B058C872666D}" type="slidenum">
               <a:rPr lang="es-ES" smtClean="0"/>
+              <a:pPr/>
               <a:t>‹Nº›</a:t>
             </a:fld>
             <a:endParaRPr lang="es-ES"/>
@@ -12735,6 +21279,7 @@
           <a:p>
             <a:fld id="{F16FF745-5076-4921-BBC7-B29319029D7B}" type="datetimeFigureOut">
               <a:rPr lang="es-ES" smtClean="0"/>
+              <a:pPr/>
               <a:t>17/03/2010</a:t>
             </a:fld>
             <a:endParaRPr lang="es-ES"/>
@@ -12777,6 +21322,7 @@
           <a:p>
             <a:fld id="{9B628066-9D20-41B4-A7D0-B058C872666D}" type="slidenum">
               <a:rPr lang="es-ES" smtClean="0"/>
+              <a:pPr/>
               <a:t>‹Nº›</a:t>
             </a:fld>
             <a:endParaRPr lang="es-ES"/>
@@ -12910,6 +21456,7 @@
           <a:p>
             <a:fld id="{F16FF745-5076-4921-BBC7-B29319029D7B}" type="datetimeFigureOut">
               <a:rPr lang="es-ES" smtClean="0"/>
+              <a:pPr/>
               <a:t>17/03/2010</a:t>
             </a:fld>
             <a:endParaRPr lang="es-ES"/>
@@ -12988,6 +21535,7 @@
           <a:p>
             <a:fld id="{9B628066-9D20-41B4-A7D0-B058C872666D}" type="slidenum">
               <a:rPr lang="es-ES" smtClean="0"/>
+              <a:pPr/>
               <a:t>‹Nº›</a:t>
             </a:fld>
             <a:endParaRPr lang="es-ES"/>
@@ -13311,6 +21859,13 @@
   <p:clrMapOvr>
     <a:masterClrMapping/>
   </p:clrMapOvr>
+  <p:timing>
+    <p:tnLst>
+      <p:par>
+        <p:cTn id="1" dur="indefinite" restart="never" nodeType="tmRoot"/>
+      </p:par>
+    </p:tnLst>
+  </p:timing>
 </p:sld>
 </file>
 
@@ -13397,6 +21952,16 @@
             <a:r>
               <a:rPr lang="es-ES" dirty="0" smtClean="0"/>
               <a:t>Tracking</a:t>
+            </a:r>
+          </a:p>
+          <a:p>
+            <a:pPr marL="514350" indent="-514350">
+              <a:buFont typeface="+mj-lt"/>
+              <a:buAutoNum type="arabicPeriod"/>
+            </a:pPr>
+            <a:r>
+              <a:rPr lang="es-ES" dirty="0" err="1" smtClean="0"/>
+              <a:t>Conclusions</a:t>
             </a:r>
             <a:endParaRPr lang="es-ES" dirty="0"/>
           </a:p>
@@ -13513,11 +22078,7 @@
               </a:r>
               <a:r>
                 <a:rPr lang="en-US" sz="2400" b="1" kern="1200" noProof="0" dirty="0" smtClean="0"/>
-                <a:t>Face </a:t>
-              </a:r>
-              <a:r>
-                <a:rPr lang="en-US" sz="2400" b="1" kern="1200" noProof="0" dirty="0" smtClean="0"/>
-                <a:t>Recognition</a:t>
+                <a:t>Face Recognition</a:t>
               </a:r>
               <a:endParaRPr lang="en-US" sz="2400" b="1" kern="1200" noProof="0" dirty="0"/>
             </a:p>
@@ -13655,6 +22216,13 @@
   <p:clrMapOvr>
     <a:masterClrMapping/>
   </p:clrMapOvr>
+  <p:timing>
+    <p:tnLst>
+      <p:par>
+        <p:cTn id="1" dur="indefinite" restart="never" nodeType="tmRoot"/>
+      </p:par>
+    </p:tnLst>
+  </p:timing>
 </p:sld>
 </file>
 
@@ -13786,11 +22354,7 @@
               </a:r>
               <a:r>
                 <a:rPr lang="en-US" sz="2400" b="1" kern="1200" noProof="0" dirty="0" smtClean="0"/>
-                <a:t>Face </a:t>
-              </a:r>
-              <a:r>
-                <a:rPr lang="en-US" sz="2400" b="1" kern="1200" noProof="0" dirty="0" smtClean="0"/>
-                <a:t>Recognition</a:t>
+                <a:t>Face Recognition</a:t>
               </a:r>
               <a:endParaRPr lang="en-US" sz="2400" b="1" kern="1200" noProof="0" dirty="0"/>
             </a:p>
@@ -13944,7 +22508,7 @@
           </p:nvPr>
         </p:nvGraphicFramePr>
         <p:xfrm>
-          <a:off x="457200" y="1600200"/>
+          <a:off x="457200" y="1500174"/>
           <a:ext cx="8229600" cy="4525963"/>
         </p:xfrm>
         <a:graphic>
@@ -13958,6 +22522,13 @@
   <p:clrMapOvr>
     <a:masterClrMapping/>
   </p:clrMapOvr>
+  <p:timing>
+    <p:tnLst>
+      <p:par>
+        <p:cTn id="1" dur="indefinite" restart="never" nodeType="tmRoot"/>
+      </p:par>
+    </p:tnLst>
+  </p:timing>
 </p:sld>
 </file>
 
@@ -14089,11 +22660,7 @@
               </a:r>
               <a:r>
                 <a:rPr lang="en-US" sz="2400" b="1" kern="1200" noProof="0" dirty="0" smtClean="0"/>
-                <a:t>Face </a:t>
-              </a:r>
-              <a:r>
-                <a:rPr lang="en-US" sz="2400" b="1" kern="1200" noProof="0" dirty="0" smtClean="0"/>
-                <a:t>Recognition</a:t>
+                <a:t>Face Recognition</a:t>
               </a:r>
               <a:endParaRPr lang="en-US" sz="2400" b="1" kern="1200" noProof="0" dirty="0"/>
             </a:p>
@@ -14253,7 +22820,7 @@
           <p:nvPr/>
         </p:nvGraphicFramePr>
         <p:xfrm>
-          <a:off x="285720" y="1643050"/>
+          <a:off x="214282" y="1643050"/>
           <a:ext cx="2357454" cy="4311649"/>
         </p:xfrm>
         <a:graphic>
@@ -14298,7 +22865,7 @@
             <a:pPr algn="ctr"/>
             <a:r>
               <a:rPr lang="es-ES" dirty="0" smtClean="0"/>
-              <a:t>F</a:t>
+              <a:t>B</a:t>
             </a:r>
             <a:r>
               <a:rPr lang="es-ES" sz="1400" dirty="0" smtClean="0"/>
@@ -14306,19 +22873,19 @@
             </a:r>
             <a:r>
               <a:rPr lang="es-ES" dirty="0" smtClean="0"/>
-              <a:t> = | </a:t>
+              <a:t> = </a:t>
             </a:r>
             <a:r>
-              <a:rPr lang="es-ES" dirty="0" err="1" smtClean="0"/>
-              <a:t>I</a:t>
-            </a:r>
-            <a:r>
-              <a:rPr lang="es-ES" sz="1400" dirty="0" err="1" smtClean="0"/>
-              <a:t>i</a:t>
+              <a:rPr lang="el-GR" dirty="0" smtClean="0"/>
+              <a:t>α</a:t>
             </a:r>
             <a:r>
               <a:rPr lang="es-ES" dirty="0" smtClean="0"/>
-              <a:t> – B</a:t>
+              <a:t>*</a:t>
+            </a:r>
+            <a:r>
+              <a:rPr lang="es-ES" dirty="0" smtClean="0"/>
+              <a:t>F</a:t>
             </a:r>
             <a:r>
               <a:rPr lang="es-ES" sz="1400" dirty="0" smtClean="0"/>
@@ -14326,7 +22893,27 @@
             </a:r>
             <a:r>
               <a:rPr lang="es-ES" dirty="0" smtClean="0"/>
-              <a:t> |</a:t>
+              <a:t> </a:t>
+            </a:r>
+            <a:r>
+              <a:rPr lang="es-ES" dirty="0" smtClean="0"/>
+              <a:t>+ (</a:t>
+            </a:r>
+            <a:r>
+              <a:rPr lang="es-ES" dirty="0" smtClean="0"/>
+              <a:t>1-</a:t>
+            </a:r>
+            <a:r>
+              <a:rPr lang="el-GR" dirty="0" smtClean="0"/>
+              <a:t>α</a:t>
+            </a:r>
+            <a:r>
+              <a:rPr lang="es-ES" dirty="0" smtClean="0"/>
+              <a:t>)*B</a:t>
+            </a:r>
+            <a:r>
+              <a:rPr lang="es-ES" sz="1400" dirty="0" smtClean="0"/>
+              <a:t>i</a:t>
             </a:r>
             <a:endParaRPr lang="es-ES" dirty="0"/>
           </a:p>
@@ -14367,12 +22954,23 @@
           <a:p>
             <a:pPr algn="ctr"/>
             <a:r>
+              <a:rPr lang="es-ES" dirty="0" smtClean="0"/>
+              <a:t>PCA</a:t>
+            </a:r>
+          </a:p>
+          <a:p>
+            <a:pPr algn="ctr"/>
+            <a:r>
               <a:rPr lang="es-ES" dirty="0" err="1" smtClean="0"/>
               <a:t>First</a:t>
             </a:r>
             <a:r>
               <a:rPr lang="es-ES" dirty="0" smtClean="0"/>
-              <a:t> M </a:t>
+              <a:t> </a:t>
+            </a:r>
+            <a:r>
+              <a:rPr lang="es-ES" dirty="0" smtClean="0"/>
+              <a:t>M </a:t>
             </a:r>
             <a:r>
               <a:rPr lang="es-ES" dirty="0" err="1" smtClean="0"/>
@@ -14441,11 +23039,7 @@
             </a:r>
             <a:r>
               <a:rPr lang="es-ES" dirty="0" smtClean="0"/>
-              <a:t>*</a:t>
-            </a:r>
-            <a:r>
-              <a:rPr lang="es-ES" dirty="0" smtClean="0"/>
-              <a:t>F</a:t>
+              <a:t>*F</a:t>
             </a:r>
             <a:r>
               <a:rPr lang="es-ES" sz="1400" dirty="0" smtClean="0"/>
@@ -14616,8 +23210,8 @@
         </p:nvCxnSpPr>
         <p:spPr>
           <a:xfrm>
-            <a:off x="2357422" y="3214686"/>
-            <a:ext cx="857256" cy="1588"/>
+            <a:off x="2285984" y="3214686"/>
+            <a:ext cx="928694" cy="1588"/>
           </a:xfrm>
           <a:prstGeom prst="bentConnector3">
             <a:avLst>
@@ -14686,8 +23280,8 @@
         </p:nvCxnSpPr>
         <p:spPr>
           <a:xfrm>
-            <a:off x="2357422" y="5500702"/>
-            <a:ext cx="857256" cy="1588"/>
+            <a:off x="2285984" y="5500702"/>
+            <a:ext cx="928694" cy="1588"/>
           </a:xfrm>
           <a:prstGeom prst="bentConnector3">
             <a:avLst>
@@ -14718,6 +23312,13 @@
   <p:clrMapOvr>
     <a:masterClrMapping/>
   </p:clrMapOvr>
+  <p:timing>
+    <p:tnLst>
+      <p:par>
+        <p:cTn id="1" dur="indefinite" restart="never" nodeType="tmRoot"/>
+      </p:par>
+    </p:tnLst>
+  </p:timing>
 </p:sld>
 </file>
 
@@ -14849,11 +23450,7 @@
               </a:r>
               <a:r>
                 <a:rPr lang="en-US" sz="2400" b="1" kern="1200" noProof="0" dirty="0" smtClean="0"/>
-                <a:t>Face </a:t>
-              </a:r>
-              <a:r>
-                <a:rPr lang="en-US" sz="2400" b="1" kern="1200" noProof="0" dirty="0" smtClean="0"/>
-                <a:t>Recognition</a:t>
+                <a:t>Face Recognition</a:t>
               </a:r>
               <a:endParaRPr lang="en-US" sz="2400" b="1" kern="1200" noProof="0" dirty="0"/>
             </a:p>
@@ -15044,6 +23641,13 @@
   <p:clrMapOvr>
     <a:masterClrMapping/>
   </p:clrMapOvr>
+  <p:timing>
+    <p:tnLst>
+      <p:par>
+        <p:cTn id="1" dur="indefinite" restart="never" nodeType="tmRoot"/>
+      </p:par>
+    </p:tnLst>
+  </p:timing>
 </p:sld>
 </file>
 
@@ -15064,25 +23668,6 @@
           <a:chExt cx="0" cy="0"/>
         </a:xfrm>
       </p:grpSpPr>
-      <p:sp>
-        <p:nvSpPr>
-          <p:cNvPr id="3" name="2 Marcador de contenido"/>
-          <p:cNvSpPr>
-            <a:spLocks noGrp="1"/>
-          </p:cNvSpPr>
-          <p:nvPr>
-            <p:ph idx="1"/>
-          </p:nvPr>
-        </p:nvSpPr>
-        <p:spPr/>
-        <p:txBody>
-          <a:bodyPr/>
-          <a:lstStyle/>
-          <a:p>
-            <a:endParaRPr lang="es-ES" dirty="0"/>
-          </a:p>
-        </p:txBody>
-      </p:sp>
       <p:grpSp>
         <p:nvGrpSpPr>
           <p:cNvPr id="2" name="3 Grupo"/>
@@ -15194,11 +23779,7 @@
               </a:r>
               <a:r>
                 <a:rPr lang="en-US" sz="2400" b="1" kern="1200" noProof="0" dirty="0" smtClean="0"/>
-                <a:t>Face </a:t>
-              </a:r>
-              <a:r>
-                <a:rPr lang="en-US" sz="2400" b="1" kern="1200" noProof="0" dirty="0" smtClean="0"/>
-                <a:t>Recognition</a:t>
+                <a:t>Face Recognition</a:t>
               </a:r>
               <a:endParaRPr lang="en-US" sz="2400" b="1" kern="1200" noProof="0" dirty="0"/>
             </a:p>
@@ -15349,11 +23930,210 @@
           </p:txBody>
         </p:sp>
       </p:grpSp>
+      <p:graphicFrame>
+        <p:nvGraphicFramePr>
+          <p:cNvPr id="10" name="15 Marcador de contenido"/>
+          <p:cNvGraphicFramePr>
+            <a:graphicFrameLocks noGrp="1"/>
+          </p:cNvGraphicFramePr>
+          <p:nvPr>
+            <p:ph idx="1"/>
+          </p:nvPr>
+        </p:nvGraphicFramePr>
+        <p:xfrm>
+          <a:off x="500034" y="1071546"/>
+          <a:ext cx="1785950" cy="4357718"/>
+        </p:xfrm>
+        <a:graphic>
+          <a:graphicData uri="http://schemas.openxmlformats.org/drawingml/2006/diagram">
+            <dgm:relIds xmlns:dgm="http://schemas.openxmlformats.org/drawingml/2006/diagram" xmlns:r="http://schemas.openxmlformats.org/officeDocument/2006/relationships" r:dm="rId2" r:lo="rId3" r:qs="rId4" r:cs="rId5"/>
+          </a:graphicData>
+        </a:graphic>
+      </p:graphicFrame>
+      <p:sp>
+        <p:nvSpPr>
+          <p:cNvPr id="15" name="14 Rectángulo redondeado"/>
+          <p:cNvSpPr/>
+          <p:nvPr/>
+        </p:nvSpPr>
+        <p:spPr>
+          <a:xfrm>
+            <a:off x="3214678" y="2714620"/>
+            <a:ext cx="2714644" cy="857256"/>
+          </a:xfrm>
+          <a:prstGeom prst="roundRect">
+            <a:avLst/>
+          </a:prstGeom>
+        </p:spPr>
+        <p:style>
+          <a:lnRef idx="2">
+            <a:schemeClr val="accent5"/>
+          </a:lnRef>
+          <a:fillRef idx="1">
+            <a:schemeClr val="lt1"/>
+          </a:fillRef>
+          <a:effectRef idx="0">
+            <a:schemeClr val="accent5"/>
+          </a:effectRef>
+          <a:fontRef idx="minor">
+            <a:schemeClr val="dk1"/>
+          </a:fontRef>
+        </p:style>
+        <p:txBody>
+          <a:bodyPr rtlCol="0" anchor="ctr"/>
+          <a:lstStyle/>
+          <a:p>
+            <a:pPr algn="ctr"/>
+            <a:r>
+              <a:rPr lang="es-ES" dirty="0" err="1" smtClean="0"/>
+              <a:t>OpenCV</a:t>
+            </a:r>
+            <a:endParaRPr lang="es-ES" dirty="0" smtClean="0"/>
+          </a:p>
+          <a:p>
+            <a:pPr algn="ctr"/>
+            <a:r>
+              <a:rPr lang="es-ES" dirty="0" err="1" smtClean="0"/>
+              <a:t>HaarCascade</a:t>
+            </a:r>
+            <a:r>
+              <a:rPr lang="es-ES" dirty="0" smtClean="0"/>
+              <a:t> frontal </a:t>
+            </a:r>
+            <a:r>
+              <a:rPr lang="es-ES" dirty="0" err="1" smtClean="0"/>
+              <a:t>face</a:t>
+            </a:r>
+            <a:endParaRPr lang="es-ES" dirty="0"/>
+          </a:p>
+        </p:txBody>
+      </p:sp>
+      <p:cxnSp>
+        <p:nvCxnSpPr>
+          <p:cNvPr id="17" name="16 Conector angular"/>
+          <p:cNvCxnSpPr>
+            <a:endCxn id="15" idx="1"/>
+          </p:cNvCxnSpPr>
+          <p:nvPr/>
+        </p:nvCxnSpPr>
+        <p:spPr>
+          <a:xfrm>
+            <a:off x="2285984" y="3143248"/>
+            <a:ext cx="928694" cy="1588"/>
+          </a:xfrm>
+          <a:prstGeom prst="bentConnector3">
+            <a:avLst>
+              <a:gd name="adj1" fmla="val 50000"/>
+            </a:avLst>
+          </a:prstGeom>
+          <a:ln>
+            <a:tailEnd type="arrow"/>
+          </a:ln>
+        </p:spPr>
+        <p:style>
+          <a:lnRef idx="2">
+            <a:schemeClr val="accent5"/>
+          </a:lnRef>
+          <a:fillRef idx="0">
+            <a:schemeClr val="accent5"/>
+          </a:fillRef>
+          <a:effectRef idx="1">
+            <a:schemeClr val="accent5"/>
+          </a:effectRef>
+          <a:fontRef idx="minor">
+            <a:schemeClr val="tx1"/>
+          </a:fontRef>
+        </p:style>
+      </p:cxnSp>
+      <p:sp>
+        <p:nvSpPr>
+          <p:cNvPr id="20" name="19 Rectángulo redondeado"/>
+          <p:cNvSpPr/>
+          <p:nvPr/>
+        </p:nvSpPr>
+        <p:spPr>
+          <a:xfrm>
+            <a:off x="3214678" y="3857628"/>
+            <a:ext cx="2714644" cy="857256"/>
+          </a:xfrm>
+          <a:prstGeom prst="roundRect">
+            <a:avLst/>
+          </a:prstGeom>
+        </p:spPr>
+        <p:style>
+          <a:lnRef idx="2">
+            <a:schemeClr val="accent6"/>
+          </a:lnRef>
+          <a:fillRef idx="1">
+            <a:schemeClr val="lt1"/>
+          </a:fillRef>
+          <a:effectRef idx="0">
+            <a:schemeClr val="accent6"/>
+          </a:effectRef>
+          <a:fontRef idx="minor">
+            <a:schemeClr val="dk1"/>
+          </a:fontRef>
+        </p:style>
+        <p:txBody>
+          <a:bodyPr rtlCol="0" anchor="ctr"/>
+          <a:lstStyle/>
+          <a:p>
+            <a:pPr algn="ctr"/>
+            <a:r>
+              <a:rPr lang="es-ES" dirty="0" smtClean="0"/>
+              <a:t>PCA &amp; SVM</a:t>
+            </a:r>
+            <a:endParaRPr lang="es-ES" dirty="0"/>
+          </a:p>
+        </p:txBody>
+      </p:sp>
+      <p:cxnSp>
+        <p:nvCxnSpPr>
+          <p:cNvPr id="21" name="20 Conector angular"/>
+          <p:cNvCxnSpPr/>
+          <p:nvPr/>
+        </p:nvCxnSpPr>
+        <p:spPr>
+          <a:xfrm>
+            <a:off x="2285984" y="4286256"/>
+            <a:ext cx="928694" cy="1588"/>
+          </a:xfrm>
+          <a:prstGeom prst="bentConnector3">
+            <a:avLst>
+              <a:gd name="adj1" fmla="val 50000"/>
+            </a:avLst>
+          </a:prstGeom>
+          <a:ln>
+            <a:tailEnd type="arrow"/>
+          </a:ln>
+        </p:spPr>
+        <p:style>
+          <a:lnRef idx="2">
+            <a:schemeClr val="accent6"/>
+          </a:lnRef>
+          <a:fillRef idx="0">
+            <a:schemeClr val="accent6"/>
+          </a:fillRef>
+          <a:effectRef idx="1">
+            <a:schemeClr val="accent6"/>
+          </a:effectRef>
+          <a:fontRef idx="minor">
+            <a:schemeClr val="tx1"/>
+          </a:fontRef>
+        </p:style>
+      </p:cxnSp>
     </p:spTree>
   </p:cSld>
   <p:clrMapOvr>
     <a:masterClrMapping/>
   </p:clrMapOvr>
+  <p:timing>
+    <p:tnLst>
+      <p:par>
+        <p:cTn id="1" dur="indefinite" restart="never" nodeType="tmRoot"/>
+      </p:par>
+    </p:tnLst>
+  </p:timing>
 </p:sld>
 </file>
 
@@ -15374,25 +24154,6 @@
           <a:chExt cx="0" cy="0"/>
         </a:xfrm>
       </p:grpSpPr>
-      <p:sp>
-        <p:nvSpPr>
-          <p:cNvPr id="3" name="2 Marcador de contenido"/>
-          <p:cNvSpPr>
-            <a:spLocks noGrp="1"/>
-          </p:cNvSpPr>
-          <p:nvPr>
-            <p:ph idx="1"/>
-          </p:nvPr>
-        </p:nvSpPr>
-        <p:spPr/>
-        <p:txBody>
-          <a:bodyPr/>
-          <a:lstStyle/>
-          <a:p>
-            <a:endParaRPr lang="es-ES" dirty="0"/>
-          </a:p>
-        </p:txBody>
-      </p:sp>
       <p:grpSp>
         <p:nvGrpSpPr>
           <p:cNvPr id="2" name="3 Grupo"/>
@@ -15504,11 +24265,7 @@
               </a:r>
               <a:r>
                 <a:rPr lang="en-US" sz="2400" b="1" kern="1200" noProof="0" dirty="0" smtClean="0"/>
-                <a:t>Face </a:t>
-              </a:r>
-              <a:r>
-                <a:rPr lang="en-US" sz="2400" b="1" kern="1200" noProof="0" dirty="0" smtClean="0"/>
-                <a:t>Recognition</a:t>
+                <a:t>Face Recognition</a:t>
               </a:r>
               <a:endParaRPr lang="en-US" sz="2400" b="1" kern="1200" noProof="0" dirty="0"/>
             </a:p>
@@ -15659,11 +24416,38 @@
           </p:txBody>
         </p:sp>
       </p:grpSp>
+      <p:graphicFrame>
+        <p:nvGraphicFramePr>
+          <p:cNvPr id="10" name="15 Marcador de contenido"/>
+          <p:cNvGraphicFramePr>
+            <a:graphicFrameLocks noGrp="1"/>
+          </p:cNvGraphicFramePr>
+          <p:nvPr>
+            <p:ph idx="1"/>
+          </p:nvPr>
+        </p:nvGraphicFramePr>
+        <p:xfrm>
+          <a:off x="457200" y="1643050"/>
+          <a:ext cx="1900222" cy="3286148"/>
+        </p:xfrm>
+        <a:graphic>
+          <a:graphicData uri="http://schemas.openxmlformats.org/drawingml/2006/diagram">
+            <dgm:relIds xmlns:dgm="http://schemas.openxmlformats.org/drawingml/2006/diagram" xmlns:r="http://schemas.openxmlformats.org/officeDocument/2006/relationships" r:dm="rId2" r:lo="rId3" r:qs="rId4" r:cs="rId5"/>
+          </a:graphicData>
+        </a:graphic>
+      </p:graphicFrame>
     </p:spTree>
   </p:cSld>
   <p:clrMapOvr>
     <a:masterClrMapping/>
   </p:clrMapOvr>
+  <p:timing>
+    <p:tnLst>
+      <p:par>
+        <p:cTn id="1" dur="indefinite" restart="never" nodeType="tmRoot"/>
+      </p:par>
+    </p:tnLst>
+  </p:timing>
 </p:sld>
 </file>
 
@@ -15684,25 +24468,6 @@
           <a:chExt cx="0" cy="0"/>
         </a:xfrm>
       </p:grpSpPr>
-      <p:sp>
-        <p:nvSpPr>
-          <p:cNvPr id="3" name="2 Marcador de contenido"/>
-          <p:cNvSpPr>
-            <a:spLocks noGrp="1"/>
-          </p:cNvSpPr>
-          <p:nvPr>
-            <p:ph idx="1"/>
-          </p:nvPr>
-        </p:nvSpPr>
-        <p:spPr/>
-        <p:txBody>
-          <a:bodyPr/>
-          <a:lstStyle/>
-          <a:p>
-            <a:endParaRPr lang="es-ES" dirty="0"/>
-          </a:p>
-        </p:txBody>
-      </p:sp>
       <p:grpSp>
         <p:nvGrpSpPr>
           <p:cNvPr id="2" name="3 Grupo"/>
@@ -15814,11 +24579,7 @@
               </a:r>
               <a:r>
                 <a:rPr lang="en-US" sz="2400" b="1" kern="1200" noProof="0" dirty="0" smtClean="0"/>
-                <a:t>Face </a:t>
-              </a:r>
-              <a:r>
-                <a:rPr lang="en-US" sz="2400" b="1" kern="1200" noProof="0" dirty="0" smtClean="0"/>
-                <a:t>Recognition</a:t>
+                <a:t>Face Recognition</a:t>
               </a:r>
               <a:endParaRPr lang="en-US" sz="2400" b="1" kern="1200" noProof="0" dirty="0"/>
             </a:p>
@@ -15971,11 +24732,38 @@
           </p:txBody>
         </p:sp>
       </p:grpSp>
+      <p:graphicFrame>
+        <p:nvGraphicFramePr>
+          <p:cNvPr id="10" name="15 Marcador de contenido"/>
+          <p:cNvGraphicFramePr>
+            <a:graphicFrameLocks noGrp="1"/>
+          </p:cNvGraphicFramePr>
+          <p:nvPr>
+            <p:ph idx="1"/>
+          </p:nvPr>
+        </p:nvGraphicFramePr>
+        <p:xfrm>
+          <a:off x="457200" y="1571612"/>
+          <a:ext cx="1828784" cy="1257295"/>
+        </p:xfrm>
+        <a:graphic>
+          <a:graphicData uri="http://schemas.openxmlformats.org/drawingml/2006/diagram">
+            <dgm:relIds xmlns:dgm="http://schemas.openxmlformats.org/drawingml/2006/diagram" xmlns:r="http://schemas.openxmlformats.org/officeDocument/2006/relationships" r:dm="rId2" r:lo="rId3" r:qs="rId4" r:cs="rId5"/>
+          </a:graphicData>
+        </a:graphic>
+      </p:graphicFrame>
     </p:spTree>
   </p:cSld>
   <p:clrMapOvr>
     <a:masterClrMapping/>
   </p:clrMapOvr>
+  <p:timing>
+    <p:tnLst>
+      <p:par>
+        <p:cTn id="1" dur="indefinite" restart="never" nodeType="tmRoot"/>
+      </p:par>
+    </p:tnLst>
+  </p:timing>
 </p:sld>
 </file>
 
@@ -16126,11 +24914,7 @@
               </a:r>
               <a:r>
                 <a:rPr lang="en-US" sz="2400" b="1" kern="1200" noProof="0" dirty="0" smtClean="0"/>
-                <a:t>Face </a:t>
-              </a:r>
-              <a:r>
-                <a:rPr lang="en-US" sz="2400" b="1" kern="1200" noProof="0" dirty="0" smtClean="0"/>
-                <a:t>Recognition</a:t>
+                <a:t>Face Recognition</a:t>
               </a:r>
               <a:endParaRPr lang="en-US" sz="2400" b="1" kern="1200" noProof="0" dirty="0"/>
             </a:p>
@@ -16294,6 +25078,13 @@
   <p:clrMapOvr>
     <a:masterClrMapping/>
   </p:clrMapOvr>
+  <p:timing>
+    <p:tnLst>
+      <p:par>
+        <p:cTn id="1" dur="indefinite" restart="never" nodeType="tmRoot"/>
+      </p:par>
+    </p:tnLst>
+  </p:timing>
 </p:sld>
 </file>
 
